--- a/lectures/_L1a Intro to SW Architecture.pptx
+++ b/lectures/_L1a Intro to SW Architecture.pptx
@@ -5,10 +5,10 @@
     <p:sldMasterId id="2147483711" r:id="rId1"/>
   </p:sldMasterIdLst>
   <p:notesMasterIdLst>
-    <p:notesMasterId r:id="rId23"/>
+    <p:notesMasterId r:id="rId24"/>
   </p:notesMasterIdLst>
   <p:handoutMasterIdLst>
-    <p:handoutMasterId r:id="rId24"/>
+    <p:handoutMasterId r:id="rId25"/>
   </p:handoutMasterIdLst>
   <p:sldIdLst>
     <p:sldId id="256" r:id="rId2"/>
@@ -16,22 +16,23 @@
     <p:sldId id="438" r:id="rId4"/>
     <p:sldId id="437" r:id="rId5"/>
     <p:sldId id="436" r:id="rId6"/>
-    <p:sldId id="444" r:id="rId7"/>
-    <p:sldId id="470" r:id="rId8"/>
-    <p:sldId id="443" r:id="rId9"/>
-    <p:sldId id="451" r:id="rId10"/>
-    <p:sldId id="619" r:id="rId11"/>
-    <p:sldId id="490" r:id="rId12"/>
-    <p:sldId id="485" r:id="rId13"/>
-    <p:sldId id="618" r:id="rId14"/>
-    <p:sldId id="452" r:id="rId15"/>
-    <p:sldId id="453" r:id="rId16"/>
-    <p:sldId id="447" r:id="rId17"/>
-    <p:sldId id="448" r:id="rId18"/>
-    <p:sldId id="449" r:id="rId19"/>
-    <p:sldId id="620" r:id="rId20"/>
-    <p:sldId id="474" r:id="rId21"/>
-    <p:sldId id="454" r:id="rId22"/>
+    <p:sldId id="636" r:id="rId7"/>
+    <p:sldId id="637" r:id="rId8"/>
+    <p:sldId id="470" r:id="rId9"/>
+    <p:sldId id="443" r:id="rId10"/>
+    <p:sldId id="451" r:id="rId11"/>
+    <p:sldId id="619" r:id="rId12"/>
+    <p:sldId id="490" r:id="rId13"/>
+    <p:sldId id="485" r:id="rId14"/>
+    <p:sldId id="618" r:id="rId15"/>
+    <p:sldId id="452" r:id="rId16"/>
+    <p:sldId id="453" r:id="rId17"/>
+    <p:sldId id="447" r:id="rId18"/>
+    <p:sldId id="448" r:id="rId19"/>
+    <p:sldId id="449" r:id="rId20"/>
+    <p:sldId id="620" r:id="rId21"/>
+    <p:sldId id="474" r:id="rId22"/>
+    <p:sldId id="454" r:id="rId23"/>
   </p:sldIdLst>
   <p:sldSz cx="9144000" cy="6096000"/>
   <p:notesSz cx="7010400" cy="9296400"/>
@@ -295,14 +296,14 @@
           <a:effectLst/>
           <a:extLst>
             <a:ext uri="{909E8E84-426E-40dd-AFC4-6F175D3DCCD1}">
-              <a14:hiddenFill xmlns="" xmlns:a14="http://schemas.microsoft.com/office/drawing/2010/main">
+              <a14:hiddenFill xmlns:a14="http://schemas.microsoft.com/office/drawing/2010/main" xmlns="">
                 <a:solidFill>
                   <a:srgbClr val="FFFFFF"/>
                 </a:solidFill>
               </a14:hiddenFill>
             </a:ext>
             <a:ext uri="{91240B29-F687-4f45-9708-019B960494DF}">
-              <a14:hiddenLine xmlns="" xmlns:a14="http://schemas.microsoft.com/office/drawing/2010/main" w="12700">
+              <a14:hiddenLine xmlns:a14="http://schemas.microsoft.com/office/drawing/2010/main" xmlns="" w="12700">
                 <a:solidFill>
                   <a:srgbClr val="000000"/>
                 </a:solidFill>
@@ -312,7 +313,7 @@
               </a14:hiddenLine>
             </a:ext>
             <a:ext uri="{AF507438-7753-43e0-B8FC-AC1667EBCBE1}">
-              <a14:hiddenEffects xmlns="" xmlns:a14="http://schemas.microsoft.com/office/drawing/2010/main">
+              <a14:hiddenEffects xmlns:a14="http://schemas.microsoft.com/office/drawing/2010/main" xmlns="">
                 <a:effectLst>
                   <a:outerShdw dist="35921" dir="2700000" algn="ctr" rotWithShape="0">
                     <a:srgbClr val="808080"/>
@@ -321,7 +322,7 @@
               </a14:hiddenEffects>
             </a:ext>
             <a:ext uri="{53640926-AAD7-44d8-BBD7-CCE9431645EC}">
-              <a14:shadowObscured xmlns="" xmlns:a14="http://schemas.microsoft.com/office/drawing/2010/main" val="1"/>
+              <a14:shadowObscured xmlns:a14="http://schemas.microsoft.com/office/drawing/2010/main" xmlns="" val="1"/>
             </a:ext>
           </a:extLst>
         </p:spPr>
@@ -684,7 +685,7 @@
               <a:pPr>
                 <a:defRPr/>
               </a:pPr>
-              <a:t>3/29/22</a:t>
+              <a:t>3/30/22</a:t>
             </a:fld>
             <a:endParaRPr lang="en-US">
               <a:solidFill>
@@ -909,7 +910,7 @@
               <a:pPr>
                 <a:defRPr/>
               </a:pPr>
-              <a:t>3/29/22</a:t>
+              <a:t>3/30/22</a:t>
             </a:fld>
             <a:endParaRPr lang="en-US">
               <a:solidFill>
@@ -1144,7 +1145,7 @@
               <a:pPr>
                 <a:defRPr/>
               </a:pPr>
-              <a:t>3/29/22</a:t>
+              <a:t>3/30/22</a:t>
             </a:fld>
             <a:endParaRPr lang="en-US">
               <a:solidFill>
@@ -1417,7 +1418,7 @@
               <a:pPr>
                 <a:defRPr/>
               </a:pPr>
-              <a:t>3/29/22</a:t>
+              <a:t>3/30/22</a:t>
             </a:fld>
             <a:endParaRPr lang="en-US" dirty="0">
               <a:solidFill>
@@ -1711,7 +1712,7 @@
               <a:pPr>
                 <a:defRPr/>
               </a:pPr>
-              <a:t>3/29/22</a:t>
+              <a:t>3/30/22</a:t>
             </a:fld>
             <a:endParaRPr lang="en-US">
               <a:solidFill>
@@ -2053,7 +2054,7 @@
               <a:pPr>
                 <a:defRPr/>
               </a:pPr>
-              <a:t>3/29/22</a:t>
+              <a:t>3/30/22</a:t>
             </a:fld>
             <a:endParaRPr lang="en-US">
               <a:solidFill>
@@ -2529,7 +2530,7 @@
               <a:pPr>
                 <a:defRPr/>
               </a:pPr>
-              <a:t>3/29/22</a:t>
+              <a:t>3/30/22</a:t>
             </a:fld>
             <a:endParaRPr lang="en-US">
               <a:solidFill>
@@ -2703,7 +2704,7 @@
               <a:pPr>
                 <a:defRPr/>
               </a:pPr>
-              <a:t>3/29/22</a:t>
+              <a:t>3/30/22</a:t>
             </a:fld>
             <a:endParaRPr lang="en-US">
               <a:solidFill>
@@ -2855,7 +2856,7 @@
               <a:pPr>
                 <a:defRPr/>
               </a:pPr>
-              <a:t>3/29/22</a:t>
+              <a:t>3/30/22</a:t>
             </a:fld>
             <a:endParaRPr lang="en-US">
               <a:solidFill>
@@ -3187,7 +3188,7 @@
               <a:pPr>
                 <a:defRPr/>
               </a:pPr>
-              <a:t>3/29/22</a:t>
+              <a:t>3/30/22</a:t>
             </a:fld>
             <a:endParaRPr lang="en-US">
               <a:solidFill>
@@ -3499,7 +3500,7 @@
               <a:pPr>
                 <a:defRPr/>
               </a:pPr>
-              <a:t>3/29/22</a:t>
+              <a:t>3/30/22</a:t>
             </a:fld>
             <a:endParaRPr lang="en-US">
               <a:solidFill>
@@ -3647,14 +3648,14 @@
           </a:ln>
           <a:extLst>
             <a:ext uri="{909E8E84-426E-40dd-AFC4-6F175D3DCCD1}">
-              <a14:hiddenFill xmlns="" xmlns:a14="http://schemas.microsoft.com/office/drawing/2010/main">
+              <a14:hiddenFill xmlns:a14="http://schemas.microsoft.com/office/drawing/2010/main" xmlns="">
                 <a:solidFill>
                   <a:srgbClr val="FFFFFF"/>
                 </a:solidFill>
               </a14:hiddenFill>
             </a:ext>
             <a:ext uri="{91240B29-F687-4f45-9708-019B960494DF}">
-              <a14:hiddenLine xmlns="" xmlns:a14="http://schemas.microsoft.com/office/drawing/2010/main" w="9525">
+              <a14:hiddenLine xmlns:a14="http://schemas.microsoft.com/office/drawing/2010/main" xmlns="" w="9525">
                 <a:solidFill>
                   <a:srgbClr val="000000"/>
                 </a:solidFill>
@@ -3705,14 +3706,14 @@
           </a:ln>
           <a:extLst>
             <a:ext uri="{909E8E84-426E-40dd-AFC4-6F175D3DCCD1}">
-              <a14:hiddenFill xmlns="" xmlns:a14="http://schemas.microsoft.com/office/drawing/2010/main">
+              <a14:hiddenFill xmlns:a14="http://schemas.microsoft.com/office/drawing/2010/main" xmlns="">
                 <a:solidFill>
                   <a:srgbClr val="FFFFFF"/>
                 </a:solidFill>
               </a14:hiddenFill>
             </a:ext>
             <a:ext uri="{91240B29-F687-4f45-9708-019B960494DF}">
-              <a14:hiddenLine xmlns="" xmlns:a14="http://schemas.microsoft.com/office/drawing/2010/main" w="9525">
+              <a14:hiddenLine xmlns:a14="http://schemas.microsoft.com/office/drawing/2010/main" xmlns="" w="9525">
                 <a:solidFill>
                   <a:srgbClr val="000000"/>
                 </a:solidFill>
@@ -3814,7 +3815,7 @@
               <a:pPr>
                 <a:defRPr/>
               </a:pPr>
-              <a:t>3/29/22</a:t>
+              <a:t>3/30/22</a:t>
             </a:fld>
             <a:endParaRPr lang="en-US">
               <a:solidFill>
@@ -4369,7 +4370,7 @@
           </a:xfrm>
           <a:extLst>
             <a:ext uri="{91240B29-F687-4f45-9708-019B960494DF}">
-              <a14:hiddenLine xmlns="" xmlns:a14="http://schemas.microsoft.com/office/drawing/2010/main" w="12700">
+              <a14:hiddenLine xmlns:a14="http://schemas.microsoft.com/office/drawing/2010/main" xmlns="" w="12700">
                 <a:solidFill>
                   <a:schemeClr val="tx1"/>
                 </a:solidFill>
@@ -4899,6 +4900,222 @@
               <a:rPr lang="en-US"/>
               <a:pPr/>
               <a:t>10</a:t>
+            </a:fld>
+            <a:endParaRPr lang="en-US"/>
+          </a:p>
+        </p:txBody>
+      </p:sp>
+      <p:sp>
+        <p:nvSpPr>
+          <p:cNvPr id="250882" name="Rectangle 2"/>
+          <p:cNvSpPr>
+            <a:spLocks noGrp="1" noChangeArrowheads="1"/>
+          </p:cNvSpPr>
+          <p:nvPr>
+            <p:ph type="title"/>
+          </p:nvPr>
+        </p:nvSpPr>
+        <p:spPr>
+          <a:xfrm>
+            <a:off x="338417" y="226203"/>
+            <a:ext cx="8229600" cy="621287"/>
+          </a:xfrm>
+        </p:spPr>
+        <p:txBody>
+          <a:bodyPr/>
+          <a:lstStyle/>
+          <a:p>
+            <a:r>
+              <a:rPr lang="en-US" sz="2800" dirty="0"/>
+              <a:t>Software Architecture as a Design Activity</a:t>
+            </a:r>
+          </a:p>
+        </p:txBody>
+      </p:sp>
+      <p:sp>
+        <p:nvSpPr>
+          <p:cNvPr id="250883" name="Rectangle 3"/>
+          <p:cNvSpPr>
+            <a:spLocks noGrp="1" noChangeArrowheads="1"/>
+          </p:cNvSpPr>
+          <p:nvPr>
+            <p:ph type="body" idx="1"/>
+          </p:nvPr>
+        </p:nvSpPr>
+        <p:spPr>
+          <a:xfrm>
+            <a:off x="457200" y="968418"/>
+            <a:ext cx="8229600" cy="4659362"/>
+          </a:xfrm>
+        </p:spPr>
+        <p:txBody>
+          <a:bodyPr/>
+          <a:lstStyle/>
+          <a:p>
+            <a:pPr>
+              <a:lnSpc>
+                <a:spcPct val="90000"/>
+              </a:lnSpc>
+            </a:pPr>
+            <a:r>
+              <a:rPr lang="en-US" dirty="0"/>
+              <a:t>It</a:t>
+            </a:r>
+            <a:r>
+              <a:rPr lang="en-US" dirty="0">
+                <a:latin typeface="Arial"/>
+              </a:rPr>
+              <a:t>’</a:t>
+            </a:r>
+            <a:r>
+              <a:rPr lang="en-US" dirty="0"/>
+              <a:t>s about software design</a:t>
+            </a:r>
+          </a:p>
+          <a:p>
+            <a:pPr lvl="1">
+              <a:lnSpc>
+                <a:spcPct val="90000"/>
+              </a:lnSpc>
+            </a:pPr>
+            <a:r>
+              <a:rPr lang="en-US" dirty="0"/>
+              <a:t>All architecture is software design, but not all design is software architecture</a:t>
+            </a:r>
+          </a:p>
+          <a:p>
+            <a:pPr lvl="1">
+              <a:lnSpc>
+                <a:spcPct val="90000"/>
+              </a:lnSpc>
+            </a:pPr>
+            <a:r>
+              <a:rPr lang="en-US" dirty="0"/>
+              <a:t>Part of the design process</a:t>
+            </a:r>
+          </a:p>
+          <a:p>
+            <a:pPr>
+              <a:lnSpc>
+                <a:spcPct val="90000"/>
+              </a:lnSpc>
+            </a:pPr>
+            <a:r>
+              <a:rPr lang="en-US" dirty="0"/>
+              <a:t>Simply, architecture focuses </a:t>
+            </a:r>
+            <a:r>
+              <a:rPr lang="en-US" dirty="0">
+                <a:solidFill>
+                  <a:srgbClr val="0000FF"/>
+                </a:solidFill>
+              </a:rPr>
+              <a:t>on issues that will be difficult/impossible to change once the system is built</a:t>
+            </a:r>
+          </a:p>
+          <a:p>
+            <a:pPr lvl="1">
+              <a:lnSpc>
+                <a:spcPct val="90000"/>
+              </a:lnSpc>
+            </a:pPr>
+            <a:r>
+              <a:rPr lang="en-US" dirty="0"/>
+              <a:t>Quality attributes like security, performance</a:t>
+            </a:r>
+          </a:p>
+          <a:p>
+            <a:pPr lvl="1">
+              <a:lnSpc>
+                <a:spcPct val="90000"/>
+              </a:lnSpc>
+            </a:pPr>
+            <a:r>
+              <a:rPr lang="en-US" dirty="0"/>
+              <a:t>Non-functional requirements like cost, deployment hardware</a:t>
+            </a:r>
+          </a:p>
+          <a:p>
+            <a:pPr lvl="1">
+              <a:lnSpc>
+                <a:spcPct val="90000"/>
+              </a:lnSpc>
+            </a:pPr>
+            <a:r>
+              <a:rPr lang="en-US" dirty="0"/>
+              <a:t>More on these later in this course</a:t>
+            </a:r>
+          </a:p>
+          <a:p>
+            <a:pPr>
+              <a:lnSpc>
+                <a:spcPct val="90000"/>
+              </a:lnSpc>
+            </a:pPr>
+            <a:r>
+              <a:rPr lang="en-US" dirty="0"/>
+              <a:t>Generally architecture is about the effective management of constraints on the to be built system</a:t>
+            </a:r>
+          </a:p>
+          <a:p>
+            <a:pPr>
+              <a:lnSpc>
+                <a:spcPct val="90000"/>
+              </a:lnSpc>
+            </a:pPr>
+            <a:endParaRPr lang="en-US" dirty="0"/>
+          </a:p>
+        </p:txBody>
+      </p:sp>
+    </p:spTree>
+    <p:extLst>
+      <p:ext uri="{BB962C8B-B14F-4D97-AF65-F5344CB8AC3E}">
+        <p14:creationId xmlns:p14="http://schemas.microsoft.com/office/powerpoint/2010/main" val="4074630252"/>
+      </p:ext>
+    </p:extLst>
+  </p:cSld>
+  <p:clrMapOvr>
+    <a:masterClrMapping/>
+  </p:clrMapOvr>
+</p:sld>
+</file>
+
+<file path=ppt/slides/slide11.xml><?xml version="1.0" encoding="utf-8"?>
+<p:sld xmlns:a="http://schemas.openxmlformats.org/drawingml/2006/main" xmlns:r="http://schemas.openxmlformats.org/officeDocument/2006/relationships" xmlns:p="http://schemas.openxmlformats.org/presentationml/2006/main">
+  <p:cSld>
+    <p:spTree>
+      <p:nvGrpSpPr>
+        <p:cNvPr id="1" name=""/>
+        <p:cNvGrpSpPr/>
+        <p:nvPr/>
+      </p:nvGrpSpPr>
+      <p:grpSpPr>
+        <a:xfrm>
+          <a:off x="0" y="0"/>
+          <a:ext cx="0" cy="0"/>
+          <a:chOff x="0" y="0"/>
+          <a:chExt cx="0" cy="0"/>
+        </a:xfrm>
+      </p:grpSpPr>
+      <p:sp>
+        <p:nvSpPr>
+          <p:cNvPr id="4" name="Slide Number Placeholder 5"/>
+          <p:cNvSpPr>
+            <a:spLocks noGrp="1"/>
+          </p:cNvSpPr>
+          <p:nvPr>
+            <p:ph type="sldNum" sz="quarter" idx="12"/>
+          </p:nvPr>
+        </p:nvSpPr>
+        <p:spPr/>
+        <p:txBody>
+          <a:bodyPr/>
+          <a:lstStyle/>
+          <a:p>
+            <a:fld id="{D929E571-2B70-E14C-B329-85B8FB05579B}" type="slidenum">
+              <a:rPr lang="en-US"/>
+              <a:pPr/>
+              <a:t>11</a:t>
             </a:fld>
             <a:endParaRPr lang="en-US"/>
           </a:p>
@@ -5093,144 +5310,6 @@
 </p:sld>
 </file>
 
-<file path=ppt/slides/slide11.xml><?xml version="1.0" encoding="utf-8"?>
-<p:sld xmlns:a="http://schemas.openxmlformats.org/drawingml/2006/main" xmlns:r="http://schemas.openxmlformats.org/officeDocument/2006/relationships" xmlns:p="http://schemas.openxmlformats.org/presentationml/2006/main">
-  <p:cSld>
-    <p:spTree>
-      <p:nvGrpSpPr>
-        <p:cNvPr id="1" name=""/>
-        <p:cNvGrpSpPr/>
-        <p:nvPr/>
-      </p:nvGrpSpPr>
-      <p:grpSpPr>
-        <a:xfrm>
-          <a:off x="0" y="0"/>
-          <a:ext cx="0" cy="0"/>
-          <a:chOff x="0" y="0"/>
-          <a:chExt cx="0" cy="0"/>
-        </a:xfrm>
-      </p:grpSpPr>
-      <p:sp>
-        <p:nvSpPr>
-          <p:cNvPr id="4" name="Slide Number Placeholder 4"/>
-          <p:cNvSpPr>
-            <a:spLocks noGrp="1"/>
-          </p:cNvSpPr>
-          <p:nvPr>
-            <p:ph type="sldNum" sz="quarter" idx="11"/>
-          </p:nvPr>
-        </p:nvSpPr>
-        <p:spPr/>
-        <p:txBody>
-          <a:bodyPr/>
-          <a:lstStyle/>
-          <a:p>
-            <a:fld id="{8BE99BFD-8863-B045-8AED-C026A27B630D}" type="slidenum">
-              <a:rPr lang="en-US"/>
-              <a:pPr/>
-              <a:t>11</a:t>
-            </a:fld>
-            <a:endParaRPr lang="en-US"/>
-          </a:p>
-        </p:txBody>
-      </p:sp>
-      <p:sp>
-        <p:nvSpPr>
-          <p:cNvPr id="477186" name="Rectangle 2"/>
-          <p:cNvSpPr>
-            <a:spLocks noGrp="1" noChangeArrowheads="1"/>
-          </p:cNvSpPr>
-          <p:nvPr>
-            <p:ph type="title"/>
-          </p:nvPr>
-        </p:nvSpPr>
-        <p:spPr/>
-        <p:txBody>
-          <a:bodyPr/>
-          <a:lstStyle/>
-          <a:p>
-            <a:r>
-              <a:rPr lang="en-US" dirty="0"/>
-              <a:t>Architecture is Expressed using Models</a:t>
-            </a:r>
-          </a:p>
-        </p:txBody>
-      </p:sp>
-      <p:sp>
-        <p:nvSpPr>
-          <p:cNvPr id="477187" name="Rectangle 3" descr="Rectangle: Click to edit Master text styles&#10;Second level&#10;Third level&#10;Fourth level&#10;Fifth level"/>
-          <p:cNvSpPr>
-            <a:spLocks noGrp="1" noChangeArrowheads="1"/>
-          </p:cNvSpPr>
-          <p:nvPr>
-            <p:ph type="body" idx="1"/>
-          </p:nvPr>
-        </p:nvSpPr>
-        <p:spPr>
-          <a:xfrm>
-            <a:off x="1021907" y="1219200"/>
-            <a:ext cx="6908800" cy="3657600"/>
-          </a:xfrm>
-        </p:spPr>
-        <p:txBody>
-          <a:bodyPr/>
-          <a:lstStyle/>
-          <a:p>
-            <a:r>
-              <a:rPr lang="en-US" sz="2000" dirty="0"/>
-              <a:t>Software architecture emerged when it was becoming obvious that designs are too complicated to develop from scratch (circa early 1990s)</a:t>
-            </a:r>
-          </a:p>
-          <a:p>
-            <a:r>
-              <a:rPr lang="en-US" sz="2000" dirty="0"/>
-              <a:t>Good designs tend to be build using models…</a:t>
-            </a:r>
-          </a:p>
-          <a:p>
-            <a:pPr lvl="1"/>
-            <a:r>
-              <a:rPr lang="en-US" sz="1800" dirty="0"/>
-              <a:t>1) Abstract different views of the system</a:t>
-            </a:r>
-          </a:p>
-          <a:p>
-            <a:pPr lvl="1"/>
-            <a:r>
-              <a:rPr lang="en-US" sz="1800" dirty="0"/>
-              <a:t>2) Build models using precise notations (e.g., UML)</a:t>
-            </a:r>
-          </a:p>
-          <a:p>
-            <a:pPr lvl="1"/>
-            <a:r>
-              <a:rPr lang="en-US" sz="1800" dirty="0"/>
-              <a:t>3) Verify that the models satisfy the requirements</a:t>
-            </a:r>
-          </a:p>
-          <a:p>
-            <a:pPr lvl="1"/>
-            <a:r>
-              <a:rPr lang="en-US" sz="1800" dirty="0"/>
-              <a:t>4) Gradually add details to transform the models into the design</a:t>
-            </a:r>
-          </a:p>
-          <a:p>
-            <a:r>
-              <a:rPr lang="en-US" sz="2000" dirty="0"/>
-              <a:t>And such models can be derived from proven/established architecture patterns – more on this later</a:t>
-            </a:r>
-          </a:p>
-        </p:txBody>
-      </p:sp>
-    </p:spTree>
-  </p:cSld>
-  <p:clrMapOvr>
-    <a:masterClrMapping/>
-  </p:clrMapOvr>
-</p:sld>
-</file>
-
 <file path=ppt/slides/slide12.xml><?xml version="1.0" encoding="utf-8"?>
 <p:sld xmlns:a="http://schemas.openxmlformats.org/drawingml/2006/main" xmlns:r="http://schemas.openxmlformats.org/officeDocument/2006/relationships" xmlns:p="http://schemas.openxmlformats.org/presentationml/2006/main">
   <p:cSld>
@@ -5263,7 +5342,7 @@
           <a:bodyPr/>
           <a:lstStyle/>
           <a:p>
-            <a:fld id="{F88CF279-776B-2942-B25A-D384D52A01EB}" type="slidenum">
+            <a:fld id="{8BE99BFD-8863-B045-8AED-C026A27B630D}" type="slidenum">
               <a:rPr lang="en-US"/>
               <a:pPr/>
               <a:t>12</a:t>
@@ -5274,7 +5353,7 @@
       </p:sp>
       <p:sp>
         <p:nvSpPr>
-          <p:cNvPr id="472066" name="Rectangle 2"/>
+          <p:cNvPr id="477186" name="Rectangle 2"/>
           <p:cNvSpPr>
             <a:spLocks noGrp="1" noChangeArrowheads="1"/>
           </p:cNvSpPr>
@@ -5289,14 +5368,14 @@
           <a:p>
             <a:r>
               <a:rPr lang="en-US" dirty="0"/>
-              <a:t>Architecture Abstractions</a:t>
-            </a:r>
-          </a:p>
-        </p:txBody>
-      </p:sp>
-      <p:sp>
-        <p:nvSpPr>
-          <p:cNvPr id="472067" name="Rectangle 3" descr="Rectangle: Click to edit Master text styles&#10;Second level&#10;Third level&#10;Fourth level&#10;Fifth level"/>
+              <a:t>Architecture is Expressed using Models</a:t>
+            </a:r>
+          </a:p>
+        </p:txBody>
+      </p:sp>
+      <p:sp>
+        <p:nvSpPr>
+          <p:cNvPr id="477187" name="Rectangle 3" descr="Rectangle: Click to edit Master text styles&#10;Second level&#10;Third level&#10;Fourth level&#10;Fifth level"/>
           <p:cNvSpPr>
             <a:spLocks noGrp="1" noChangeArrowheads="1"/>
           </p:cNvSpPr>
@@ -5306,469 +5385,57 @@
         </p:nvSpPr>
         <p:spPr>
           <a:xfrm>
-            <a:off x="1172171" y="1686499"/>
-            <a:ext cx="7740502" cy="1460125"/>
+            <a:off x="1021907" y="1219200"/>
+            <a:ext cx="6908800" cy="3657600"/>
           </a:xfrm>
         </p:spPr>
         <p:txBody>
           <a:bodyPr/>
           <a:lstStyle/>
           <a:p>
-            <a:pPr>
-              <a:lnSpc>
-                <a:spcPct val="90000"/>
-              </a:lnSpc>
-            </a:pPr>
             <a:r>
               <a:rPr lang="en-US" sz="2000" dirty="0"/>
-              <a:t>Reference Architecture – focus is on the broad domain</a:t>
-            </a:r>
-          </a:p>
-          <a:p>
-            <a:pPr>
-              <a:lnSpc>
-                <a:spcPct val="90000"/>
-              </a:lnSpc>
-            </a:pPr>
+              <a:t>Software architecture emerged when it was becoming obvious that designs are too complicated to develop from scratch (circa early 1990s)</a:t>
+            </a:r>
+          </a:p>
+          <a:p>
             <a:r>
               <a:rPr lang="en-US" sz="2000" dirty="0"/>
-              <a:t>Solution Architecture – focus on the solution space</a:t>
-            </a:r>
-          </a:p>
-          <a:p>
-            <a:pPr>
-              <a:lnSpc>
-                <a:spcPct val="90000"/>
-              </a:lnSpc>
-            </a:pPr>
+              <a:t>Good designs tend to be build using models…</a:t>
+            </a:r>
+          </a:p>
+          <a:p>
+            <a:pPr lvl="1"/>
+            <a:r>
+              <a:rPr lang="en-US" sz="1800" dirty="0"/>
+              <a:t>1) Abstract different views of the system</a:t>
+            </a:r>
+          </a:p>
+          <a:p>
+            <a:pPr lvl="1"/>
+            <a:r>
+              <a:rPr lang="en-US" sz="1800" dirty="0"/>
+              <a:t>2) Build models using precise notations (e.g., UML)</a:t>
+            </a:r>
+          </a:p>
+          <a:p>
+            <a:pPr lvl="1"/>
+            <a:r>
+              <a:rPr lang="en-US" sz="1800" dirty="0"/>
+              <a:t>3) Verify that the models satisfy the requirements</a:t>
+            </a:r>
+          </a:p>
+          <a:p>
+            <a:pPr lvl="1"/>
+            <a:r>
+              <a:rPr lang="en-US" sz="1800" dirty="0"/>
+              <a:t>4) Gradually add details to transform the models into the design</a:t>
+            </a:r>
+          </a:p>
+          <a:p>
             <a:r>
               <a:rPr lang="en-US" sz="2000" dirty="0"/>
-              <a:t>Software Architecture – focus on the key technical abstractions</a:t>
-            </a:r>
-          </a:p>
-        </p:txBody>
-      </p:sp>
-      <p:sp>
-        <p:nvSpPr>
-          <p:cNvPr id="5" name="Text Box 4">
-            <a:extLst>
-              <a:ext uri="{FF2B5EF4-FFF2-40B4-BE49-F238E27FC236}">
-                <a16:creationId xmlns:a16="http://schemas.microsoft.com/office/drawing/2014/main" id="{95DA0ABB-C6B6-4049-9F7B-A103E1275695}"/>
-              </a:ext>
-            </a:extLst>
-          </p:cNvPr>
-          <p:cNvSpPr txBox="1">
-            <a:spLocks noChangeArrowheads="1"/>
-          </p:cNvSpPr>
-          <p:nvPr/>
-        </p:nvSpPr>
-        <p:spPr bwMode="auto">
-          <a:xfrm>
-            <a:off x="911475" y="840593"/>
-            <a:ext cx="6908800" cy="757130"/>
-          </a:xfrm>
-          <a:prstGeom prst="rect">
-            <a:avLst/>
-          </a:prstGeom>
-          <a:noFill/>
-          <a:ln>
-            <a:noFill/>
-          </a:ln>
-          <a:effectLst/>
-          <a:extLst>
-            <a:ext uri="{909E8E84-426E-40dd-AFC4-6F175D3DCCD1}">
-              <a14:hiddenFill xmlns="" xmlns:a14="http://schemas.microsoft.com/office/drawing/2010/main">
-                <a:solidFill>
-                  <a:schemeClr val="accent1"/>
-                </a:solidFill>
-              </a14:hiddenFill>
-            </a:ext>
-            <a:ext uri="{91240B29-F687-4f45-9708-019B960494DF}">
-              <a14:hiddenLine xmlns="" xmlns:a14="http://schemas.microsoft.com/office/drawing/2010/main" w="9525">
-                <a:solidFill>
-                  <a:schemeClr val="tx1"/>
-                </a:solidFill>
-                <a:miter lim="800000"/>
-                <a:headEnd/>
-                <a:tailEnd/>
-              </a14:hiddenLine>
-            </a:ext>
-            <a:ext uri="{AF507438-7753-43e0-B8FC-AC1667EBCBE1}">
-              <a14:hiddenEffects xmlns="" xmlns:a14="http://schemas.microsoft.com/office/drawing/2010/main">
-                <a:effectLst>
-                  <a:outerShdw blurRad="63500" dist="38099" dir="2700000" algn="ctr" rotWithShape="0">
-                    <a:schemeClr val="bg2">
-                      <a:alpha val="74998"/>
-                    </a:schemeClr>
-                  </a:outerShdw>
-                </a:effectLst>
-              </a14:hiddenEffects>
-            </a:ext>
-          </a:extLst>
-        </p:spPr>
-        <p:txBody>
-          <a:bodyPr wrap="square">
-            <a:spAutoFit/>
-          </a:bodyPr>
-          <a:lstStyle/>
-          <a:p>
-            <a:r>
-              <a:rPr lang="en-US" sz="2400" b="0" dirty="0">
-                <a:latin typeface="+mn-lt"/>
-              </a:rPr>
-              <a:t>There are different techniques to perform software architecture analysis…</a:t>
-            </a:r>
-          </a:p>
-        </p:txBody>
-      </p:sp>
-      <p:sp>
-        <p:nvSpPr>
-          <p:cNvPr id="7" name="Text Box 4">
-            <a:extLst>
-              <a:ext uri="{FF2B5EF4-FFF2-40B4-BE49-F238E27FC236}">
-                <a16:creationId xmlns:a16="http://schemas.microsoft.com/office/drawing/2014/main" id="{132028DC-10C3-E64C-9133-526AB05B06D1}"/>
-              </a:ext>
-            </a:extLst>
-          </p:cNvPr>
-          <p:cNvSpPr txBox="1">
-            <a:spLocks noChangeArrowheads="1"/>
-          </p:cNvSpPr>
-          <p:nvPr/>
-        </p:nvSpPr>
-        <p:spPr bwMode="auto">
-          <a:xfrm>
-            <a:off x="911475" y="3035559"/>
-            <a:ext cx="6908800" cy="757130"/>
-          </a:xfrm>
-          <a:prstGeom prst="rect">
-            <a:avLst/>
-          </a:prstGeom>
-          <a:noFill/>
-          <a:ln>
-            <a:noFill/>
-          </a:ln>
-          <a:effectLst/>
-          <a:extLst>
-            <a:ext uri="{909E8E84-426E-40dd-AFC4-6F175D3DCCD1}">
-              <a14:hiddenFill xmlns="" xmlns:a14="http://schemas.microsoft.com/office/drawing/2010/main">
-                <a:solidFill>
-                  <a:schemeClr val="accent1"/>
-                </a:solidFill>
-              </a14:hiddenFill>
-            </a:ext>
-            <a:ext uri="{91240B29-F687-4f45-9708-019B960494DF}">
-              <a14:hiddenLine xmlns="" xmlns:a14="http://schemas.microsoft.com/office/drawing/2010/main" w="9525">
-                <a:solidFill>
-                  <a:schemeClr val="tx1"/>
-                </a:solidFill>
-                <a:miter lim="800000"/>
-                <a:headEnd/>
-                <a:tailEnd/>
-              </a14:hiddenLine>
-            </a:ext>
-            <a:ext uri="{AF507438-7753-43e0-B8FC-AC1667EBCBE1}">
-              <a14:hiddenEffects xmlns="" xmlns:a14="http://schemas.microsoft.com/office/drawing/2010/main">
-                <a:effectLst>
-                  <a:outerShdw blurRad="63500" dist="38099" dir="2700000" algn="ctr" rotWithShape="0">
-                    <a:schemeClr val="bg2">
-                      <a:alpha val="74998"/>
-                    </a:schemeClr>
-                  </a:outerShdw>
-                </a:effectLst>
-              </a14:hiddenEffects>
-            </a:ext>
-          </a:extLst>
-        </p:spPr>
-        <p:txBody>
-          <a:bodyPr wrap="square">
-            <a:spAutoFit/>
-          </a:bodyPr>
-          <a:lstStyle/>
-          <a:p>
-            <a:r>
-              <a:rPr lang="en-US" sz="2400" b="0" dirty="0">
-                <a:latin typeface="+mn-lt"/>
-              </a:rPr>
-              <a:t>As well as a diversity of use cases where this information can be useful…</a:t>
-            </a:r>
-          </a:p>
-        </p:txBody>
-      </p:sp>
-      <p:sp>
-        <p:nvSpPr>
-          <p:cNvPr id="8" name="Rectangle 3" descr="Rectangle: Click to edit Master text styles&#10;Second level&#10;Third level&#10;Fourth level&#10;Fifth level">
-            <a:extLst>
-              <a:ext uri="{FF2B5EF4-FFF2-40B4-BE49-F238E27FC236}">
-                <a16:creationId xmlns:a16="http://schemas.microsoft.com/office/drawing/2014/main" id="{43639BF5-67E9-C44E-9322-F1B0BB6B5D2B}"/>
-              </a:ext>
-            </a:extLst>
-          </p:cNvPr>
-          <p:cNvSpPr txBox="1">
-            <a:spLocks noChangeArrowheads="1"/>
-          </p:cNvSpPr>
-          <p:nvPr/>
-        </p:nvSpPr>
-        <p:spPr bwMode="auto">
-          <a:xfrm>
-            <a:off x="1473236" y="3716474"/>
-            <a:ext cx="6908800" cy="1460125"/>
-          </a:xfrm>
-          <a:prstGeom prst="rect">
-            <a:avLst/>
-          </a:prstGeom>
-          <a:noFill/>
-          <a:ln>
-            <a:noFill/>
-          </a:ln>
-          <a:extLst>
-            <a:ext uri="{909E8E84-426E-40dd-AFC4-6F175D3DCCD1}">
-              <a14:hiddenFill xmlns="" xmlns:a14="http://schemas.microsoft.com/office/drawing/2010/main">
-                <a:solidFill>
-                  <a:srgbClr val="FFFFFF"/>
-                </a:solidFill>
-              </a14:hiddenFill>
-            </a:ext>
-            <a:ext uri="{91240B29-F687-4f45-9708-019B960494DF}">
-              <a14:hiddenLine xmlns="" xmlns:a14="http://schemas.microsoft.com/office/drawing/2010/main" w="9525">
-                <a:solidFill>
-                  <a:srgbClr val="000000"/>
-                </a:solidFill>
-                <a:miter lim="800000"/>
-                <a:headEnd/>
-                <a:tailEnd/>
-              </a14:hiddenLine>
-            </a:ext>
-          </a:extLst>
-        </p:spPr>
-        <p:txBody>
-          <a:bodyPr vert="horz" wrap="square" lIns="91440" tIns="45720" rIns="91440" bIns="45720" numCol="1" anchor="t" anchorCtr="0" compatLnSpc="1">
-            <a:prstTxWarp prst="textNoShape">
-              <a:avLst/>
-            </a:prstTxWarp>
-          </a:bodyPr>
-          <a:lstStyle>
-            <a:lvl1pPr marL="342900" indent="-342900" algn="l" rtl="0" eaLnBrk="0" fontAlgn="base" hangingPunct="0">
-              <a:spcBef>
-                <a:spcPct val="20000"/>
-              </a:spcBef>
-              <a:spcAft>
-                <a:spcPct val="0"/>
-              </a:spcAft>
-              <a:buFont typeface="Arial" charset="0"/>
-              <a:buChar char="•"/>
-              <a:defRPr sz="2400" kern="1200">
-                <a:solidFill>
-                  <a:schemeClr val="tx1"/>
-                </a:solidFill>
-                <a:latin typeface="+mn-lt"/>
-                <a:ea typeface="+mn-ea"/>
-                <a:cs typeface="+mn-cs"/>
-              </a:defRPr>
-            </a:lvl1pPr>
-            <a:lvl2pPr marL="742950" indent="-285750" algn="l" rtl="0" eaLnBrk="0" fontAlgn="base" hangingPunct="0">
-              <a:spcBef>
-                <a:spcPct val="20000"/>
-              </a:spcBef>
-              <a:spcAft>
-                <a:spcPct val="0"/>
-              </a:spcAft>
-              <a:buFont typeface="Arial" charset="0"/>
-              <a:buChar char="–"/>
-              <a:defRPr sz="2000" kern="1200">
-                <a:solidFill>
-                  <a:schemeClr val="tx1"/>
-                </a:solidFill>
-                <a:latin typeface="+mn-lt"/>
-                <a:ea typeface="+mn-ea"/>
-                <a:cs typeface="+mn-cs"/>
-              </a:defRPr>
-            </a:lvl2pPr>
-            <a:lvl3pPr marL="1143000" indent="-228600" algn="l" rtl="0" eaLnBrk="0" fontAlgn="base" hangingPunct="0">
-              <a:spcBef>
-                <a:spcPct val="20000"/>
-              </a:spcBef>
-              <a:spcAft>
-                <a:spcPct val="0"/>
-              </a:spcAft>
-              <a:buFont typeface="Arial" charset="0"/>
-              <a:buChar char="•"/>
-              <a:defRPr sz="1600" kern="1200">
-                <a:solidFill>
-                  <a:schemeClr val="tx1"/>
-                </a:solidFill>
-                <a:latin typeface="+mn-lt"/>
-                <a:ea typeface="+mn-ea"/>
-                <a:cs typeface="+mn-cs"/>
-              </a:defRPr>
-            </a:lvl3pPr>
-            <a:lvl4pPr marL="1600200" indent="-228600" algn="l" rtl="0" eaLnBrk="0" fontAlgn="base" hangingPunct="0">
-              <a:spcBef>
-                <a:spcPct val="20000"/>
-              </a:spcBef>
-              <a:spcAft>
-                <a:spcPct val="0"/>
-              </a:spcAft>
-              <a:buFont typeface="Arial" charset="0"/>
-              <a:buChar char="–"/>
-              <a:defRPr sz="1400" kern="1200">
-                <a:solidFill>
-                  <a:schemeClr val="tx1"/>
-                </a:solidFill>
-                <a:latin typeface="+mn-lt"/>
-                <a:ea typeface="+mn-ea"/>
-                <a:cs typeface="+mn-cs"/>
-              </a:defRPr>
-            </a:lvl4pPr>
-            <a:lvl5pPr marL="2057400" indent="-228600" algn="l" rtl="0" eaLnBrk="0" fontAlgn="base" hangingPunct="0">
-              <a:spcBef>
-                <a:spcPct val="20000"/>
-              </a:spcBef>
-              <a:spcAft>
-                <a:spcPct val="0"/>
-              </a:spcAft>
-              <a:buFont typeface="Arial" charset="0"/>
-              <a:buChar char="»"/>
-              <a:defRPr sz="1400" kern="1200">
-                <a:solidFill>
-                  <a:schemeClr val="tx1"/>
-                </a:solidFill>
-                <a:latin typeface="+mn-lt"/>
-                <a:ea typeface="+mn-ea"/>
-                <a:cs typeface="+mn-cs"/>
-              </a:defRPr>
-            </a:lvl5pPr>
-            <a:lvl6pPr marL="2514600" indent="-228600" algn="l" defTabSz="914400" rtl="0" eaLnBrk="1" latinLnBrk="0" hangingPunct="1">
-              <a:spcBef>
-                <a:spcPct val="20000"/>
-              </a:spcBef>
-              <a:buFont typeface="Arial" panose="020B0604020202020204" pitchFamily="34" charset="0"/>
-              <a:buChar char="•"/>
-              <a:defRPr sz="2000" kern="1200">
-                <a:solidFill>
-                  <a:schemeClr val="tx1"/>
-                </a:solidFill>
-                <a:latin typeface="+mn-lt"/>
-                <a:ea typeface="+mn-ea"/>
-                <a:cs typeface="+mn-cs"/>
-              </a:defRPr>
-            </a:lvl6pPr>
-            <a:lvl7pPr marL="2971800" indent="-228600" algn="l" defTabSz="914400" rtl="0" eaLnBrk="1" latinLnBrk="0" hangingPunct="1">
-              <a:spcBef>
-                <a:spcPct val="20000"/>
-              </a:spcBef>
-              <a:buFont typeface="Arial" panose="020B0604020202020204" pitchFamily="34" charset="0"/>
-              <a:buChar char="•"/>
-              <a:defRPr sz="2000" kern="1200">
-                <a:solidFill>
-                  <a:schemeClr val="tx1"/>
-                </a:solidFill>
-                <a:latin typeface="+mn-lt"/>
-                <a:ea typeface="+mn-ea"/>
-                <a:cs typeface="+mn-cs"/>
-              </a:defRPr>
-            </a:lvl7pPr>
-            <a:lvl8pPr marL="3429000" indent="-228600" algn="l" defTabSz="914400" rtl="0" eaLnBrk="1" latinLnBrk="0" hangingPunct="1">
-              <a:spcBef>
-                <a:spcPct val="20000"/>
-              </a:spcBef>
-              <a:buFont typeface="Arial" panose="020B0604020202020204" pitchFamily="34" charset="0"/>
-              <a:buChar char="•"/>
-              <a:defRPr sz="2000" kern="1200">
-                <a:solidFill>
-                  <a:schemeClr val="tx1"/>
-                </a:solidFill>
-                <a:latin typeface="+mn-lt"/>
-                <a:ea typeface="+mn-ea"/>
-                <a:cs typeface="+mn-cs"/>
-              </a:defRPr>
-            </a:lvl8pPr>
-            <a:lvl9pPr marL="3886200" indent="-228600" algn="l" defTabSz="914400" rtl="0" eaLnBrk="1" latinLnBrk="0" hangingPunct="1">
-              <a:spcBef>
-                <a:spcPct val="20000"/>
-              </a:spcBef>
-              <a:buFont typeface="Arial" panose="020B0604020202020204" pitchFamily="34" charset="0"/>
-              <a:buChar char="•"/>
-              <a:defRPr sz="2000" kern="1200">
-                <a:solidFill>
-                  <a:schemeClr val="tx1"/>
-                </a:solidFill>
-                <a:latin typeface="+mn-lt"/>
-                <a:ea typeface="+mn-ea"/>
-                <a:cs typeface="+mn-cs"/>
-              </a:defRPr>
-            </a:lvl9pPr>
-          </a:lstStyle>
-          <a:p>
-            <a:pPr>
-              <a:lnSpc>
-                <a:spcPct val="90000"/>
-              </a:lnSpc>
-            </a:pPr>
-            <a:r>
-              <a:rPr lang="en-US" sz="2000" b="0" dirty="0"/>
-              <a:t>New product definition</a:t>
-            </a:r>
-          </a:p>
-          <a:p>
-            <a:pPr>
-              <a:lnSpc>
-                <a:spcPct val="90000"/>
-              </a:lnSpc>
-            </a:pPr>
-            <a:r>
-              <a:rPr lang="en-US" sz="2000" b="0" dirty="0"/>
-              <a:t>Monitoring design quality (trends)</a:t>
-            </a:r>
-          </a:p>
-          <a:p>
-            <a:pPr>
-              <a:lnSpc>
-                <a:spcPct val="90000"/>
-              </a:lnSpc>
-            </a:pPr>
-            <a:r>
-              <a:rPr lang="en-US" sz="2000" b="0" dirty="0"/>
-              <a:t>Redocumenting and/or extending the lifespan of existing systems</a:t>
-            </a:r>
-          </a:p>
-        </p:txBody>
-      </p:sp>
-      <p:sp>
-        <p:nvSpPr>
-          <p:cNvPr id="2" name="TextBox 1">
-            <a:extLst>
-              <a:ext uri="{FF2B5EF4-FFF2-40B4-BE49-F238E27FC236}">
-                <a16:creationId xmlns:a16="http://schemas.microsoft.com/office/drawing/2014/main" id="{3059346F-2BE2-D044-9D6A-89F54CCE7F7F}"/>
-              </a:ext>
-            </a:extLst>
-          </p:cNvPr>
-          <p:cNvSpPr txBox="1"/>
-          <p:nvPr/>
-        </p:nvSpPr>
-        <p:spPr>
-          <a:xfrm>
-            <a:off x="227074" y="5141749"/>
-            <a:ext cx="8689852" cy="646331"/>
-          </a:xfrm>
-          <a:prstGeom prst="rect">
-            <a:avLst/>
-          </a:prstGeom>
-          <a:noFill/>
-        </p:spPr>
-        <p:txBody>
-          <a:bodyPr wrap="square" rtlCol="0">
-            <a:spAutoFit/>
-          </a:bodyPr>
-          <a:lstStyle/>
-          <a:p>
-            <a:r>
-              <a:rPr lang="en-US" sz="2000" b="0" dirty="0">
-                <a:solidFill>
-                  <a:srgbClr val="7030A0"/>
-                </a:solidFill>
-                <a:latin typeface="+mn-lt"/>
-              </a:rPr>
-              <a:t>The “art” of architecture is to pick the correct abstractions based on the desired objectives or outcomes</a:t>
+              <a:t>And such models can be derived from proven/established architecture patterns – more on this later</a:t>
             </a:r>
           </a:p>
         </p:txBody>
@@ -5814,15 +5481,11 @@
           <a:lstStyle/>
           <a:p>
             <a:fld id="{F88CF279-776B-2942-B25A-D384D52A01EB}" type="slidenum">
-              <a:rPr lang="en-US" b="0">
-                <a:latin typeface="+mn-lt"/>
-              </a:rPr>
+              <a:rPr lang="en-US"/>
               <a:pPr/>
               <a:t>13</a:t>
             </a:fld>
-            <a:endParaRPr lang="en-US" b="0">
-              <a:latin typeface="+mn-lt"/>
-            </a:endParaRPr>
+            <a:endParaRPr lang="en-US"/>
           </a:p>
         </p:txBody>
       </p:sp>
@@ -5843,7 +5506,7 @@
           <a:p>
             <a:r>
               <a:rPr lang="en-US" dirty="0"/>
-              <a:t>Architecture Framing</a:t>
+              <a:t>Architecture Abstractions</a:t>
             </a:r>
           </a:p>
         </p:txBody>
@@ -5860,8 +5523,8 @@
         </p:nvSpPr>
         <p:spPr>
           <a:xfrm>
-            <a:off x="938255" y="2113809"/>
-            <a:ext cx="7386614" cy="1460125"/>
+            <a:off x="1172171" y="1686499"/>
+            <a:ext cx="7740502" cy="1460125"/>
           </a:xfrm>
         </p:spPr>
         <p:txBody>
@@ -5875,7 +5538,7 @@
             </a:pPr>
             <a:r>
               <a:rPr lang="en-US" sz="2000" dirty="0"/>
-              <a:t>Who is the constituent – aka, who am I trying to talk to or influence</a:t>
+              <a:t>Reference Architecture – focus is on the broad domain</a:t>
             </a:r>
           </a:p>
           <a:p>
@@ -5886,7 +5549,7 @@
             </a:pPr>
             <a:r>
               <a:rPr lang="en-US" sz="2000" dirty="0"/>
-              <a:t>What do I want them to understand – aka, why am I talking about architecture</a:t>
+              <a:t>Solution Architecture – focus on the solution space</a:t>
             </a:r>
           </a:p>
           <a:p>
@@ -5897,7 +5560,7 @@
             </a:pPr>
             <a:r>
               <a:rPr lang="en-US" sz="2000" dirty="0"/>
-              <a:t>What are the benefits, constraints, or tradeoffs associated with the architecture I am describing</a:t>
+              <a:t>Software Architecture – focus on the key technical abstractions</a:t>
             </a:r>
           </a:p>
         </p:txBody>
@@ -5918,8 +5581,8 @@
         </p:nvSpPr>
         <p:spPr bwMode="auto">
           <a:xfrm>
-            <a:off x="457200" y="955583"/>
-            <a:ext cx="8229600" cy="757130"/>
+            <a:off x="911475" y="840593"/>
+            <a:ext cx="6908800" cy="757130"/>
           </a:xfrm>
           <a:prstGeom prst="rect">
             <a:avLst/>
@@ -5931,14 +5594,14 @@
           <a:effectLst/>
           <a:extLst>
             <a:ext uri="{909E8E84-426E-40dd-AFC4-6F175D3DCCD1}">
-              <a14:hiddenFill xmlns="" xmlns:a14="http://schemas.microsoft.com/office/drawing/2010/main">
+              <a14:hiddenFill xmlns:a14="http://schemas.microsoft.com/office/drawing/2010/main" xmlns="">
                 <a:solidFill>
                   <a:schemeClr val="accent1"/>
                 </a:solidFill>
               </a14:hiddenFill>
             </a:ext>
             <a:ext uri="{91240B29-F687-4f45-9708-019B960494DF}">
-              <a14:hiddenLine xmlns="" xmlns:a14="http://schemas.microsoft.com/office/drawing/2010/main" w="9525">
+              <a14:hiddenLine xmlns:a14="http://schemas.microsoft.com/office/drawing/2010/main" xmlns="" w="9525">
                 <a:solidFill>
                   <a:schemeClr val="tx1"/>
                 </a:solidFill>
@@ -5948,7 +5611,7 @@
               </a14:hiddenLine>
             </a:ext>
             <a:ext uri="{AF507438-7753-43e0-B8FC-AC1667EBCBE1}">
-              <a14:hiddenEffects xmlns="" xmlns:a14="http://schemas.microsoft.com/office/drawing/2010/main">
+              <a14:hiddenEffects xmlns:a14="http://schemas.microsoft.com/office/drawing/2010/main" xmlns="">
                 <a:effectLst>
                   <a:outerShdw blurRad="63500" dist="38099" dir="2700000" algn="ctr" rotWithShape="0">
                     <a:schemeClr val="bg2">
@@ -5970,17 +5633,17 @@
               <a:rPr lang="en-US" sz="2400" b="0" dirty="0">
                 <a:latin typeface="+mn-lt"/>
               </a:rPr>
-              <a:t>When thinking about a reference-, solution-, or software architecture focus on:</a:t>
-            </a:r>
-          </a:p>
-        </p:txBody>
-      </p:sp>
-      <p:sp>
-        <p:nvSpPr>
-          <p:cNvPr id="8" name="Text Box 4">
+              <a:t>There are different techniques to perform software architecture analysis…</a:t>
+            </a:r>
+          </a:p>
+        </p:txBody>
+      </p:sp>
+      <p:sp>
+        <p:nvSpPr>
+          <p:cNvPr id="7" name="Text Box 4">
             <a:extLst>
               <a:ext uri="{FF2B5EF4-FFF2-40B4-BE49-F238E27FC236}">
-                <a16:creationId xmlns:a16="http://schemas.microsoft.com/office/drawing/2014/main" id="{28CDD91C-76C1-4C4F-8D91-E056039F91BC}"/>
+                <a16:creationId xmlns:a16="http://schemas.microsoft.com/office/drawing/2014/main" id="{132028DC-10C3-E64C-9133-526AB05B06D1}"/>
               </a:ext>
             </a:extLst>
           </p:cNvPr>
@@ -5991,8 +5654,8 @@
         </p:nvSpPr>
         <p:spPr bwMode="auto">
           <a:xfrm>
-            <a:off x="692352" y="5315346"/>
-            <a:ext cx="8133596" cy="424732"/>
+            <a:off x="911475" y="3035559"/>
+            <a:ext cx="6908800" cy="757130"/>
           </a:xfrm>
           <a:prstGeom prst="rect">
             <a:avLst/>
@@ -6004,14 +5667,14 @@
           <a:effectLst/>
           <a:extLst>
             <a:ext uri="{909E8E84-426E-40dd-AFC4-6F175D3DCCD1}">
-              <a14:hiddenFill xmlns="" xmlns:a14="http://schemas.microsoft.com/office/drawing/2010/main">
+              <a14:hiddenFill xmlns:a14="http://schemas.microsoft.com/office/drawing/2010/main" xmlns="">
                 <a:solidFill>
                   <a:schemeClr val="accent1"/>
                 </a:solidFill>
               </a14:hiddenFill>
             </a:ext>
             <a:ext uri="{91240B29-F687-4f45-9708-019B960494DF}">
-              <a14:hiddenLine xmlns="" xmlns:a14="http://schemas.microsoft.com/office/drawing/2010/main" w="9525">
+              <a14:hiddenLine xmlns:a14="http://schemas.microsoft.com/office/drawing/2010/main" xmlns="" w="9525">
                 <a:solidFill>
                   <a:schemeClr val="tx1"/>
                 </a:solidFill>
@@ -6021,7 +5684,7 @@
               </a14:hiddenLine>
             </a:ext>
             <a:ext uri="{AF507438-7753-43e0-B8FC-AC1667EBCBE1}">
-              <a14:hiddenEffects xmlns="" xmlns:a14="http://schemas.microsoft.com/office/drawing/2010/main">
+              <a14:hiddenEffects xmlns:a14="http://schemas.microsoft.com/office/drawing/2010/main" xmlns="">
                 <a:effectLst>
                   <a:outerShdw blurRad="63500" dist="38099" dir="2700000" algn="ctr" rotWithShape="0">
                     <a:schemeClr val="bg2">
@@ -6040,20 +5703,259 @@
           <a:lstStyle/>
           <a:p>
             <a:r>
-              <a:rPr lang="en-US" sz="1200" b="0" dirty="0">
+              <a:rPr lang="en-US" sz="2400" b="0" dirty="0">
                 <a:latin typeface="+mn-lt"/>
               </a:rPr>
-              <a:t>We will look at documentation approaches later, but I’m not necessarily a big fan of standard notations – more on that later.</a:t>
-            </a:r>
-          </a:p>
-        </p:txBody>
-      </p:sp>
-      <p:sp>
-        <p:nvSpPr>
-          <p:cNvPr id="7" name="TextBox 6">
+              <a:t>As well as a diversity of use cases where this information can be useful…</a:t>
+            </a:r>
+          </a:p>
+        </p:txBody>
+      </p:sp>
+      <p:sp>
+        <p:nvSpPr>
+          <p:cNvPr id="8" name="Rectangle 3" descr="Rectangle: Click to edit Master text styles&#10;Second level&#10;Third level&#10;Fourth level&#10;Fifth level">
             <a:extLst>
               <a:ext uri="{FF2B5EF4-FFF2-40B4-BE49-F238E27FC236}">
-                <a16:creationId xmlns:a16="http://schemas.microsoft.com/office/drawing/2014/main" id="{2F703695-FD55-8B49-BA47-2E32DD35C214}"/>
+                <a16:creationId xmlns:a16="http://schemas.microsoft.com/office/drawing/2014/main" id="{43639BF5-67E9-C44E-9322-F1B0BB6B5D2B}"/>
+              </a:ext>
+            </a:extLst>
+          </p:cNvPr>
+          <p:cNvSpPr txBox="1">
+            <a:spLocks noChangeArrowheads="1"/>
+          </p:cNvSpPr>
+          <p:nvPr/>
+        </p:nvSpPr>
+        <p:spPr bwMode="auto">
+          <a:xfrm>
+            <a:off x="1473236" y="3716474"/>
+            <a:ext cx="6908800" cy="1460125"/>
+          </a:xfrm>
+          <a:prstGeom prst="rect">
+            <a:avLst/>
+          </a:prstGeom>
+          <a:noFill/>
+          <a:ln>
+            <a:noFill/>
+          </a:ln>
+          <a:extLst>
+            <a:ext uri="{909E8E84-426E-40dd-AFC4-6F175D3DCCD1}">
+              <a14:hiddenFill xmlns:a14="http://schemas.microsoft.com/office/drawing/2010/main" xmlns="">
+                <a:solidFill>
+                  <a:srgbClr val="FFFFFF"/>
+                </a:solidFill>
+              </a14:hiddenFill>
+            </a:ext>
+            <a:ext uri="{91240B29-F687-4f45-9708-019B960494DF}">
+              <a14:hiddenLine xmlns:a14="http://schemas.microsoft.com/office/drawing/2010/main" xmlns="" w="9525">
+                <a:solidFill>
+                  <a:srgbClr val="000000"/>
+                </a:solidFill>
+                <a:miter lim="800000"/>
+                <a:headEnd/>
+                <a:tailEnd/>
+              </a14:hiddenLine>
+            </a:ext>
+          </a:extLst>
+        </p:spPr>
+        <p:txBody>
+          <a:bodyPr vert="horz" wrap="square" lIns="91440" tIns="45720" rIns="91440" bIns="45720" numCol="1" anchor="t" anchorCtr="0" compatLnSpc="1">
+            <a:prstTxWarp prst="textNoShape">
+              <a:avLst/>
+            </a:prstTxWarp>
+          </a:bodyPr>
+          <a:lstStyle>
+            <a:lvl1pPr marL="342900" indent="-342900" algn="l" rtl="0" eaLnBrk="0" fontAlgn="base" hangingPunct="0">
+              <a:spcBef>
+                <a:spcPct val="20000"/>
+              </a:spcBef>
+              <a:spcAft>
+                <a:spcPct val="0"/>
+              </a:spcAft>
+              <a:buFont typeface="Arial" charset="0"/>
+              <a:buChar char="•"/>
+              <a:defRPr sz="2400" kern="1200">
+                <a:solidFill>
+                  <a:schemeClr val="tx1"/>
+                </a:solidFill>
+                <a:latin typeface="+mn-lt"/>
+                <a:ea typeface="+mn-ea"/>
+                <a:cs typeface="+mn-cs"/>
+              </a:defRPr>
+            </a:lvl1pPr>
+            <a:lvl2pPr marL="742950" indent="-285750" algn="l" rtl="0" eaLnBrk="0" fontAlgn="base" hangingPunct="0">
+              <a:spcBef>
+                <a:spcPct val="20000"/>
+              </a:spcBef>
+              <a:spcAft>
+                <a:spcPct val="0"/>
+              </a:spcAft>
+              <a:buFont typeface="Arial" charset="0"/>
+              <a:buChar char="–"/>
+              <a:defRPr sz="2000" kern="1200">
+                <a:solidFill>
+                  <a:schemeClr val="tx1"/>
+                </a:solidFill>
+                <a:latin typeface="+mn-lt"/>
+                <a:ea typeface="+mn-ea"/>
+                <a:cs typeface="+mn-cs"/>
+              </a:defRPr>
+            </a:lvl2pPr>
+            <a:lvl3pPr marL="1143000" indent="-228600" algn="l" rtl="0" eaLnBrk="0" fontAlgn="base" hangingPunct="0">
+              <a:spcBef>
+                <a:spcPct val="20000"/>
+              </a:spcBef>
+              <a:spcAft>
+                <a:spcPct val="0"/>
+              </a:spcAft>
+              <a:buFont typeface="Arial" charset="0"/>
+              <a:buChar char="•"/>
+              <a:defRPr sz="1600" kern="1200">
+                <a:solidFill>
+                  <a:schemeClr val="tx1"/>
+                </a:solidFill>
+                <a:latin typeface="+mn-lt"/>
+                <a:ea typeface="+mn-ea"/>
+                <a:cs typeface="+mn-cs"/>
+              </a:defRPr>
+            </a:lvl3pPr>
+            <a:lvl4pPr marL="1600200" indent="-228600" algn="l" rtl="0" eaLnBrk="0" fontAlgn="base" hangingPunct="0">
+              <a:spcBef>
+                <a:spcPct val="20000"/>
+              </a:spcBef>
+              <a:spcAft>
+                <a:spcPct val="0"/>
+              </a:spcAft>
+              <a:buFont typeface="Arial" charset="0"/>
+              <a:buChar char="–"/>
+              <a:defRPr sz="1400" kern="1200">
+                <a:solidFill>
+                  <a:schemeClr val="tx1"/>
+                </a:solidFill>
+                <a:latin typeface="+mn-lt"/>
+                <a:ea typeface="+mn-ea"/>
+                <a:cs typeface="+mn-cs"/>
+              </a:defRPr>
+            </a:lvl4pPr>
+            <a:lvl5pPr marL="2057400" indent="-228600" algn="l" rtl="0" eaLnBrk="0" fontAlgn="base" hangingPunct="0">
+              <a:spcBef>
+                <a:spcPct val="20000"/>
+              </a:spcBef>
+              <a:spcAft>
+                <a:spcPct val="0"/>
+              </a:spcAft>
+              <a:buFont typeface="Arial" charset="0"/>
+              <a:buChar char="»"/>
+              <a:defRPr sz="1400" kern="1200">
+                <a:solidFill>
+                  <a:schemeClr val="tx1"/>
+                </a:solidFill>
+                <a:latin typeface="+mn-lt"/>
+                <a:ea typeface="+mn-ea"/>
+                <a:cs typeface="+mn-cs"/>
+              </a:defRPr>
+            </a:lvl5pPr>
+            <a:lvl6pPr marL="2514600" indent="-228600" algn="l" defTabSz="914400" rtl="0" eaLnBrk="1" latinLnBrk="0" hangingPunct="1">
+              <a:spcBef>
+                <a:spcPct val="20000"/>
+              </a:spcBef>
+              <a:buFont typeface="Arial" panose="020B0604020202020204" pitchFamily="34" charset="0"/>
+              <a:buChar char="•"/>
+              <a:defRPr sz="2000" kern="1200">
+                <a:solidFill>
+                  <a:schemeClr val="tx1"/>
+                </a:solidFill>
+                <a:latin typeface="+mn-lt"/>
+                <a:ea typeface="+mn-ea"/>
+                <a:cs typeface="+mn-cs"/>
+              </a:defRPr>
+            </a:lvl6pPr>
+            <a:lvl7pPr marL="2971800" indent="-228600" algn="l" defTabSz="914400" rtl="0" eaLnBrk="1" latinLnBrk="0" hangingPunct="1">
+              <a:spcBef>
+                <a:spcPct val="20000"/>
+              </a:spcBef>
+              <a:buFont typeface="Arial" panose="020B0604020202020204" pitchFamily="34" charset="0"/>
+              <a:buChar char="•"/>
+              <a:defRPr sz="2000" kern="1200">
+                <a:solidFill>
+                  <a:schemeClr val="tx1"/>
+                </a:solidFill>
+                <a:latin typeface="+mn-lt"/>
+                <a:ea typeface="+mn-ea"/>
+                <a:cs typeface="+mn-cs"/>
+              </a:defRPr>
+            </a:lvl7pPr>
+            <a:lvl8pPr marL="3429000" indent="-228600" algn="l" defTabSz="914400" rtl="0" eaLnBrk="1" latinLnBrk="0" hangingPunct="1">
+              <a:spcBef>
+                <a:spcPct val="20000"/>
+              </a:spcBef>
+              <a:buFont typeface="Arial" panose="020B0604020202020204" pitchFamily="34" charset="0"/>
+              <a:buChar char="•"/>
+              <a:defRPr sz="2000" kern="1200">
+                <a:solidFill>
+                  <a:schemeClr val="tx1"/>
+                </a:solidFill>
+                <a:latin typeface="+mn-lt"/>
+                <a:ea typeface="+mn-ea"/>
+                <a:cs typeface="+mn-cs"/>
+              </a:defRPr>
+            </a:lvl8pPr>
+            <a:lvl9pPr marL="3886200" indent="-228600" algn="l" defTabSz="914400" rtl="0" eaLnBrk="1" latinLnBrk="0" hangingPunct="1">
+              <a:spcBef>
+                <a:spcPct val="20000"/>
+              </a:spcBef>
+              <a:buFont typeface="Arial" panose="020B0604020202020204" pitchFamily="34" charset="0"/>
+              <a:buChar char="•"/>
+              <a:defRPr sz="2000" kern="1200">
+                <a:solidFill>
+                  <a:schemeClr val="tx1"/>
+                </a:solidFill>
+                <a:latin typeface="+mn-lt"/>
+                <a:ea typeface="+mn-ea"/>
+                <a:cs typeface="+mn-cs"/>
+              </a:defRPr>
+            </a:lvl9pPr>
+          </a:lstStyle>
+          <a:p>
+            <a:pPr>
+              <a:lnSpc>
+                <a:spcPct val="90000"/>
+              </a:lnSpc>
+            </a:pPr>
+            <a:r>
+              <a:rPr lang="en-US" sz="2000" b="0" dirty="0"/>
+              <a:t>New product definition</a:t>
+            </a:r>
+          </a:p>
+          <a:p>
+            <a:pPr>
+              <a:lnSpc>
+                <a:spcPct val="90000"/>
+              </a:lnSpc>
+            </a:pPr>
+            <a:r>
+              <a:rPr lang="en-US" sz="2000" b="0" dirty="0"/>
+              <a:t>Monitoring design quality (trends)</a:t>
+            </a:r>
+          </a:p>
+          <a:p>
+            <a:pPr>
+              <a:lnSpc>
+                <a:spcPct val="90000"/>
+              </a:lnSpc>
+            </a:pPr>
+            <a:r>
+              <a:rPr lang="en-US" sz="2000" b="0" dirty="0"/>
+              <a:t>Redocumenting and/or extending the lifespan of existing systems</a:t>
+            </a:r>
+          </a:p>
+        </p:txBody>
+      </p:sp>
+      <p:sp>
+        <p:nvSpPr>
+          <p:cNvPr id="2" name="TextBox 1">
+            <a:extLst>
+              <a:ext uri="{FF2B5EF4-FFF2-40B4-BE49-F238E27FC236}">
+                <a16:creationId xmlns:a16="http://schemas.microsoft.com/office/drawing/2014/main" id="{3059346F-2BE2-D044-9D6A-89F54CCE7F7F}"/>
               </a:ext>
             </a:extLst>
           </p:cNvPr>
@@ -6062,7 +5964,7 @@
         </p:nvSpPr>
         <p:spPr>
           <a:xfrm>
-            <a:off x="286636" y="4425669"/>
+            <a:off x="227074" y="5141749"/>
             <a:ext cx="8689852" cy="646331"/>
           </a:xfrm>
           <a:prstGeom prst="rect">
@@ -6083,17 +5985,12 @@
                 </a:solidFill>
                 <a:latin typeface="+mn-lt"/>
               </a:rPr>
-              <a:t>If you cant answer any/all of the above questions the impact of your architectural work will likely be sub-optimal</a:t>
+              <a:t>The “art” of architecture is to pick the correct abstractions based on the desired objectives or outcomes</a:t>
             </a:r>
           </a:p>
         </p:txBody>
       </p:sp>
     </p:spTree>
-    <p:extLst>
-      <p:ext uri="{BB962C8B-B14F-4D97-AF65-F5344CB8AC3E}">
-        <p14:creationId xmlns:p14="http://schemas.microsoft.com/office/powerpoint/2010/main" val="1027723130"/>
-      </p:ext>
-    </p:extLst>
   </p:cSld>
   <p:clrMapOvr>
     <a:masterClrMapping/>
@@ -6120,6 +6017,326 @@
       </p:grpSpPr>
       <p:sp>
         <p:nvSpPr>
+          <p:cNvPr id="4" name="Slide Number Placeholder 4"/>
+          <p:cNvSpPr>
+            <a:spLocks noGrp="1"/>
+          </p:cNvSpPr>
+          <p:nvPr>
+            <p:ph type="sldNum" sz="quarter" idx="11"/>
+          </p:nvPr>
+        </p:nvSpPr>
+        <p:spPr/>
+        <p:txBody>
+          <a:bodyPr/>
+          <a:lstStyle/>
+          <a:p>
+            <a:fld id="{F88CF279-776B-2942-B25A-D384D52A01EB}" type="slidenum">
+              <a:rPr lang="en-US" b="0">
+                <a:latin typeface="+mn-lt"/>
+              </a:rPr>
+              <a:pPr/>
+              <a:t>14</a:t>
+            </a:fld>
+            <a:endParaRPr lang="en-US" b="0">
+              <a:latin typeface="+mn-lt"/>
+            </a:endParaRPr>
+          </a:p>
+        </p:txBody>
+      </p:sp>
+      <p:sp>
+        <p:nvSpPr>
+          <p:cNvPr id="472066" name="Rectangle 2"/>
+          <p:cNvSpPr>
+            <a:spLocks noGrp="1" noChangeArrowheads="1"/>
+          </p:cNvSpPr>
+          <p:nvPr>
+            <p:ph type="title"/>
+          </p:nvPr>
+        </p:nvSpPr>
+        <p:spPr/>
+        <p:txBody>
+          <a:bodyPr/>
+          <a:lstStyle/>
+          <a:p>
+            <a:r>
+              <a:rPr lang="en-US" dirty="0"/>
+              <a:t>Architecture Framing</a:t>
+            </a:r>
+          </a:p>
+        </p:txBody>
+      </p:sp>
+      <p:sp>
+        <p:nvSpPr>
+          <p:cNvPr id="472067" name="Rectangle 3" descr="Rectangle: Click to edit Master text styles&#10;Second level&#10;Third level&#10;Fourth level&#10;Fifth level"/>
+          <p:cNvSpPr>
+            <a:spLocks noGrp="1" noChangeArrowheads="1"/>
+          </p:cNvSpPr>
+          <p:nvPr>
+            <p:ph type="body" idx="1"/>
+          </p:nvPr>
+        </p:nvSpPr>
+        <p:spPr>
+          <a:xfrm>
+            <a:off x="938255" y="2113809"/>
+            <a:ext cx="7386614" cy="1460125"/>
+          </a:xfrm>
+        </p:spPr>
+        <p:txBody>
+          <a:bodyPr/>
+          <a:lstStyle/>
+          <a:p>
+            <a:pPr>
+              <a:lnSpc>
+                <a:spcPct val="90000"/>
+              </a:lnSpc>
+            </a:pPr>
+            <a:r>
+              <a:rPr lang="en-US" sz="2000" dirty="0"/>
+              <a:t>Who is the constituent – aka, who am I trying to talk to or influence</a:t>
+            </a:r>
+          </a:p>
+          <a:p>
+            <a:pPr>
+              <a:lnSpc>
+                <a:spcPct val="90000"/>
+              </a:lnSpc>
+            </a:pPr>
+            <a:r>
+              <a:rPr lang="en-US" sz="2000" dirty="0"/>
+              <a:t>What do I want them to understand – aka, why am I talking about architecture</a:t>
+            </a:r>
+          </a:p>
+          <a:p>
+            <a:pPr>
+              <a:lnSpc>
+                <a:spcPct val="90000"/>
+              </a:lnSpc>
+            </a:pPr>
+            <a:r>
+              <a:rPr lang="en-US" sz="2000" dirty="0"/>
+              <a:t>What are the benefits, constraints, or tradeoffs associated with the architecture I am describing</a:t>
+            </a:r>
+          </a:p>
+        </p:txBody>
+      </p:sp>
+      <p:sp>
+        <p:nvSpPr>
+          <p:cNvPr id="5" name="Text Box 4">
+            <a:extLst>
+              <a:ext uri="{FF2B5EF4-FFF2-40B4-BE49-F238E27FC236}">
+                <a16:creationId xmlns:a16="http://schemas.microsoft.com/office/drawing/2014/main" id="{95DA0ABB-C6B6-4049-9F7B-A103E1275695}"/>
+              </a:ext>
+            </a:extLst>
+          </p:cNvPr>
+          <p:cNvSpPr txBox="1">
+            <a:spLocks noChangeArrowheads="1"/>
+          </p:cNvSpPr>
+          <p:nvPr/>
+        </p:nvSpPr>
+        <p:spPr bwMode="auto">
+          <a:xfrm>
+            <a:off x="457200" y="955583"/>
+            <a:ext cx="8229600" cy="757130"/>
+          </a:xfrm>
+          <a:prstGeom prst="rect">
+            <a:avLst/>
+          </a:prstGeom>
+          <a:noFill/>
+          <a:ln>
+            <a:noFill/>
+          </a:ln>
+          <a:effectLst/>
+          <a:extLst>
+            <a:ext uri="{909E8E84-426E-40dd-AFC4-6F175D3DCCD1}">
+              <a14:hiddenFill xmlns:a14="http://schemas.microsoft.com/office/drawing/2010/main" xmlns="">
+                <a:solidFill>
+                  <a:schemeClr val="accent1"/>
+                </a:solidFill>
+              </a14:hiddenFill>
+            </a:ext>
+            <a:ext uri="{91240B29-F687-4f45-9708-019B960494DF}">
+              <a14:hiddenLine xmlns:a14="http://schemas.microsoft.com/office/drawing/2010/main" xmlns="" w="9525">
+                <a:solidFill>
+                  <a:schemeClr val="tx1"/>
+                </a:solidFill>
+                <a:miter lim="800000"/>
+                <a:headEnd/>
+                <a:tailEnd/>
+              </a14:hiddenLine>
+            </a:ext>
+            <a:ext uri="{AF507438-7753-43e0-B8FC-AC1667EBCBE1}">
+              <a14:hiddenEffects xmlns:a14="http://schemas.microsoft.com/office/drawing/2010/main" xmlns="">
+                <a:effectLst>
+                  <a:outerShdw blurRad="63500" dist="38099" dir="2700000" algn="ctr" rotWithShape="0">
+                    <a:schemeClr val="bg2">
+                      <a:alpha val="74998"/>
+                    </a:schemeClr>
+                  </a:outerShdw>
+                </a:effectLst>
+              </a14:hiddenEffects>
+            </a:ext>
+          </a:extLst>
+        </p:spPr>
+        <p:txBody>
+          <a:bodyPr wrap="square">
+            <a:spAutoFit/>
+          </a:bodyPr>
+          <a:lstStyle/>
+          <a:p>
+            <a:r>
+              <a:rPr lang="en-US" sz="2400" b="0" dirty="0">
+                <a:latin typeface="+mn-lt"/>
+              </a:rPr>
+              <a:t>When thinking about a reference-, solution-, or software architecture focus on:</a:t>
+            </a:r>
+          </a:p>
+        </p:txBody>
+      </p:sp>
+      <p:sp>
+        <p:nvSpPr>
+          <p:cNvPr id="8" name="Text Box 4">
+            <a:extLst>
+              <a:ext uri="{FF2B5EF4-FFF2-40B4-BE49-F238E27FC236}">
+                <a16:creationId xmlns:a16="http://schemas.microsoft.com/office/drawing/2014/main" id="{28CDD91C-76C1-4C4F-8D91-E056039F91BC}"/>
+              </a:ext>
+            </a:extLst>
+          </p:cNvPr>
+          <p:cNvSpPr txBox="1">
+            <a:spLocks noChangeArrowheads="1"/>
+          </p:cNvSpPr>
+          <p:nvPr/>
+        </p:nvSpPr>
+        <p:spPr bwMode="auto">
+          <a:xfrm>
+            <a:off x="692352" y="5315346"/>
+            <a:ext cx="8133596" cy="424732"/>
+          </a:xfrm>
+          <a:prstGeom prst="rect">
+            <a:avLst/>
+          </a:prstGeom>
+          <a:noFill/>
+          <a:ln>
+            <a:noFill/>
+          </a:ln>
+          <a:effectLst/>
+          <a:extLst>
+            <a:ext uri="{909E8E84-426E-40dd-AFC4-6F175D3DCCD1}">
+              <a14:hiddenFill xmlns:a14="http://schemas.microsoft.com/office/drawing/2010/main" xmlns="">
+                <a:solidFill>
+                  <a:schemeClr val="accent1"/>
+                </a:solidFill>
+              </a14:hiddenFill>
+            </a:ext>
+            <a:ext uri="{91240B29-F687-4f45-9708-019B960494DF}">
+              <a14:hiddenLine xmlns:a14="http://schemas.microsoft.com/office/drawing/2010/main" xmlns="" w="9525">
+                <a:solidFill>
+                  <a:schemeClr val="tx1"/>
+                </a:solidFill>
+                <a:miter lim="800000"/>
+                <a:headEnd/>
+                <a:tailEnd/>
+              </a14:hiddenLine>
+            </a:ext>
+            <a:ext uri="{AF507438-7753-43e0-B8FC-AC1667EBCBE1}">
+              <a14:hiddenEffects xmlns:a14="http://schemas.microsoft.com/office/drawing/2010/main" xmlns="">
+                <a:effectLst>
+                  <a:outerShdw blurRad="63500" dist="38099" dir="2700000" algn="ctr" rotWithShape="0">
+                    <a:schemeClr val="bg2">
+                      <a:alpha val="74998"/>
+                    </a:schemeClr>
+                  </a:outerShdw>
+                </a:effectLst>
+              </a14:hiddenEffects>
+            </a:ext>
+          </a:extLst>
+        </p:spPr>
+        <p:txBody>
+          <a:bodyPr wrap="square">
+            <a:spAutoFit/>
+          </a:bodyPr>
+          <a:lstStyle/>
+          <a:p>
+            <a:r>
+              <a:rPr lang="en-US" sz="1200" b="0" dirty="0">
+                <a:latin typeface="+mn-lt"/>
+              </a:rPr>
+              <a:t>We will look at documentation approaches later, but I’m not necessarily a big fan of standard notations – more on that later.</a:t>
+            </a:r>
+          </a:p>
+        </p:txBody>
+      </p:sp>
+      <p:sp>
+        <p:nvSpPr>
+          <p:cNvPr id="7" name="TextBox 6">
+            <a:extLst>
+              <a:ext uri="{FF2B5EF4-FFF2-40B4-BE49-F238E27FC236}">
+                <a16:creationId xmlns:a16="http://schemas.microsoft.com/office/drawing/2014/main" id="{2F703695-FD55-8B49-BA47-2E32DD35C214}"/>
+              </a:ext>
+            </a:extLst>
+          </p:cNvPr>
+          <p:cNvSpPr txBox="1"/>
+          <p:nvPr/>
+        </p:nvSpPr>
+        <p:spPr>
+          <a:xfrm>
+            <a:off x="286636" y="4425669"/>
+            <a:ext cx="8689852" cy="646331"/>
+          </a:xfrm>
+          <a:prstGeom prst="rect">
+            <a:avLst/>
+          </a:prstGeom>
+          <a:noFill/>
+        </p:spPr>
+        <p:txBody>
+          <a:bodyPr wrap="square" rtlCol="0">
+            <a:spAutoFit/>
+          </a:bodyPr>
+          <a:lstStyle/>
+          <a:p>
+            <a:r>
+              <a:rPr lang="en-US" sz="2000" b="0" dirty="0">
+                <a:solidFill>
+                  <a:srgbClr val="7030A0"/>
+                </a:solidFill>
+                <a:latin typeface="+mn-lt"/>
+              </a:rPr>
+              <a:t>If you cant answer any/all of the above questions the impact of your architectural work will likely be sub-optimal</a:t>
+            </a:r>
+          </a:p>
+        </p:txBody>
+      </p:sp>
+    </p:spTree>
+    <p:extLst>
+      <p:ext uri="{BB962C8B-B14F-4D97-AF65-F5344CB8AC3E}">
+        <p14:creationId xmlns:p14="http://schemas.microsoft.com/office/powerpoint/2010/main" val="1027723130"/>
+      </p:ext>
+    </p:extLst>
+  </p:cSld>
+  <p:clrMapOvr>
+    <a:masterClrMapping/>
+  </p:clrMapOvr>
+</p:sld>
+</file>
+
+<file path=ppt/slides/slide15.xml><?xml version="1.0" encoding="utf-8"?>
+<p:sld xmlns:a="http://schemas.openxmlformats.org/drawingml/2006/main" xmlns:r="http://schemas.openxmlformats.org/officeDocument/2006/relationships" xmlns:p="http://schemas.openxmlformats.org/presentationml/2006/main">
+  <p:cSld>
+    <p:spTree>
+      <p:nvGrpSpPr>
+        <p:cNvPr id="1" name=""/>
+        <p:cNvGrpSpPr/>
+        <p:nvPr/>
+      </p:nvGrpSpPr>
+      <p:grpSpPr>
+        <a:xfrm>
+          <a:off x="0" y="0"/>
+          <a:ext cx="0" cy="0"/>
+          <a:chOff x="0" y="0"/>
+          <a:chExt cx="0" cy="0"/>
+        </a:xfrm>
+      </p:grpSpPr>
+      <p:sp>
+        <p:nvSpPr>
           <p:cNvPr id="2" name="Title 1"/>
           <p:cNvSpPr>
             <a:spLocks noGrp="1"/>
@@ -6191,7 +6408,7 @@
               <a:pPr>
                 <a:defRPr/>
               </a:pPr>
-              <a:t>14</a:t>
+              <a:t>15</a:t>
             </a:fld>
             <a:endParaRPr lang="en-US" altLang="en-US">
               <a:solidFill>
@@ -6246,7 +6463,7 @@
 </p:sld>
 </file>
 
-<file path=ppt/slides/slide15.xml><?xml version="1.0" encoding="utf-8"?>
+<file path=ppt/slides/slide16.xml><?xml version="1.0" encoding="utf-8"?>
 <p:sld xmlns:a="http://schemas.openxmlformats.org/drawingml/2006/main" xmlns:r="http://schemas.openxmlformats.org/officeDocument/2006/relationships" xmlns:p="http://schemas.openxmlformats.org/presentationml/2006/main">
   <p:cSld>
     <p:spTree>
@@ -6327,7 +6544,7 @@
               <a:pPr>
                 <a:defRPr/>
               </a:pPr>
-              <a:t>15</a:t>
+              <a:t>16</a:t>
             </a:fld>
             <a:endParaRPr lang="en-US" altLang="en-US">
               <a:solidFill>
@@ -6382,239 +6599,6 @@
 </p:sld>
 </file>
 
-<file path=ppt/slides/slide16.xml><?xml version="1.0" encoding="utf-8"?>
-<p:sld xmlns:a="http://schemas.openxmlformats.org/drawingml/2006/main" xmlns:r="http://schemas.openxmlformats.org/officeDocument/2006/relationships" xmlns:p="http://schemas.openxmlformats.org/presentationml/2006/main">
-  <p:cSld>
-    <p:spTree>
-      <p:nvGrpSpPr>
-        <p:cNvPr id="1" name=""/>
-        <p:cNvGrpSpPr/>
-        <p:nvPr/>
-      </p:nvGrpSpPr>
-      <p:grpSpPr>
-        <a:xfrm>
-          <a:off x="0" y="0"/>
-          <a:ext cx="0" cy="0"/>
-          <a:chOff x="0" y="0"/>
-          <a:chExt cx="0" cy="0"/>
-        </a:xfrm>
-      </p:grpSpPr>
-      <p:sp>
-        <p:nvSpPr>
-          <p:cNvPr id="2" name="Title 1"/>
-          <p:cNvSpPr>
-            <a:spLocks noGrp="1"/>
-          </p:cNvSpPr>
-          <p:nvPr>
-            <p:ph type="title"/>
-          </p:nvPr>
-        </p:nvSpPr>
-        <p:spPr/>
-        <p:txBody>
-          <a:bodyPr/>
-          <a:lstStyle/>
-          <a:p>
-            <a:r>
-              <a:rPr lang="en-US" dirty="0"/>
-              <a:t>Why Study Architecture?</a:t>
-            </a:r>
-          </a:p>
-        </p:txBody>
-      </p:sp>
-      <p:sp>
-        <p:nvSpPr>
-          <p:cNvPr id="3" name="Content Placeholder 2"/>
-          <p:cNvSpPr>
-            <a:spLocks noGrp="1"/>
-          </p:cNvSpPr>
-          <p:nvPr>
-            <p:ph idx="1"/>
-          </p:nvPr>
-        </p:nvSpPr>
-        <p:spPr>
-          <a:xfrm>
-            <a:off x="457200" y="992897"/>
-            <a:ext cx="8229600" cy="4433448"/>
-          </a:xfrm>
-        </p:spPr>
-        <p:txBody>
-          <a:bodyPr/>
-          <a:lstStyle/>
-          <a:p>
-            <a:pPr eaLnBrk="1" hangingPunct="1">
-              <a:lnSpc>
-                <a:spcPct val="90000"/>
-              </a:lnSpc>
-            </a:pPr>
-            <a:r>
-              <a:rPr lang="en-US" dirty="0"/>
-              <a:t>It is an integral aspect of structuring software so that it can be built, understood and maintained:</a:t>
-            </a:r>
-          </a:p>
-          <a:p>
-            <a:pPr lvl="1" eaLnBrk="1" hangingPunct="1">
-              <a:lnSpc>
-                <a:spcPct val="90000"/>
-              </a:lnSpc>
-            </a:pPr>
-            <a:r>
-              <a:rPr lang="en-US" dirty="0"/>
-              <a:t>Client / Server</a:t>
-            </a:r>
-          </a:p>
-          <a:p>
-            <a:pPr lvl="1" eaLnBrk="1" hangingPunct="1">
-              <a:lnSpc>
-                <a:spcPct val="90000"/>
-              </a:lnSpc>
-            </a:pPr>
-            <a:r>
-              <a:rPr lang="en-US" dirty="0"/>
-              <a:t>Layered systems</a:t>
-            </a:r>
-          </a:p>
-          <a:p>
-            <a:pPr lvl="1" eaLnBrk="1" hangingPunct="1">
-              <a:lnSpc>
-                <a:spcPct val="90000"/>
-              </a:lnSpc>
-            </a:pPr>
-            <a:r>
-              <a:rPr lang="en-US" dirty="0"/>
-              <a:t>Cloud based systems</a:t>
-            </a:r>
-          </a:p>
-          <a:p>
-            <a:pPr lvl="1" eaLnBrk="1" hangingPunct="1">
-              <a:lnSpc>
-                <a:spcPct val="90000"/>
-              </a:lnSpc>
-            </a:pPr>
-            <a:r>
-              <a:rPr lang="en-US" dirty="0" err="1"/>
-              <a:t>etc</a:t>
-            </a:r>
-            <a:endParaRPr lang="en-US" dirty="0"/>
-          </a:p>
-          <a:p>
-            <a:pPr eaLnBrk="1" hangingPunct="1">
-              <a:lnSpc>
-                <a:spcPct val="80000"/>
-              </a:lnSpc>
-            </a:pPr>
-            <a:r>
-              <a:rPr lang="en-US" dirty="0"/>
-              <a:t>Architectural choices are critical in determining SW quality:</a:t>
-            </a:r>
-          </a:p>
-          <a:p>
-            <a:pPr lvl="1" eaLnBrk="1" hangingPunct="1">
-              <a:lnSpc>
-                <a:spcPct val="90000"/>
-              </a:lnSpc>
-            </a:pPr>
-            <a:r>
-              <a:rPr lang="en-US" dirty="0"/>
-              <a:t>Performance</a:t>
-            </a:r>
-          </a:p>
-          <a:p>
-            <a:pPr lvl="1" eaLnBrk="1" hangingPunct="1">
-              <a:lnSpc>
-                <a:spcPct val="90000"/>
-              </a:lnSpc>
-            </a:pPr>
-            <a:r>
-              <a:rPr lang="en-US" dirty="0"/>
-              <a:t>Scalability</a:t>
-            </a:r>
-          </a:p>
-          <a:p>
-            <a:pPr lvl="1" eaLnBrk="1" hangingPunct="1">
-              <a:lnSpc>
-                <a:spcPct val="90000"/>
-              </a:lnSpc>
-            </a:pPr>
-            <a:r>
-              <a:rPr lang="en-US" dirty="0"/>
-              <a:t>Reuse</a:t>
-            </a:r>
-          </a:p>
-          <a:p>
-            <a:pPr lvl="1" eaLnBrk="1" hangingPunct="1">
-              <a:lnSpc>
-                <a:spcPct val="90000"/>
-              </a:lnSpc>
-            </a:pPr>
-            <a:r>
-              <a:rPr lang="en-US" dirty="0"/>
-              <a:t>… and other non-functional properties</a:t>
-            </a:r>
-          </a:p>
-          <a:p>
-            <a:pPr lvl="1" eaLnBrk="1" hangingPunct="1">
-              <a:lnSpc>
-                <a:spcPct val="90000"/>
-              </a:lnSpc>
-            </a:pPr>
-            <a:endParaRPr lang="en-US" dirty="0"/>
-          </a:p>
-        </p:txBody>
-      </p:sp>
-      <p:sp>
-        <p:nvSpPr>
-          <p:cNvPr id="4" name="Slide Number Placeholder 3"/>
-          <p:cNvSpPr>
-            <a:spLocks noGrp="1"/>
-          </p:cNvSpPr>
-          <p:nvPr>
-            <p:ph type="sldNum" sz="quarter" idx="12"/>
-          </p:nvPr>
-        </p:nvSpPr>
-        <p:spPr/>
-        <p:txBody>
-          <a:bodyPr/>
-          <a:lstStyle/>
-          <a:p>
-            <a:pPr>
-              <a:defRPr/>
-            </a:pPr>
-            <a:fld id="{F9DE2D32-EBB3-479D-A20A-D25324940D10}" type="slidenum">
-              <a:rPr lang="en-US" altLang="en-US" smtClean="0">
-                <a:solidFill>
-                  <a:prstClr val="black">
-                    <a:tint val="75000"/>
-                  </a:prstClr>
-                </a:solidFill>
-              </a:rPr>
-              <a:pPr>
-                <a:defRPr/>
-              </a:pPr>
-              <a:t>16</a:t>
-            </a:fld>
-            <a:endParaRPr lang="en-US" altLang="en-US">
-              <a:solidFill>
-                <a:prstClr val="black">
-                  <a:tint val="75000"/>
-                </a:prstClr>
-              </a:solidFill>
-            </a:endParaRPr>
-          </a:p>
-        </p:txBody>
-      </p:sp>
-    </p:spTree>
-    <p:extLst>
-      <p:ext uri="{BB962C8B-B14F-4D97-AF65-F5344CB8AC3E}">
-        <p14:creationId xmlns:p14="http://schemas.microsoft.com/office/powerpoint/2010/main" val="3090748224"/>
-      </p:ext>
-    </p:extLst>
-  </p:cSld>
-  <p:clrMapOvr>
-    <a:masterClrMapping/>
-  </p:clrMapOvr>
-</p:sld>
-</file>
-
 <file path=ppt/slides/slide17.xml><?xml version="1.0" encoding="utf-8"?>
 <p:sld xmlns:a="http://schemas.openxmlformats.org/drawingml/2006/main" xmlns:r="http://schemas.openxmlformats.org/officeDocument/2006/relationships" xmlns:p="http://schemas.openxmlformats.org/presentationml/2006/main">
   <p:cSld>
@@ -6649,11 +6633,7 @@
           <a:p>
             <a:r>
               <a:rPr lang="en-US" dirty="0"/>
-              <a:t>Why Study Architecture? </a:t>
-            </a:r>
-            <a:r>
-              <a:rPr lang="en-US" sz="2000" dirty="0"/>
-              <a:t>(cont’d)</a:t>
+              <a:t>Why Study Architecture?</a:t>
             </a:r>
           </a:p>
         </p:txBody>
@@ -6668,49 +6648,132 @@
             <p:ph idx="1"/>
           </p:nvPr>
         </p:nvSpPr>
-        <p:spPr/>
+        <p:spPr>
+          <a:xfrm>
+            <a:off x="457200" y="992897"/>
+            <a:ext cx="8229600" cy="4433448"/>
+          </a:xfrm>
+        </p:spPr>
         <p:txBody>
           <a:bodyPr/>
           <a:lstStyle/>
           <a:p>
+            <a:pPr eaLnBrk="1" hangingPunct="1">
+              <a:lnSpc>
+                <a:spcPct val="90000"/>
+              </a:lnSpc>
+            </a:pPr>
             <a:r>
               <a:rPr lang="en-US" dirty="0"/>
-              <a:t>As a designer, you need to:</a:t>
-            </a:r>
-          </a:p>
-          <a:p>
-            <a:pPr lvl="1"/>
+              <a:t>It is an integral aspect of structuring software so that it can be built, understood and maintained:</a:t>
+            </a:r>
+          </a:p>
+          <a:p>
+            <a:pPr lvl="1" eaLnBrk="1" hangingPunct="1">
+              <a:lnSpc>
+                <a:spcPct val="90000"/>
+              </a:lnSpc>
+            </a:pPr>
             <a:r>
               <a:rPr lang="en-US" dirty="0"/>
-              <a:t>Effectively manage complex tradeoffs to meet stakeholder objectives</a:t>
-            </a:r>
-          </a:p>
-          <a:p>
-            <a:pPr lvl="1"/>
+              <a:t>Client / Server</a:t>
+            </a:r>
+          </a:p>
+          <a:p>
+            <a:pPr lvl="1" eaLnBrk="1" hangingPunct="1">
+              <a:lnSpc>
+                <a:spcPct val="90000"/>
+              </a:lnSpc>
+            </a:pPr>
             <a:r>
               <a:rPr lang="en-US" dirty="0"/>
-              <a:t>Layout, socialize and influence your </a:t>
-            </a:r>
-            <a:r>
-              <a:rPr lang="en-US" u="sng" dirty="0"/>
-              <a:t>decisions.</a:t>
-            </a:r>
-          </a:p>
-          <a:p>
-            <a:pPr lvl="1"/>
+              <a:t>Layered systems</a:t>
+            </a:r>
+          </a:p>
+          <a:p>
+            <a:pPr lvl="1" eaLnBrk="1" hangingPunct="1">
+              <a:lnSpc>
+                <a:spcPct val="90000"/>
+              </a:lnSpc>
+            </a:pPr>
             <a:r>
               <a:rPr lang="en-US" dirty="0"/>
-              <a:t>Communicate with your team and convince your customer / boss of their merit.</a:t>
-            </a:r>
-          </a:p>
-          <a:p>
-            <a:pPr lvl="1"/>
+              <a:t>Cloud based systems</a:t>
+            </a:r>
+          </a:p>
+          <a:p>
+            <a:pPr lvl="1" eaLnBrk="1" hangingPunct="1">
+              <a:lnSpc>
+                <a:spcPct val="90000"/>
+              </a:lnSpc>
+            </a:pPr>
+            <a:r>
+              <a:rPr lang="en-US" dirty="0" err="1"/>
+              <a:t>etc</a:t>
+            </a:r>
+            <a:endParaRPr lang="en-US" dirty="0"/>
+          </a:p>
+          <a:p>
+            <a:pPr eaLnBrk="1" hangingPunct="1">
+              <a:lnSpc>
+                <a:spcPct val="80000"/>
+              </a:lnSpc>
+            </a:pPr>
             <a:r>
               <a:rPr lang="en-US" dirty="0"/>
-              <a:t>Reason about the properties of the overall system in an abstract and convenient way.</a:t>
-            </a:r>
-          </a:p>
-          <a:p>
+              <a:t>Architectural choices are critical in determining SW quality:</a:t>
+            </a:r>
+          </a:p>
+          <a:p>
+            <a:pPr lvl="1" eaLnBrk="1" hangingPunct="1">
+              <a:lnSpc>
+                <a:spcPct val="90000"/>
+              </a:lnSpc>
+            </a:pPr>
+            <a:r>
+              <a:rPr lang="en-US" dirty="0"/>
+              <a:t>Performance</a:t>
+            </a:r>
+          </a:p>
+          <a:p>
+            <a:pPr lvl="1" eaLnBrk="1" hangingPunct="1">
+              <a:lnSpc>
+                <a:spcPct val="90000"/>
+              </a:lnSpc>
+            </a:pPr>
+            <a:r>
+              <a:rPr lang="en-US" dirty="0"/>
+              <a:t>Scalability</a:t>
+            </a:r>
+          </a:p>
+          <a:p>
+            <a:pPr lvl="1" eaLnBrk="1" hangingPunct="1">
+              <a:lnSpc>
+                <a:spcPct val="90000"/>
+              </a:lnSpc>
+            </a:pPr>
+            <a:r>
+              <a:rPr lang="en-US" dirty="0"/>
+              <a:t>Reuse</a:t>
+            </a:r>
+          </a:p>
+          <a:p>
+            <a:pPr lvl="1" eaLnBrk="1" hangingPunct="1">
+              <a:lnSpc>
+                <a:spcPct val="90000"/>
+              </a:lnSpc>
+            </a:pPr>
+            <a:r>
+              <a:rPr lang="en-US" dirty="0"/>
+              <a:t>… and other non-functional properties</a:t>
+            </a:r>
+          </a:p>
+          <a:p>
+            <a:pPr lvl="1" eaLnBrk="1" hangingPunct="1">
+              <a:lnSpc>
+                <a:spcPct val="90000"/>
+              </a:lnSpc>
+            </a:pPr>
             <a:endParaRPr lang="en-US" dirty="0"/>
           </a:p>
         </p:txBody>
@@ -6759,7 +6822,7 @@
     </p:spTree>
     <p:extLst>
       <p:ext uri="{BB962C8B-B14F-4D97-AF65-F5344CB8AC3E}">
-        <p14:creationId xmlns:p14="http://schemas.microsoft.com/office/powerpoint/2010/main" val="528415623"/>
+        <p14:creationId xmlns:p14="http://schemas.microsoft.com/office/powerpoint/2010/main" val="3090748224"/>
       </p:ext>
     </p:extLst>
   </p:cSld>
@@ -6809,7 +6872,6 @@
               <a:rPr lang="en-US" sz="2000" dirty="0"/>
               <a:t>(cont’d)</a:t>
             </a:r>
-            <a:endParaRPr lang="en-US" dirty="0"/>
           </a:p>
         </p:txBody>
       </p:sp>
@@ -6830,30 +6892,39 @@
           <a:p>
             <a:r>
               <a:rPr lang="en-US" dirty="0"/>
-              <a:t>Certain “canonical” architectural designs provide valid blueprints for a lot of systems.</a:t>
+              <a:t>As a designer, you need to:</a:t>
             </a:r>
           </a:p>
           <a:p>
             <a:pPr lvl="1"/>
             <a:r>
               <a:rPr lang="en-US" dirty="0"/>
-              <a:t> Architectural </a:t>
+              <a:t>Effectively manage complex tradeoffs to meet stakeholder objectives</a:t>
+            </a:r>
+          </a:p>
+          <a:p>
+            <a:pPr lvl="1"/>
+            <a:r>
+              <a:rPr lang="en-US" dirty="0"/>
+              <a:t>Layout, socialize and influence your </a:t>
             </a:r>
             <a:r>
               <a:rPr lang="en-US" u="sng" dirty="0"/>
-              <a:t>styles</a:t>
-            </a:r>
-          </a:p>
-          <a:p>
+              <a:t>decisions.</a:t>
+            </a:r>
+          </a:p>
+          <a:p>
+            <a:pPr lvl="1"/>
             <a:r>
               <a:rPr lang="en-US" dirty="0"/>
-              <a:t>Learn to recognize applicability and characteristics of styles.</a:t>
-            </a:r>
-          </a:p>
-          <a:p>
+              <a:t>Communicate with your team and convince your customer / boss of their merit.</a:t>
+            </a:r>
+          </a:p>
+          <a:p>
+            <a:pPr lvl="1"/>
             <a:r>
               <a:rPr lang="en-US" dirty="0"/>
-              <a:t>Learn to use technologies that induce and support those styles.</a:t>
+              <a:t>Reason about the properties of the overall system in an abstract and convenient way.</a:t>
             </a:r>
           </a:p>
           <a:p>
@@ -6905,7 +6976,7 @@
     </p:spTree>
     <p:extLst>
       <p:ext uri="{BB962C8B-B14F-4D97-AF65-F5344CB8AC3E}">
-        <p14:creationId xmlns:p14="http://schemas.microsoft.com/office/powerpoint/2010/main" val="2214576867"/>
+        <p14:creationId xmlns:p14="http://schemas.microsoft.com/office/powerpoint/2010/main" val="528415623"/>
       </p:ext>
     </p:extLst>
   </p:cSld>
@@ -6934,6 +7005,81 @@
       </p:grpSpPr>
       <p:sp>
         <p:nvSpPr>
+          <p:cNvPr id="2" name="Title 1"/>
+          <p:cNvSpPr>
+            <a:spLocks noGrp="1"/>
+          </p:cNvSpPr>
+          <p:nvPr>
+            <p:ph type="title"/>
+          </p:nvPr>
+        </p:nvSpPr>
+        <p:spPr/>
+        <p:txBody>
+          <a:bodyPr/>
+          <a:lstStyle/>
+          <a:p>
+            <a:r>
+              <a:rPr lang="en-US" dirty="0"/>
+              <a:t>Why Study Architecture? </a:t>
+            </a:r>
+            <a:r>
+              <a:rPr lang="en-US" sz="2000" dirty="0"/>
+              <a:t>(cont’d)</a:t>
+            </a:r>
+            <a:endParaRPr lang="en-US" dirty="0"/>
+          </a:p>
+        </p:txBody>
+      </p:sp>
+      <p:sp>
+        <p:nvSpPr>
+          <p:cNvPr id="3" name="Content Placeholder 2"/>
+          <p:cNvSpPr>
+            <a:spLocks noGrp="1"/>
+          </p:cNvSpPr>
+          <p:nvPr>
+            <p:ph idx="1"/>
+          </p:nvPr>
+        </p:nvSpPr>
+        <p:spPr/>
+        <p:txBody>
+          <a:bodyPr/>
+          <a:lstStyle/>
+          <a:p>
+            <a:r>
+              <a:rPr lang="en-US" dirty="0"/>
+              <a:t>Certain “canonical” architectural designs provide valid blueprints for a lot of systems.</a:t>
+            </a:r>
+          </a:p>
+          <a:p>
+            <a:pPr lvl="1"/>
+            <a:r>
+              <a:rPr lang="en-US" dirty="0"/>
+              <a:t> Architectural </a:t>
+            </a:r>
+            <a:r>
+              <a:rPr lang="en-US" u="sng" dirty="0"/>
+              <a:t>styles</a:t>
+            </a:r>
+          </a:p>
+          <a:p>
+            <a:r>
+              <a:rPr lang="en-US" dirty="0"/>
+              <a:t>Learn to recognize applicability and characteristics of styles.</a:t>
+            </a:r>
+          </a:p>
+          <a:p>
+            <a:r>
+              <a:rPr lang="en-US" dirty="0"/>
+              <a:t>Learn to use technologies that induce and support those styles.</a:t>
+            </a:r>
+          </a:p>
+          <a:p>
+            <a:endParaRPr lang="en-US" dirty="0"/>
+          </a:p>
+        </p:txBody>
+      </p:sp>
+      <p:sp>
+        <p:nvSpPr>
           <p:cNvPr id="4" name="Slide Number Placeholder 3"/>
           <p:cNvSpPr>
             <a:spLocks noGrp="1"/>
@@ -6962,6 +7108,233 @@
                 <a:defRPr/>
               </a:pPr>
               <a:t>19</a:t>
+            </a:fld>
+            <a:endParaRPr lang="en-US" altLang="en-US">
+              <a:solidFill>
+                <a:prstClr val="black">
+                  <a:tint val="75000"/>
+                </a:prstClr>
+              </a:solidFill>
+            </a:endParaRPr>
+          </a:p>
+        </p:txBody>
+      </p:sp>
+    </p:spTree>
+    <p:extLst>
+      <p:ext uri="{BB962C8B-B14F-4D97-AF65-F5344CB8AC3E}">
+        <p14:creationId xmlns:p14="http://schemas.microsoft.com/office/powerpoint/2010/main" val="2214576867"/>
+      </p:ext>
+    </p:extLst>
+  </p:cSld>
+  <p:clrMapOvr>
+    <a:masterClrMapping/>
+  </p:clrMapOvr>
+</p:sld>
+</file>
+
+<file path=ppt/slides/slide2.xml><?xml version="1.0" encoding="utf-8"?>
+<p:sld xmlns:a="http://schemas.openxmlformats.org/drawingml/2006/main" xmlns:r="http://schemas.openxmlformats.org/officeDocument/2006/relationships" xmlns:p="http://schemas.openxmlformats.org/presentationml/2006/main">
+  <p:cSld>
+    <p:spTree>
+      <p:nvGrpSpPr>
+        <p:cNvPr id="1" name=""/>
+        <p:cNvGrpSpPr/>
+        <p:nvPr/>
+      </p:nvGrpSpPr>
+      <p:grpSpPr>
+        <a:xfrm>
+          <a:off x="0" y="0"/>
+          <a:ext cx="0" cy="0"/>
+          <a:chOff x="0" y="0"/>
+          <a:chExt cx="0" cy="0"/>
+        </a:xfrm>
+      </p:grpSpPr>
+      <p:sp>
+        <p:nvSpPr>
+          <p:cNvPr id="2" name="Title 1"/>
+          <p:cNvSpPr>
+            <a:spLocks noGrp="1"/>
+          </p:cNvSpPr>
+          <p:nvPr>
+            <p:ph type="title"/>
+          </p:nvPr>
+        </p:nvSpPr>
+        <p:spPr/>
+        <p:txBody>
+          <a:bodyPr/>
+          <a:lstStyle/>
+          <a:p>
+            <a:r>
+              <a:rPr lang="en-US" dirty="0"/>
+              <a:t>What is Software Architecture?</a:t>
+            </a:r>
+            <a:endParaRPr lang="en-US" sz="2000" dirty="0"/>
+          </a:p>
+        </p:txBody>
+      </p:sp>
+      <p:sp>
+        <p:nvSpPr>
+          <p:cNvPr id="3" name="Content Placeholder 2"/>
+          <p:cNvSpPr>
+            <a:spLocks noGrp="1"/>
+          </p:cNvSpPr>
+          <p:nvPr>
+            <p:ph idx="1"/>
+          </p:nvPr>
+        </p:nvSpPr>
+        <p:spPr>
+          <a:xfrm>
+            <a:off x="457200" y="1205268"/>
+            <a:ext cx="8229600" cy="4239858"/>
+          </a:xfrm>
+        </p:spPr>
+        <p:txBody>
+          <a:bodyPr/>
+          <a:lstStyle/>
+          <a:p>
+            <a:r>
+              <a:rPr lang="en-US" dirty="0"/>
+              <a:t>The fundamental organization of a system, embodied in its components, their relationships to each other and the environment, and the principles governing its design and evolution</a:t>
+            </a:r>
+            <a:r>
+              <a:rPr lang="en-US" i="1" dirty="0"/>
+              <a:t>.</a:t>
+            </a:r>
+            <a:endParaRPr lang="en-US" dirty="0"/>
+          </a:p>
+          <a:p>
+            <a:pPr marL="0" indent="0">
+              <a:buNone/>
+            </a:pPr>
+            <a:r>
+              <a:rPr lang="en-US" sz="1800" dirty="0"/>
+              <a:t>		</a:t>
+            </a:r>
+            <a:r>
+              <a:rPr lang="en-US" sz="1400" dirty="0"/>
+              <a:t>ANSI/IEEE </a:t>
+            </a:r>
+            <a:r>
+              <a:rPr lang="en-US" sz="1400" dirty="0" err="1"/>
+              <a:t>Std</a:t>
+            </a:r>
+            <a:r>
+              <a:rPr lang="en-US" sz="1400" dirty="0"/>
+              <a:t> 1471-2000, Recommended Practice for 			Architectural Description of Software-Intensive Systems.</a:t>
+            </a:r>
+          </a:p>
+          <a:p>
+            <a:endParaRPr lang="en-US" dirty="0"/>
+          </a:p>
+          <a:p>
+            <a:pPr marL="0" indent="0">
+              <a:buNone/>
+            </a:pPr>
+            <a:endParaRPr lang="en-US" dirty="0"/>
+          </a:p>
+        </p:txBody>
+      </p:sp>
+      <p:sp>
+        <p:nvSpPr>
+          <p:cNvPr id="4" name="Slide Number Placeholder 3"/>
+          <p:cNvSpPr>
+            <a:spLocks noGrp="1"/>
+          </p:cNvSpPr>
+          <p:nvPr>
+            <p:ph type="sldNum" sz="quarter" idx="12"/>
+          </p:nvPr>
+        </p:nvSpPr>
+        <p:spPr/>
+        <p:txBody>
+          <a:bodyPr/>
+          <a:lstStyle/>
+          <a:p>
+            <a:pPr>
+              <a:defRPr/>
+            </a:pPr>
+            <a:fld id="{F9DE2D32-EBB3-479D-A20A-D25324940D10}" type="slidenum">
+              <a:rPr lang="en-US" altLang="en-US" smtClean="0">
+                <a:solidFill>
+                  <a:prstClr val="black">
+                    <a:tint val="75000"/>
+                  </a:prstClr>
+                </a:solidFill>
+              </a:rPr>
+              <a:pPr>
+                <a:defRPr/>
+              </a:pPr>
+              <a:t>2</a:t>
+            </a:fld>
+            <a:endParaRPr lang="en-US" altLang="en-US">
+              <a:solidFill>
+                <a:prstClr val="black">
+                  <a:tint val="75000"/>
+                </a:prstClr>
+              </a:solidFill>
+            </a:endParaRPr>
+          </a:p>
+        </p:txBody>
+      </p:sp>
+    </p:spTree>
+    <p:extLst>
+      <p:ext uri="{BB962C8B-B14F-4D97-AF65-F5344CB8AC3E}">
+        <p14:creationId xmlns:p14="http://schemas.microsoft.com/office/powerpoint/2010/main" val="3601144008"/>
+      </p:ext>
+    </p:extLst>
+  </p:cSld>
+  <p:clrMapOvr>
+    <a:masterClrMapping/>
+  </p:clrMapOvr>
+</p:sld>
+</file>
+
+<file path=ppt/slides/slide20.xml><?xml version="1.0" encoding="utf-8"?>
+<p:sld xmlns:a="http://schemas.openxmlformats.org/drawingml/2006/main" xmlns:r="http://schemas.openxmlformats.org/officeDocument/2006/relationships" xmlns:p="http://schemas.openxmlformats.org/presentationml/2006/main">
+  <p:cSld>
+    <p:spTree>
+      <p:nvGrpSpPr>
+        <p:cNvPr id="1" name=""/>
+        <p:cNvGrpSpPr/>
+        <p:nvPr/>
+      </p:nvGrpSpPr>
+      <p:grpSpPr>
+        <a:xfrm>
+          <a:off x="0" y="0"/>
+          <a:ext cx="0" cy="0"/>
+          <a:chOff x="0" y="0"/>
+          <a:chExt cx="0" cy="0"/>
+        </a:xfrm>
+      </p:grpSpPr>
+      <p:sp>
+        <p:nvSpPr>
+          <p:cNvPr id="4" name="Slide Number Placeholder 3"/>
+          <p:cNvSpPr>
+            <a:spLocks noGrp="1"/>
+          </p:cNvSpPr>
+          <p:nvPr>
+            <p:ph type="sldNum" sz="quarter" idx="12"/>
+          </p:nvPr>
+        </p:nvSpPr>
+        <p:spPr/>
+        <p:txBody>
+          <a:bodyPr/>
+          <a:lstStyle/>
+          <a:p>
+            <a:pPr>
+              <a:defRPr/>
+            </a:pPr>
+            <a:fld id="{F9DE2D32-EBB3-479D-A20A-D25324940D10}" type="slidenum">
+              <a:rPr lang="en-US" altLang="en-US" smtClean="0">
+                <a:solidFill>
+                  <a:prstClr val="black">
+                    <a:tint val="75000"/>
+                  </a:prstClr>
+                </a:solidFill>
+              </a:rPr>
+              <a:pPr>
+                <a:defRPr/>
+              </a:pPr>
+              <a:t>20</a:t>
             </a:fld>
             <a:endParaRPr lang="en-US" altLang="en-US">
               <a:solidFill>
@@ -7060,330 +7433,6 @@
 </p:sld>
 </file>
 
-<file path=ppt/slides/slide2.xml><?xml version="1.0" encoding="utf-8"?>
-<p:sld xmlns:a="http://schemas.openxmlformats.org/drawingml/2006/main" xmlns:r="http://schemas.openxmlformats.org/officeDocument/2006/relationships" xmlns:p="http://schemas.openxmlformats.org/presentationml/2006/main">
-  <p:cSld>
-    <p:spTree>
-      <p:nvGrpSpPr>
-        <p:cNvPr id="1" name=""/>
-        <p:cNvGrpSpPr/>
-        <p:nvPr/>
-      </p:nvGrpSpPr>
-      <p:grpSpPr>
-        <a:xfrm>
-          <a:off x="0" y="0"/>
-          <a:ext cx="0" cy="0"/>
-          <a:chOff x="0" y="0"/>
-          <a:chExt cx="0" cy="0"/>
-        </a:xfrm>
-      </p:grpSpPr>
-      <p:sp>
-        <p:nvSpPr>
-          <p:cNvPr id="2" name="Title 1"/>
-          <p:cNvSpPr>
-            <a:spLocks noGrp="1"/>
-          </p:cNvSpPr>
-          <p:nvPr>
-            <p:ph type="title"/>
-          </p:nvPr>
-        </p:nvSpPr>
-        <p:spPr/>
-        <p:txBody>
-          <a:bodyPr/>
-          <a:lstStyle/>
-          <a:p>
-            <a:r>
-              <a:rPr lang="en-US" dirty="0"/>
-              <a:t>What is Software Architecture?</a:t>
-            </a:r>
-            <a:endParaRPr lang="en-US" sz="2000" dirty="0"/>
-          </a:p>
-        </p:txBody>
-      </p:sp>
-      <p:sp>
-        <p:nvSpPr>
-          <p:cNvPr id="3" name="Content Placeholder 2"/>
-          <p:cNvSpPr>
-            <a:spLocks noGrp="1"/>
-          </p:cNvSpPr>
-          <p:nvPr>
-            <p:ph idx="1"/>
-          </p:nvPr>
-        </p:nvSpPr>
-        <p:spPr>
-          <a:xfrm>
-            <a:off x="457200" y="1205268"/>
-            <a:ext cx="8229600" cy="4239858"/>
-          </a:xfrm>
-        </p:spPr>
-        <p:txBody>
-          <a:bodyPr/>
-          <a:lstStyle/>
-          <a:p>
-            <a:r>
-              <a:rPr lang="en-US" dirty="0"/>
-              <a:t>The fundamental organization of a system, embodied in its components, their relationships to each other and the environment, and the principles governing its design and evolution</a:t>
-            </a:r>
-            <a:r>
-              <a:rPr lang="en-US" i="1" dirty="0"/>
-              <a:t>.</a:t>
-            </a:r>
-            <a:endParaRPr lang="en-US" dirty="0"/>
-          </a:p>
-          <a:p>
-            <a:pPr marL="0" indent="0">
-              <a:buNone/>
-            </a:pPr>
-            <a:r>
-              <a:rPr lang="en-US" sz="1800" dirty="0"/>
-              <a:t>		</a:t>
-            </a:r>
-            <a:r>
-              <a:rPr lang="en-US" sz="1400" dirty="0"/>
-              <a:t>ANSI/IEEE </a:t>
-            </a:r>
-            <a:r>
-              <a:rPr lang="en-US" sz="1400" dirty="0" err="1"/>
-              <a:t>Std</a:t>
-            </a:r>
-            <a:r>
-              <a:rPr lang="en-US" sz="1400" dirty="0"/>
-              <a:t> 1471-2000, Recommended Practice for 			Architectural Description of Software-Intensive Systems.</a:t>
-            </a:r>
-          </a:p>
-          <a:p>
-            <a:endParaRPr lang="en-US" dirty="0"/>
-          </a:p>
-          <a:p>
-            <a:pPr marL="0" indent="0">
-              <a:buNone/>
-            </a:pPr>
-            <a:endParaRPr lang="en-US" dirty="0"/>
-          </a:p>
-        </p:txBody>
-      </p:sp>
-      <p:sp>
-        <p:nvSpPr>
-          <p:cNvPr id="4" name="Slide Number Placeholder 3"/>
-          <p:cNvSpPr>
-            <a:spLocks noGrp="1"/>
-          </p:cNvSpPr>
-          <p:nvPr>
-            <p:ph type="sldNum" sz="quarter" idx="12"/>
-          </p:nvPr>
-        </p:nvSpPr>
-        <p:spPr/>
-        <p:txBody>
-          <a:bodyPr/>
-          <a:lstStyle/>
-          <a:p>
-            <a:pPr>
-              <a:defRPr/>
-            </a:pPr>
-            <a:fld id="{F9DE2D32-EBB3-479D-A20A-D25324940D10}" type="slidenum">
-              <a:rPr lang="en-US" altLang="en-US" smtClean="0">
-                <a:solidFill>
-                  <a:prstClr val="black">
-                    <a:tint val="75000"/>
-                  </a:prstClr>
-                </a:solidFill>
-              </a:rPr>
-              <a:pPr>
-                <a:defRPr/>
-              </a:pPr>
-              <a:t>2</a:t>
-            </a:fld>
-            <a:endParaRPr lang="en-US" altLang="en-US">
-              <a:solidFill>
-                <a:prstClr val="black">
-                  <a:tint val="75000"/>
-                </a:prstClr>
-              </a:solidFill>
-            </a:endParaRPr>
-          </a:p>
-        </p:txBody>
-      </p:sp>
-    </p:spTree>
-    <p:extLst>
-      <p:ext uri="{BB962C8B-B14F-4D97-AF65-F5344CB8AC3E}">
-        <p14:creationId xmlns:p14="http://schemas.microsoft.com/office/powerpoint/2010/main" val="3601144008"/>
-      </p:ext>
-    </p:extLst>
-  </p:cSld>
-  <p:clrMapOvr>
-    <a:masterClrMapping/>
-  </p:clrMapOvr>
-</p:sld>
-</file>
-
-<file path=ppt/slides/slide20.xml><?xml version="1.0" encoding="utf-8"?>
-<p:sld xmlns:a="http://schemas.openxmlformats.org/drawingml/2006/main" xmlns:r="http://schemas.openxmlformats.org/officeDocument/2006/relationships" xmlns:p="http://schemas.openxmlformats.org/presentationml/2006/main">
-  <p:cSld>
-    <p:spTree>
-      <p:nvGrpSpPr>
-        <p:cNvPr id="1" name=""/>
-        <p:cNvGrpSpPr/>
-        <p:nvPr/>
-      </p:nvGrpSpPr>
-      <p:grpSpPr>
-        <a:xfrm>
-          <a:off x="0" y="0"/>
-          <a:ext cx="0" cy="0"/>
-          <a:chOff x="0" y="0"/>
-          <a:chExt cx="0" cy="0"/>
-        </a:xfrm>
-      </p:grpSpPr>
-      <p:sp>
-        <p:nvSpPr>
-          <p:cNvPr id="2" name="Title 1"/>
-          <p:cNvSpPr>
-            <a:spLocks noGrp="1"/>
-          </p:cNvSpPr>
-          <p:nvPr>
-            <p:ph type="title"/>
-          </p:nvPr>
-        </p:nvSpPr>
-        <p:spPr/>
-        <p:txBody>
-          <a:bodyPr/>
-          <a:lstStyle/>
-          <a:p>
-            <a:r>
-              <a:rPr lang="en-US" dirty="0"/>
-              <a:t>What does a Software Architect do?</a:t>
-            </a:r>
-          </a:p>
-        </p:txBody>
-      </p:sp>
-      <p:sp>
-        <p:nvSpPr>
-          <p:cNvPr id="3" name="Content Placeholder 2"/>
-          <p:cNvSpPr>
-            <a:spLocks noGrp="1"/>
-          </p:cNvSpPr>
-          <p:nvPr>
-            <p:ph idx="1"/>
-          </p:nvPr>
-        </p:nvSpPr>
-        <p:spPr/>
-        <p:txBody>
-          <a:bodyPr/>
-          <a:lstStyle/>
-          <a:p>
-            <a:pPr lvl="0"/>
-            <a:r>
-              <a:rPr lang="en-US" sz="2000" dirty="0"/>
-              <a:t>Interact with stakeholders to make sure their needs are being met.</a:t>
-            </a:r>
-          </a:p>
-          <a:p>
-            <a:pPr lvl="0"/>
-            <a:r>
-              <a:rPr lang="en-US" sz="2000" dirty="0"/>
-              <a:t>Craft the right architecture to solve the problem at hand. </a:t>
-            </a:r>
-          </a:p>
-          <a:p>
-            <a:pPr lvl="1"/>
-            <a:r>
-              <a:rPr lang="en-US" sz="1800" dirty="0"/>
-              <a:t>Make sure the right modeling is being done, to know that qualities like performance are going to be met.</a:t>
-            </a:r>
-          </a:p>
-          <a:p>
-            <a:pPr lvl="1"/>
-            <a:r>
-              <a:rPr lang="en-US" sz="1800" dirty="0"/>
-              <a:t>Make sure that the architecture is not only the right one for operations, but also for deployment and sustainment.</a:t>
-            </a:r>
-          </a:p>
-          <a:p>
-            <a:pPr lvl="0"/>
-            <a:r>
-              <a:rPr lang="en-US" sz="2000" dirty="0"/>
-              <a:t>Document, influence, and communicate it.</a:t>
-            </a:r>
-          </a:p>
-          <a:p>
-            <a:pPr lvl="0"/>
-            <a:r>
-              <a:rPr lang="en-US" sz="2000" dirty="0"/>
-              <a:t>Give input as needed to issues like tool and environment selection.</a:t>
-            </a:r>
-          </a:p>
-          <a:p>
-            <a:pPr lvl="0"/>
-            <a:r>
-              <a:rPr lang="en-US" sz="2000" dirty="0"/>
-              <a:t>Manage risk identification and risk mitigation strategies associated with the architecture, and architecture decisions.</a:t>
-            </a:r>
-          </a:p>
-          <a:p>
-            <a:pPr lvl="0"/>
-            <a:r>
-              <a:rPr lang="en-US" sz="2000" dirty="0"/>
-              <a:t>Work closely with engineering teams, ensuring architecture guidance is relevant, is followed, and is adding value. </a:t>
-            </a:r>
-          </a:p>
-          <a:p>
-            <a:endParaRPr lang="en-US" sz="2000" dirty="0"/>
-          </a:p>
-        </p:txBody>
-      </p:sp>
-      <p:sp>
-        <p:nvSpPr>
-          <p:cNvPr id="4" name="Slide Number Placeholder 3"/>
-          <p:cNvSpPr>
-            <a:spLocks noGrp="1"/>
-          </p:cNvSpPr>
-          <p:nvPr>
-            <p:ph type="sldNum" sz="quarter" idx="12"/>
-          </p:nvPr>
-        </p:nvSpPr>
-        <p:spPr/>
-        <p:txBody>
-          <a:bodyPr/>
-          <a:lstStyle/>
-          <a:p>
-            <a:pPr>
-              <a:defRPr/>
-            </a:pPr>
-            <a:fld id="{F9DE2D32-EBB3-479D-A20A-D25324940D10}" type="slidenum">
-              <a:rPr lang="en-US" altLang="en-US" smtClean="0">
-                <a:solidFill>
-                  <a:prstClr val="black">
-                    <a:tint val="75000"/>
-                  </a:prstClr>
-                </a:solidFill>
-              </a:rPr>
-              <a:pPr>
-                <a:defRPr/>
-              </a:pPr>
-              <a:t>20</a:t>
-            </a:fld>
-            <a:endParaRPr lang="en-US" altLang="en-US">
-              <a:solidFill>
-                <a:prstClr val="black">
-                  <a:tint val="75000"/>
-                </a:prstClr>
-              </a:solidFill>
-            </a:endParaRPr>
-          </a:p>
-        </p:txBody>
-      </p:sp>
-    </p:spTree>
-    <p:extLst>
-      <p:ext uri="{BB962C8B-B14F-4D97-AF65-F5344CB8AC3E}">
-        <p14:creationId xmlns:p14="http://schemas.microsoft.com/office/powerpoint/2010/main" val="284893794"/>
-      </p:ext>
-    </p:extLst>
-  </p:cSld>
-  <p:clrMapOvr>
-    <a:masterClrMapping/>
-  </p:clrMapOvr>
-</p:sld>
-</file>
-
 <file path=ppt/slides/slide21.xml><?xml version="1.0" encoding="utf-8"?>
 <p:sld xmlns:a="http://schemas.openxmlformats.org/drawingml/2006/main" xmlns:r="http://schemas.openxmlformats.org/officeDocument/2006/relationships" xmlns:p="http://schemas.openxmlformats.org/presentationml/2006/main">
   <p:cSld>
@@ -7418,7 +7467,7 @@
           <a:p>
             <a:r>
               <a:rPr lang="en-US" dirty="0"/>
-              <a:t>Expectations of a software architect</a:t>
+              <a:t>What does a Software Architect do?</a:t>
             </a:r>
           </a:p>
         </p:txBody>
@@ -7441,63 +7490,56 @@
             <a:pPr lvl="0"/>
             <a:r>
               <a:rPr lang="en-US" sz="2000" dirty="0"/>
-              <a:t>Be able to create abstractions and models that capture key constraints and tradeoff decisions</a:t>
+              <a:t>Interact with stakeholders to make sure their needs are being met.</a:t>
             </a:r>
           </a:p>
           <a:p>
             <a:pPr lvl="0"/>
             <a:r>
               <a:rPr lang="en-US" sz="2000" dirty="0"/>
-              <a:t>Continually analyze and update architecture as new things are learned</a:t>
+              <a:t>Craft the right architecture to solve the problem at hand. </a:t>
+            </a:r>
+          </a:p>
+          <a:p>
+            <a:pPr lvl="1"/>
+            <a:r>
+              <a:rPr lang="en-US" sz="1800" dirty="0"/>
+              <a:t>Make sure the right modeling is being done, to know that qualities like performance are going to be met.</a:t>
+            </a:r>
+          </a:p>
+          <a:p>
+            <a:pPr lvl="1"/>
+            <a:r>
+              <a:rPr lang="en-US" sz="1800" dirty="0"/>
+              <a:t>Make sure that the architecture is not only the right one for operations, but also for deployment and sustainment.</a:t>
             </a:r>
           </a:p>
           <a:p>
             <a:pPr lvl="0"/>
             <a:r>
               <a:rPr lang="en-US" sz="2000" dirty="0"/>
-              <a:t>Keep current with the latest trends</a:t>
+              <a:t>Document, influence, and communicate it.</a:t>
             </a:r>
           </a:p>
           <a:p>
             <a:pPr lvl="0"/>
             <a:r>
               <a:rPr lang="en-US" sz="2000" dirty="0"/>
-              <a:t>Ensure compliance with decisions</a:t>
+              <a:t>Give input as needed to issues like tool and environment selection.</a:t>
             </a:r>
           </a:p>
           <a:p>
             <a:pPr lvl="0"/>
             <a:r>
               <a:rPr lang="en-US" sz="2000" dirty="0"/>
-              <a:t>Have diverse exposure and experience</a:t>
+              <a:t>Manage risk identification and risk mitigation strategies associated with the architecture, and architecture decisions.</a:t>
             </a:r>
           </a:p>
           <a:p>
             <a:pPr lvl="0"/>
             <a:r>
               <a:rPr lang="en-US" sz="2000" dirty="0"/>
-              <a:t>Have business domain knowledge</a:t>
-            </a:r>
-          </a:p>
-          <a:p>
-            <a:pPr lvl="0"/>
-            <a:r>
-              <a:rPr lang="en-US" sz="2000" dirty="0"/>
-              <a:t>Possess interpersonal skills (required for influencing)</a:t>
-            </a:r>
-          </a:p>
-          <a:p>
-            <a:pPr lvl="0"/>
-            <a:r>
-              <a:rPr lang="en-US" sz="2000" dirty="0"/>
-              <a:t>Understand and navigate politics</a:t>
-            </a:r>
-          </a:p>
-          <a:p>
-            <a:pPr lvl="0"/>
-            <a:r>
-              <a:rPr lang="en-US" sz="2000" dirty="0"/>
-              <a:t>Effectively demonstrate credibility to diverse audiences</a:t>
+              <a:t>Work closely with engineering teams, ensuring architecture guidance is relevant, is followed, and is adding value. </a:t>
             </a:r>
           </a:p>
           <a:p>
@@ -7535,6 +7577,181 @@
                 <a:defRPr/>
               </a:pPr>
               <a:t>21</a:t>
+            </a:fld>
+            <a:endParaRPr lang="en-US" altLang="en-US">
+              <a:solidFill>
+                <a:prstClr val="black">
+                  <a:tint val="75000"/>
+                </a:prstClr>
+              </a:solidFill>
+            </a:endParaRPr>
+          </a:p>
+        </p:txBody>
+      </p:sp>
+    </p:spTree>
+    <p:extLst>
+      <p:ext uri="{BB962C8B-B14F-4D97-AF65-F5344CB8AC3E}">
+        <p14:creationId xmlns:p14="http://schemas.microsoft.com/office/powerpoint/2010/main" val="284893794"/>
+      </p:ext>
+    </p:extLst>
+  </p:cSld>
+  <p:clrMapOvr>
+    <a:masterClrMapping/>
+  </p:clrMapOvr>
+</p:sld>
+</file>
+
+<file path=ppt/slides/slide22.xml><?xml version="1.0" encoding="utf-8"?>
+<p:sld xmlns:a="http://schemas.openxmlformats.org/drawingml/2006/main" xmlns:r="http://schemas.openxmlformats.org/officeDocument/2006/relationships" xmlns:p="http://schemas.openxmlformats.org/presentationml/2006/main">
+  <p:cSld>
+    <p:spTree>
+      <p:nvGrpSpPr>
+        <p:cNvPr id="1" name=""/>
+        <p:cNvGrpSpPr/>
+        <p:nvPr/>
+      </p:nvGrpSpPr>
+      <p:grpSpPr>
+        <a:xfrm>
+          <a:off x="0" y="0"/>
+          <a:ext cx="0" cy="0"/>
+          <a:chOff x="0" y="0"/>
+          <a:chExt cx="0" cy="0"/>
+        </a:xfrm>
+      </p:grpSpPr>
+      <p:sp>
+        <p:nvSpPr>
+          <p:cNvPr id="2" name="Title 1"/>
+          <p:cNvSpPr>
+            <a:spLocks noGrp="1"/>
+          </p:cNvSpPr>
+          <p:nvPr>
+            <p:ph type="title"/>
+          </p:nvPr>
+        </p:nvSpPr>
+        <p:spPr/>
+        <p:txBody>
+          <a:bodyPr/>
+          <a:lstStyle/>
+          <a:p>
+            <a:r>
+              <a:rPr lang="en-US" dirty="0"/>
+              <a:t>Expectations of a software architect</a:t>
+            </a:r>
+          </a:p>
+        </p:txBody>
+      </p:sp>
+      <p:sp>
+        <p:nvSpPr>
+          <p:cNvPr id="3" name="Content Placeholder 2"/>
+          <p:cNvSpPr>
+            <a:spLocks noGrp="1"/>
+          </p:cNvSpPr>
+          <p:nvPr>
+            <p:ph idx="1"/>
+          </p:nvPr>
+        </p:nvSpPr>
+        <p:spPr/>
+        <p:txBody>
+          <a:bodyPr/>
+          <a:lstStyle/>
+          <a:p>
+            <a:pPr lvl="0"/>
+            <a:r>
+              <a:rPr lang="en-US" sz="2000" dirty="0"/>
+              <a:t>Be able to create abstractions and models that capture key constraints and tradeoff decisions</a:t>
+            </a:r>
+          </a:p>
+          <a:p>
+            <a:pPr lvl="0"/>
+            <a:r>
+              <a:rPr lang="en-US" sz="2000" dirty="0"/>
+              <a:t>Continually analyze and update architecture as new things are learned</a:t>
+            </a:r>
+          </a:p>
+          <a:p>
+            <a:pPr lvl="0"/>
+            <a:r>
+              <a:rPr lang="en-US" sz="2000" dirty="0"/>
+              <a:t>Keep current with the latest trends</a:t>
+            </a:r>
+          </a:p>
+          <a:p>
+            <a:pPr lvl="0"/>
+            <a:r>
+              <a:rPr lang="en-US" sz="2000" dirty="0"/>
+              <a:t>Ensure compliance with decisions</a:t>
+            </a:r>
+          </a:p>
+          <a:p>
+            <a:pPr lvl="0"/>
+            <a:r>
+              <a:rPr lang="en-US" sz="2000" dirty="0"/>
+              <a:t>Have diverse exposure and experience</a:t>
+            </a:r>
+          </a:p>
+          <a:p>
+            <a:pPr lvl="0"/>
+            <a:r>
+              <a:rPr lang="en-US" sz="2000" dirty="0"/>
+              <a:t>Have business domain knowledge</a:t>
+            </a:r>
+          </a:p>
+          <a:p>
+            <a:pPr lvl="0"/>
+            <a:r>
+              <a:rPr lang="en-US" sz="2000" dirty="0"/>
+              <a:t>Possess interpersonal skills (required for influencing)</a:t>
+            </a:r>
+          </a:p>
+          <a:p>
+            <a:pPr lvl="0"/>
+            <a:r>
+              <a:rPr lang="en-US" sz="2000" dirty="0"/>
+              <a:t>Understand and navigate politics</a:t>
+            </a:r>
+          </a:p>
+          <a:p>
+            <a:pPr lvl="0"/>
+            <a:r>
+              <a:rPr lang="en-US" sz="2000" dirty="0"/>
+              <a:t>Effectively demonstrate credibility to diverse audiences</a:t>
+            </a:r>
+          </a:p>
+          <a:p>
+            <a:endParaRPr lang="en-US" sz="2000" dirty="0"/>
+          </a:p>
+        </p:txBody>
+      </p:sp>
+      <p:sp>
+        <p:nvSpPr>
+          <p:cNvPr id="4" name="Slide Number Placeholder 3"/>
+          <p:cNvSpPr>
+            <a:spLocks noGrp="1"/>
+          </p:cNvSpPr>
+          <p:nvPr>
+            <p:ph type="sldNum" sz="quarter" idx="12"/>
+          </p:nvPr>
+        </p:nvSpPr>
+        <p:spPr/>
+        <p:txBody>
+          <a:bodyPr/>
+          <a:lstStyle/>
+          <a:p>
+            <a:pPr>
+              <a:defRPr/>
+            </a:pPr>
+            <a:fld id="{F9DE2D32-EBB3-479D-A20A-D25324940D10}" type="slidenum">
+              <a:rPr lang="en-US" altLang="en-US" smtClean="0">
+                <a:solidFill>
+                  <a:prstClr val="black">
+                    <a:tint val="75000"/>
+                  </a:prstClr>
+                </a:solidFill>
+              </a:rPr>
+              <a:pPr>
+                <a:defRPr/>
+              </a:pPr>
+              <a:t>22</a:t>
             </a:fld>
             <a:endParaRPr lang="en-US" altLang="en-US">
               <a:solidFill>
@@ -8025,105 +8242,110 @@
       </p:grpSpPr>
       <p:sp>
         <p:nvSpPr>
-          <p:cNvPr id="2" name="Title 1"/>
-          <p:cNvSpPr>
-            <a:spLocks noGrp="1"/>
-          </p:cNvSpPr>
-          <p:nvPr>
-            <p:ph type="title"/>
+          <p:cNvPr id="3" name="Content Placeholder 2"/>
+          <p:cNvSpPr>
+            <a:spLocks noGrp="1"/>
+          </p:cNvSpPr>
+          <p:nvPr>
+            <p:ph idx="1"/>
           </p:nvPr>
         </p:nvSpPr>
         <p:spPr>
           <a:xfrm>
-            <a:off x="103670" y="244475"/>
-            <a:ext cx="8876726" cy="662716"/>
+            <a:off x="628650" y="1643450"/>
+            <a:ext cx="7886700" cy="3263504"/>
           </a:xfrm>
         </p:spPr>
         <p:txBody>
-          <a:bodyPr/>
+          <a:bodyPr>
+            <a:normAutofit fontScale="85000" lnSpcReduction="10000"/>
+          </a:bodyPr>
           <a:lstStyle/>
           <a:p>
-            <a:endParaRPr lang="en-US" sz="2000" u="none" dirty="0">
-              <a:effectLst>
-                <a:outerShdw blurRad="38100" dist="38100" dir="2700000" algn="tl">
-                  <a:srgbClr val="000000">
-                    <a:alpha val="43137"/>
-                  </a:srgbClr>
-                </a:outerShdw>
-              </a:effectLst>
-            </a:endParaRPr>
-          </a:p>
-        </p:txBody>
-      </p:sp>
-      <p:sp>
-        <p:nvSpPr>
-          <p:cNvPr id="3" name="Slide Number Placeholder 2"/>
-          <p:cNvSpPr>
-            <a:spLocks noGrp="1"/>
-          </p:cNvSpPr>
-          <p:nvPr>
-            <p:ph type="sldNum" sz="quarter" idx="12"/>
-          </p:nvPr>
-        </p:nvSpPr>
-        <p:spPr/>
-        <p:txBody>
-          <a:bodyPr/>
-          <a:lstStyle/>
-          <a:p>
-            <a:pPr>
-              <a:defRPr/>
-            </a:pPr>
-            <a:fld id="{B9679035-FD90-43C6-9A04-3596202BD13C}" type="slidenum">
-              <a:rPr lang="en-US" altLang="en-US" smtClean="0">
-                <a:solidFill>
-                  <a:prstClr val="black">
-                    <a:tint val="75000"/>
-                  </a:prstClr>
-                </a:solidFill>
-              </a:rPr>
-              <a:pPr>
-                <a:defRPr/>
-              </a:pPr>
-              <a:t>6</a:t>
-            </a:fld>
-            <a:endParaRPr lang="en-US" altLang="en-US">
-              <a:solidFill>
-                <a:prstClr val="black">
-                  <a:tint val="75000"/>
-                </a:prstClr>
-              </a:solidFill>
-            </a:endParaRPr>
-          </a:p>
-        </p:txBody>
-      </p:sp>
-      <p:pic>
-        <p:nvPicPr>
-          <p:cNvPr id="4" name="Picture 3"/>
-          <p:cNvPicPr>
-            <a:picLocks noChangeAspect="1"/>
-          </p:cNvPicPr>
-          <p:nvPr/>
-        </p:nvPicPr>
-        <p:blipFill>
-          <a:blip r:embed="rId2"/>
-          <a:stretch>
-            <a:fillRect/>
-          </a:stretch>
-        </p:blipFill>
+            <a:r>
+              <a:rPr lang="en-US" dirty="0"/>
+              <a:t>Every system comprises elements and relations among them to support some type of reasoning. </a:t>
+            </a:r>
+          </a:p>
+          <a:p>
+            <a:r>
+              <a:rPr lang="en-US" dirty="0"/>
+              <a:t>But the architecture may not be known to anyone. </a:t>
+            </a:r>
+          </a:p>
+          <a:p>
+            <a:pPr lvl="1"/>
+            <a:r>
+              <a:rPr lang="en-US" dirty="0"/>
+              <a:t>Perhaps all of the people who designed the system are long gone</a:t>
+            </a:r>
+          </a:p>
+          <a:p>
+            <a:pPr lvl="1"/>
+            <a:r>
+              <a:rPr lang="en-US" dirty="0"/>
+              <a:t>Perhaps the documentation has vanished (or was never produced)</a:t>
+            </a:r>
+          </a:p>
+          <a:p>
+            <a:pPr lvl="1"/>
+            <a:r>
+              <a:rPr lang="en-US" dirty="0"/>
+              <a:t>Perhaps the source code has been lost (or was never delivered)</a:t>
+            </a:r>
+          </a:p>
+          <a:p>
+            <a:r>
+              <a:rPr lang="en-US" dirty="0"/>
+              <a:t>An architecture can exist independently of its description or specification.</a:t>
+            </a:r>
+          </a:p>
+          <a:p>
+            <a:r>
+              <a:rPr lang="en-US" dirty="0"/>
+              <a:t>Documentation is critical.</a:t>
+            </a:r>
+          </a:p>
+        </p:txBody>
+      </p:sp>
+      <p:sp>
+        <p:nvSpPr>
+          <p:cNvPr id="6" name="Title 1">
+            <a:extLst>
+              <a:ext uri="{FF2B5EF4-FFF2-40B4-BE49-F238E27FC236}">
+                <a16:creationId xmlns:a16="http://schemas.microsoft.com/office/drawing/2014/main" id="{A5466EA0-D6AB-FB4E-B8BD-65A72D502C50}"/>
+              </a:ext>
+            </a:extLst>
+          </p:cNvPr>
+          <p:cNvSpPr>
+            <a:spLocks noGrp="1"/>
+          </p:cNvSpPr>
+          <p:nvPr>
+            <p:ph type="title"/>
+          </p:nvPr>
+        </p:nvSpPr>
         <p:spPr>
           <a:xfrm>
-            <a:off x="1127382" y="969904"/>
-            <a:ext cx="6264553" cy="4698415"/>
+            <a:off x="457200" y="478391"/>
+            <a:ext cx="8229600" cy="621287"/>
           </a:xfrm>
-          <a:prstGeom prst="rect">
-            <a:avLst/>
-          </a:prstGeom>
         </p:spPr>
-      </p:pic>
+        <p:txBody>
+          <a:bodyPr/>
+          <a:lstStyle/>
+          <a:p>
+            <a:r>
+              <a:rPr lang="en-US" dirty="0"/>
+              <a:t>Every system has an architecture, regardless if it was planned or not planned</a:t>
+            </a:r>
+            <a:endParaRPr lang="en-US" sz="2000" dirty="0"/>
+          </a:p>
+        </p:txBody>
+      </p:sp>
     </p:spTree>
     <p:extLst>
       <p:ext uri="{BB962C8B-B14F-4D97-AF65-F5344CB8AC3E}">
-        <p14:creationId xmlns:p14="http://schemas.microsoft.com/office/powerpoint/2010/main" val="128043548"/>
+        <p14:creationId xmlns:p14="http://schemas.microsoft.com/office/powerpoint/2010/main" val="2176506216"/>
       </p:ext>
     </p:extLst>
   </p:cSld>
@@ -8162,6 +8384,133 @@
         </p:nvSpPr>
         <p:spPr>
           <a:xfrm>
+            <a:off x="628650" y="229098"/>
+            <a:ext cx="8207006" cy="994172"/>
+          </a:xfrm>
+        </p:spPr>
+        <p:txBody>
+          <a:bodyPr>
+            <a:normAutofit/>
+          </a:bodyPr>
+          <a:lstStyle/>
+          <a:p>
+            <a:r>
+              <a:rPr lang="en-US" b="1" dirty="0"/>
+              <a:t>But why</a:t>
+            </a:r>
+          </a:p>
+        </p:txBody>
+      </p:sp>
+      <p:sp>
+        <p:nvSpPr>
+          <p:cNvPr id="3" name="Content Placeholder 2"/>
+          <p:cNvSpPr>
+            <a:spLocks noGrp="1"/>
+          </p:cNvSpPr>
+          <p:nvPr>
+            <p:ph idx="1"/>
+          </p:nvPr>
+        </p:nvSpPr>
+        <p:spPr>
+          <a:xfrm>
+            <a:off x="628650" y="1643450"/>
+            <a:ext cx="7886700" cy="3263504"/>
+          </a:xfrm>
+        </p:spPr>
+        <p:txBody>
+          <a:bodyPr>
+            <a:normAutofit fontScale="85000" lnSpcReduction="10000"/>
+          </a:bodyPr>
+          <a:lstStyle/>
+          <a:p>
+            <a:r>
+              <a:rPr lang="en-US" dirty="0"/>
+              <a:t>Every system comprises elements and relations among them to support some type of reasoning. </a:t>
+            </a:r>
+          </a:p>
+          <a:p>
+            <a:r>
+              <a:rPr lang="en-US" dirty="0"/>
+              <a:t>But the architecture may not be known to anyone. </a:t>
+            </a:r>
+          </a:p>
+          <a:p>
+            <a:pPr lvl="1"/>
+            <a:r>
+              <a:rPr lang="en-US" dirty="0"/>
+              <a:t>Perhaps all of the people who designed the system are long gone</a:t>
+            </a:r>
+          </a:p>
+          <a:p>
+            <a:pPr lvl="1"/>
+            <a:r>
+              <a:rPr lang="en-US" dirty="0"/>
+              <a:t>Perhaps the documentation has vanished (or was never produced)</a:t>
+            </a:r>
+          </a:p>
+          <a:p>
+            <a:pPr lvl="1"/>
+            <a:r>
+              <a:rPr lang="en-US" dirty="0"/>
+              <a:t>Perhaps the source code has been lost (or was never delivered)</a:t>
+            </a:r>
+          </a:p>
+          <a:p>
+            <a:r>
+              <a:rPr lang="en-US" dirty="0"/>
+              <a:t>An architecture can exist independently of its description or specification.</a:t>
+            </a:r>
+          </a:p>
+          <a:p>
+            <a:r>
+              <a:rPr lang="en-US" dirty="0"/>
+              <a:t>Documentation is critical.</a:t>
+            </a:r>
+          </a:p>
+        </p:txBody>
+      </p:sp>
+    </p:spTree>
+    <p:extLst>
+      <p:ext uri="{BB962C8B-B14F-4D97-AF65-F5344CB8AC3E}">
+        <p14:creationId xmlns:p14="http://schemas.microsoft.com/office/powerpoint/2010/main" val="3316629294"/>
+      </p:ext>
+    </p:extLst>
+  </p:cSld>
+  <p:clrMapOvr>
+    <a:masterClrMapping/>
+  </p:clrMapOvr>
+</p:sld>
+</file>
+
+<file path=ppt/slides/slide8.xml><?xml version="1.0" encoding="utf-8"?>
+<p:sld xmlns:a="http://schemas.openxmlformats.org/drawingml/2006/main" xmlns:r="http://schemas.openxmlformats.org/officeDocument/2006/relationships" xmlns:p="http://schemas.openxmlformats.org/presentationml/2006/main">
+  <p:cSld>
+    <p:spTree>
+      <p:nvGrpSpPr>
+        <p:cNvPr id="1" name=""/>
+        <p:cNvGrpSpPr/>
+        <p:nvPr/>
+      </p:nvGrpSpPr>
+      <p:grpSpPr>
+        <a:xfrm>
+          <a:off x="0" y="0"/>
+          <a:ext cx="0" cy="0"/>
+          <a:chOff x="0" y="0"/>
+          <a:chExt cx="0" cy="0"/>
+        </a:xfrm>
+      </p:grpSpPr>
+      <p:sp>
+        <p:nvSpPr>
+          <p:cNvPr id="2" name="Title 1"/>
+          <p:cNvSpPr>
+            <a:spLocks noGrp="1"/>
+          </p:cNvSpPr>
+          <p:nvPr>
+            <p:ph type="title"/>
+          </p:nvPr>
+        </p:nvSpPr>
+        <p:spPr>
+          <a:xfrm>
             <a:off x="103670" y="244475"/>
             <a:ext cx="8876726" cy="662716"/>
           </a:xfrm>
@@ -8250,7 +8599,7 @@
               <a:pPr>
                 <a:defRPr/>
               </a:pPr>
-              <a:t>7</a:t>
+              <a:t>8</a:t>
             </a:fld>
             <a:endParaRPr lang="en-US" altLang="en-US">
               <a:solidFill>
@@ -8299,7 +8648,7 @@
 </p:sld>
 </file>
 
-<file path=ppt/slides/slide8.xml><?xml version="1.0" encoding="utf-8"?>
+<file path=ppt/slides/slide9.xml><?xml version="1.0" encoding="utf-8"?>
 <p:sld xmlns:a="http://schemas.openxmlformats.org/drawingml/2006/main" xmlns:r="http://schemas.openxmlformats.org/officeDocument/2006/relationships" xmlns:p="http://schemas.openxmlformats.org/presentationml/2006/main">
   <p:cSld>
     <p:spTree>
@@ -8389,7 +8738,7 @@
               <a:pPr>
                 <a:defRPr/>
               </a:pPr>
-              <a:t>8</a:t>
+              <a:t>9</a:t>
             </a:fld>
             <a:endParaRPr lang="en-US" altLang="en-US">
               <a:solidFill>
@@ -8430,222 +8779,6 @@
     <p:extLst>
       <p:ext uri="{BB962C8B-B14F-4D97-AF65-F5344CB8AC3E}">
         <p14:creationId xmlns:p14="http://schemas.microsoft.com/office/powerpoint/2010/main" val="2159682483"/>
-      </p:ext>
-    </p:extLst>
-  </p:cSld>
-  <p:clrMapOvr>
-    <a:masterClrMapping/>
-  </p:clrMapOvr>
-</p:sld>
-</file>
-
-<file path=ppt/slides/slide9.xml><?xml version="1.0" encoding="utf-8"?>
-<p:sld xmlns:a="http://schemas.openxmlformats.org/drawingml/2006/main" xmlns:r="http://schemas.openxmlformats.org/officeDocument/2006/relationships" xmlns:p="http://schemas.openxmlformats.org/presentationml/2006/main">
-  <p:cSld>
-    <p:spTree>
-      <p:nvGrpSpPr>
-        <p:cNvPr id="1" name=""/>
-        <p:cNvGrpSpPr/>
-        <p:nvPr/>
-      </p:nvGrpSpPr>
-      <p:grpSpPr>
-        <a:xfrm>
-          <a:off x="0" y="0"/>
-          <a:ext cx="0" cy="0"/>
-          <a:chOff x="0" y="0"/>
-          <a:chExt cx="0" cy="0"/>
-        </a:xfrm>
-      </p:grpSpPr>
-      <p:sp>
-        <p:nvSpPr>
-          <p:cNvPr id="4" name="Slide Number Placeholder 5"/>
-          <p:cNvSpPr>
-            <a:spLocks noGrp="1"/>
-          </p:cNvSpPr>
-          <p:nvPr>
-            <p:ph type="sldNum" sz="quarter" idx="12"/>
-          </p:nvPr>
-        </p:nvSpPr>
-        <p:spPr/>
-        <p:txBody>
-          <a:bodyPr/>
-          <a:lstStyle/>
-          <a:p>
-            <a:fld id="{D929E571-2B70-E14C-B329-85B8FB05579B}" type="slidenum">
-              <a:rPr lang="en-US"/>
-              <a:pPr/>
-              <a:t>9</a:t>
-            </a:fld>
-            <a:endParaRPr lang="en-US"/>
-          </a:p>
-        </p:txBody>
-      </p:sp>
-      <p:sp>
-        <p:nvSpPr>
-          <p:cNvPr id="250882" name="Rectangle 2"/>
-          <p:cNvSpPr>
-            <a:spLocks noGrp="1" noChangeArrowheads="1"/>
-          </p:cNvSpPr>
-          <p:nvPr>
-            <p:ph type="title"/>
-          </p:nvPr>
-        </p:nvSpPr>
-        <p:spPr>
-          <a:xfrm>
-            <a:off x="338417" y="226203"/>
-            <a:ext cx="8229600" cy="621287"/>
-          </a:xfrm>
-        </p:spPr>
-        <p:txBody>
-          <a:bodyPr/>
-          <a:lstStyle/>
-          <a:p>
-            <a:r>
-              <a:rPr lang="en-US" sz="2800" dirty="0"/>
-              <a:t>Software Architecture as a Design Activity</a:t>
-            </a:r>
-          </a:p>
-        </p:txBody>
-      </p:sp>
-      <p:sp>
-        <p:nvSpPr>
-          <p:cNvPr id="250883" name="Rectangle 3"/>
-          <p:cNvSpPr>
-            <a:spLocks noGrp="1" noChangeArrowheads="1"/>
-          </p:cNvSpPr>
-          <p:nvPr>
-            <p:ph type="body" idx="1"/>
-          </p:nvPr>
-        </p:nvSpPr>
-        <p:spPr>
-          <a:xfrm>
-            <a:off x="457200" y="968418"/>
-            <a:ext cx="8229600" cy="4659362"/>
-          </a:xfrm>
-        </p:spPr>
-        <p:txBody>
-          <a:bodyPr/>
-          <a:lstStyle/>
-          <a:p>
-            <a:pPr>
-              <a:lnSpc>
-                <a:spcPct val="90000"/>
-              </a:lnSpc>
-            </a:pPr>
-            <a:r>
-              <a:rPr lang="en-US" dirty="0"/>
-              <a:t>It</a:t>
-            </a:r>
-            <a:r>
-              <a:rPr lang="en-US" dirty="0">
-                <a:latin typeface="Arial"/>
-              </a:rPr>
-              <a:t>’</a:t>
-            </a:r>
-            <a:r>
-              <a:rPr lang="en-US" dirty="0"/>
-              <a:t>s about software design</a:t>
-            </a:r>
-          </a:p>
-          <a:p>
-            <a:pPr lvl="1">
-              <a:lnSpc>
-                <a:spcPct val="90000"/>
-              </a:lnSpc>
-            </a:pPr>
-            <a:r>
-              <a:rPr lang="en-US" dirty="0"/>
-              <a:t>All architecture is software design, but not all design is software architecture</a:t>
-            </a:r>
-          </a:p>
-          <a:p>
-            <a:pPr lvl="1">
-              <a:lnSpc>
-                <a:spcPct val="90000"/>
-              </a:lnSpc>
-            </a:pPr>
-            <a:r>
-              <a:rPr lang="en-US" dirty="0"/>
-              <a:t>Part of the design process</a:t>
-            </a:r>
-          </a:p>
-          <a:p>
-            <a:pPr>
-              <a:lnSpc>
-                <a:spcPct val="90000"/>
-              </a:lnSpc>
-            </a:pPr>
-            <a:r>
-              <a:rPr lang="en-US" dirty="0"/>
-              <a:t>Simply, architecture focuses </a:t>
-            </a:r>
-            <a:r>
-              <a:rPr lang="en-US" dirty="0">
-                <a:solidFill>
-                  <a:srgbClr val="0000FF"/>
-                </a:solidFill>
-              </a:rPr>
-              <a:t>on issues that will be difficult/impossible to change once the system is built</a:t>
-            </a:r>
-          </a:p>
-          <a:p>
-            <a:pPr lvl="1">
-              <a:lnSpc>
-                <a:spcPct val="90000"/>
-              </a:lnSpc>
-            </a:pPr>
-            <a:r>
-              <a:rPr lang="en-US" dirty="0"/>
-              <a:t>Quality attributes like security, performance</a:t>
-            </a:r>
-          </a:p>
-          <a:p>
-            <a:pPr lvl="1">
-              <a:lnSpc>
-                <a:spcPct val="90000"/>
-              </a:lnSpc>
-            </a:pPr>
-            <a:r>
-              <a:rPr lang="en-US" dirty="0"/>
-              <a:t>Non-functional requirements like cost, deployment hardware</a:t>
-            </a:r>
-          </a:p>
-          <a:p>
-            <a:pPr lvl="1">
-              <a:lnSpc>
-                <a:spcPct val="90000"/>
-              </a:lnSpc>
-            </a:pPr>
-            <a:r>
-              <a:rPr lang="en-US" dirty="0"/>
-              <a:t>More on these later in this course</a:t>
-            </a:r>
-          </a:p>
-          <a:p>
-            <a:pPr>
-              <a:lnSpc>
-                <a:spcPct val="90000"/>
-              </a:lnSpc>
-            </a:pPr>
-            <a:r>
-              <a:rPr lang="en-US" dirty="0"/>
-              <a:t>Generally architecture is about the effective management of constraints on the to be built system</a:t>
-            </a:r>
-          </a:p>
-          <a:p>
-            <a:pPr>
-              <a:lnSpc>
-                <a:spcPct val="90000"/>
-              </a:lnSpc>
-            </a:pPr>
-            <a:endParaRPr lang="en-US" dirty="0"/>
-          </a:p>
-        </p:txBody>
-      </p:sp>
-    </p:spTree>
-    <p:extLst>
-      <p:ext uri="{BB962C8B-B14F-4D97-AF65-F5344CB8AC3E}">
-        <p14:creationId xmlns:p14="http://schemas.microsoft.com/office/powerpoint/2010/main" val="4074630252"/>
       </p:ext>
     </p:extLst>
   </p:cSld>

--- a/lectures/_L1a Intro to SW Architecture.pptx
+++ b/lectures/_L1a Intro to SW Architecture.pptx
@@ -5,10 +5,10 @@
     <p:sldMasterId id="2147483711" r:id="rId1"/>
   </p:sldMasterIdLst>
   <p:notesMasterIdLst>
-    <p:notesMasterId r:id="rId24"/>
+    <p:notesMasterId r:id="rId26"/>
   </p:notesMasterIdLst>
   <p:handoutMasterIdLst>
-    <p:handoutMasterId r:id="rId25"/>
+    <p:handoutMasterId r:id="rId27"/>
   </p:handoutMasterIdLst>
   <p:sldIdLst>
     <p:sldId id="256" r:id="rId2"/>
@@ -18,21 +18,23 @@
     <p:sldId id="436" r:id="rId6"/>
     <p:sldId id="636" r:id="rId7"/>
     <p:sldId id="637" r:id="rId8"/>
-    <p:sldId id="470" r:id="rId9"/>
-    <p:sldId id="443" r:id="rId10"/>
-    <p:sldId id="451" r:id="rId11"/>
-    <p:sldId id="619" r:id="rId12"/>
-    <p:sldId id="490" r:id="rId13"/>
-    <p:sldId id="485" r:id="rId14"/>
-    <p:sldId id="618" r:id="rId15"/>
-    <p:sldId id="452" r:id="rId16"/>
-    <p:sldId id="453" r:id="rId17"/>
-    <p:sldId id="447" r:id="rId18"/>
-    <p:sldId id="448" r:id="rId19"/>
-    <p:sldId id="449" r:id="rId20"/>
-    <p:sldId id="620" r:id="rId21"/>
-    <p:sldId id="474" r:id="rId22"/>
-    <p:sldId id="454" r:id="rId23"/>
+    <p:sldId id="638" r:id="rId9"/>
+    <p:sldId id="639" r:id="rId10"/>
+    <p:sldId id="470" r:id="rId11"/>
+    <p:sldId id="443" r:id="rId12"/>
+    <p:sldId id="451" r:id="rId13"/>
+    <p:sldId id="619" r:id="rId14"/>
+    <p:sldId id="490" r:id="rId15"/>
+    <p:sldId id="485" r:id="rId16"/>
+    <p:sldId id="618" r:id="rId17"/>
+    <p:sldId id="452" r:id="rId18"/>
+    <p:sldId id="453" r:id="rId19"/>
+    <p:sldId id="447" r:id="rId20"/>
+    <p:sldId id="448" r:id="rId21"/>
+    <p:sldId id="449" r:id="rId22"/>
+    <p:sldId id="620" r:id="rId23"/>
+    <p:sldId id="474" r:id="rId24"/>
+    <p:sldId id="454" r:id="rId25"/>
   </p:sldIdLst>
   <p:sldSz cx="9144000" cy="6096000"/>
   <p:notesSz cx="7010400" cy="9296400"/>
@@ -4883,7 +4885,78 @@
       </p:grpSpPr>
       <p:sp>
         <p:nvSpPr>
-          <p:cNvPr id="4" name="Slide Number Placeholder 5"/>
+          <p:cNvPr id="2" name="Title 1"/>
+          <p:cNvSpPr>
+            <a:spLocks noGrp="1"/>
+          </p:cNvSpPr>
+          <p:nvPr>
+            <p:ph type="title"/>
+          </p:nvPr>
+        </p:nvSpPr>
+        <p:spPr>
+          <a:xfrm>
+            <a:off x="103670" y="244475"/>
+            <a:ext cx="8876726" cy="662716"/>
+          </a:xfrm>
+        </p:spPr>
+        <p:txBody>
+          <a:bodyPr/>
+          <a:lstStyle/>
+          <a:p>
+            <a:r>
+              <a:rPr lang="en-US" sz="3200" u="none" dirty="0">
+                <a:effectLst>
+                  <a:outerShdw blurRad="38100" dist="38100" dir="2700000" algn="tl">
+                    <a:srgbClr val="000000">
+                      <a:alpha val="43137"/>
+                    </a:srgbClr>
+                  </a:outerShdw>
+                </a:effectLst>
+              </a:rPr>
+              <a:t>General Search Engine Architecture </a:t>
+            </a:r>
+            <a:r>
+              <a:rPr lang="en-US" sz="2000" u="none" dirty="0">
+                <a:effectLst>
+                  <a:outerShdw blurRad="38100" dist="38100" dir="2700000" algn="tl">
+                    <a:srgbClr val="000000">
+                      <a:alpha val="43137"/>
+                    </a:srgbClr>
+                  </a:outerShdw>
+                </a:effectLst>
+              </a:rPr>
+              <a:t>(</a:t>
+            </a:r>
+            <a:r>
+              <a:rPr lang="en-US" sz="2000" u="none" dirty="0" err="1">
+                <a:effectLst>
+                  <a:outerShdw blurRad="38100" dist="38100" dir="2700000" algn="tl">
+                    <a:srgbClr val="000000">
+                      <a:alpha val="43137"/>
+                    </a:srgbClr>
+                  </a:outerShdw>
+                </a:effectLst>
+              </a:rPr>
+              <a:t>Arvind</a:t>
+            </a:r>
+            <a:r>
+              <a:rPr lang="en-US" sz="2000" u="none" dirty="0">
+                <a:effectLst>
+                  <a:outerShdw blurRad="38100" dist="38100" dir="2700000" algn="tl">
+                    <a:srgbClr val="000000">
+                      <a:alpha val="43137"/>
+                    </a:srgbClr>
+                  </a:outerShdw>
+                </a:effectLst>
+              </a:rPr>
+              <a:t>)</a:t>
+            </a:r>
+          </a:p>
+        </p:txBody>
+      </p:sp>
+      <p:sp>
+        <p:nvSpPr>
+          <p:cNvPr id="3" name="Slide Number Placeholder 2"/>
           <p:cNvSpPr>
             <a:spLocks noGrp="1"/>
           </p:cNvSpPr>
@@ -4896,181 +4969,60 @@
           <a:bodyPr/>
           <a:lstStyle/>
           <a:p>
-            <a:fld id="{D929E571-2B70-E14C-B329-85B8FB05579B}" type="slidenum">
-              <a:rPr lang="en-US"/>
-              <a:pPr/>
+            <a:pPr>
+              <a:defRPr/>
+            </a:pPr>
+            <a:fld id="{B9679035-FD90-43C6-9A04-3596202BD13C}" type="slidenum">
+              <a:rPr lang="en-US" altLang="en-US" smtClean="0">
+                <a:solidFill>
+                  <a:prstClr val="black">
+                    <a:tint val="75000"/>
+                  </a:prstClr>
+                </a:solidFill>
+              </a:rPr>
+              <a:pPr>
+                <a:defRPr/>
+              </a:pPr>
               <a:t>10</a:t>
             </a:fld>
-            <a:endParaRPr lang="en-US"/>
-          </a:p>
-        </p:txBody>
-      </p:sp>
-      <p:sp>
-        <p:nvSpPr>
-          <p:cNvPr id="250882" name="Rectangle 2"/>
-          <p:cNvSpPr>
-            <a:spLocks noGrp="1" noChangeArrowheads="1"/>
-          </p:cNvSpPr>
-          <p:nvPr>
-            <p:ph type="title"/>
-          </p:nvPr>
-        </p:nvSpPr>
+            <a:endParaRPr lang="en-US" altLang="en-US">
+              <a:solidFill>
+                <a:prstClr val="black">
+                  <a:tint val="75000"/>
+                </a:prstClr>
+              </a:solidFill>
+            </a:endParaRPr>
+          </a:p>
+        </p:txBody>
+      </p:sp>
+      <p:pic>
+        <p:nvPicPr>
+          <p:cNvPr id="4" name="Picture 3"/>
+          <p:cNvPicPr>
+            <a:picLocks noChangeAspect="1"/>
+          </p:cNvPicPr>
+          <p:nvPr/>
+        </p:nvPicPr>
+        <p:blipFill>
+          <a:blip r:embed="rId2"/>
+          <a:stretch>
+            <a:fillRect/>
+          </a:stretch>
+        </p:blipFill>
         <p:spPr>
           <a:xfrm>
-            <a:off x="338417" y="226203"/>
-            <a:ext cx="8229600" cy="621287"/>
+            <a:off x="1127382" y="969904"/>
+            <a:ext cx="6264553" cy="4698415"/>
           </a:xfrm>
+          <a:prstGeom prst="rect">
+            <a:avLst/>
+          </a:prstGeom>
         </p:spPr>
-        <p:txBody>
-          <a:bodyPr/>
-          <a:lstStyle/>
-          <a:p>
-            <a:r>
-              <a:rPr lang="en-US" sz="2800" dirty="0"/>
-              <a:t>Software Architecture as a Design Activity</a:t>
-            </a:r>
-          </a:p>
-        </p:txBody>
-      </p:sp>
-      <p:sp>
-        <p:nvSpPr>
-          <p:cNvPr id="250883" name="Rectangle 3"/>
-          <p:cNvSpPr>
-            <a:spLocks noGrp="1" noChangeArrowheads="1"/>
-          </p:cNvSpPr>
-          <p:nvPr>
-            <p:ph type="body" idx="1"/>
-          </p:nvPr>
-        </p:nvSpPr>
-        <p:spPr>
-          <a:xfrm>
-            <a:off x="457200" y="968418"/>
-            <a:ext cx="8229600" cy="4659362"/>
-          </a:xfrm>
-        </p:spPr>
-        <p:txBody>
-          <a:bodyPr/>
-          <a:lstStyle/>
-          <a:p>
-            <a:pPr>
-              <a:lnSpc>
-                <a:spcPct val="90000"/>
-              </a:lnSpc>
-            </a:pPr>
-            <a:r>
-              <a:rPr lang="en-US" dirty="0"/>
-              <a:t>It</a:t>
-            </a:r>
-            <a:r>
-              <a:rPr lang="en-US" dirty="0">
-                <a:latin typeface="Arial"/>
-              </a:rPr>
-              <a:t>’</a:t>
-            </a:r>
-            <a:r>
-              <a:rPr lang="en-US" dirty="0"/>
-              <a:t>s about software design</a:t>
-            </a:r>
-          </a:p>
-          <a:p>
-            <a:pPr lvl="1">
-              <a:lnSpc>
-                <a:spcPct val="90000"/>
-              </a:lnSpc>
-            </a:pPr>
-            <a:r>
-              <a:rPr lang="en-US" dirty="0"/>
-              <a:t>All architecture is software design, but not all design is software architecture</a:t>
-            </a:r>
-          </a:p>
-          <a:p>
-            <a:pPr lvl="1">
-              <a:lnSpc>
-                <a:spcPct val="90000"/>
-              </a:lnSpc>
-            </a:pPr>
-            <a:r>
-              <a:rPr lang="en-US" dirty="0"/>
-              <a:t>Part of the design process</a:t>
-            </a:r>
-          </a:p>
-          <a:p>
-            <a:pPr>
-              <a:lnSpc>
-                <a:spcPct val="90000"/>
-              </a:lnSpc>
-            </a:pPr>
-            <a:r>
-              <a:rPr lang="en-US" dirty="0"/>
-              <a:t>Simply, architecture focuses </a:t>
-            </a:r>
-            <a:r>
-              <a:rPr lang="en-US" dirty="0">
-                <a:solidFill>
-                  <a:srgbClr val="0000FF"/>
-                </a:solidFill>
-              </a:rPr>
-              <a:t>on issues that will be difficult/impossible to change once the system is built</a:t>
-            </a:r>
-          </a:p>
-          <a:p>
-            <a:pPr lvl="1">
-              <a:lnSpc>
-                <a:spcPct val="90000"/>
-              </a:lnSpc>
-            </a:pPr>
-            <a:r>
-              <a:rPr lang="en-US" dirty="0"/>
-              <a:t>Quality attributes like security, performance</a:t>
-            </a:r>
-          </a:p>
-          <a:p>
-            <a:pPr lvl="1">
-              <a:lnSpc>
-                <a:spcPct val="90000"/>
-              </a:lnSpc>
-            </a:pPr>
-            <a:r>
-              <a:rPr lang="en-US" dirty="0"/>
-              <a:t>Non-functional requirements like cost, deployment hardware</a:t>
-            </a:r>
-          </a:p>
-          <a:p>
-            <a:pPr lvl="1">
-              <a:lnSpc>
-                <a:spcPct val="90000"/>
-              </a:lnSpc>
-            </a:pPr>
-            <a:r>
-              <a:rPr lang="en-US" dirty="0"/>
-              <a:t>More on these later in this course</a:t>
-            </a:r>
-          </a:p>
-          <a:p>
-            <a:pPr>
-              <a:lnSpc>
-                <a:spcPct val="90000"/>
-              </a:lnSpc>
-            </a:pPr>
-            <a:r>
-              <a:rPr lang="en-US" dirty="0"/>
-              <a:t>Generally architecture is about the effective management of constraints on the to be built system</a:t>
-            </a:r>
-          </a:p>
-          <a:p>
-            <a:pPr>
-              <a:lnSpc>
-                <a:spcPct val="90000"/>
-              </a:lnSpc>
-            </a:pPr>
-            <a:endParaRPr lang="en-US" dirty="0"/>
-          </a:p>
-        </p:txBody>
-      </p:sp>
+      </p:pic>
     </p:spTree>
     <p:extLst>
       <p:ext uri="{BB962C8B-B14F-4D97-AF65-F5344CB8AC3E}">
-        <p14:creationId xmlns:p14="http://schemas.microsoft.com/office/powerpoint/2010/main" val="4074630252"/>
+        <p14:creationId xmlns:p14="http://schemas.microsoft.com/office/powerpoint/2010/main" val="795490515"/>
       </p:ext>
     </p:extLst>
   </p:cSld>
@@ -5099,6 +5051,146 @@
       </p:grpSpPr>
       <p:sp>
         <p:nvSpPr>
+          <p:cNvPr id="2" name="Title 1"/>
+          <p:cNvSpPr>
+            <a:spLocks noGrp="1"/>
+          </p:cNvSpPr>
+          <p:nvPr>
+            <p:ph type="title"/>
+          </p:nvPr>
+        </p:nvSpPr>
+        <p:spPr>
+          <a:xfrm>
+            <a:off x="103670" y="244475"/>
+            <a:ext cx="8876726" cy="662716"/>
+          </a:xfrm>
+        </p:spPr>
+        <p:txBody>
+          <a:bodyPr/>
+          <a:lstStyle/>
+          <a:p>
+            <a:r>
+              <a:rPr lang="en-US" sz="3200" u="none" dirty="0">
+                <a:effectLst>
+                  <a:outerShdw blurRad="38100" dist="38100" dir="2700000" algn="tl">
+                    <a:srgbClr val="000000">
+                      <a:alpha val="43137"/>
+                    </a:srgbClr>
+                  </a:outerShdw>
+                </a:effectLst>
+              </a:rPr>
+              <a:t>Multi-tier Architecture</a:t>
+            </a:r>
+            <a:endParaRPr lang="en-US" sz="2000" u="none" dirty="0">
+              <a:effectLst>
+                <a:outerShdw blurRad="38100" dist="38100" dir="2700000" algn="tl">
+                  <a:srgbClr val="000000">
+                    <a:alpha val="43137"/>
+                  </a:srgbClr>
+                </a:outerShdw>
+              </a:effectLst>
+            </a:endParaRPr>
+          </a:p>
+        </p:txBody>
+      </p:sp>
+      <p:sp>
+        <p:nvSpPr>
+          <p:cNvPr id="3" name="Slide Number Placeholder 2"/>
+          <p:cNvSpPr>
+            <a:spLocks noGrp="1"/>
+          </p:cNvSpPr>
+          <p:nvPr>
+            <p:ph type="sldNum" sz="quarter" idx="12"/>
+          </p:nvPr>
+        </p:nvSpPr>
+        <p:spPr/>
+        <p:txBody>
+          <a:bodyPr/>
+          <a:lstStyle/>
+          <a:p>
+            <a:pPr>
+              <a:defRPr/>
+            </a:pPr>
+            <a:fld id="{B9679035-FD90-43C6-9A04-3596202BD13C}" type="slidenum">
+              <a:rPr lang="en-US" altLang="en-US" smtClean="0">
+                <a:solidFill>
+                  <a:prstClr val="black">
+                    <a:tint val="75000"/>
+                  </a:prstClr>
+                </a:solidFill>
+              </a:rPr>
+              <a:pPr>
+                <a:defRPr/>
+              </a:pPr>
+              <a:t>11</a:t>
+            </a:fld>
+            <a:endParaRPr lang="en-US" altLang="en-US">
+              <a:solidFill>
+                <a:prstClr val="black">
+                  <a:tint val="75000"/>
+                </a:prstClr>
+              </a:solidFill>
+            </a:endParaRPr>
+          </a:p>
+        </p:txBody>
+      </p:sp>
+      <p:pic>
+        <p:nvPicPr>
+          <p:cNvPr id="5" name="Content Placeholder 4"/>
+          <p:cNvPicPr>
+            <a:picLocks noChangeAspect="1"/>
+          </p:cNvPicPr>
+          <p:nvPr/>
+        </p:nvPicPr>
+        <p:blipFill>
+          <a:blip r:embed="rId2"/>
+          <a:srcRect l="2146" r="2146"/>
+          <a:stretch>
+            <a:fillRect/>
+          </a:stretch>
+        </p:blipFill>
+        <p:spPr>
+          <a:xfrm>
+            <a:off x="272133" y="1361598"/>
+            <a:ext cx="8682346" cy="3919404"/>
+          </a:xfrm>
+          <a:prstGeom prst="rect">
+            <a:avLst/>
+          </a:prstGeom>
+        </p:spPr>
+      </p:pic>
+    </p:spTree>
+    <p:extLst>
+      <p:ext uri="{BB962C8B-B14F-4D97-AF65-F5344CB8AC3E}">
+        <p14:creationId xmlns:p14="http://schemas.microsoft.com/office/powerpoint/2010/main" val="2159682483"/>
+      </p:ext>
+    </p:extLst>
+  </p:cSld>
+  <p:clrMapOvr>
+    <a:masterClrMapping/>
+  </p:clrMapOvr>
+</p:sld>
+</file>
+
+<file path=ppt/slides/slide12.xml><?xml version="1.0" encoding="utf-8"?>
+<p:sld xmlns:a="http://schemas.openxmlformats.org/drawingml/2006/main" xmlns:r="http://schemas.openxmlformats.org/officeDocument/2006/relationships" xmlns:p="http://schemas.openxmlformats.org/presentationml/2006/main">
+  <p:cSld>
+    <p:spTree>
+      <p:nvGrpSpPr>
+        <p:cNvPr id="1" name=""/>
+        <p:cNvGrpSpPr/>
+        <p:nvPr/>
+      </p:nvGrpSpPr>
+      <p:grpSpPr>
+        <a:xfrm>
+          <a:off x="0" y="0"/>
+          <a:ext cx="0" cy="0"/>
+          <a:chOff x="0" y="0"/>
+          <a:chExt cx="0" cy="0"/>
+        </a:xfrm>
+      </p:grpSpPr>
+      <p:sp>
+        <p:nvSpPr>
           <p:cNvPr id="4" name="Slide Number Placeholder 5"/>
           <p:cNvSpPr>
             <a:spLocks noGrp="1"/>
@@ -5115,7 +5207,223 @@
             <a:fld id="{D929E571-2B70-E14C-B329-85B8FB05579B}" type="slidenum">
               <a:rPr lang="en-US"/>
               <a:pPr/>
-              <a:t>11</a:t>
+              <a:t>12</a:t>
+            </a:fld>
+            <a:endParaRPr lang="en-US"/>
+          </a:p>
+        </p:txBody>
+      </p:sp>
+      <p:sp>
+        <p:nvSpPr>
+          <p:cNvPr id="250882" name="Rectangle 2"/>
+          <p:cNvSpPr>
+            <a:spLocks noGrp="1" noChangeArrowheads="1"/>
+          </p:cNvSpPr>
+          <p:nvPr>
+            <p:ph type="title"/>
+          </p:nvPr>
+        </p:nvSpPr>
+        <p:spPr>
+          <a:xfrm>
+            <a:off x="338417" y="226203"/>
+            <a:ext cx="8229600" cy="621287"/>
+          </a:xfrm>
+        </p:spPr>
+        <p:txBody>
+          <a:bodyPr/>
+          <a:lstStyle/>
+          <a:p>
+            <a:r>
+              <a:rPr lang="en-US" sz="2800" dirty="0"/>
+              <a:t>Software Architecture as a Design Activity</a:t>
+            </a:r>
+          </a:p>
+        </p:txBody>
+      </p:sp>
+      <p:sp>
+        <p:nvSpPr>
+          <p:cNvPr id="250883" name="Rectangle 3"/>
+          <p:cNvSpPr>
+            <a:spLocks noGrp="1" noChangeArrowheads="1"/>
+          </p:cNvSpPr>
+          <p:nvPr>
+            <p:ph type="body" idx="1"/>
+          </p:nvPr>
+        </p:nvSpPr>
+        <p:spPr>
+          <a:xfrm>
+            <a:off x="457200" y="968418"/>
+            <a:ext cx="8229600" cy="4659362"/>
+          </a:xfrm>
+        </p:spPr>
+        <p:txBody>
+          <a:bodyPr/>
+          <a:lstStyle/>
+          <a:p>
+            <a:pPr>
+              <a:lnSpc>
+                <a:spcPct val="90000"/>
+              </a:lnSpc>
+            </a:pPr>
+            <a:r>
+              <a:rPr lang="en-US" dirty="0"/>
+              <a:t>It</a:t>
+            </a:r>
+            <a:r>
+              <a:rPr lang="en-US" dirty="0">
+                <a:latin typeface="Arial"/>
+              </a:rPr>
+              <a:t>’</a:t>
+            </a:r>
+            <a:r>
+              <a:rPr lang="en-US" dirty="0"/>
+              <a:t>s about software design</a:t>
+            </a:r>
+          </a:p>
+          <a:p>
+            <a:pPr lvl="1">
+              <a:lnSpc>
+                <a:spcPct val="90000"/>
+              </a:lnSpc>
+            </a:pPr>
+            <a:r>
+              <a:rPr lang="en-US" dirty="0"/>
+              <a:t>All architecture is software design, but not all design is software architecture</a:t>
+            </a:r>
+          </a:p>
+          <a:p>
+            <a:pPr lvl="1">
+              <a:lnSpc>
+                <a:spcPct val="90000"/>
+              </a:lnSpc>
+            </a:pPr>
+            <a:r>
+              <a:rPr lang="en-US" dirty="0"/>
+              <a:t>Part of the design process</a:t>
+            </a:r>
+          </a:p>
+          <a:p>
+            <a:pPr>
+              <a:lnSpc>
+                <a:spcPct val="90000"/>
+              </a:lnSpc>
+            </a:pPr>
+            <a:r>
+              <a:rPr lang="en-US" dirty="0"/>
+              <a:t>Simply, architecture focuses </a:t>
+            </a:r>
+            <a:r>
+              <a:rPr lang="en-US" dirty="0">
+                <a:solidFill>
+                  <a:srgbClr val="0000FF"/>
+                </a:solidFill>
+              </a:rPr>
+              <a:t>on issues that will be difficult/impossible to change once the system is built</a:t>
+            </a:r>
+          </a:p>
+          <a:p>
+            <a:pPr lvl="1">
+              <a:lnSpc>
+                <a:spcPct val="90000"/>
+              </a:lnSpc>
+            </a:pPr>
+            <a:r>
+              <a:rPr lang="en-US" dirty="0"/>
+              <a:t>Quality attributes like security, performance</a:t>
+            </a:r>
+          </a:p>
+          <a:p>
+            <a:pPr lvl="1">
+              <a:lnSpc>
+                <a:spcPct val="90000"/>
+              </a:lnSpc>
+            </a:pPr>
+            <a:r>
+              <a:rPr lang="en-US" dirty="0"/>
+              <a:t>Non-functional requirements like cost, deployment hardware</a:t>
+            </a:r>
+          </a:p>
+          <a:p>
+            <a:pPr lvl="1">
+              <a:lnSpc>
+                <a:spcPct val="90000"/>
+              </a:lnSpc>
+            </a:pPr>
+            <a:r>
+              <a:rPr lang="en-US" dirty="0"/>
+              <a:t>More on these later in this course</a:t>
+            </a:r>
+          </a:p>
+          <a:p>
+            <a:pPr>
+              <a:lnSpc>
+                <a:spcPct val="90000"/>
+              </a:lnSpc>
+            </a:pPr>
+            <a:r>
+              <a:rPr lang="en-US" dirty="0"/>
+              <a:t>Generally architecture is about the effective management of constraints on the to be built system</a:t>
+            </a:r>
+          </a:p>
+          <a:p>
+            <a:pPr>
+              <a:lnSpc>
+                <a:spcPct val="90000"/>
+              </a:lnSpc>
+            </a:pPr>
+            <a:endParaRPr lang="en-US" dirty="0"/>
+          </a:p>
+        </p:txBody>
+      </p:sp>
+    </p:spTree>
+    <p:extLst>
+      <p:ext uri="{BB962C8B-B14F-4D97-AF65-F5344CB8AC3E}">
+        <p14:creationId xmlns:p14="http://schemas.microsoft.com/office/powerpoint/2010/main" val="4074630252"/>
+      </p:ext>
+    </p:extLst>
+  </p:cSld>
+  <p:clrMapOvr>
+    <a:masterClrMapping/>
+  </p:clrMapOvr>
+</p:sld>
+</file>
+
+<file path=ppt/slides/slide13.xml><?xml version="1.0" encoding="utf-8"?>
+<p:sld xmlns:a="http://schemas.openxmlformats.org/drawingml/2006/main" xmlns:r="http://schemas.openxmlformats.org/officeDocument/2006/relationships" xmlns:p="http://schemas.openxmlformats.org/presentationml/2006/main">
+  <p:cSld>
+    <p:spTree>
+      <p:nvGrpSpPr>
+        <p:cNvPr id="1" name=""/>
+        <p:cNvGrpSpPr/>
+        <p:nvPr/>
+      </p:nvGrpSpPr>
+      <p:grpSpPr>
+        <a:xfrm>
+          <a:off x="0" y="0"/>
+          <a:ext cx="0" cy="0"/>
+          <a:chOff x="0" y="0"/>
+          <a:chExt cx="0" cy="0"/>
+        </a:xfrm>
+      </p:grpSpPr>
+      <p:sp>
+        <p:nvSpPr>
+          <p:cNvPr id="4" name="Slide Number Placeholder 5"/>
+          <p:cNvSpPr>
+            <a:spLocks noGrp="1"/>
+          </p:cNvSpPr>
+          <p:nvPr>
+            <p:ph type="sldNum" sz="quarter" idx="12"/>
+          </p:nvPr>
+        </p:nvSpPr>
+        <p:spPr/>
+        <p:txBody>
+          <a:bodyPr/>
+          <a:lstStyle/>
+          <a:p>
+            <a:fld id="{D929E571-2B70-E14C-B329-85B8FB05579B}" type="slidenum">
+              <a:rPr lang="en-US"/>
+              <a:pPr/>
+              <a:t>13</a:t>
             </a:fld>
             <a:endParaRPr lang="en-US"/>
           </a:p>
@@ -5310,694 +5618,6 @@
 </p:sld>
 </file>
 
-<file path=ppt/slides/slide12.xml><?xml version="1.0" encoding="utf-8"?>
-<p:sld xmlns:a="http://schemas.openxmlformats.org/drawingml/2006/main" xmlns:r="http://schemas.openxmlformats.org/officeDocument/2006/relationships" xmlns:p="http://schemas.openxmlformats.org/presentationml/2006/main">
-  <p:cSld>
-    <p:spTree>
-      <p:nvGrpSpPr>
-        <p:cNvPr id="1" name=""/>
-        <p:cNvGrpSpPr/>
-        <p:nvPr/>
-      </p:nvGrpSpPr>
-      <p:grpSpPr>
-        <a:xfrm>
-          <a:off x="0" y="0"/>
-          <a:ext cx="0" cy="0"/>
-          <a:chOff x="0" y="0"/>
-          <a:chExt cx="0" cy="0"/>
-        </a:xfrm>
-      </p:grpSpPr>
-      <p:sp>
-        <p:nvSpPr>
-          <p:cNvPr id="4" name="Slide Number Placeholder 4"/>
-          <p:cNvSpPr>
-            <a:spLocks noGrp="1"/>
-          </p:cNvSpPr>
-          <p:nvPr>
-            <p:ph type="sldNum" sz="quarter" idx="11"/>
-          </p:nvPr>
-        </p:nvSpPr>
-        <p:spPr/>
-        <p:txBody>
-          <a:bodyPr/>
-          <a:lstStyle/>
-          <a:p>
-            <a:fld id="{8BE99BFD-8863-B045-8AED-C026A27B630D}" type="slidenum">
-              <a:rPr lang="en-US"/>
-              <a:pPr/>
-              <a:t>12</a:t>
-            </a:fld>
-            <a:endParaRPr lang="en-US"/>
-          </a:p>
-        </p:txBody>
-      </p:sp>
-      <p:sp>
-        <p:nvSpPr>
-          <p:cNvPr id="477186" name="Rectangle 2"/>
-          <p:cNvSpPr>
-            <a:spLocks noGrp="1" noChangeArrowheads="1"/>
-          </p:cNvSpPr>
-          <p:nvPr>
-            <p:ph type="title"/>
-          </p:nvPr>
-        </p:nvSpPr>
-        <p:spPr/>
-        <p:txBody>
-          <a:bodyPr/>
-          <a:lstStyle/>
-          <a:p>
-            <a:r>
-              <a:rPr lang="en-US" dirty="0"/>
-              <a:t>Architecture is Expressed using Models</a:t>
-            </a:r>
-          </a:p>
-        </p:txBody>
-      </p:sp>
-      <p:sp>
-        <p:nvSpPr>
-          <p:cNvPr id="477187" name="Rectangle 3" descr="Rectangle: Click to edit Master text styles&#10;Second level&#10;Third level&#10;Fourth level&#10;Fifth level"/>
-          <p:cNvSpPr>
-            <a:spLocks noGrp="1" noChangeArrowheads="1"/>
-          </p:cNvSpPr>
-          <p:nvPr>
-            <p:ph type="body" idx="1"/>
-          </p:nvPr>
-        </p:nvSpPr>
-        <p:spPr>
-          <a:xfrm>
-            <a:off x="1021907" y="1219200"/>
-            <a:ext cx="6908800" cy="3657600"/>
-          </a:xfrm>
-        </p:spPr>
-        <p:txBody>
-          <a:bodyPr/>
-          <a:lstStyle/>
-          <a:p>
-            <a:r>
-              <a:rPr lang="en-US" sz="2000" dirty="0"/>
-              <a:t>Software architecture emerged when it was becoming obvious that designs are too complicated to develop from scratch (circa early 1990s)</a:t>
-            </a:r>
-          </a:p>
-          <a:p>
-            <a:r>
-              <a:rPr lang="en-US" sz="2000" dirty="0"/>
-              <a:t>Good designs tend to be build using models…</a:t>
-            </a:r>
-          </a:p>
-          <a:p>
-            <a:pPr lvl="1"/>
-            <a:r>
-              <a:rPr lang="en-US" sz="1800" dirty="0"/>
-              <a:t>1) Abstract different views of the system</a:t>
-            </a:r>
-          </a:p>
-          <a:p>
-            <a:pPr lvl="1"/>
-            <a:r>
-              <a:rPr lang="en-US" sz="1800" dirty="0"/>
-              <a:t>2) Build models using precise notations (e.g., UML)</a:t>
-            </a:r>
-          </a:p>
-          <a:p>
-            <a:pPr lvl="1"/>
-            <a:r>
-              <a:rPr lang="en-US" sz="1800" dirty="0"/>
-              <a:t>3) Verify that the models satisfy the requirements</a:t>
-            </a:r>
-          </a:p>
-          <a:p>
-            <a:pPr lvl="1"/>
-            <a:r>
-              <a:rPr lang="en-US" sz="1800" dirty="0"/>
-              <a:t>4) Gradually add details to transform the models into the design</a:t>
-            </a:r>
-          </a:p>
-          <a:p>
-            <a:r>
-              <a:rPr lang="en-US" sz="2000" dirty="0"/>
-              <a:t>And such models can be derived from proven/established architecture patterns – more on this later</a:t>
-            </a:r>
-          </a:p>
-        </p:txBody>
-      </p:sp>
-    </p:spTree>
-  </p:cSld>
-  <p:clrMapOvr>
-    <a:masterClrMapping/>
-  </p:clrMapOvr>
-</p:sld>
-</file>
-
-<file path=ppt/slides/slide13.xml><?xml version="1.0" encoding="utf-8"?>
-<p:sld xmlns:a="http://schemas.openxmlformats.org/drawingml/2006/main" xmlns:r="http://schemas.openxmlformats.org/officeDocument/2006/relationships" xmlns:p="http://schemas.openxmlformats.org/presentationml/2006/main">
-  <p:cSld>
-    <p:spTree>
-      <p:nvGrpSpPr>
-        <p:cNvPr id="1" name=""/>
-        <p:cNvGrpSpPr/>
-        <p:nvPr/>
-      </p:nvGrpSpPr>
-      <p:grpSpPr>
-        <a:xfrm>
-          <a:off x="0" y="0"/>
-          <a:ext cx="0" cy="0"/>
-          <a:chOff x="0" y="0"/>
-          <a:chExt cx="0" cy="0"/>
-        </a:xfrm>
-      </p:grpSpPr>
-      <p:sp>
-        <p:nvSpPr>
-          <p:cNvPr id="4" name="Slide Number Placeholder 4"/>
-          <p:cNvSpPr>
-            <a:spLocks noGrp="1"/>
-          </p:cNvSpPr>
-          <p:nvPr>
-            <p:ph type="sldNum" sz="quarter" idx="11"/>
-          </p:nvPr>
-        </p:nvSpPr>
-        <p:spPr/>
-        <p:txBody>
-          <a:bodyPr/>
-          <a:lstStyle/>
-          <a:p>
-            <a:fld id="{F88CF279-776B-2942-B25A-D384D52A01EB}" type="slidenum">
-              <a:rPr lang="en-US"/>
-              <a:pPr/>
-              <a:t>13</a:t>
-            </a:fld>
-            <a:endParaRPr lang="en-US"/>
-          </a:p>
-        </p:txBody>
-      </p:sp>
-      <p:sp>
-        <p:nvSpPr>
-          <p:cNvPr id="472066" name="Rectangle 2"/>
-          <p:cNvSpPr>
-            <a:spLocks noGrp="1" noChangeArrowheads="1"/>
-          </p:cNvSpPr>
-          <p:nvPr>
-            <p:ph type="title"/>
-          </p:nvPr>
-        </p:nvSpPr>
-        <p:spPr/>
-        <p:txBody>
-          <a:bodyPr/>
-          <a:lstStyle/>
-          <a:p>
-            <a:r>
-              <a:rPr lang="en-US" dirty="0"/>
-              <a:t>Architecture Abstractions</a:t>
-            </a:r>
-          </a:p>
-        </p:txBody>
-      </p:sp>
-      <p:sp>
-        <p:nvSpPr>
-          <p:cNvPr id="472067" name="Rectangle 3" descr="Rectangle: Click to edit Master text styles&#10;Second level&#10;Third level&#10;Fourth level&#10;Fifth level"/>
-          <p:cNvSpPr>
-            <a:spLocks noGrp="1" noChangeArrowheads="1"/>
-          </p:cNvSpPr>
-          <p:nvPr>
-            <p:ph type="body" idx="1"/>
-          </p:nvPr>
-        </p:nvSpPr>
-        <p:spPr>
-          <a:xfrm>
-            <a:off x="1172171" y="1686499"/>
-            <a:ext cx="7740502" cy="1460125"/>
-          </a:xfrm>
-        </p:spPr>
-        <p:txBody>
-          <a:bodyPr/>
-          <a:lstStyle/>
-          <a:p>
-            <a:pPr>
-              <a:lnSpc>
-                <a:spcPct val="90000"/>
-              </a:lnSpc>
-            </a:pPr>
-            <a:r>
-              <a:rPr lang="en-US" sz="2000" dirty="0"/>
-              <a:t>Reference Architecture – focus is on the broad domain</a:t>
-            </a:r>
-          </a:p>
-          <a:p>
-            <a:pPr>
-              <a:lnSpc>
-                <a:spcPct val="90000"/>
-              </a:lnSpc>
-            </a:pPr>
-            <a:r>
-              <a:rPr lang="en-US" sz="2000" dirty="0"/>
-              <a:t>Solution Architecture – focus on the solution space</a:t>
-            </a:r>
-          </a:p>
-          <a:p>
-            <a:pPr>
-              <a:lnSpc>
-                <a:spcPct val="90000"/>
-              </a:lnSpc>
-            </a:pPr>
-            <a:r>
-              <a:rPr lang="en-US" sz="2000" dirty="0"/>
-              <a:t>Software Architecture – focus on the key technical abstractions</a:t>
-            </a:r>
-          </a:p>
-        </p:txBody>
-      </p:sp>
-      <p:sp>
-        <p:nvSpPr>
-          <p:cNvPr id="5" name="Text Box 4">
-            <a:extLst>
-              <a:ext uri="{FF2B5EF4-FFF2-40B4-BE49-F238E27FC236}">
-                <a16:creationId xmlns:a16="http://schemas.microsoft.com/office/drawing/2014/main" id="{95DA0ABB-C6B6-4049-9F7B-A103E1275695}"/>
-              </a:ext>
-            </a:extLst>
-          </p:cNvPr>
-          <p:cNvSpPr txBox="1">
-            <a:spLocks noChangeArrowheads="1"/>
-          </p:cNvSpPr>
-          <p:nvPr/>
-        </p:nvSpPr>
-        <p:spPr bwMode="auto">
-          <a:xfrm>
-            <a:off x="911475" y="840593"/>
-            <a:ext cx="6908800" cy="757130"/>
-          </a:xfrm>
-          <a:prstGeom prst="rect">
-            <a:avLst/>
-          </a:prstGeom>
-          <a:noFill/>
-          <a:ln>
-            <a:noFill/>
-          </a:ln>
-          <a:effectLst/>
-          <a:extLst>
-            <a:ext uri="{909E8E84-426E-40dd-AFC4-6F175D3DCCD1}">
-              <a14:hiddenFill xmlns:a14="http://schemas.microsoft.com/office/drawing/2010/main" xmlns="">
-                <a:solidFill>
-                  <a:schemeClr val="accent1"/>
-                </a:solidFill>
-              </a14:hiddenFill>
-            </a:ext>
-            <a:ext uri="{91240B29-F687-4f45-9708-019B960494DF}">
-              <a14:hiddenLine xmlns:a14="http://schemas.microsoft.com/office/drawing/2010/main" xmlns="" w="9525">
-                <a:solidFill>
-                  <a:schemeClr val="tx1"/>
-                </a:solidFill>
-                <a:miter lim="800000"/>
-                <a:headEnd/>
-                <a:tailEnd/>
-              </a14:hiddenLine>
-            </a:ext>
-            <a:ext uri="{AF507438-7753-43e0-B8FC-AC1667EBCBE1}">
-              <a14:hiddenEffects xmlns:a14="http://schemas.microsoft.com/office/drawing/2010/main" xmlns="">
-                <a:effectLst>
-                  <a:outerShdw blurRad="63500" dist="38099" dir="2700000" algn="ctr" rotWithShape="0">
-                    <a:schemeClr val="bg2">
-                      <a:alpha val="74998"/>
-                    </a:schemeClr>
-                  </a:outerShdw>
-                </a:effectLst>
-              </a14:hiddenEffects>
-            </a:ext>
-          </a:extLst>
-        </p:spPr>
-        <p:txBody>
-          <a:bodyPr wrap="square">
-            <a:spAutoFit/>
-          </a:bodyPr>
-          <a:lstStyle/>
-          <a:p>
-            <a:r>
-              <a:rPr lang="en-US" sz="2400" b="0" dirty="0">
-                <a:latin typeface="+mn-lt"/>
-              </a:rPr>
-              <a:t>There are different techniques to perform software architecture analysis…</a:t>
-            </a:r>
-          </a:p>
-        </p:txBody>
-      </p:sp>
-      <p:sp>
-        <p:nvSpPr>
-          <p:cNvPr id="7" name="Text Box 4">
-            <a:extLst>
-              <a:ext uri="{FF2B5EF4-FFF2-40B4-BE49-F238E27FC236}">
-                <a16:creationId xmlns:a16="http://schemas.microsoft.com/office/drawing/2014/main" id="{132028DC-10C3-E64C-9133-526AB05B06D1}"/>
-              </a:ext>
-            </a:extLst>
-          </p:cNvPr>
-          <p:cNvSpPr txBox="1">
-            <a:spLocks noChangeArrowheads="1"/>
-          </p:cNvSpPr>
-          <p:nvPr/>
-        </p:nvSpPr>
-        <p:spPr bwMode="auto">
-          <a:xfrm>
-            <a:off x="911475" y="3035559"/>
-            <a:ext cx="6908800" cy="757130"/>
-          </a:xfrm>
-          <a:prstGeom prst="rect">
-            <a:avLst/>
-          </a:prstGeom>
-          <a:noFill/>
-          <a:ln>
-            <a:noFill/>
-          </a:ln>
-          <a:effectLst/>
-          <a:extLst>
-            <a:ext uri="{909E8E84-426E-40dd-AFC4-6F175D3DCCD1}">
-              <a14:hiddenFill xmlns:a14="http://schemas.microsoft.com/office/drawing/2010/main" xmlns="">
-                <a:solidFill>
-                  <a:schemeClr val="accent1"/>
-                </a:solidFill>
-              </a14:hiddenFill>
-            </a:ext>
-            <a:ext uri="{91240B29-F687-4f45-9708-019B960494DF}">
-              <a14:hiddenLine xmlns:a14="http://schemas.microsoft.com/office/drawing/2010/main" xmlns="" w="9525">
-                <a:solidFill>
-                  <a:schemeClr val="tx1"/>
-                </a:solidFill>
-                <a:miter lim="800000"/>
-                <a:headEnd/>
-                <a:tailEnd/>
-              </a14:hiddenLine>
-            </a:ext>
-            <a:ext uri="{AF507438-7753-43e0-B8FC-AC1667EBCBE1}">
-              <a14:hiddenEffects xmlns:a14="http://schemas.microsoft.com/office/drawing/2010/main" xmlns="">
-                <a:effectLst>
-                  <a:outerShdw blurRad="63500" dist="38099" dir="2700000" algn="ctr" rotWithShape="0">
-                    <a:schemeClr val="bg2">
-                      <a:alpha val="74998"/>
-                    </a:schemeClr>
-                  </a:outerShdw>
-                </a:effectLst>
-              </a14:hiddenEffects>
-            </a:ext>
-          </a:extLst>
-        </p:spPr>
-        <p:txBody>
-          <a:bodyPr wrap="square">
-            <a:spAutoFit/>
-          </a:bodyPr>
-          <a:lstStyle/>
-          <a:p>
-            <a:r>
-              <a:rPr lang="en-US" sz="2400" b="0" dirty="0">
-                <a:latin typeface="+mn-lt"/>
-              </a:rPr>
-              <a:t>As well as a diversity of use cases where this information can be useful…</a:t>
-            </a:r>
-          </a:p>
-        </p:txBody>
-      </p:sp>
-      <p:sp>
-        <p:nvSpPr>
-          <p:cNvPr id="8" name="Rectangle 3" descr="Rectangle: Click to edit Master text styles&#10;Second level&#10;Third level&#10;Fourth level&#10;Fifth level">
-            <a:extLst>
-              <a:ext uri="{FF2B5EF4-FFF2-40B4-BE49-F238E27FC236}">
-                <a16:creationId xmlns:a16="http://schemas.microsoft.com/office/drawing/2014/main" id="{43639BF5-67E9-C44E-9322-F1B0BB6B5D2B}"/>
-              </a:ext>
-            </a:extLst>
-          </p:cNvPr>
-          <p:cNvSpPr txBox="1">
-            <a:spLocks noChangeArrowheads="1"/>
-          </p:cNvSpPr>
-          <p:nvPr/>
-        </p:nvSpPr>
-        <p:spPr bwMode="auto">
-          <a:xfrm>
-            <a:off x="1473236" y="3716474"/>
-            <a:ext cx="6908800" cy="1460125"/>
-          </a:xfrm>
-          <a:prstGeom prst="rect">
-            <a:avLst/>
-          </a:prstGeom>
-          <a:noFill/>
-          <a:ln>
-            <a:noFill/>
-          </a:ln>
-          <a:extLst>
-            <a:ext uri="{909E8E84-426E-40dd-AFC4-6F175D3DCCD1}">
-              <a14:hiddenFill xmlns:a14="http://schemas.microsoft.com/office/drawing/2010/main" xmlns="">
-                <a:solidFill>
-                  <a:srgbClr val="FFFFFF"/>
-                </a:solidFill>
-              </a14:hiddenFill>
-            </a:ext>
-            <a:ext uri="{91240B29-F687-4f45-9708-019B960494DF}">
-              <a14:hiddenLine xmlns:a14="http://schemas.microsoft.com/office/drawing/2010/main" xmlns="" w="9525">
-                <a:solidFill>
-                  <a:srgbClr val="000000"/>
-                </a:solidFill>
-                <a:miter lim="800000"/>
-                <a:headEnd/>
-                <a:tailEnd/>
-              </a14:hiddenLine>
-            </a:ext>
-          </a:extLst>
-        </p:spPr>
-        <p:txBody>
-          <a:bodyPr vert="horz" wrap="square" lIns="91440" tIns="45720" rIns="91440" bIns="45720" numCol="1" anchor="t" anchorCtr="0" compatLnSpc="1">
-            <a:prstTxWarp prst="textNoShape">
-              <a:avLst/>
-            </a:prstTxWarp>
-          </a:bodyPr>
-          <a:lstStyle>
-            <a:lvl1pPr marL="342900" indent="-342900" algn="l" rtl="0" eaLnBrk="0" fontAlgn="base" hangingPunct="0">
-              <a:spcBef>
-                <a:spcPct val="20000"/>
-              </a:spcBef>
-              <a:spcAft>
-                <a:spcPct val="0"/>
-              </a:spcAft>
-              <a:buFont typeface="Arial" charset="0"/>
-              <a:buChar char="•"/>
-              <a:defRPr sz="2400" kern="1200">
-                <a:solidFill>
-                  <a:schemeClr val="tx1"/>
-                </a:solidFill>
-                <a:latin typeface="+mn-lt"/>
-                <a:ea typeface="+mn-ea"/>
-                <a:cs typeface="+mn-cs"/>
-              </a:defRPr>
-            </a:lvl1pPr>
-            <a:lvl2pPr marL="742950" indent="-285750" algn="l" rtl="0" eaLnBrk="0" fontAlgn="base" hangingPunct="0">
-              <a:spcBef>
-                <a:spcPct val="20000"/>
-              </a:spcBef>
-              <a:spcAft>
-                <a:spcPct val="0"/>
-              </a:spcAft>
-              <a:buFont typeface="Arial" charset="0"/>
-              <a:buChar char="–"/>
-              <a:defRPr sz="2000" kern="1200">
-                <a:solidFill>
-                  <a:schemeClr val="tx1"/>
-                </a:solidFill>
-                <a:latin typeface="+mn-lt"/>
-                <a:ea typeface="+mn-ea"/>
-                <a:cs typeface="+mn-cs"/>
-              </a:defRPr>
-            </a:lvl2pPr>
-            <a:lvl3pPr marL="1143000" indent="-228600" algn="l" rtl="0" eaLnBrk="0" fontAlgn="base" hangingPunct="0">
-              <a:spcBef>
-                <a:spcPct val="20000"/>
-              </a:spcBef>
-              <a:spcAft>
-                <a:spcPct val="0"/>
-              </a:spcAft>
-              <a:buFont typeface="Arial" charset="0"/>
-              <a:buChar char="•"/>
-              <a:defRPr sz="1600" kern="1200">
-                <a:solidFill>
-                  <a:schemeClr val="tx1"/>
-                </a:solidFill>
-                <a:latin typeface="+mn-lt"/>
-                <a:ea typeface="+mn-ea"/>
-                <a:cs typeface="+mn-cs"/>
-              </a:defRPr>
-            </a:lvl3pPr>
-            <a:lvl4pPr marL="1600200" indent="-228600" algn="l" rtl="0" eaLnBrk="0" fontAlgn="base" hangingPunct="0">
-              <a:spcBef>
-                <a:spcPct val="20000"/>
-              </a:spcBef>
-              <a:spcAft>
-                <a:spcPct val="0"/>
-              </a:spcAft>
-              <a:buFont typeface="Arial" charset="0"/>
-              <a:buChar char="–"/>
-              <a:defRPr sz="1400" kern="1200">
-                <a:solidFill>
-                  <a:schemeClr val="tx1"/>
-                </a:solidFill>
-                <a:latin typeface="+mn-lt"/>
-                <a:ea typeface="+mn-ea"/>
-                <a:cs typeface="+mn-cs"/>
-              </a:defRPr>
-            </a:lvl4pPr>
-            <a:lvl5pPr marL="2057400" indent="-228600" algn="l" rtl="0" eaLnBrk="0" fontAlgn="base" hangingPunct="0">
-              <a:spcBef>
-                <a:spcPct val="20000"/>
-              </a:spcBef>
-              <a:spcAft>
-                <a:spcPct val="0"/>
-              </a:spcAft>
-              <a:buFont typeface="Arial" charset="0"/>
-              <a:buChar char="»"/>
-              <a:defRPr sz="1400" kern="1200">
-                <a:solidFill>
-                  <a:schemeClr val="tx1"/>
-                </a:solidFill>
-                <a:latin typeface="+mn-lt"/>
-                <a:ea typeface="+mn-ea"/>
-                <a:cs typeface="+mn-cs"/>
-              </a:defRPr>
-            </a:lvl5pPr>
-            <a:lvl6pPr marL="2514600" indent="-228600" algn="l" defTabSz="914400" rtl="0" eaLnBrk="1" latinLnBrk="0" hangingPunct="1">
-              <a:spcBef>
-                <a:spcPct val="20000"/>
-              </a:spcBef>
-              <a:buFont typeface="Arial" panose="020B0604020202020204" pitchFamily="34" charset="0"/>
-              <a:buChar char="•"/>
-              <a:defRPr sz="2000" kern="1200">
-                <a:solidFill>
-                  <a:schemeClr val="tx1"/>
-                </a:solidFill>
-                <a:latin typeface="+mn-lt"/>
-                <a:ea typeface="+mn-ea"/>
-                <a:cs typeface="+mn-cs"/>
-              </a:defRPr>
-            </a:lvl6pPr>
-            <a:lvl7pPr marL="2971800" indent="-228600" algn="l" defTabSz="914400" rtl="0" eaLnBrk="1" latinLnBrk="0" hangingPunct="1">
-              <a:spcBef>
-                <a:spcPct val="20000"/>
-              </a:spcBef>
-              <a:buFont typeface="Arial" panose="020B0604020202020204" pitchFamily="34" charset="0"/>
-              <a:buChar char="•"/>
-              <a:defRPr sz="2000" kern="1200">
-                <a:solidFill>
-                  <a:schemeClr val="tx1"/>
-                </a:solidFill>
-                <a:latin typeface="+mn-lt"/>
-                <a:ea typeface="+mn-ea"/>
-                <a:cs typeface="+mn-cs"/>
-              </a:defRPr>
-            </a:lvl7pPr>
-            <a:lvl8pPr marL="3429000" indent="-228600" algn="l" defTabSz="914400" rtl="0" eaLnBrk="1" latinLnBrk="0" hangingPunct="1">
-              <a:spcBef>
-                <a:spcPct val="20000"/>
-              </a:spcBef>
-              <a:buFont typeface="Arial" panose="020B0604020202020204" pitchFamily="34" charset="0"/>
-              <a:buChar char="•"/>
-              <a:defRPr sz="2000" kern="1200">
-                <a:solidFill>
-                  <a:schemeClr val="tx1"/>
-                </a:solidFill>
-                <a:latin typeface="+mn-lt"/>
-                <a:ea typeface="+mn-ea"/>
-                <a:cs typeface="+mn-cs"/>
-              </a:defRPr>
-            </a:lvl8pPr>
-            <a:lvl9pPr marL="3886200" indent="-228600" algn="l" defTabSz="914400" rtl="0" eaLnBrk="1" latinLnBrk="0" hangingPunct="1">
-              <a:spcBef>
-                <a:spcPct val="20000"/>
-              </a:spcBef>
-              <a:buFont typeface="Arial" panose="020B0604020202020204" pitchFamily="34" charset="0"/>
-              <a:buChar char="•"/>
-              <a:defRPr sz="2000" kern="1200">
-                <a:solidFill>
-                  <a:schemeClr val="tx1"/>
-                </a:solidFill>
-                <a:latin typeface="+mn-lt"/>
-                <a:ea typeface="+mn-ea"/>
-                <a:cs typeface="+mn-cs"/>
-              </a:defRPr>
-            </a:lvl9pPr>
-          </a:lstStyle>
-          <a:p>
-            <a:pPr>
-              <a:lnSpc>
-                <a:spcPct val="90000"/>
-              </a:lnSpc>
-            </a:pPr>
-            <a:r>
-              <a:rPr lang="en-US" sz="2000" b="0" dirty="0"/>
-              <a:t>New product definition</a:t>
-            </a:r>
-          </a:p>
-          <a:p>
-            <a:pPr>
-              <a:lnSpc>
-                <a:spcPct val="90000"/>
-              </a:lnSpc>
-            </a:pPr>
-            <a:r>
-              <a:rPr lang="en-US" sz="2000" b="0" dirty="0"/>
-              <a:t>Monitoring design quality (trends)</a:t>
-            </a:r>
-          </a:p>
-          <a:p>
-            <a:pPr>
-              <a:lnSpc>
-                <a:spcPct val="90000"/>
-              </a:lnSpc>
-            </a:pPr>
-            <a:r>
-              <a:rPr lang="en-US" sz="2000" b="0" dirty="0"/>
-              <a:t>Redocumenting and/or extending the lifespan of existing systems</a:t>
-            </a:r>
-          </a:p>
-        </p:txBody>
-      </p:sp>
-      <p:sp>
-        <p:nvSpPr>
-          <p:cNvPr id="2" name="TextBox 1">
-            <a:extLst>
-              <a:ext uri="{FF2B5EF4-FFF2-40B4-BE49-F238E27FC236}">
-                <a16:creationId xmlns:a16="http://schemas.microsoft.com/office/drawing/2014/main" id="{3059346F-2BE2-D044-9D6A-89F54CCE7F7F}"/>
-              </a:ext>
-            </a:extLst>
-          </p:cNvPr>
-          <p:cNvSpPr txBox="1"/>
-          <p:nvPr/>
-        </p:nvSpPr>
-        <p:spPr>
-          <a:xfrm>
-            <a:off x="227074" y="5141749"/>
-            <a:ext cx="8689852" cy="646331"/>
-          </a:xfrm>
-          <a:prstGeom prst="rect">
-            <a:avLst/>
-          </a:prstGeom>
-          <a:noFill/>
-        </p:spPr>
-        <p:txBody>
-          <a:bodyPr wrap="square" rtlCol="0">
-            <a:spAutoFit/>
-          </a:bodyPr>
-          <a:lstStyle/>
-          <a:p>
-            <a:r>
-              <a:rPr lang="en-US" sz="2000" b="0" dirty="0">
-                <a:solidFill>
-                  <a:srgbClr val="7030A0"/>
-                </a:solidFill>
-                <a:latin typeface="+mn-lt"/>
-              </a:rPr>
-              <a:t>The “art” of architecture is to pick the correct abstractions based on the desired objectives or outcomes</a:t>
-            </a:r>
-          </a:p>
-        </p:txBody>
-      </p:sp>
-    </p:spTree>
-  </p:cSld>
-  <p:clrMapOvr>
-    <a:masterClrMapping/>
-  </p:clrMapOvr>
-</p:sld>
-</file>
-
 <file path=ppt/slides/slide14.xml><?xml version="1.0" encoding="utf-8"?>
 <p:sld xmlns:a="http://schemas.openxmlformats.org/drawingml/2006/main" xmlns:r="http://schemas.openxmlformats.org/officeDocument/2006/relationships" xmlns:p="http://schemas.openxmlformats.org/presentationml/2006/main">
   <p:cSld>
@@ -6030,22 +5650,18 @@
           <a:bodyPr/>
           <a:lstStyle/>
           <a:p>
-            <a:fld id="{F88CF279-776B-2942-B25A-D384D52A01EB}" type="slidenum">
-              <a:rPr lang="en-US" b="0">
-                <a:latin typeface="+mn-lt"/>
-              </a:rPr>
+            <a:fld id="{8BE99BFD-8863-B045-8AED-C026A27B630D}" type="slidenum">
+              <a:rPr lang="en-US"/>
               <a:pPr/>
               <a:t>14</a:t>
             </a:fld>
-            <a:endParaRPr lang="en-US" b="0">
-              <a:latin typeface="+mn-lt"/>
-            </a:endParaRPr>
-          </a:p>
-        </p:txBody>
-      </p:sp>
-      <p:sp>
-        <p:nvSpPr>
-          <p:cNvPr id="472066" name="Rectangle 2"/>
+            <a:endParaRPr lang="en-US"/>
+          </a:p>
+        </p:txBody>
+      </p:sp>
+      <p:sp>
+        <p:nvSpPr>
+          <p:cNvPr id="477186" name="Rectangle 2"/>
           <p:cNvSpPr>
             <a:spLocks noGrp="1" noChangeArrowheads="1"/>
           </p:cNvSpPr>
@@ -6060,14 +5676,14 @@
           <a:p>
             <a:r>
               <a:rPr lang="en-US" dirty="0"/>
-              <a:t>Architecture Framing</a:t>
-            </a:r>
-          </a:p>
-        </p:txBody>
-      </p:sp>
-      <p:sp>
-        <p:nvSpPr>
-          <p:cNvPr id="472067" name="Rectangle 3" descr="Rectangle: Click to edit Master text styles&#10;Second level&#10;Third level&#10;Fourth level&#10;Fifth level"/>
+              <a:t>Architecture is Expressed using Models</a:t>
+            </a:r>
+          </a:p>
+        </p:txBody>
+      </p:sp>
+      <p:sp>
+        <p:nvSpPr>
+          <p:cNvPr id="477187" name="Rectangle 3" descr="Rectangle: Click to edit Master text styles&#10;Second level&#10;Third level&#10;Fourth level&#10;Fifth level"/>
           <p:cNvSpPr>
             <a:spLocks noGrp="1" noChangeArrowheads="1"/>
           </p:cNvSpPr>
@@ -6077,240 +5693,62 @@
         </p:nvSpPr>
         <p:spPr>
           <a:xfrm>
-            <a:off x="938255" y="2113809"/>
-            <a:ext cx="7386614" cy="1460125"/>
+            <a:off x="1021907" y="1219200"/>
+            <a:ext cx="6908800" cy="3657600"/>
           </a:xfrm>
         </p:spPr>
         <p:txBody>
           <a:bodyPr/>
           <a:lstStyle/>
           <a:p>
-            <a:pPr>
-              <a:lnSpc>
-                <a:spcPct val="90000"/>
-              </a:lnSpc>
-            </a:pPr>
             <a:r>
               <a:rPr lang="en-US" sz="2000" dirty="0"/>
-              <a:t>Who is the constituent – aka, who am I trying to talk to or influence</a:t>
-            </a:r>
-          </a:p>
-          <a:p>
-            <a:pPr>
-              <a:lnSpc>
-                <a:spcPct val="90000"/>
-              </a:lnSpc>
-            </a:pPr>
+              <a:t>Software architecture emerged when it was becoming obvious that designs are too complicated to develop from scratch (circa early 1990s)</a:t>
+            </a:r>
+          </a:p>
+          <a:p>
             <a:r>
               <a:rPr lang="en-US" sz="2000" dirty="0"/>
-              <a:t>What do I want them to understand – aka, why am I talking about architecture</a:t>
-            </a:r>
-          </a:p>
-          <a:p>
-            <a:pPr>
-              <a:lnSpc>
-                <a:spcPct val="90000"/>
-              </a:lnSpc>
-            </a:pPr>
+              <a:t>Good designs tend to be build using models…</a:t>
+            </a:r>
+          </a:p>
+          <a:p>
+            <a:pPr lvl="1"/>
+            <a:r>
+              <a:rPr lang="en-US" sz="1800" dirty="0"/>
+              <a:t>1) Abstract different views of the system</a:t>
+            </a:r>
+          </a:p>
+          <a:p>
+            <a:pPr lvl="1"/>
+            <a:r>
+              <a:rPr lang="en-US" sz="1800" dirty="0"/>
+              <a:t>2) Build models using precise notations (e.g., UML)</a:t>
+            </a:r>
+          </a:p>
+          <a:p>
+            <a:pPr lvl="1"/>
+            <a:r>
+              <a:rPr lang="en-US" sz="1800" dirty="0"/>
+              <a:t>3) Verify that the models satisfy the requirements</a:t>
+            </a:r>
+          </a:p>
+          <a:p>
+            <a:pPr lvl="1"/>
+            <a:r>
+              <a:rPr lang="en-US" sz="1800" dirty="0"/>
+              <a:t>4) Gradually add details to transform the models into the design</a:t>
+            </a:r>
+          </a:p>
+          <a:p>
             <a:r>
               <a:rPr lang="en-US" sz="2000" dirty="0"/>
-              <a:t>What are the benefits, constraints, or tradeoffs associated with the architecture I am describing</a:t>
-            </a:r>
-          </a:p>
-        </p:txBody>
-      </p:sp>
-      <p:sp>
-        <p:nvSpPr>
-          <p:cNvPr id="5" name="Text Box 4">
-            <a:extLst>
-              <a:ext uri="{FF2B5EF4-FFF2-40B4-BE49-F238E27FC236}">
-                <a16:creationId xmlns:a16="http://schemas.microsoft.com/office/drawing/2014/main" id="{95DA0ABB-C6B6-4049-9F7B-A103E1275695}"/>
-              </a:ext>
-            </a:extLst>
-          </p:cNvPr>
-          <p:cNvSpPr txBox="1">
-            <a:spLocks noChangeArrowheads="1"/>
-          </p:cNvSpPr>
-          <p:nvPr/>
-        </p:nvSpPr>
-        <p:spPr bwMode="auto">
-          <a:xfrm>
-            <a:off x="457200" y="955583"/>
-            <a:ext cx="8229600" cy="757130"/>
-          </a:xfrm>
-          <a:prstGeom prst="rect">
-            <a:avLst/>
-          </a:prstGeom>
-          <a:noFill/>
-          <a:ln>
-            <a:noFill/>
-          </a:ln>
-          <a:effectLst/>
-          <a:extLst>
-            <a:ext uri="{909E8E84-426E-40dd-AFC4-6F175D3DCCD1}">
-              <a14:hiddenFill xmlns:a14="http://schemas.microsoft.com/office/drawing/2010/main" xmlns="">
-                <a:solidFill>
-                  <a:schemeClr val="accent1"/>
-                </a:solidFill>
-              </a14:hiddenFill>
-            </a:ext>
-            <a:ext uri="{91240B29-F687-4f45-9708-019B960494DF}">
-              <a14:hiddenLine xmlns:a14="http://schemas.microsoft.com/office/drawing/2010/main" xmlns="" w="9525">
-                <a:solidFill>
-                  <a:schemeClr val="tx1"/>
-                </a:solidFill>
-                <a:miter lim="800000"/>
-                <a:headEnd/>
-                <a:tailEnd/>
-              </a14:hiddenLine>
-            </a:ext>
-            <a:ext uri="{AF507438-7753-43e0-B8FC-AC1667EBCBE1}">
-              <a14:hiddenEffects xmlns:a14="http://schemas.microsoft.com/office/drawing/2010/main" xmlns="">
-                <a:effectLst>
-                  <a:outerShdw blurRad="63500" dist="38099" dir="2700000" algn="ctr" rotWithShape="0">
-                    <a:schemeClr val="bg2">
-                      <a:alpha val="74998"/>
-                    </a:schemeClr>
-                  </a:outerShdw>
-                </a:effectLst>
-              </a14:hiddenEffects>
-            </a:ext>
-          </a:extLst>
-        </p:spPr>
-        <p:txBody>
-          <a:bodyPr wrap="square">
-            <a:spAutoFit/>
-          </a:bodyPr>
-          <a:lstStyle/>
-          <a:p>
-            <a:r>
-              <a:rPr lang="en-US" sz="2400" b="0" dirty="0">
-                <a:latin typeface="+mn-lt"/>
-              </a:rPr>
-              <a:t>When thinking about a reference-, solution-, or software architecture focus on:</a:t>
-            </a:r>
-          </a:p>
-        </p:txBody>
-      </p:sp>
-      <p:sp>
-        <p:nvSpPr>
-          <p:cNvPr id="8" name="Text Box 4">
-            <a:extLst>
-              <a:ext uri="{FF2B5EF4-FFF2-40B4-BE49-F238E27FC236}">
-                <a16:creationId xmlns:a16="http://schemas.microsoft.com/office/drawing/2014/main" id="{28CDD91C-76C1-4C4F-8D91-E056039F91BC}"/>
-              </a:ext>
-            </a:extLst>
-          </p:cNvPr>
-          <p:cNvSpPr txBox="1">
-            <a:spLocks noChangeArrowheads="1"/>
-          </p:cNvSpPr>
-          <p:nvPr/>
-        </p:nvSpPr>
-        <p:spPr bwMode="auto">
-          <a:xfrm>
-            <a:off x="692352" y="5315346"/>
-            <a:ext cx="8133596" cy="424732"/>
-          </a:xfrm>
-          <a:prstGeom prst="rect">
-            <a:avLst/>
-          </a:prstGeom>
-          <a:noFill/>
-          <a:ln>
-            <a:noFill/>
-          </a:ln>
-          <a:effectLst/>
-          <a:extLst>
-            <a:ext uri="{909E8E84-426E-40dd-AFC4-6F175D3DCCD1}">
-              <a14:hiddenFill xmlns:a14="http://schemas.microsoft.com/office/drawing/2010/main" xmlns="">
-                <a:solidFill>
-                  <a:schemeClr val="accent1"/>
-                </a:solidFill>
-              </a14:hiddenFill>
-            </a:ext>
-            <a:ext uri="{91240B29-F687-4f45-9708-019B960494DF}">
-              <a14:hiddenLine xmlns:a14="http://schemas.microsoft.com/office/drawing/2010/main" xmlns="" w="9525">
-                <a:solidFill>
-                  <a:schemeClr val="tx1"/>
-                </a:solidFill>
-                <a:miter lim="800000"/>
-                <a:headEnd/>
-                <a:tailEnd/>
-              </a14:hiddenLine>
-            </a:ext>
-            <a:ext uri="{AF507438-7753-43e0-B8FC-AC1667EBCBE1}">
-              <a14:hiddenEffects xmlns:a14="http://schemas.microsoft.com/office/drawing/2010/main" xmlns="">
-                <a:effectLst>
-                  <a:outerShdw blurRad="63500" dist="38099" dir="2700000" algn="ctr" rotWithShape="0">
-                    <a:schemeClr val="bg2">
-                      <a:alpha val="74998"/>
-                    </a:schemeClr>
-                  </a:outerShdw>
-                </a:effectLst>
-              </a14:hiddenEffects>
-            </a:ext>
-          </a:extLst>
-        </p:spPr>
-        <p:txBody>
-          <a:bodyPr wrap="square">
-            <a:spAutoFit/>
-          </a:bodyPr>
-          <a:lstStyle/>
-          <a:p>
-            <a:r>
-              <a:rPr lang="en-US" sz="1200" b="0" dirty="0">
-                <a:latin typeface="+mn-lt"/>
-              </a:rPr>
-              <a:t>We will look at documentation approaches later, but I’m not necessarily a big fan of standard notations – more on that later.</a:t>
-            </a:r>
-          </a:p>
-        </p:txBody>
-      </p:sp>
-      <p:sp>
-        <p:nvSpPr>
-          <p:cNvPr id="7" name="TextBox 6">
-            <a:extLst>
-              <a:ext uri="{FF2B5EF4-FFF2-40B4-BE49-F238E27FC236}">
-                <a16:creationId xmlns:a16="http://schemas.microsoft.com/office/drawing/2014/main" id="{2F703695-FD55-8B49-BA47-2E32DD35C214}"/>
-              </a:ext>
-            </a:extLst>
-          </p:cNvPr>
-          <p:cNvSpPr txBox="1"/>
-          <p:nvPr/>
-        </p:nvSpPr>
-        <p:spPr>
-          <a:xfrm>
-            <a:off x="286636" y="4425669"/>
-            <a:ext cx="8689852" cy="646331"/>
-          </a:xfrm>
-          <a:prstGeom prst="rect">
-            <a:avLst/>
-          </a:prstGeom>
-          <a:noFill/>
-        </p:spPr>
-        <p:txBody>
-          <a:bodyPr wrap="square" rtlCol="0">
-            <a:spAutoFit/>
-          </a:bodyPr>
-          <a:lstStyle/>
-          <a:p>
-            <a:r>
-              <a:rPr lang="en-US" sz="2000" b="0" dirty="0">
-                <a:solidFill>
-                  <a:srgbClr val="7030A0"/>
-                </a:solidFill>
-                <a:latin typeface="+mn-lt"/>
-              </a:rPr>
-              <a:t>If you cant answer any/all of the above questions the impact of your architectural work will likely be sub-optimal</a:t>
+              <a:t>And such models can be derived from proven/established architecture patterns – more on this later</a:t>
             </a:r>
           </a:p>
         </p:txBody>
       </p:sp>
     </p:spTree>
-    <p:extLst>
-      <p:ext uri="{BB962C8B-B14F-4D97-AF65-F5344CB8AC3E}">
-        <p14:creationId xmlns:p14="http://schemas.microsoft.com/office/powerpoint/2010/main" val="1027723130"/>
-      </p:ext>
-    </p:extLst>
   </p:cSld>
   <p:clrMapOvr>
     <a:masterClrMapping/>
@@ -6337,6 +5775,876 @@
       </p:grpSpPr>
       <p:sp>
         <p:nvSpPr>
+          <p:cNvPr id="4" name="Slide Number Placeholder 4"/>
+          <p:cNvSpPr>
+            <a:spLocks noGrp="1"/>
+          </p:cNvSpPr>
+          <p:nvPr>
+            <p:ph type="sldNum" sz="quarter" idx="11"/>
+          </p:nvPr>
+        </p:nvSpPr>
+        <p:spPr/>
+        <p:txBody>
+          <a:bodyPr/>
+          <a:lstStyle/>
+          <a:p>
+            <a:fld id="{F88CF279-776B-2942-B25A-D384D52A01EB}" type="slidenum">
+              <a:rPr lang="en-US"/>
+              <a:pPr/>
+              <a:t>15</a:t>
+            </a:fld>
+            <a:endParaRPr lang="en-US"/>
+          </a:p>
+        </p:txBody>
+      </p:sp>
+      <p:sp>
+        <p:nvSpPr>
+          <p:cNvPr id="472066" name="Rectangle 2"/>
+          <p:cNvSpPr>
+            <a:spLocks noGrp="1" noChangeArrowheads="1"/>
+          </p:cNvSpPr>
+          <p:nvPr>
+            <p:ph type="title"/>
+          </p:nvPr>
+        </p:nvSpPr>
+        <p:spPr/>
+        <p:txBody>
+          <a:bodyPr/>
+          <a:lstStyle/>
+          <a:p>
+            <a:r>
+              <a:rPr lang="en-US" dirty="0"/>
+              <a:t>Architecture Abstractions</a:t>
+            </a:r>
+          </a:p>
+        </p:txBody>
+      </p:sp>
+      <p:sp>
+        <p:nvSpPr>
+          <p:cNvPr id="472067" name="Rectangle 3" descr="Rectangle: Click to edit Master text styles&#10;Second level&#10;Third level&#10;Fourth level&#10;Fifth level"/>
+          <p:cNvSpPr>
+            <a:spLocks noGrp="1" noChangeArrowheads="1"/>
+          </p:cNvSpPr>
+          <p:nvPr>
+            <p:ph type="body" idx="1"/>
+          </p:nvPr>
+        </p:nvSpPr>
+        <p:spPr>
+          <a:xfrm>
+            <a:off x="1172171" y="1686499"/>
+            <a:ext cx="7740502" cy="1460125"/>
+          </a:xfrm>
+        </p:spPr>
+        <p:txBody>
+          <a:bodyPr/>
+          <a:lstStyle/>
+          <a:p>
+            <a:pPr>
+              <a:lnSpc>
+                <a:spcPct val="90000"/>
+              </a:lnSpc>
+            </a:pPr>
+            <a:r>
+              <a:rPr lang="en-US" sz="2000" dirty="0"/>
+              <a:t>Reference Architecture – focus is on the broad domain</a:t>
+            </a:r>
+          </a:p>
+          <a:p>
+            <a:pPr>
+              <a:lnSpc>
+                <a:spcPct val="90000"/>
+              </a:lnSpc>
+            </a:pPr>
+            <a:r>
+              <a:rPr lang="en-US" sz="2000" dirty="0"/>
+              <a:t>Solution Architecture – focus on the solution space</a:t>
+            </a:r>
+          </a:p>
+          <a:p>
+            <a:pPr>
+              <a:lnSpc>
+                <a:spcPct val="90000"/>
+              </a:lnSpc>
+            </a:pPr>
+            <a:r>
+              <a:rPr lang="en-US" sz="2000" dirty="0"/>
+              <a:t>Software Architecture – focus on the key technical abstractions</a:t>
+            </a:r>
+          </a:p>
+        </p:txBody>
+      </p:sp>
+      <p:sp>
+        <p:nvSpPr>
+          <p:cNvPr id="5" name="Text Box 4">
+            <a:extLst>
+              <a:ext uri="{FF2B5EF4-FFF2-40B4-BE49-F238E27FC236}">
+                <a16:creationId xmlns:a16="http://schemas.microsoft.com/office/drawing/2014/main" id="{95DA0ABB-C6B6-4049-9F7B-A103E1275695}"/>
+              </a:ext>
+            </a:extLst>
+          </p:cNvPr>
+          <p:cNvSpPr txBox="1">
+            <a:spLocks noChangeArrowheads="1"/>
+          </p:cNvSpPr>
+          <p:nvPr/>
+        </p:nvSpPr>
+        <p:spPr bwMode="auto">
+          <a:xfrm>
+            <a:off x="911475" y="840593"/>
+            <a:ext cx="6908800" cy="757130"/>
+          </a:xfrm>
+          <a:prstGeom prst="rect">
+            <a:avLst/>
+          </a:prstGeom>
+          <a:noFill/>
+          <a:ln>
+            <a:noFill/>
+          </a:ln>
+          <a:effectLst/>
+          <a:extLst>
+            <a:ext uri="{909E8E84-426E-40dd-AFC4-6F175D3DCCD1}">
+              <a14:hiddenFill xmlns:a14="http://schemas.microsoft.com/office/drawing/2010/main" xmlns="">
+                <a:solidFill>
+                  <a:schemeClr val="accent1"/>
+                </a:solidFill>
+              </a14:hiddenFill>
+            </a:ext>
+            <a:ext uri="{91240B29-F687-4f45-9708-019B960494DF}">
+              <a14:hiddenLine xmlns:a14="http://schemas.microsoft.com/office/drawing/2010/main" xmlns="" w="9525">
+                <a:solidFill>
+                  <a:schemeClr val="tx1"/>
+                </a:solidFill>
+                <a:miter lim="800000"/>
+                <a:headEnd/>
+                <a:tailEnd/>
+              </a14:hiddenLine>
+            </a:ext>
+            <a:ext uri="{AF507438-7753-43e0-B8FC-AC1667EBCBE1}">
+              <a14:hiddenEffects xmlns:a14="http://schemas.microsoft.com/office/drawing/2010/main" xmlns="">
+                <a:effectLst>
+                  <a:outerShdw blurRad="63500" dist="38099" dir="2700000" algn="ctr" rotWithShape="0">
+                    <a:schemeClr val="bg2">
+                      <a:alpha val="74998"/>
+                    </a:schemeClr>
+                  </a:outerShdw>
+                </a:effectLst>
+              </a14:hiddenEffects>
+            </a:ext>
+          </a:extLst>
+        </p:spPr>
+        <p:txBody>
+          <a:bodyPr wrap="square">
+            <a:spAutoFit/>
+          </a:bodyPr>
+          <a:lstStyle/>
+          <a:p>
+            <a:r>
+              <a:rPr lang="en-US" sz="2400" b="0" dirty="0">
+                <a:latin typeface="+mn-lt"/>
+              </a:rPr>
+              <a:t>There are different techniques to perform software architecture analysis…</a:t>
+            </a:r>
+          </a:p>
+        </p:txBody>
+      </p:sp>
+      <p:sp>
+        <p:nvSpPr>
+          <p:cNvPr id="7" name="Text Box 4">
+            <a:extLst>
+              <a:ext uri="{FF2B5EF4-FFF2-40B4-BE49-F238E27FC236}">
+                <a16:creationId xmlns:a16="http://schemas.microsoft.com/office/drawing/2014/main" id="{132028DC-10C3-E64C-9133-526AB05B06D1}"/>
+              </a:ext>
+            </a:extLst>
+          </p:cNvPr>
+          <p:cNvSpPr txBox="1">
+            <a:spLocks noChangeArrowheads="1"/>
+          </p:cNvSpPr>
+          <p:nvPr/>
+        </p:nvSpPr>
+        <p:spPr bwMode="auto">
+          <a:xfrm>
+            <a:off x="911475" y="3035559"/>
+            <a:ext cx="6908800" cy="757130"/>
+          </a:xfrm>
+          <a:prstGeom prst="rect">
+            <a:avLst/>
+          </a:prstGeom>
+          <a:noFill/>
+          <a:ln>
+            <a:noFill/>
+          </a:ln>
+          <a:effectLst/>
+          <a:extLst>
+            <a:ext uri="{909E8E84-426E-40dd-AFC4-6F175D3DCCD1}">
+              <a14:hiddenFill xmlns:a14="http://schemas.microsoft.com/office/drawing/2010/main" xmlns="">
+                <a:solidFill>
+                  <a:schemeClr val="accent1"/>
+                </a:solidFill>
+              </a14:hiddenFill>
+            </a:ext>
+            <a:ext uri="{91240B29-F687-4f45-9708-019B960494DF}">
+              <a14:hiddenLine xmlns:a14="http://schemas.microsoft.com/office/drawing/2010/main" xmlns="" w="9525">
+                <a:solidFill>
+                  <a:schemeClr val="tx1"/>
+                </a:solidFill>
+                <a:miter lim="800000"/>
+                <a:headEnd/>
+                <a:tailEnd/>
+              </a14:hiddenLine>
+            </a:ext>
+            <a:ext uri="{AF507438-7753-43e0-B8FC-AC1667EBCBE1}">
+              <a14:hiddenEffects xmlns:a14="http://schemas.microsoft.com/office/drawing/2010/main" xmlns="">
+                <a:effectLst>
+                  <a:outerShdw blurRad="63500" dist="38099" dir="2700000" algn="ctr" rotWithShape="0">
+                    <a:schemeClr val="bg2">
+                      <a:alpha val="74998"/>
+                    </a:schemeClr>
+                  </a:outerShdw>
+                </a:effectLst>
+              </a14:hiddenEffects>
+            </a:ext>
+          </a:extLst>
+        </p:spPr>
+        <p:txBody>
+          <a:bodyPr wrap="square">
+            <a:spAutoFit/>
+          </a:bodyPr>
+          <a:lstStyle/>
+          <a:p>
+            <a:r>
+              <a:rPr lang="en-US" sz="2400" b="0" dirty="0">
+                <a:latin typeface="+mn-lt"/>
+              </a:rPr>
+              <a:t>As well as a diversity of use cases where this information can be useful…</a:t>
+            </a:r>
+          </a:p>
+        </p:txBody>
+      </p:sp>
+      <p:sp>
+        <p:nvSpPr>
+          <p:cNvPr id="8" name="Rectangle 3" descr="Rectangle: Click to edit Master text styles&#10;Second level&#10;Third level&#10;Fourth level&#10;Fifth level">
+            <a:extLst>
+              <a:ext uri="{FF2B5EF4-FFF2-40B4-BE49-F238E27FC236}">
+                <a16:creationId xmlns:a16="http://schemas.microsoft.com/office/drawing/2014/main" id="{43639BF5-67E9-C44E-9322-F1B0BB6B5D2B}"/>
+              </a:ext>
+            </a:extLst>
+          </p:cNvPr>
+          <p:cNvSpPr txBox="1">
+            <a:spLocks noChangeArrowheads="1"/>
+          </p:cNvSpPr>
+          <p:nvPr/>
+        </p:nvSpPr>
+        <p:spPr bwMode="auto">
+          <a:xfrm>
+            <a:off x="1473236" y="3716474"/>
+            <a:ext cx="6908800" cy="1460125"/>
+          </a:xfrm>
+          <a:prstGeom prst="rect">
+            <a:avLst/>
+          </a:prstGeom>
+          <a:noFill/>
+          <a:ln>
+            <a:noFill/>
+          </a:ln>
+          <a:extLst>
+            <a:ext uri="{909E8E84-426E-40dd-AFC4-6F175D3DCCD1}">
+              <a14:hiddenFill xmlns:a14="http://schemas.microsoft.com/office/drawing/2010/main" xmlns="">
+                <a:solidFill>
+                  <a:srgbClr val="FFFFFF"/>
+                </a:solidFill>
+              </a14:hiddenFill>
+            </a:ext>
+            <a:ext uri="{91240B29-F687-4f45-9708-019B960494DF}">
+              <a14:hiddenLine xmlns:a14="http://schemas.microsoft.com/office/drawing/2010/main" xmlns="" w="9525">
+                <a:solidFill>
+                  <a:srgbClr val="000000"/>
+                </a:solidFill>
+                <a:miter lim="800000"/>
+                <a:headEnd/>
+                <a:tailEnd/>
+              </a14:hiddenLine>
+            </a:ext>
+          </a:extLst>
+        </p:spPr>
+        <p:txBody>
+          <a:bodyPr vert="horz" wrap="square" lIns="91440" tIns="45720" rIns="91440" bIns="45720" numCol="1" anchor="t" anchorCtr="0" compatLnSpc="1">
+            <a:prstTxWarp prst="textNoShape">
+              <a:avLst/>
+            </a:prstTxWarp>
+          </a:bodyPr>
+          <a:lstStyle>
+            <a:lvl1pPr marL="342900" indent="-342900" algn="l" rtl="0" eaLnBrk="0" fontAlgn="base" hangingPunct="0">
+              <a:spcBef>
+                <a:spcPct val="20000"/>
+              </a:spcBef>
+              <a:spcAft>
+                <a:spcPct val="0"/>
+              </a:spcAft>
+              <a:buFont typeface="Arial" charset="0"/>
+              <a:buChar char="•"/>
+              <a:defRPr sz="2400" kern="1200">
+                <a:solidFill>
+                  <a:schemeClr val="tx1"/>
+                </a:solidFill>
+                <a:latin typeface="+mn-lt"/>
+                <a:ea typeface="+mn-ea"/>
+                <a:cs typeface="+mn-cs"/>
+              </a:defRPr>
+            </a:lvl1pPr>
+            <a:lvl2pPr marL="742950" indent="-285750" algn="l" rtl="0" eaLnBrk="0" fontAlgn="base" hangingPunct="0">
+              <a:spcBef>
+                <a:spcPct val="20000"/>
+              </a:spcBef>
+              <a:spcAft>
+                <a:spcPct val="0"/>
+              </a:spcAft>
+              <a:buFont typeface="Arial" charset="0"/>
+              <a:buChar char="–"/>
+              <a:defRPr sz="2000" kern="1200">
+                <a:solidFill>
+                  <a:schemeClr val="tx1"/>
+                </a:solidFill>
+                <a:latin typeface="+mn-lt"/>
+                <a:ea typeface="+mn-ea"/>
+                <a:cs typeface="+mn-cs"/>
+              </a:defRPr>
+            </a:lvl2pPr>
+            <a:lvl3pPr marL="1143000" indent="-228600" algn="l" rtl="0" eaLnBrk="0" fontAlgn="base" hangingPunct="0">
+              <a:spcBef>
+                <a:spcPct val="20000"/>
+              </a:spcBef>
+              <a:spcAft>
+                <a:spcPct val="0"/>
+              </a:spcAft>
+              <a:buFont typeface="Arial" charset="0"/>
+              <a:buChar char="•"/>
+              <a:defRPr sz="1600" kern="1200">
+                <a:solidFill>
+                  <a:schemeClr val="tx1"/>
+                </a:solidFill>
+                <a:latin typeface="+mn-lt"/>
+                <a:ea typeface="+mn-ea"/>
+                <a:cs typeface="+mn-cs"/>
+              </a:defRPr>
+            </a:lvl3pPr>
+            <a:lvl4pPr marL="1600200" indent="-228600" algn="l" rtl="0" eaLnBrk="0" fontAlgn="base" hangingPunct="0">
+              <a:spcBef>
+                <a:spcPct val="20000"/>
+              </a:spcBef>
+              <a:spcAft>
+                <a:spcPct val="0"/>
+              </a:spcAft>
+              <a:buFont typeface="Arial" charset="0"/>
+              <a:buChar char="–"/>
+              <a:defRPr sz="1400" kern="1200">
+                <a:solidFill>
+                  <a:schemeClr val="tx1"/>
+                </a:solidFill>
+                <a:latin typeface="+mn-lt"/>
+                <a:ea typeface="+mn-ea"/>
+                <a:cs typeface="+mn-cs"/>
+              </a:defRPr>
+            </a:lvl4pPr>
+            <a:lvl5pPr marL="2057400" indent="-228600" algn="l" rtl="0" eaLnBrk="0" fontAlgn="base" hangingPunct="0">
+              <a:spcBef>
+                <a:spcPct val="20000"/>
+              </a:spcBef>
+              <a:spcAft>
+                <a:spcPct val="0"/>
+              </a:spcAft>
+              <a:buFont typeface="Arial" charset="0"/>
+              <a:buChar char="»"/>
+              <a:defRPr sz="1400" kern="1200">
+                <a:solidFill>
+                  <a:schemeClr val="tx1"/>
+                </a:solidFill>
+                <a:latin typeface="+mn-lt"/>
+                <a:ea typeface="+mn-ea"/>
+                <a:cs typeface="+mn-cs"/>
+              </a:defRPr>
+            </a:lvl5pPr>
+            <a:lvl6pPr marL="2514600" indent="-228600" algn="l" defTabSz="914400" rtl="0" eaLnBrk="1" latinLnBrk="0" hangingPunct="1">
+              <a:spcBef>
+                <a:spcPct val="20000"/>
+              </a:spcBef>
+              <a:buFont typeface="Arial" panose="020B0604020202020204" pitchFamily="34" charset="0"/>
+              <a:buChar char="•"/>
+              <a:defRPr sz="2000" kern="1200">
+                <a:solidFill>
+                  <a:schemeClr val="tx1"/>
+                </a:solidFill>
+                <a:latin typeface="+mn-lt"/>
+                <a:ea typeface="+mn-ea"/>
+                <a:cs typeface="+mn-cs"/>
+              </a:defRPr>
+            </a:lvl6pPr>
+            <a:lvl7pPr marL="2971800" indent="-228600" algn="l" defTabSz="914400" rtl="0" eaLnBrk="1" latinLnBrk="0" hangingPunct="1">
+              <a:spcBef>
+                <a:spcPct val="20000"/>
+              </a:spcBef>
+              <a:buFont typeface="Arial" panose="020B0604020202020204" pitchFamily="34" charset="0"/>
+              <a:buChar char="•"/>
+              <a:defRPr sz="2000" kern="1200">
+                <a:solidFill>
+                  <a:schemeClr val="tx1"/>
+                </a:solidFill>
+                <a:latin typeface="+mn-lt"/>
+                <a:ea typeface="+mn-ea"/>
+                <a:cs typeface="+mn-cs"/>
+              </a:defRPr>
+            </a:lvl7pPr>
+            <a:lvl8pPr marL="3429000" indent="-228600" algn="l" defTabSz="914400" rtl="0" eaLnBrk="1" latinLnBrk="0" hangingPunct="1">
+              <a:spcBef>
+                <a:spcPct val="20000"/>
+              </a:spcBef>
+              <a:buFont typeface="Arial" panose="020B0604020202020204" pitchFamily="34" charset="0"/>
+              <a:buChar char="•"/>
+              <a:defRPr sz="2000" kern="1200">
+                <a:solidFill>
+                  <a:schemeClr val="tx1"/>
+                </a:solidFill>
+                <a:latin typeface="+mn-lt"/>
+                <a:ea typeface="+mn-ea"/>
+                <a:cs typeface="+mn-cs"/>
+              </a:defRPr>
+            </a:lvl8pPr>
+            <a:lvl9pPr marL="3886200" indent="-228600" algn="l" defTabSz="914400" rtl="0" eaLnBrk="1" latinLnBrk="0" hangingPunct="1">
+              <a:spcBef>
+                <a:spcPct val="20000"/>
+              </a:spcBef>
+              <a:buFont typeface="Arial" panose="020B0604020202020204" pitchFamily="34" charset="0"/>
+              <a:buChar char="•"/>
+              <a:defRPr sz="2000" kern="1200">
+                <a:solidFill>
+                  <a:schemeClr val="tx1"/>
+                </a:solidFill>
+                <a:latin typeface="+mn-lt"/>
+                <a:ea typeface="+mn-ea"/>
+                <a:cs typeface="+mn-cs"/>
+              </a:defRPr>
+            </a:lvl9pPr>
+          </a:lstStyle>
+          <a:p>
+            <a:pPr>
+              <a:lnSpc>
+                <a:spcPct val="90000"/>
+              </a:lnSpc>
+            </a:pPr>
+            <a:r>
+              <a:rPr lang="en-US" sz="2000" b="0" dirty="0"/>
+              <a:t>New product definition</a:t>
+            </a:r>
+          </a:p>
+          <a:p>
+            <a:pPr>
+              <a:lnSpc>
+                <a:spcPct val="90000"/>
+              </a:lnSpc>
+            </a:pPr>
+            <a:r>
+              <a:rPr lang="en-US" sz="2000" b="0" dirty="0"/>
+              <a:t>Monitoring design quality (trends)</a:t>
+            </a:r>
+          </a:p>
+          <a:p>
+            <a:pPr>
+              <a:lnSpc>
+                <a:spcPct val="90000"/>
+              </a:lnSpc>
+            </a:pPr>
+            <a:r>
+              <a:rPr lang="en-US" sz="2000" b="0" dirty="0"/>
+              <a:t>Redocumenting and/or extending the lifespan of existing systems</a:t>
+            </a:r>
+          </a:p>
+        </p:txBody>
+      </p:sp>
+      <p:sp>
+        <p:nvSpPr>
+          <p:cNvPr id="2" name="TextBox 1">
+            <a:extLst>
+              <a:ext uri="{FF2B5EF4-FFF2-40B4-BE49-F238E27FC236}">
+                <a16:creationId xmlns:a16="http://schemas.microsoft.com/office/drawing/2014/main" id="{3059346F-2BE2-D044-9D6A-89F54CCE7F7F}"/>
+              </a:ext>
+            </a:extLst>
+          </p:cNvPr>
+          <p:cNvSpPr txBox="1"/>
+          <p:nvPr/>
+        </p:nvSpPr>
+        <p:spPr>
+          <a:xfrm>
+            <a:off x="227074" y="5141749"/>
+            <a:ext cx="8689852" cy="646331"/>
+          </a:xfrm>
+          <a:prstGeom prst="rect">
+            <a:avLst/>
+          </a:prstGeom>
+          <a:noFill/>
+        </p:spPr>
+        <p:txBody>
+          <a:bodyPr wrap="square" rtlCol="0">
+            <a:spAutoFit/>
+          </a:bodyPr>
+          <a:lstStyle/>
+          <a:p>
+            <a:r>
+              <a:rPr lang="en-US" sz="2000" b="0" dirty="0">
+                <a:solidFill>
+                  <a:srgbClr val="7030A0"/>
+                </a:solidFill>
+                <a:latin typeface="+mn-lt"/>
+              </a:rPr>
+              <a:t>The “art” of architecture is to pick the correct abstractions based on the desired objectives or outcomes</a:t>
+            </a:r>
+          </a:p>
+        </p:txBody>
+      </p:sp>
+    </p:spTree>
+  </p:cSld>
+  <p:clrMapOvr>
+    <a:masterClrMapping/>
+  </p:clrMapOvr>
+</p:sld>
+</file>
+
+<file path=ppt/slides/slide16.xml><?xml version="1.0" encoding="utf-8"?>
+<p:sld xmlns:a="http://schemas.openxmlformats.org/drawingml/2006/main" xmlns:r="http://schemas.openxmlformats.org/officeDocument/2006/relationships" xmlns:p="http://schemas.openxmlformats.org/presentationml/2006/main">
+  <p:cSld>
+    <p:spTree>
+      <p:nvGrpSpPr>
+        <p:cNvPr id="1" name=""/>
+        <p:cNvGrpSpPr/>
+        <p:nvPr/>
+      </p:nvGrpSpPr>
+      <p:grpSpPr>
+        <a:xfrm>
+          <a:off x="0" y="0"/>
+          <a:ext cx="0" cy="0"/>
+          <a:chOff x="0" y="0"/>
+          <a:chExt cx="0" cy="0"/>
+        </a:xfrm>
+      </p:grpSpPr>
+      <p:sp>
+        <p:nvSpPr>
+          <p:cNvPr id="4" name="Slide Number Placeholder 4"/>
+          <p:cNvSpPr>
+            <a:spLocks noGrp="1"/>
+          </p:cNvSpPr>
+          <p:nvPr>
+            <p:ph type="sldNum" sz="quarter" idx="11"/>
+          </p:nvPr>
+        </p:nvSpPr>
+        <p:spPr/>
+        <p:txBody>
+          <a:bodyPr/>
+          <a:lstStyle/>
+          <a:p>
+            <a:fld id="{F88CF279-776B-2942-B25A-D384D52A01EB}" type="slidenum">
+              <a:rPr lang="en-US" b="0">
+                <a:latin typeface="+mn-lt"/>
+              </a:rPr>
+              <a:pPr/>
+              <a:t>16</a:t>
+            </a:fld>
+            <a:endParaRPr lang="en-US" b="0">
+              <a:latin typeface="+mn-lt"/>
+            </a:endParaRPr>
+          </a:p>
+        </p:txBody>
+      </p:sp>
+      <p:sp>
+        <p:nvSpPr>
+          <p:cNvPr id="472066" name="Rectangle 2"/>
+          <p:cNvSpPr>
+            <a:spLocks noGrp="1" noChangeArrowheads="1"/>
+          </p:cNvSpPr>
+          <p:nvPr>
+            <p:ph type="title"/>
+          </p:nvPr>
+        </p:nvSpPr>
+        <p:spPr/>
+        <p:txBody>
+          <a:bodyPr/>
+          <a:lstStyle/>
+          <a:p>
+            <a:r>
+              <a:rPr lang="en-US" dirty="0"/>
+              <a:t>Architecture Framing</a:t>
+            </a:r>
+          </a:p>
+        </p:txBody>
+      </p:sp>
+      <p:sp>
+        <p:nvSpPr>
+          <p:cNvPr id="472067" name="Rectangle 3" descr="Rectangle: Click to edit Master text styles&#10;Second level&#10;Third level&#10;Fourth level&#10;Fifth level"/>
+          <p:cNvSpPr>
+            <a:spLocks noGrp="1" noChangeArrowheads="1"/>
+          </p:cNvSpPr>
+          <p:nvPr>
+            <p:ph type="body" idx="1"/>
+          </p:nvPr>
+        </p:nvSpPr>
+        <p:spPr>
+          <a:xfrm>
+            <a:off x="938255" y="2113809"/>
+            <a:ext cx="7386614" cy="1460125"/>
+          </a:xfrm>
+        </p:spPr>
+        <p:txBody>
+          <a:bodyPr/>
+          <a:lstStyle/>
+          <a:p>
+            <a:pPr>
+              <a:lnSpc>
+                <a:spcPct val="90000"/>
+              </a:lnSpc>
+            </a:pPr>
+            <a:r>
+              <a:rPr lang="en-US" sz="2000" dirty="0"/>
+              <a:t>Who is the constituent – aka, who am I trying to talk to or influence</a:t>
+            </a:r>
+          </a:p>
+          <a:p>
+            <a:pPr>
+              <a:lnSpc>
+                <a:spcPct val="90000"/>
+              </a:lnSpc>
+            </a:pPr>
+            <a:r>
+              <a:rPr lang="en-US" sz="2000" dirty="0"/>
+              <a:t>What do I want them to understand – aka, why am I talking about architecture</a:t>
+            </a:r>
+          </a:p>
+          <a:p>
+            <a:pPr>
+              <a:lnSpc>
+                <a:spcPct val="90000"/>
+              </a:lnSpc>
+            </a:pPr>
+            <a:r>
+              <a:rPr lang="en-US" sz="2000" dirty="0"/>
+              <a:t>What are the benefits, constraints, or tradeoffs associated with the architecture I am describing</a:t>
+            </a:r>
+          </a:p>
+        </p:txBody>
+      </p:sp>
+      <p:sp>
+        <p:nvSpPr>
+          <p:cNvPr id="5" name="Text Box 4">
+            <a:extLst>
+              <a:ext uri="{FF2B5EF4-FFF2-40B4-BE49-F238E27FC236}">
+                <a16:creationId xmlns:a16="http://schemas.microsoft.com/office/drawing/2014/main" id="{95DA0ABB-C6B6-4049-9F7B-A103E1275695}"/>
+              </a:ext>
+            </a:extLst>
+          </p:cNvPr>
+          <p:cNvSpPr txBox="1">
+            <a:spLocks noChangeArrowheads="1"/>
+          </p:cNvSpPr>
+          <p:nvPr/>
+        </p:nvSpPr>
+        <p:spPr bwMode="auto">
+          <a:xfrm>
+            <a:off x="457200" y="955583"/>
+            <a:ext cx="8229600" cy="757130"/>
+          </a:xfrm>
+          <a:prstGeom prst="rect">
+            <a:avLst/>
+          </a:prstGeom>
+          <a:noFill/>
+          <a:ln>
+            <a:noFill/>
+          </a:ln>
+          <a:effectLst/>
+          <a:extLst>
+            <a:ext uri="{909E8E84-426E-40dd-AFC4-6F175D3DCCD1}">
+              <a14:hiddenFill xmlns:a14="http://schemas.microsoft.com/office/drawing/2010/main" xmlns="">
+                <a:solidFill>
+                  <a:schemeClr val="accent1"/>
+                </a:solidFill>
+              </a14:hiddenFill>
+            </a:ext>
+            <a:ext uri="{91240B29-F687-4f45-9708-019B960494DF}">
+              <a14:hiddenLine xmlns:a14="http://schemas.microsoft.com/office/drawing/2010/main" xmlns="" w="9525">
+                <a:solidFill>
+                  <a:schemeClr val="tx1"/>
+                </a:solidFill>
+                <a:miter lim="800000"/>
+                <a:headEnd/>
+                <a:tailEnd/>
+              </a14:hiddenLine>
+            </a:ext>
+            <a:ext uri="{AF507438-7753-43e0-B8FC-AC1667EBCBE1}">
+              <a14:hiddenEffects xmlns:a14="http://schemas.microsoft.com/office/drawing/2010/main" xmlns="">
+                <a:effectLst>
+                  <a:outerShdw blurRad="63500" dist="38099" dir="2700000" algn="ctr" rotWithShape="0">
+                    <a:schemeClr val="bg2">
+                      <a:alpha val="74998"/>
+                    </a:schemeClr>
+                  </a:outerShdw>
+                </a:effectLst>
+              </a14:hiddenEffects>
+            </a:ext>
+          </a:extLst>
+        </p:spPr>
+        <p:txBody>
+          <a:bodyPr wrap="square">
+            <a:spAutoFit/>
+          </a:bodyPr>
+          <a:lstStyle/>
+          <a:p>
+            <a:r>
+              <a:rPr lang="en-US" sz="2400" b="0" dirty="0">
+                <a:latin typeface="+mn-lt"/>
+              </a:rPr>
+              <a:t>When thinking about a reference-, solution-, or software architecture focus on:</a:t>
+            </a:r>
+          </a:p>
+        </p:txBody>
+      </p:sp>
+      <p:sp>
+        <p:nvSpPr>
+          <p:cNvPr id="8" name="Text Box 4">
+            <a:extLst>
+              <a:ext uri="{FF2B5EF4-FFF2-40B4-BE49-F238E27FC236}">
+                <a16:creationId xmlns:a16="http://schemas.microsoft.com/office/drawing/2014/main" id="{28CDD91C-76C1-4C4F-8D91-E056039F91BC}"/>
+              </a:ext>
+            </a:extLst>
+          </p:cNvPr>
+          <p:cNvSpPr txBox="1">
+            <a:spLocks noChangeArrowheads="1"/>
+          </p:cNvSpPr>
+          <p:nvPr/>
+        </p:nvSpPr>
+        <p:spPr bwMode="auto">
+          <a:xfrm>
+            <a:off x="692352" y="5315346"/>
+            <a:ext cx="8133596" cy="424732"/>
+          </a:xfrm>
+          <a:prstGeom prst="rect">
+            <a:avLst/>
+          </a:prstGeom>
+          <a:noFill/>
+          <a:ln>
+            <a:noFill/>
+          </a:ln>
+          <a:effectLst/>
+          <a:extLst>
+            <a:ext uri="{909E8E84-426E-40dd-AFC4-6F175D3DCCD1}">
+              <a14:hiddenFill xmlns:a14="http://schemas.microsoft.com/office/drawing/2010/main" xmlns="">
+                <a:solidFill>
+                  <a:schemeClr val="accent1"/>
+                </a:solidFill>
+              </a14:hiddenFill>
+            </a:ext>
+            <a:ext uri="{91240B29-F687-4f45-9708-019B960494DF}">
+              <a14:hiddenLine xmlns:a14="http://schemas.microsoft.com/office/drawing/2010/main" xmlns="" w="9525">
+                <a:solidFill>
+                  <a:schemeClr val="tx1"/>
+                </a:solidFill>
+                <a:miter lim="800000"/>
+                <a:headEnd/>
+                <a:tailEnd/>
+              </a14:hiddenLine>
+            </a:ext>
+            <a:ext uri="{AF507438-7753-43e0-B8FC-AC1667EBCBE1}">
+              <a14:hiddenEffects xmlns:a14="http://schemas.microsoft.com/office/drawing/2010/main" xmlns="">
+                <a:effectLst>
+                  <a:outerShdw blurRad="63500" dist="38099" dir="2700000" algn="ctr" rotWithShape="0">
+                    <a:schemeClr val="bg2">
+                      <a:alpha val="74998"/>
+                    </a:schemeClr>
+                  </a:outerShdw>
+                </a:effectLst>
+              </a14:hiddenEffects>
+            </a:ext>
+          </a:extLst>
+        </p:spPr>
+        <p:txBody>
+          <a:bodyPr wrap="square">
+            <a:spAutoFit/>
+          </a:bodyPr>
+          <a:lstStyle/>
+          <a:p>
+            <a:r>
+              <a:rPr lang="en-US" sz="1200" b="0" dirty="0">
+                <a:latin typeface="+mn-lt"/>
+              </a:rPr>
+              <a:t>We will look at documentation approaches later, but I’m not necessarily a big fan of standard notations – more on that later.</a:t>
+            </a:r>
+          </a:p>
+        </p:txBody>
+      </p:sp>
+      <p:sp>
+        <p:nvSpPr>
+          <p:cNvPr id="7" name="TextBox 6">
+            <a:extLst>
+              <a:ext uri="{FF2B5EF4-FFF2-40B4-BE49-F238E27FC236}">
+                <a16:creationId xmlns:a16="http://schemas.microsoft.com/office/drawing/2014/main" id="{2F703695-FD55-8B49-BA47-2E32DD35C214}"/>
+              </a:ext>
+            </a:extLst>
+          </p:cNvPr>
+          <p:cNvSpPr txBox="1"/>
+          <p:nvPr/>
+        </p:nvSpPr>
+        <p:spPr>
+          <a:xfrm>
+            <a:off x="286636" y="4425669"/>
+            <a:ext cx="8689852" cy="646331"/>
+          </a:xfrm>
+          <a:prstGeom prst="rect">
+            <a:avLst/>
+          </a:prstGeom>
+          <a:noFill/>
+        </p:spPr>
+        <p:txBody>
+          <a:bodyPr wrap="square" rtlCol="0">
+            <a:spAutoFit/>
+          </a:bodyPr>
+          <a:lstStyle/>
+          <a:p>
+            <a:r>
+              <a:rPr lang="en-US" sz="2000" b="0" dirty="0">
+                <a:solidFill>
+                  <a:srgbClr val="7030A0"/>
+                </a:solidFill>
+                <a:latin typeface="+mn-lt"/>
+              </a:rPr>
+              <a:t>If you cant answer any/all of the above questions the impact of your architectural work will likely be sub-optimal</a:t>
+            </a:r>
+          </a:p>
+        </p:txBody>
+      </p:sp>
+    </p:spTree>
+    <p:extLst>
+      <p:ext uri="{BB962C8B-B14F-4D97-AF65-F5344CB8AC3E}">
+        <p14:creationId xmlns:p14="http://schemas.microsoft.com/office/powerpoint/2010/main" val="1027723130"/>
+      </p:ext>
+    </p:extLst>
+  </p:cSld>
+  <p:clrMapOvr>
+    <a:masterClrMapping/>
+  </p:clrMapOvr>
+</p:sld>
+</file>
+
+<file path=ppt/slides/slide17.xml><?xml version="1.0" encoding="utf-8"?>
+<p:sld xmlns:a="http://schemas.openxmlformats.org/drawingml/2006/main" xmlns:r="http://schemas.openxmlformats.org/officeDocument/2006/relationships" xmlns:p="http://schemas.openxmlformats.org/presentationml/2006/main">
+  <p:cSld>
+    <p:spTree>
+      <p:nvGrpSpPr>
+        <p:cNvPr id="1" name=""/>
+        <p:cNvGrpSpPr/>
+        <p:nvPr/>
+      </p:nvGrpSpPr>
+      <p:grpSpPr>
+        <a:xfrm>
+          <a:off x="0" y="0"/>
+          <a:ext cx="0" cy="0"/>
+          <a:chOff x="0" y="0"/>
+          <a:chExt cx="0" cy="0"/>
+        </a:xfrm>
+      </p:grpSpPr>
+      <p:sp>
+        <p:nvSpPr>
           <p:cNvPr id="2" name="Title 1"/>
           <p:cNvSpPr>
             <a:spLocks noGrp="1"/>
@@ -6408,7 +6716,7 @@
               <a:pPr>
                 <a:defRPr/>
               </a:pPr>
-              <a:t>15</a:t>
+              <a:t>17</a:t>
             </a:fld>
             <a:endParaRPr lang="en-US" altLang="en-US">
               <a:solidFill>
@@ -6463,7 +6771,7 @@
 </p:sld>
 </file>
 
-<file path=ppt/slides/slide16.xml><?xml version="1.0" encoding="utf-8"?>
+<file path=ppt/slides/slide18.xml><?xml version="1.0" encoding="utf-8"?>
 <p:sld xmlns:a="http://schemas.openxmlformats.org/drawingml/2006/main" xmlns:r="http://schemas.openxmlformats.org/officeDocument/2006/relationships" xmlns:p="http://schemas.openxmlformats.org/presentationml/2006/main">
   <p:cSld>
     <p:spTree>
@@ -6544,7 +6852,7 @@
               <a:pPr>
                 <a:defRPr/>
               </a:pPr>
-              <a:t>16</a:t>
+              <a:t>18</a:t>
             </a:fld>
             <a:endParaRPr lang="en-US" altLang="en-US">
               <a:solidFill>
@@ -6599,393 +6907,6 @@
 </p:sld>
 </file>
 
-<file path=ppt/slides/slide17.xml><?xml version="1.0" encoding="utf-8"?>
-<p:sld xmlns:a="http://schemas.openxmlformats.org/drawingml/2006/main" xmlns:r="http://schemas.openxmlformats.org/officeDocument/2006/relationships" xmlns:p="http://schemas.openxmlformats.org/presentationml/2006/main">
-  <p:cSld>
-    <p:spTree>
-      <p:nvGrpSpPr>
-        <p:cNvPr id="1" name=""/>
-        <p:cNvGrpSpPr/>
-        <p:nvPr/>
-      </p:nvGrpSpPr>
-      <p:grpSpPr>
-        <a:xfrm>
-          <a:off x="0" y="0"/>
-          <a:ext cx="0" cy="0"/>
-          <a:chOff x="0" y="0"/>
-          <a:chExt cx="0" cy="0"/>
-        </a:xfrm>
-      </p:grpSpPr>
-      <p:sp>
-        <p:nvSpPr>
-          <p:cNvPr id="2" name="Title 1"/>
-          <p:cNvSpPr>
-            <a:spLocks noGrp="1"/>
-          </p:cNvSpPr>
-          <p:nvPr>
-            <p:ph type="title"/>
-          </p:nvPr>
-        </p:nvSpPr>
-        <p:spPr/>
-        <p:txBody>
-          <a:bodyPr/>
-          <a:lstStyle/>
-          <a:p>
-            <a:r>
-              <a:rPr lang="en-US" dirty="0"/>
-              <a:t>Why Study Architecture?</a:t>
-            </a:r>
-          </a:p>
-        </p:txBody>
-      </p:sp>
-      <p:sp>
-        <p:nvSpPr>
-          <p:cNvPr id="3" name="Content Placeholder 2"/>
-          <p:cNvSpPr>
-            <a:spLocks noGrp="1"/>
-          </p:cNvSpPr>
-          <p:nvPr>
-            <p:ph idx="1"/>
-          </p:nvPr>
-        </p:nvSpPr>
-        <p:spPr>
-          <a:xfrm>
-            <a:off x="457200" y="992897"/>
-            <a:ext cx="8229600" cy="4433448"/>
-          </a:xfrm>
-        </p:spPr>
-        <p:txBody>
-          <a:bodyPr/>
-          <a:lstStyle/>
-          <a:p>
-            <a:pPr eaLnBrk="1" hangingPunct="1">
-              <a:lnSpc>
-                <a:spcPct val="90000"/>
-              </a:lnSpc>
-            </a:pPr>
-            <a:r>
-              <a:rPr lang="en-US" dirty="0"/>
-              <a:t>It is an integral aspect of structuring software so that it can be built, understood and maintained:</a:t>
-            </a:r>
-          </a:p>
-          <a:p>
-            <a:pPr lvl="1" eaLnBrk="1" hangingPunct="1">
-              <a:lnSpc>
-                <a:spcPct val="90000"/>
-              </a:lnSpc>
-            </a:pPr>
-            <a:r>
-              <a:rPr lang="en-US" dirty="0"/>
-              <a:t>Client / Server</a:t>
-            </a:r>
-          </a:p>
-          <a:p>
-            <a:pPr lvl="1" eaLnBrk="1" hangingPunct="1">
-              <a:lnSpc>
-                <a:spcPct val="90000"/>
-              </a:lnSpc>
-            </a:pPr>
-            <a:r>
-              <a:rPr lang="en-US" dirty="0"/>
-              <a:t>Layered systems</a:t>
-            </a:r>
-          </a:p>
-          <a:p>
-            <a:pPr lvl="1" eaLnBrk="1" hangingPunct="1">
-              <a:lnSpc>
-                <a:spcPct val="90000"/>
-              </a:lnSpc>
-            </a:pPr>
-            <a:r>
-              <a:rPr lang="en-US" dirty="0"/>
-              <a:t>Cloud based systems</a:t>
-            </a:r>
-          </a:p>
-          <a:p>
-            <a:pPr lvl="1" eaLnBrk="1" hangingPunct="1">
-              <a:lnSpc>
-                <a:spcPct val="90000"/>
-              </a:lnSpc>
-            </a:pPr>
-            <a:r>
-              <a:rPr lang="en-US" dirty="0" err="1"/>
-              <a:t>etc</a:t>
-            </a:r>
-            <a:endParaRPr lang="en-US" dirty="0"/>
-          </a:p>
-          <a:p>
-            <a:pPr eaLnBrk="1" hangingPunct="1">
-              <a:lnSpc>
-                <a:spcPct val="80000"/>
-              </a:lnSpc>
-            </a:pPr>
-            <a:r>
-              <a:rPr lang="en-US" dirty="0"/>
-              <a:t>Architectural choices are critical in determining SW quality:</a:t>
-            </a:r>
-          </a:p>
-          <a:p>
-            <a:pPr lvl="1" eaLnBrk="1" hangingPunct="1">
-              <a:lnSpc>
-                <a:spcPct val="90000"/>
-              </a:lnSpc>
-            </a:pPr>
-            <a:r>
-              <a:rPr lang="en-US" dirty="0"/>
-              <a:t>Performance</a:t>
-            </a:r>
-          </a:p>
-          <a:p>
-            <a:pPr lvl="1" eaLnBrk="1" hangingPunct="1">
-              <a:lnSpc>
-                <a:spcPct val="90000"/>
-              </a:lnSpc>
-            </a:pPr>
-            <a:r>
-              <a:rPr lang="en-US" dirty="0"/>
-              <a:t>Scalability</a:t>
-            </a:r>
-          </a:p>
-          <a:p>
-            <a:pPr lvl="1" eaLnBrk="1" hangingPunct="1">
-              <a:lnSpc>
-                <a:spcPct val="90000"/>
-              </a:lnSpc>
-            </a:pPr>
-            <a:r>
-              <a:rPr lang="en-US" dirty="0"/>
-              <a:t>Reuse</a:t>
-            </a:r>
-          </a:p>
-          <a:p>
-            <a:pPr lvl="1" eaLnBrk="1" hangingPunct="1">
-              <a:lnSpc>
-                <a:spcPct val="90000"/>
-              </a:lnSpc>
-            </a:pPr>
-            <a:r>
-              <a:rPr lang="en-US" dirty="0"/>
-              <a:t>… and other non-functional properties</a:t>
-            </a:r>
-          </a:p>
-          <a:p>
-            <a:pPr lvl="1" eaLnBrk="1" hangingPunct="1">
-              <a:lnSpc>
-                <a:spcPct val="90000"/>
-              </a:lnSpc>
-            </a:pPr>
-            <a:endParaRPr lang="en-US" dirty="0"/>
-          </a:p>
-        </p:txBody>
-      </p:sp>
-      <p:sp>
-        <p:nvSpPr>
-          <p:cNvPr id="4" name="Slide Number Placeholder 3"/>
-          <p:cNvSpPr>
-            <a:spLocks noGrp="1"/>
-          </p:cNvSpPr>
-          <p:nvPr>
-            <p:ph type="sldNum" sz="quarter" idx="12"/>
-          </p:nvPr>
-        </p:nvSpPr>
-        <p:spPr/>
-        <p:txBody>
-          <a:bodyPr/>
-          <a:lstStyle/>
-          <a:p>
-            <a:pPr>
-              <a:defRPr/>
-            </a:pPr>
-            <a:fld id="{F9DE2D32-EBB3-479D-A20A-D25324940D10}" type="slidenum">
-              <a:rPr lang="en-US" altLang="en-US" smtClean="0">
-                <a:solidFill>
-                  <a:prstClr val="black">
-                    <a:tint val="75000"/>
-                  </a:prstClr>
-                </a:solidFill>
-              </a:rPr>
-              <a:pPr>
-                <a:defRPr/>
-              </a:pPr>
-              <a:t>17</a:t>
-            </a:fld>
-            <a:endParaRPr lang="en-US" altLang="en-US">
-              <a:solidFill>
-                <a:prstClr val="black">
-                  <a:tint val="75000"/>
-                </a:prstClr>
-              </a:solidFill>
-            </a:endParaRPr>
-          </a:p>
-        </p:txBody>
-      </p:sp>
-    </p:spTree>
-    <p:extLst>
-      <p:ext uri="{BB962C8B-B14F-4D97-AF65-F5344CB8AC3E}">
-        <p14:creationId xmlns:p14="http://schemas.microsoft.com/office/powerpoint/2010/main" val="3090748224"/>
-      </p:ext>
-    </p:extLst>
-  </p:cSld>
-  <p:clrMapOvr>
-    <a:masterClrMapping/>
-  </p:clrMapOvr>
-</p:sld>
-</file>
-
-<file path=ppt/slides/slide18.xml><?xml version="1.0" encoding="utf-8"?>
-<p:sld xmlns:a="http://schemas.openxmlformats.org/drawingml/2006/main" xmlns:r="http://schemas.openxmlformats.org/officeDocument/2006/relationships" xmlns:p="http://schemas.openxmlformats.org/presentationml/2006/main">
-  <p:cSld>
-    <p:spTree>
-      <p:nvGrpSpPr>
-        <p:cNvPr id="1" name=""/>
-        <p:cNvGrpSpPr/>
-        <p:nvPr/>
-      </p:nvGrpSpPr>
-      <p:grpSpPr>
-        <a:xfrm>
-          <a:off x="0" y="0"/>
-          <a:ext cx="0" cy="0"/>
-          <a:chOff x="0" y="0"/>
-          <a:chExt cx="0" cy="0"/>
-        </a:xfrm>
-      </p:grpSpPr>
-      <p:sp>
-        <p:nvSpPr>
-          <p:cNvPr id="2" name="Title 1"/>
-          <p:cNvSpPr>
-            <a:spLocks noGrp="1"/>
-          </p:cNvSpPr>
-          <p:nvPr>
-            <p:ph type="title"/>
-          </p:nvPr>
-        </p:nvSpPr>
-        <p:spPr/>
-        <p:txBody>
-          <a:bodyPr/>
-          <a:lstStyle/>
-          <a:p>
-            <a:r>
-              <a:rPr lang="en-US" dirty="0"/>
-              <a:t>Why Study Architecture? </a:t>
-            </a:r>
-            <a:r>
-              <a:rPr lang="en-US" sz="2000" dirty="0"/>
-              <a:t>(cont’d)</a:t>
-            </a:r>
-          </a:p>
-        </p:txBody>
-      </p:sp>
-      <p:sp>
-        <p:nvSpPr>
-          <p:cNvPr id="3" name="Content Placeholder 2"/>
-          <p:cNvSpPr>
-            <a:spLocks noGrp="1"/>
-          </p:cNvSpPr>
-          <p:nvPr>
-            <p:ph idx="1"/>
-          </p:nvPr>
-        </p:nvSpPr>
-        <p:spPr/>
-        <p:txBody>
-          <a:bodyPr/>
-          <a:lstStyle/>
-          <a:p>
-            <a:r>
-              <a:rPr lang="en-US" dirty="0"/>
-              <a:t>As a designer, you need to:</a:t>
-            </a:r>
-          </a:p>
-          <a:p>
-            <a:pPr lvl="1"/>
-            <a:r>
-              <a:rPr lang="en-US" dirty="0"/>
-              <a:t>Effectively manage complex tradeoffs to meet stakeholder objectives</a:t>
-            </a:r>
-          </a:p>
-          <a:p>
-            <a:pPr lvl="1"/>
-            <a:r>
-              <a:rPr lang="en-US" dirty="0"/>
-              <a:t>Layout, socialize and influence your </a:t>
-            </a:r>
-            <a:r>
-              <a:rPr lang="en-US" u="sng" dirty="0"/>
-              <a:t>decisions.</a:t>
-            </a:r>
-          </a:p>
-          <a:p>
-            <a:pPr lvl="1"/>
-            <a:r>
-              <a:rPr lang="en-US" dirty="0"/>
-              <a:t>Communicate with your team and convince your customer / boss of their merit.</a:t>
-            </a:r>
-          </a:p>
-          <a:p>
-            <a:pPr lvl="1"/>
-            <a:r>
-              <a:rPr lang="en-US" dirty="0"/>
-              <a:t>Reason about the properties of the overall system in an abstract and convenient way.</a:t>
-            </a:r>
-          </a:p>
-          <a:p>
-            <a:endParaRPr lang="en-US" dirty="0"/>
-          </a:p>
-        </p:txBody>
-      </p:sp>
-      <p:sp>
-        <p:nvSpPr>
-          <p:cNvPr id="4" name="Slide Number Placeholder 3"/>
-          <p:cNvSpPr>
-            <a:spLocks noGrp="1"/>
-          </p:cNvSpPr>
-          <p:nvPr>
-            <p:ph type="sldNum" sz="quarter" idx="12"/>
-          </p:nvPr>
-        </p:nvSpPr>
-        <p:spPr/>
-        <p:txBody>
-          <a:bodyPr/>
-          <a:lstStyle/>
-          <a:p>
-            <a:pPr>
-              <a:defRPr/>
-            </a:pPr>
-            <a:fld id="{F9DE2D32-EBB3-479D-A20A-D25324940D10}" type="slidenum">
-              <a:rPr lang="en-US" altLang="en-US" smtClean="0">
-                <a:solidFill>
-                  <a:prstClr val="black">
-                    <a:tint val="75000"/>
-                  </a:prstClr>
-                </a:solidFill>
-              </a:rPr>
-              <a:pPr>
-                <a:defRPr/>
-              </a:pPr>
-              <a:t>18</a:t>
-            </a:fld>
-            <a:endParaRPr lang="en-US" altLang="en-US">
-              <a:solidFill>
-                <a:prstClr val="black">
-                  <a:tint val="75000"/>
-                </a:prstClr>
-              </a:solidFill>
-            </a:endParaRPr>
-          </a:p>
-        </p:txBody>
-      </p:sp>
-    </p:spTree>
-    <p:extLst>
-      <p:ext uri="{BB962C8B-B14F-4D97-AF65-F5344CB8AC3E}">
-        <p14:creationId xmlns:p14="http://schemas.microsoft.com/office/powerpoint/2010/main" val="528415623"/>
-      </p:ext>
-    </p:extLst>
-  </p:cSld>
-  <p:clrMapOvr>
-    <a:masterClrMapping/>
-  </p:clrMapOvr>
-</p:sld>
-</file>
-
 <file path=ppt/slides/slide19.xml><?xml version="1.0" encoding="utf-8"?>
 <p:sld xmlns:a="http://schemas.openxmlformats.org/drawingml/2006/main" xmlns:r="http://schemas.openxmlformats.org/officeDocument/2006/relationships" xmlns:p="http://schemas.openxmlformats.org/presentationml/2006/main">
   <p:cSld>
@@ -7020,13 +6941,8 @@
           <a:p>
             <a:r>
               <a:rPr lang="en-US" dirty="0"/>
-              <a:t>Why Study Architecture? </a:t>
-            </a:r>
-            <a:r>
-              <a:rPr lang="en-US" sz="2000" dirty="0"/>
-              <a:t>(cont’d)</a:t>
-            </a:r>
-            <a:endParaRPr lang="en-US" dirty="0"/>
+              <a:t>Why Study Architecture?</a:t>
+            </a:r>
           </a:p>
         </p:txBody>
       </p:sp>
@@ -7040,40 +6956,132 @@
             <p:ph idx="1"/>
           </p:nvPr>
         </p:nvSpPr>
-        <p:spPr/>
+        <p:spPr>
+          <a:xfrm>
+            <a:off x="457200" y="992897"/>
+            <a:ext cx="8229600" cy="4433448"/>
+          </a:xfrm>
+        </p:spPr>
         <p:txBody>
           <a:bodyPr/>
           <a:lstStyle/>
           <a:p>
+            <a:pPr eaLnBrk="1" hangingPunct="1">
+              <a:lnSpc>
+                <a:spcPct val="90000"/>
+              </a:lnSpc>
+            </a:pPr>
             <a:r>
               <a:rPr lang="en-US" dirty="0"/>
-              <a:t>Certain “canonical” architectural designs provide valid blueprints for a lot of systems.</a:t>
-            </a:r>
-          </a:p>
-          <a:p>
-            <a:pPr lvl="1"/>
+              <a:t>It is an integral aspect of structuring software so that it can be built, understood and maintained:</a:t>
+            </a:r>
+          </a:p>
+          <a:p>
+            <a:pPr lvl="1" eaLnBrk="1" hangingPunct="1">
+              <a:lnSpc>
+                <a:spcPct val="90000"/>
+              </a:lnSpc>
+            </a:pPr>
             <a:r>
               <a:rPr lang="en-US" dirty="0"/>
-              <a:t> Architectural </a:t>
-            </a:r>
-            <a:r>
-              <a:rPr lang="en-US" u="sng" dirty="0"/>
-              <a:t>styles</a:t>
-            </a:r>
-          </a:p>
-          <a:p>
+              <a:t>Client / Server</a:t>
+            </a:r>
+          </a:p>
+          <a:p>
+            <a:pPr lvl="1" eaLnBrk="1" hangingPunct="1">
+              <a:lnSpc>
+                <a:spcPct val="90000"/>
+              </a:lnSpc>
+            </a:pPr>
             <a:r>
               <a:rPr lang="en-US" dirty="0"/>
-              <a:t>Learn to recognize applicability and characteristics of styles.</a:t>
-            </a:r>
-          </a:p>
-          <a:p>
+              <a:t>Layered systems</a:t>
+            </a:r>
+          </a:p>
+          <a:p>
+            <a:pPr lvl="1" eaLnBrk="1" hangingPunct="1">
+              <a:lnSpc>
+                <a:spcPct val="90000"/>
+              </a:lnSpc>
+            </a:pPr>
             <a:r>
               <a:rPr lang="en-US" dirty="0"/>
-              <a:t>Learn to use technologies that induce and support those styles.</a:t>
-            </a:r>
-          </a:p>
-          <a:p>
+              <a:t>Cloud based systems</a:t>
+            </a:r>
+          </a:p>
+          <a:p>
+            <a:pPr lvl="1" eaLnBrk="1" hangingPunct="1">
+              <a:lnSpc>
+                <a:spcPct val="90000"/>
+              </a:lnSpc>
+            </a:pPr>
+            <a:r>
+              <a:rPr lang="en-US" dirty="0" err="1"/>
+              <a:t>etc</a:t>
+            </a:r>
+            <a:endParaRPr lang="en-US" dirty="0"/>
+          </a:p>
+          <a:p>
+            <a:pPr eaLnBrk="1" hangingPunct="1">
+              <a:lnSpc>
+                <a:spcPct val="80000"/>
+              </a:lnSpc>
+            </a:pPr>
+            <a:r>
+              <a:rPr lang="en-US" dirty="0"/>
+              <a:t>Architectural choices are critical in determining SW quality:</a:t>
+            </a:r>
+          </a:p>
+          <a:p>
+            <a:pPr lvl="1" eaLnBrk="1" hangingPunct="1">
+              <a:lnSpc>
+                <a:spcPct val="90000"/>
+              </a:lnSpc>
+            </a:pPr>
+            <a:r>
+              <a:rPr lang="en-US" dirty="0"/>
+              <a:t>Performance</a:t>
+            </a:r>
+          </a:p>
+          <a:p>
+            <a:pPr lvl="1" eaLnBrk="1" hangingPunct="1">
+              <a:lnSpc>
+                <a:spcPct val="90000"/>
+              </a:lnSpc>
+            </a:pPr>
+            <a:r>
+              <a:rPr lang="en-US" dirty="0"/>
+              <a:t>Scalability</a:t>
+            </a:r>
+          </a:p>
+          <a:p>
+            <a:pPr lvl="1" eaLnBrk="1" hangingPunct="1">
+              <a:lnSpc>
+                <a:spcPct val="90000"/>
+              </a:lnSpc>
+            </a:pPr>
+            <a:r>
+              <a:rPr lang="en-US" dirty="0"/>
+              <a:t>Reuse</a:t>
+            </a:r>
+          </a:p>
+          <a:p>
+            <a:pPr lvl="1" eaLnBrk="1" hangingPunct="1">
+              <a:lnSpc>
+                <a:spcPct val="90000"/>
+              </a:lnSpc>
+            </a:pPr>
+            <a:r>
+              <a:rPr lang="en-US" dirty="0"/>
+              <a:t>… and other non-functional properties</a:t>
+            </a:r>
+          </a:p>
+          <a:p>
+            <a:pPr lvl="1" eaLnBrk="1" hangingPunct="1">
+              <a:lnSpc>
+                <a:spcPct val="90000"/>
+              </a:lnSpc>
+            </a:pPr>
             <a:endParaRPr lang="en-US" dirty="0"/>
           </a:p>
         </p:txBody>
@@ -7122,7 +7130,7 @@
     </p:spTree>
     <p:extLst>
       <p:ext uri="{BB962C8B-B14F-4D97-AF65-F5344CB8AC3E}">
-        <p14:creationId xmlns:p14="http://schemas.microsoft.com/office/powerpoint/2010/main" val="2214576867"/>
+        <p14:creationId xmlns:p14="http://schemas.microsoft.com/office/powerpoint/2010/main" val="3090748224"/>
       </p:ext>
     </p:extLst>
   </p:cSld>
@@ -7307,6 +7315,89 @@
       </p:grpSpPr>
       <p:sp>
         <p:nvSpPr>
+          <p:cNvPr id="2" name="Title 1"/>
+          <p:cNvSpPr>
+            <a:spLocks noGrp="1"/>
+          </p:cNvSpPr>
+          <p:nvPr>
+            <p:ph type="title"/>
+          </p:nvPr>
+        </p:nvSpPr>
+        <p:spPr/>
+        <p:txBody>
+          <a:bodyPr/>
+          <a:lstStyle/>
+          <a:p>
+            <a:r>
+              <a:rPr lang="en-US" dirty="0"/>
+              <a:t>Why Study Architecture? </a:t>
+            </a:r>
+            <a:r>
+              <a:rPr lang="en-US" sz="2000" dirty="0"/>
+              <a:t>(cont’d)</a:t>
+            </a:r>
+          </a:p>
+        </p:txBody>
+      </p:sp>
+      <p:sp>
+        <p:nvSpPr>
+          <p:cNvPr id="3" name="Content Placeholder 2"/>
+          <p:cNvSpPr>
+            <a:spLocks noGrp="1"/>
+          </p:cNvSpPr>
+          <p:nvPr>
+            <p:ph idx="1"/>
+          </p:nvPr>
+        </p:nvSpPr>
+        <p:spPr/>
+        <p:txBody>
+          <a:bodyPr/>
+          <a:lstStyle/>
+          <a:p>
+            <a:r>
+              <a:rPr lang="en-US" dirty="0"/>
+              <a:t>As a designer, you need to:</a:t>
+            </a:r>
+          </a:p>
+          <a:p>
+            <a:pPr lvl="1"/>
+            <a:r>
+              <a:rPr lang="en-US" dirty="0"/>
+              <a:t>Effectively manage complex tradeoffs to meet stakeholder objectives</a:t>
+            </a:r>
+          </a:p>
+          <a:p>
+            <a:pPr lvl="1"/>
+            <a:r>
+              <a:rPr lang="en-US" dirty="0"/>
+              <a:t>Layout, socialize and influence your </a:t>
+            </a:r>
+            <a:r>
+              <a:rPr lang="en-US" u="sng" dirty="0"/>
+              <a:t>decisions.</a:t>
+            </a:r>
+          </a:p>
+          <a:p>
+            <a:pPr lvl="1"/>
+            <a:r>
+              <a:rPr lang="en-US" dirty="0"/>
+              <a:t>Communicate with your team and convince your customer / boss of their merit.</a:t>
+            </a:r>
+          </a:p>
+          <a:p>
+            <a:pPr lvl="1"/>
+            <a:r>
+              <a:rPr lang="en-US" dirty="0"/>
+              <a:t>Reason about the properties of the overall system in an abstract and convenient way.</a:t>
+            </a:r>
+          </a:p>
+          <a:p>
+            <a:endParaRPr lang="en-US" dirty="0"/>
+          </a:p>
+        </p:txBody>
+      </p:sp>
+      <p:sp>
+        <p:nvSpPr>
           <p:cNvPr id="4" name="Slide Number Placeholder 3"/>
           <p:cNvSpPr>
             <a:spLocks noGrp="1"/>
@@ -7335,6 +7426,223 @@
                 <a:defRPr/>
               </a:pPr>
               <a:t>20</a:t>
+            </a:fld>
+            <a:endParaRPr lang="en-US" altLang="en-US">
+              <a:solidFill>
+                <a:prstClr val="black">
+                  <a:tint val="75000"/>
+                </a:prstClr>
+              </a:solidFill>
+            </a:endParaRPr>
+          </a:p>
+        </p:txBody>
+      </p:sp>
+    </p:spTree>
+    <p:extLst>
+      <p:ext uri="{BB962C8B-B14F-4D97-AF65-F5344CB8AC3E}">
+        <p14:creationId xmlns:p14="http://schemas.microsoft.com/office/powerpoint/2010/main" val="528415623"/>
+      </p:ext>
+    </p:extLst>
+  </p:cSld>
+  <p:clrMapOvr>
+    <a:masterClrMapping/>
+  </p:clrMapOvr>
+</p:sld>
+</file>
+
+<file path=ppt/slides/slide21.xml><?xml version="1.0" encoding="utf-8"?>
+<p:sld xmlns:a="http://schemas.openxmlformats.org/drawingml/2006/main" xmlns:r="http://schemas.openxmlformats.org/officeDocument/2006/relationships" xmlns:p="http://schemas.openxmlformats.org/presentationml/2006/main">
+  <p:cSld>
+    <p:spTree>
+      <p:nvGrpSpPr>
+        <p:cNvPr id="1" name=""/>
+        <p:cNvGrpSpPr/>
+        <p:nvPr/>
+      </p:nvGrpSpPr>
+      <p:grpSpPr>
+        <a:xfrm>
+          <a:off x="0" y="0"/>
+          <a:ext cx="0" cy="0"/>
+          <a:chOff x="0" y="0"/>
+          <a:chExt cx="0" cy="0"/>
+        </a:xfrm>
+      </p:grpSpPr>
+      <p:sp>
+        <p:nvSpPr>
+          <p:cNvPr id="2" name="Title 1"/>
+          <p:cNvSpPr>
+            <a:spLocks noGrp="1"/>
+          </p:cNvSpPr>
+          <p:nvPr>
+            <p:ph type="title"/>
+          </p:nvPr>
+        </p:nvSpPr>
+        <p:spPr/>
+        <p:txBody>
+          <a:bodyPr/>
+          <a:lstStyle/>
+          <a:p>
+            <a:r>
+              <a:rPr lang="en-US" dirty="0"/>
+              <a:t>Why Study Architecture? </a:t>
+            </a:r>
+            <a:r>
+              <a:rPr lang="en-US" sz="2000" dirty="0"/>
+              <a:t>(cont’d)</a:t>
+            </a:r>
+            <a:endParaRPr lang="en-US" dirty="0"/>
+          </a:p>
+        </p:txBody>
+      </p:sp>
+      <p:sp>
+        <p:nvSpPr>
+          <p:cNvPr id="3" name="Content Placeholder 2"/>
+          <p:cNvSpPr>
+            <a:spLocks noGrp="1"/>
+          </p:cNvSpPr>
+          <p:nvPr>
+            <p:ph idx="1"/>
+          </p:nvPr>
+        </p:nvSpPr>
+        <p:spPr/>
+        <p:txBody>
+          <a:bodyPr/>
+          <a:lstStyle/>
+          <a:p>
+            <a:r>
+              <a:rPr lang="en-US" dirty="0"/>
+              <a:t>Certain “canonical” architectural designs provide valid blueprints for a lot of systems.</a:t>
+            </a:r>
+          </a:p>
+          <a:p>
+            <a:pPr lvl="1"/>
+            <a:r>
+              <a:rPr lang="en-US" dirty="0"/>
+              <a:t> Architectural </a:t>
+            </a:r>
+            <a:r>
+              <a:rPr lang="en-US" u="sng" dirty="0"/>
+              <a:t>styles</a:t>
+            </a:r>
+          </a:p>
+          <a:p>
+            <a:r>
+              <a:rPr lang="en-US" dirty="0"/>
+              <a:t>Learn to recognize applicability and characteristics of styles.</a:t>
+            </a:r>
+          </a:p>
+          <a:p>
+            <a:r>
+              <a:rPr lang="en-US" dirty="0"/>
+              <a:t>Learn to use technologies that induce and support those styles.</a:t>
+            </a:r>
+          </a:p>
+          <a:p>
+            <a:endParaRPr lang="en-US" dirty="0"/>
+          </a:p>
+        </p:txBody>
+      </p:sp>
+      <p:sp>
+        <p:nvSpPr>
+          <p:cNvPr id="4" name="Slide Number Placeholder 3"/>
+          <p:cNvSpPr>
+            <a:spLocks noGrp="1"/>
+          </p:cNvSpPr>
+          <p:nvPr>
+            <p:ph type="sldNum" sz="quarter" idx="12"/>
+          </p:nvPr>
+        </p:nvSpPr>
+        <p:spPr/>
+        <p:txBody>
+          <a:bodyPr/>
+          <a:lstStyle/>
+          <a:p>
+            <a:pPr>
+              <a:defRPr/>
+            </a:pPr>
+            <a:fld id="{F9DE2D32-EBB3-479D-A20A-D25324940D10}" type="slidenum">
+              <a:rPr lang="en-US" altLang="en-US" smtClean="0">
+                <a:solidFill>
+                  <a:prstClr val="black">
+                    <a:tint val="75000"/>
+                  </a:prstClr>
+                </a:solidFill>
+              </a:rPr>
+              <a:pPr>
+                <a:defRPr/>
+              </a:pPr>
+              <a:t>21</a:t>
+            </a:fld>
+            <a:endParaRPr lang="en-US" altLang="en-US">
+              <a:solidFill>
+                <a:prstClr val="black">
+                  <a:tint val="75000"/>
+                </a:prstClr>
+              </a:solidFill>
+            </a:endParaRPr>
+          </a:p>
+        </p:txBody>
+      </p:sp>
+    </p:spTree>
+    <p:extLst>
+      <p:ext uri="{BB962C8B-B14F-4D97-AF65-F5344CB8AC3E}">
+        <p14:creationId xmlns:p14="http://schemas.microsoft.com/office/powerpoint/2010/main" val="2214576867"/>
+      </p:ext>
+    </p:extLst>
+  </p:cSld>
+  <p:clrMapOvr>
+    <a:masterClrMapping/>
+  </p:clrMapOvr>
+</p:sld>
+</file>
+
+<file path=ppt/slides/slide22.xml><?xml version="1.0" encoding="utf-8"?>
+<p:sld xmlns:a="http://schemas.openxmlformats.org/drawingml/2006/main" xmlns:r="http://schemas.openxmlformats.org/officeDocument/2006/relationships" xmlns:p="http://schemas.openxmlformats.org/presentationml/2006/main">
+  <p:cSld>
+    <p:spTree>
+      <p:nvGrpSpPr>
+        <p:cNvPr id="1" name=""/>
+        <p:cNvGrpSpPr/>
+        <p:nvPr/>
+      </p:nvGrpSpPr>
+      <p:grpSpPr>
+        <a:xfrm>
+          <a:off x="0" y="0"/>
+          <a:ext cx="0" cy="0"/>
+          <a:chOff x="0" y="0"/>
+          <a:chExt cx="0" cy="0"/>
+        </a:xfrm>
+      </p:grpSpPr>
+      <p:sp>
+        <p:nvSpPr>
+          <p:cNvPr id="4" name="Slide Number Placeholder 3"/>
+          <p:cNvSpPr>
+            <a:spLocks noGrp="1"/>
+          </p:cNvSpPr>
+          <p:nvPr>
+            <p:ph type="sldNum" sz="quarter" idx="12"/>
+          </p:nvPr>
+        </p:nvSpPr>
+        <p:spPr/>
+        <p:txBody>
+          <a:bodyPr/>
+          <a:lstStyle/>
+          <a:p>
+            <a:pPr>
+              <a:defRPr/>
+            </a:pPr>
+            <a:fld id="{F9DE2D32-EBB3-479D-A20A-D25324940D10}" type="slidenum">
+              <a:rPr lang="en-US" altLang="en-US" smtClean="0">
+                <a:solidFill>
+                  <a:prstClr val="black">
+                    <a:tint val="75000"/>
+                  </a:prstClr>
+                </a:solidFill>
+              </a:rPr>
+              <a:pPr>
+                <a:defRPr/>
+              </a:pPr>
+              <a:t>22</a:t>
             </a:fld>
             <a:endParaRPr lang="en-US" altLang="en-US">
               <a:solidFill>
@@ -7433,7 +7741,7 @@
 </p:sld>
 </file>
 
-<file path=ppt/slides/slide21.xml><?xml version="1.0" encoding="utf-8"?>
+<file path=ppt/slides/slide23.xml><?xml version="1.0" encoding="utf-8"?>
 <p:sld xmlns:a="http://schemas.openxmlformats.org/drawingml/2006/main" xmlns:r="http://schemas.openxmlformats.org/officeDocument/2006/relationships" xmlns:p="http://schemas.openxmlformats.org/presentationml/2006/main">
   <p:cSld>
     <p:spTree>
@@ -7576,7 +7884,7 @@
               <a:pPr>
                 <a:defRPr/>
               </a:pPr>
-              <a:t>21</a:t>
+              <a:t>23</a:t>
             </a:fld>
             <a:endParaRPr lang="en-US" altLang="en-US">
               <a:solidFill>
@@ -7601,7 +7909,7 @@
 </p:sld>
 </file>
 
-<file path=ppt/slides/slide22.xml><?xml version="1.0" encoding="utf-8"?>
+<file path=ppt/slides/slide24.xml><?xml version="1.0" encoding="utf-8"?>
 <p:sld xmlns:a="http://schemas.openxmlformats.org/drawingml/2006/main" xmlns:r="http://schemas.openxmlformats.org/officeDocument/2006/relationships" xmlns:p="http://schemas.openxmlformats.org/presentationml/2006/main">
   <p:cSld>
     <p:spTree>
@@ -7751,7 +8059,7 @@
               <a:pPr>
                 <a:defRPr/>
               </a:pPr>
-              <a:t>22</a:t>
+              <a:t>24</a:t>
             </a:fld>
             <a:endParaRPr lang="en-US" altLang="en-US">
               <a:solidFill>
@@ -8384,7 +8692,7 @@
         </p:nvSpPr>
         <p:spPr>
           <a:xfrm>
-            <a:off x="628650" y="229098"/>
+            <a:off x="212651" y="21489"/>
             <a:ext cx="8207006" cy="994172"/>
           </a:xfrm>
         </p:spPr>
@@ -8395,76 +8703,794 @@
           <a:lstStyle/>
           <a:p>
             <a:r>
-              <a:rPr lang="en-US" b="1" dirty="0"/>
-              <a:t>But why</a:t>
-            </a:r>
-          </a:p>
-        </p:txBody>
-      </p:sp>
-      <p:sp>
-        <p:nvSpPr>
-          <p:cNvPr id="3" name="Content Placeholder 2"/>
-          <p:cNvSpPr>
-            <a:spLocks noGrp="1"/>
-          </p:cNvSpPr>
-          <p:nvPr>
-            <p:ph idx="1"/>
-          </p:nvPr>
+              <a:rPr lang="en-US" sz="2800" b="1" dirty="0"/>
+              <a:t>But why do we need architecture?</a:t>
+            </a:r>
+          </a:p>
+        </p:txBody>
+      </p:sp>
+      <p:cxnSp>
+        <p:nvCxnSpPr>
+          <p:cNvPr id="7" name="Straight Connector 6">
+            <a:extLst>
+              <a:ext uri="{FF2B5EF4-FFF2-40B4-BE49-F238E27FC236}">
+                <a16:creationId xmlns:a16="http://schemas.microsoft.com/office/drawing/2014/main" id="{10B62F08-EBF1-1547-83FE-532047944EAE}"/>
+              </a:ext>
+            </a:extLst>
+          </p:cNvPr>
+          <p:cNvCxnSpPr/>
+          <p:nvPr/>
+        </p:nvCxnSpPr>
+        <p:spPr>
+          <a:xfrm flipV="1">
+            <a:off x="212651" y="4338084"/>
+            <a:ext cx="8548577" cy="95693"/>
+          </a:xfrm>
+          <a:prstGeom prst="line">
+            <a:avLst/>
+          </a:prstGeom>
+        </p:spPr>
+        <p:style>
+          <a:lnRef idx="1">
+            <a:schemeClr val="accent1"/>
+          </a:lnRef>
+          <a:fillRef idx="0">
+            <a:schemeClr val="accent1"/>
+          </a:fillRef>
+          <a:effectRef idx="0">
+            <a:schemeClr val="accent1"/>
+          </a:effectRef>
+          <a:fontRef idx="minor">
+            <a:schemeClr val="tx1"/>
+          </a:fontRef>
+        </p:style>
+      </p:cxnSp>
+      <p:sp>
+        <p:nvSpPr>
+          <p:cNvPr id="8" name="TextBox 7">
+            <a:extLst>
+              <a:ext uri="{FF2B5EF4-FFF2-40B4-BE49-F238E27FC236}">
+                <a16:creationId xmlns:a16="http://schemas.microsoft.com/office/drawing/2014/main" id="{C2DF89D4-19B6-584C-B14F-562B7266B8B5}"/>
+              </a:ext>
+            </a:extLst>
+          </p:cNvPr>
+          <p:cNvSpPr txBox="1"/>
+          <p:nvPr/>
+        </p:nvSpPr>
+        <p:spPr>
+          <a:xfrm rot="16200000">
+            <a:off x="31827" y="4591862"/>
+            <a:ext cx="850604" cy="343043"/>
+          </a:xfrm>
+          <a:prstGeom prst="rect">
+            <a:avLst/>
+          </a:prstGeom>
+          <a:noFill/>
+        </p:spPr>
+        <p:txBody>
+          <a:bodyPr wrap="square" rtlCol="0">
+            <a:spAutoFit/>
+          </a:bodyPr>
+          <a:lstStyle/>
+          <a:p>
+            <a:r>
+              <a:rPr lang="en-US" dirty="0"/>
+              <a:t>1940s</a:t>
+            </a:r>
+          </a:p>
+        </p:txBody>
+      </p:sp>
+      <p:sp>
+        <p:nvSpPr>
+          <p:cNvPr id="9" name="TextBox 8">
+            <a:extLst>
+              <a:ext uri="{FF2B5EF4-FFF2-40B4-BE49-F238E27FC236}">
+                <a16:creationId xmlns:a16="http://schemas.microsoft.com/office/drawing/2014/main" id="{ACDFBA9B-B45B-5F45-B778-090911046F68}"/>
+              </a:ext>
+            </a:extLst>
+          </p:cNvPr>
+          <p:cNvSpPr txBox="1"/>
+          <p:nvPr/>
+        </p:nvSpPr>
+        <p:spPr>
+          <a:xfrm rot="16200000">
+            <a:off x="1329761" y="4591862"/>
+            <a:ext cx="850604" cy="343043"/>
+          </a:xfrm>
+          <a:prstGeom prst="rect">
+            <a:avLst/>
+          </a:prstGeom>
+          <a:noFill/>
+        </p:spPr>
+        <p:txBody>
+          <a:bodyPr wrap="square" rtlCol="0">
+            <a:spAutoFit/>
+          </a:bodyPr>
+          <a:lstStyle/>
+          <a:p>
+            <a:r>
+              <a:rPr lang="en-US" dirty="0"/>
+              <a:t>1960s</a:t>
+            </a:r>
+          </a:p>
+        </p:txBody>
+      </p:sp>
+      <p:sp>
+        <p:nvSpPr>
+          <p:cNvPr id="11" name="TextBox 10">
+            <a:extLst>
+              <a:ext uri="{FF2B5EF4-FFF2-40B4-BE49-F238E27FC236}">
+                <a16:creationId xmlns:a16="http://schemas.microsoft.com/office/drawing/2014/main" id="{3DA2A415-217E-174C-AEC3-61C14DCAC392}"/>
+              </a:ext>
+            </a:extLst>
+          </p:cNvPr>
+          <p:cNvSpPr txBox="1"/>
+          <p:nvPr/>
+        </p:nvSpPr>
+        <p:spPr>
+          <a:xfrm rot="16200000">
+            <a:off x="2627695" y="4591862"/>
+            <a:ext cx="850604" cy="343043"/>
+          </a:xfrm>
+          <a:prstGeom prst="rect">
+            <a:avLst/>
+          </a:prstGeom>
+          <a:noFill/>
+        </p:spPr>
+        <p:txBody>
+          <a:bodyPr wrap="square" rtlCol="0">
+            <a:spAutoFit/>
+          </a:bodyPr>
+          <a:lstStyle/>
+          <a:p>
+            <a:r>
+              <a:rPr lang="en-US" dirty="0"/>
+              <a:t>1980s</a:t>
+            </a:r>
+          </a:p>
+        </p:txBody>
+      </p:sp>
+      <p:sp>
+        <p:nvSpPr>
+          <p:cNvPr id="12" name="TextBox 11">
+            <a:extLst>
+              <a:ext uri="{FF2B5EF4-FFF2-40B4-BE49-F238E27FC236}">
+                <a16:creationId xmlns:a16="http://schemas.microsoft.com/office/drawing/2014/main" id="{E4E21B92-8CFD-214C-B766-6894125D1283}"/>
+              </a:ext>
+            </a:extLst>
+          </p:cNvPr>
+          <p:cNvSpPr txBox="1"/>
+          <p:nvPr/>
+        </p:nvSpPr>
+        <p:spPr>
+          <a:xfrm rot="16200000">
+            <a:off x="3925629" y="4591862"/>
+            <a:ext cx="850604" cy="343043"/>
+          </a:xfrm>
+          <a:prstGeom prst="rect">
+            <a:avLst/>
+          </a:prstGeom>
+          <a:noFill/>
+        </p:spPr>
+        <p:txBody>
+          <a:bodyPr wrap="square" rtlCol="0">
+            <a:spAutoFit/>
+          </a:bodyPr>
+          <a:lstStyle/>
+          <a:p>
+            <a:r>
+              <a:rPr lang="en-US" dirty="0"/>
+              <a:t>1990s</a:t>
+            </a:r>
+          </a:p>
+        </p:txBody>
+      </p:sp>
+      <p:sp>
+        <p:nvSpPr>
+          <p:cNvPr id="13" name="TextBox 12">
+            <a:extLst>
+              <a:ext uri="{FF2B5EF4-FFF2-40B4-BE49-F238E27FC236}">
+                <a16:creationId xmlns:a16="http://schemas.microsoft.com/office/drawing/2014/main" id="{A7B786C9-AC0C-7D47-863C-3F0087496848}"/>
+              </a:ext>
+            </a:extLst>
+          </p:cNvPr>
+          <p:cNvSpPr txBox="1"/>
+          <p:nvPr/>
+        </p:nvSpPr>
+        <p:spPr>
+          <a:xfrm rot="16200000">
+            <a:off x="5223563" y="4591862"/>
+            <a:ext cx="850604" cy="343043"/>
+          </a:xfrm>
+          <a:prstGeom prst="rect">
+            <a:avLst/>
+          </a:prstGeom>
+          <a:noFill/>
+        </p:spPr>
+        <p:txBody>
+          <a:bodyPr wrap="square" rtlCol="0">
+            <a:spAutoFit/>
+          </a:bodyPr>
+          <a:lstStyle/>
+          <a:p>
+            <a:r>
+              <a:rPr lang="en-US" dirty="0"/>
+              <a:t>2000s</a:t>
+            </a:r>
+          </a:p>
+        </p:txBody>
+      </p:sp>
+      <p:sp>
+        <p:nvSpPr>
+          <p:cNvPr id="14" name="TextBox 13">
+            <a:extLst>
+              <a:ext uri="{FF2B5EF4-FFF2-40B4-BE49-F238E27FC236}">
+                <a16:creationId xmlns:a16="http://schemas.microsoft.com/office/drawing/2014/main" id="{D5693EBC-D414-2645-A6A5-86A3D527AC4C}"/>
+              </a:ext>
+            </a:extLst>
+          </p:cNvPr>
+          <p:cNvSpPr txBox="1"/>
+          <p:nvPr/>
+        </p:nvSpPr>
+        <p:spPr>
+          <a:xfrm rot="16200000">
+            <a:off x="6521497" y="4591862"/>
+            <a:ext cx="850604" cy="343043"/>
+          </a:xfrm>
+          <a:prstGeom prst="rect">
+            <a:avLst/>
+          </a:prstGeom>
+          <a:noFill/>
+        </p:spPr>
+        <p:txBody>
+          <a:bodyPr wrap="square" rtlCol="0">
+            <a:spAutoFit/>
+          </a:bodyPr>
+          <a:lstStyle/>
+          <a:p>
+            <a:r>
+              <a:rPr lang="en-US" dirty="0"/>
+              <a:t>2010s</a:t>
+            </a:r>
+          </a:p>
+        </p:txBody>
+      </p:sp>
+      <p:sp>
+        <p:nvSpPr>
+          <p:cNvPr id="15" name="TextBox 14">
+            <a:extLst>
+              <a:ext uri="{FF2B5EF4-FFF2-40B4-BE49-F238E27FC236}">
+                <a16:creationId xmlns:a16="http://schemas.microsoft.com/office/drawing/2014/main" id="{7AD59F62-5DFF-CC49-9EA9-C746106B96E5}"/>
+              </a:ext>
+            </a:extLst>
+          </p:cNvPr>
+          <p:cNvSpPr txBox="1"/>
+          <p:nvPr/>
+        </p:nvSpPr>
+        <p:spPr>
+          <a:xfrm rot="16200000">
+            <a:off x="7819434" y="4591862"/>
+            <a:ext cx="850604" cy="343043"/>
+          </a:xfrm>
+          <a:prstGeom prst="rect">
+            <a:avLst/>
+          </a:prstGeom>
+          <a:noFill/>
+        </p:spPr>
+        <p:txBody>
+          <a:bodyPr wrap="square" rtlCol="0">
+            <a:spAutoFit/>
+          </a:bodyPr>
+          <a:lstStyle/>
+          <a:p>
+            <a:r>
+              <a:rPr lang="en-US" dirty="0"/>
+              <a:t>2020s</a:t>
+            </a:r>
+          </a:p>
+        </p:txBody>
+      </p:sp>
+      <p:pic>
+        <p:nvPicPr>
+          <p:cNvPr id="1026" name="Picture 2" descr="ENIAC - Wikipedia">
+            <a:extLst>
+              <a:ext uri="{FF2B5EF4-FFF2-40B4-BE49-F238E27FC236}">
+                <a16:creationId xmlns:a16="http://schemas.microsoft.com/office/drawing/2014/main" id="{88298AB6-F0CD-FC4C-B2B2-33A2E88B2207}"/>
+              </a:ext>
+            </a:extLst>
+          </p:cNvPr>
+          <p:cNvPicPr>
+            <a:picLocks noChangeAspect="1" noChangeArrowheads="1"/>
+          </p:cNvPicPr>
+          <p:nvPr/>
+        </p:nvPicPr>
+        <p:blipFill>
+          <a:blip r:embed="rId2">
+            <a:extLst>
+              <a:ext uri="{28A0092B-C50C-407E-A947-70E740481C1C}">
+                <a14:useLocalDpi xmlns:a14="http://schemas.microsoft.com/office/drawing/2010/main" val="0"/>
+              </a:ext>
+            </a:extLst>
+          </a:blip>
+          <a:srcRect/>
+          <a:stretch>
+            <a:fillRect/>
+          </a:stretch>
+        </p:blipFill>
+        <p:spPr bwMode="auto">
+          <a:xfrm>
+            <a:off x="220680" y="2732567"/>
+            <a:ext cx="1443115" cy="1086515"/>
+          </a:xfrm>
+          <a:prstGeom prst="rect">
+            <a:avLst/>
+          </a:prstGeom>
+          <a:noFill/>
+          <a:extLst>
+            <a:ext uri="{909E8E84-426E-40DD-AFC4-6F175D3DCCD1}">
+              <a14:hiddenFill xmlns:a14="http://schemas.microsoft.com/office/drawing/2010/main">
+                <a:solidFill>
+                  <a:srgbClr val="FFFFFF"/>
+                </a:solidFill>
+              </a14:hiddenFill>
+            </a:ext>
+          </a:extLst>
+        </p:spPr>
+      </p:pic>
+      <p:sp>
+        <p:nvSpPr>
+          <p:cNvPr id="17" name="TextBox 16">
+            <a:extLst>
+              <a:ext uri="{FF2B5EF4-FFF2-40B4-BE49-F238E27FC236}">
+                <a16:creationId xmlns:a16="http://schemas.microsoft.com/office/drawing/2014/main" id="{AFA25D9F-AA29-994C-B65B-EF8511DB4911}"/>
+              </a:ext>
+            </a:extLst>
+          </p:cNvPr>
+          <p:cNvSpPr txBox="1"/>
+          <p:nvPr/>
         </p:nvSpPr>
         <p:spPr>
           <a:xfrm>
-            <a:off x="628650" y="1643450"/>
-            <a:ext cx="7886700" cy="3263504"/>
+            <a:off x="76714" y="3841435"/>
+            <a:ext cx="1747899" cy="481222"/>
           </a:xfrm>
+          <a:prstGeom prst="rect">
+            <a:avLst/>
+          </a:prstGeom>
+          <a:noFill/>
         </p:spPr>
         <p:txBody>
-          <a:bodyPr>
-            <a:normAutofit fontScale="85000" lnSpcReduction="10000"/>
+          <a:bodyPr wrap="square" rtlCol="0">
+            <a:spAutoFit/>
           </a:bodyPr>
           <a:lstStyle/>
           <a:p>
-            <a:r>
-              <a:rPr lang="en-US" dirty="0"/>
-              <a:t>Every system comprises elements and relations among them to support some type of reasoning. </a:t>
-            </a:r>
-          </a:p>
-          <a:p>
-            <a:r>
-              <a:rPr lang="en-US" dirty="0"/>
-              <a:t>But the architecture may not be known to anyone. </a:t>
-            </a:r>
-          </a:p>
-          <a:p>
-            <a:pPr lvl="1"/>
-            <a:r>
-              <a:rPr lang="en-US" dirty="0"/>
-              <a:t>Perhaps all of the people who designed the system are long gone</a:t>
-            </a:r>
-          </a:p>
-          <a:p>
-            <a:pPr lvl="1"/>
-            <a:r>
-              <a:rPr lang="en-US" dirty="0"/>
-              <a:t>Perhaps the documentation has vanished (or was never produced)</a:t>
-            </a:r>
-          </a:p>
-          <a:p>
-            <a:pPr lvl="1"/>
-            <a:r>
-              <a:rPr lang="en-US" dirty="0"/>
-              <a:t>Perhaps the source code has been lost (or was never delivered)</a:t>
-            </a:r>
-          </a:p>
-          <a:p>
-            <a:r>
-              <a:rPr lang="en-US" dirty="0"/>
-              <a:t>An architecture can exist independently of its description or specification.</a:t>
-            </a:r>
-          </a:p>
-          <a:p>
-            <a:r>
-              <a:rPr lang="en-US" dirty="0"/>
-              <a:t>Documentation is critical.</a:t>
+            <a:pPr algn="ctr"/>
+            <a:r>
+              <a:rPr lang="en-US" sz="1400" dirty="0"/>
+              <a:t>Purpose Built Computers</a:t>
+            </a:r>
+          </a:p>
+        </p:txBody>
+      </p:sp>
+      <p:pic>
+        <p:nvPicPr>
+          <p:cNvPr id="1028" name="Picture 4" descr="What Does It Take to Keep a Classic Mainframe Alive? - IEEE Spectrum">
+            <a:extLst>
+              <a:ext uri="{FF2B5EF4-FFF2-40B4-BE49-F238E27FC236}">
+                <a16:creationId xmlns:a16="http://schemas.microsoft.com/office/drawing/2014/main" id="{F682E19F-C8A3-A241-A1DE-AD26A6F06713}"/>
+              </a:ext>
+            </a:extLst>
+          </p:cNvPr>
+          <p:cNvPicPr>
+            <a:picLocks noChangeAspect="1" noChangeArrowheads="1"/>
+          </p:cNvPicPr>
+          <p:nvPr/>
+        </p:nvPicPr>
+        <p:blipFill>
+          <a:blip r:embed="rId3">
+            <a:extLst>
+              <a:ext uri="{28A0092B-C50C-407E-A947-70E740481C1C}">
+                <a14:useLocalDpi xmlns:a14="http://schemas.microsoft.com/office/drawing/2010/main" val="0"/>
+              </a:ext>
+            </a:extLst>
+          </a:blip>
+          <a:srcRect/>
+          <a:stretch>
+            <a:fillRect/>
+          </a:stretch>
+        </p:blipFill>
+        <p:spPr bwMode="auto">
+          <a:xfrm>
+            <a:off x="1679647" y="1699164"/>
+            <a:ext cx="1450555" cy="1086516"/>
+          </a:xfrm>
+          <a:prstGeom prst="rect">
+            <a:avLst/>
+          </a:prstGeom>
+          <a:noFill/>
+          <a:extLst>
+            <a:ext uri="{909E8E84-426E-40DD-AFC4-6F175D3DCCD1}">
+              <a14:hiddenFill xmlns:a14="http://schemas.microsoft.com/office/drawing/2010/main">
+                <a:solidFill>
+                  <a:srgbClr val="FFFFFF"/>
+                </a:solidFill>
+              </a14:hiddenFill>
+            </a:ext>
+          </a:extLst>
+        </p:spPr>
+      </p:pic>
+      <p:sp>
+        <p:nvSpPr>
+          <p:cNvPr id="19" name="TextBox 18">
+            <a:extLst>
+              <a:ext uri="{FF2B5EF4-FFF2-40B4-BE49-F238E27FC236}">
+                <a16:creationId xmlns:a16="http://schemas.microsoft.com/office/drawing/2014/main" id="{2A4D7C35-2154-7540-8D3D-35D03766FB1B}"/>
+              </a:ext>
+            </a:extLst>
+          </p:cNvPr>
+          <p:cNvSpPr txBox="1"/>
+          <p:nvPr/>
+        </p:nvSpPr>
+        <p:spPr>
+          <a:xfrm>
+            <a:off x="1518829" y="1089567"/>
+            <a:ext cx="1747899" cy="675121"/>
+          </a:xfrm>
+          <a:prstGeom prst="rect">
+            <a:avLst/>
+          </a:prstGeom>
+          <a:noFill/>
+        </p:spPr>
+        <p:txBody>
+          <a:bodyPr wrap="square" rtlCol="0">
+            <a:spAutoFit/>
+          </a:bodyPr>
+          <a:lstStyle/>
+          <a:p>
+            <a:pPr algn="ctr"/>
+            <a:r>
+              <a:rPr lang="en-US" sz="1400" dirty="0"/>
+              <a:t>Batch Business Processing on Mainframes</a:t>
+            </a:r>
+          </a:p>
+        </p:txBody>
+      </p:sp>
+      <p:pic>
+        <p:nvPicPr>
+          <p:cNvPr id="1030" name="Picture 6" descr="30 years of PCs (slideshow) - ExtremeTech">
+            <a:extLst>
+              <a:ext uri="{FF2B5EF4-FFF2-40B4-BE49-F238E27FC236}">
+                <a16:creationId xmlns:a16="http://schemas.microsoft.com/office/drawing/2014/main" id="{01C410F0-2488-B349-954D-81BBFF37A0C0}"/>
+              </a:ext>
+            </a:extLst>
+          </p:cNvPr>
+          <p:cNvPicPr>
+            <a:picLocks noChangeAspect="1" noChangeArrowheads="1"/>
+          </p:cNvPicPr>
+          <p:nvPr/>
+        </p:nvPicPr>
+        <p:blipFill>
+          <a:blip r:embed="rId4">
+            <a:extLst>
+              <a:ext uri="{28A0092B-C50C-407E-A947-70E740481C1C}">
+                <a14:useLocalDpi xmlns:a14="http://schemas.microsoft.com/office/drawing/2010/main" val="0"/>
+              </a:ext>
+            </a:extLst>
+          </a:blip>
+          <a:srcRect/>
+          <a:stretch>
+            <a:fillRect/>
+          </a:stretch>
+        </p:blipFill>
+        <p:spPr bwMode="auto">
+          <a:xfrm>
+            <a:off x="3052997" y="3261574"/>
+            <a:ext cx="1278232" cy="850605"/>
+          </a:xfrm>
+          <a:prstGeom prst="rect">
+            <a:avLst/>
+          </a:prstGeom>
+          <a:noFill/>
+          <a:extLst>
+            <a:ext uri="{909E8E84-426E-40DD-AFC4-6F175D3DCCD1}">
+              <a14:hiddenFill xmlns:a14="http://schemas.microsoft.com/office/drawing/2010/main">
+                <a:solidFill>
+                  <a:srgbClr val="FFFFFF"/>
+                </a:solidFill>
+              </a14:hiddenFill>
+            </a:ext>
+          </a:extLst>
+        </p:spPr>
+      </p:pic>
+      <p:sp>
+        <p:nvSpPr>
+          <p:cNvPr id="21" name="TextBox 20">
+            <a:extLst>
+              <a:ext uri="{FF2B5EF4-FFF2-40B4-BE49-F238E27FC236}">
+                <a16:creationId xmlns:a16="http://schemas.microsoft.com/office/drawing/2014/main" id="{3A2354DF-A0E7-A346-958A-3F7166B388B9}"/>
+              </a:ext>
+            </a:extLst>
+          </p:cNvPr>
+          <p:cNvSpPr txBox="1"/>
+          <p:nvPr/>
+        </p:nvSpPr>
+        <p:spPr>
+          <a:xfrm>
+            <a:off x="2881475" y="2561071"/>
+            <a:ext cx="1747899" cy="675121"/>
+          </a:xfrm>
+          <a:prstGeom prst="rect">
+            <a:avLst/>
+          </a:prstGeom>
+          <a:noFill/>
+        </p:spPr>
+        <p:txBody>
+          <a:bodyPr wrap="square" rtlCol="0">
+            <a:spAutoFit/>
+          </a:bodyPr>
+          <a:lstStyle/>
+          <a:p>
+            <a:pPr algn="ctr"/>
+            <a:r>
+              <a:rPr lang="en-US" sz="1400" dirty="0"/>
+              <a:t>Monocytic applications on a desktop computer</a:t>
+            </a:r>
+          </a:p>
+        </p:txBody>
+      </p:sp>
+      <p:pic>
+        <p:nvPicPr>
+          <p:cNvPr id="1032" name="Picture 8" descr="Client-server Application - OOSE">
+            <a:extLst>
+              <a:ext uri="{FF2B5EF4-FFF2-40B4-BE49-F238E27FC236}">
+                <a16:creationId xmlns:a16="http://schemas.microsoft.com/office/drawing/2014/main" id="{9B0A45CA-A17D-AD47-B649-07132A55FA4E}"/>
+              </a:ext>
+            </a:extLst>
+          </p:cNvPr>
+          <p:cNvPicPr>
+            <a:picLocks noChangeAspect="1" noChangeArrowheads="1"/>
+          </p:cNvPicPr>
+          <p:nvPr/>
+        </p:nvPicPr>
+        <p:blipFill>
+          <a:blip r:embed="rId5">
+            <a:extLst>
+              <a:ext uri="{28A0092B-C50C-407E-A947-70E740481C1C}">
+                <a14:useLocalDpi xmlns:a14="http://schemas.microsoft.com/office/drawing/2010/main" val="0"/>
+              </a:ext>
+            </a:extLst>
+          </a:blip>
+          <a:srcRect/>
+          <a:stretch>
+            <a:fillRect/>
+          </a:stretch>
+        </p:blipFill>
+        <p:spPr bwMode="auto">
+          <a:xfrm>
+            <a:off x="4179409" y="1612829"/>
+            <a:ext cx="1714336" cy="694476"/>
+          </a:xfrm>
+          <a:prstGeom prst="rect">
+            <a:avLst/>
+          </a:prstGeom>
+          <a:noFill/>
+          <a:extLst>
+            <a:ext uri="{909E8E84-426E-40DD-AFC4-6F175D3DCCD1}">
+              <a14:hiddenFill xmlns:a14="http://schemas.microsoft.com/office/drawing/2010/main">
+                <a:solidFill>
+                  <a:srgbClr val="FFFFFF"/>
+                </a:solidFill>
+              </a14:hiddenFill>
+            </a:ext>
+          </a:extLst>
+        </p:spPr>
+      </p:pic>
+      <p:sp>
+        <p:nvSpPr>
+          <p:cNvPr id="23" name="TextBox 22">
+            <a:extLst>
+              <a:ext uri="{FF2B5EF4-FFF2-40B4-BE49-F238E27FC236}">
+                <a16:creationId xmlns:a16="http://schemas.microsoft.com/office/drawing/2014/main" id="{23503071-C79C-5C4F-A081-7A5A028E50D5}"/>
+              </a:ext>
+            </a:extLst>
+          </p:cNvPr>
+          <p:cNvSpPr txBox="1"/>
+          <p:nvPr/>
+        </p:nvSpPr>
+        <p:spPr>
+          <a:xfrm>
+            <a:off x="4179409" y="1012757"/>
+            <a:ext cx="1747899" cy="481222"/>
+          </a:xfrm>
+          <a:prstGeom prst="rect">
+            <a:avLst/>
+          </a:prstGeom>
+          <a:noFill/>
+        </p:spPr>
+        <p:txBody>
+          <a:bodyPr wrap="square" rtlCol="0">
+            <a:spAutoFit/>
+          </a:bodyPr>
+          <a:lstStyle/>
+          <a:p>
+            <a:pPr algn="ctr"/>
+            <a:r>
+              <a:rPr lang="en-US" sz="1400" dirty="0"/>
+              <a:t>Basic Client/Server</a:t>
+            </a:r>
+          </a:p>
+        </p:txBody>
+      </p:sp>
+      <p:pic>
+        <p:nvPicPr>
+          <p:cNvPr id="1034" name="Picture 10" descr="Client–server model - Wikipedia">
+            <a:extLst>
+              <a:ext uri="{FF2B5EF4-FFF2-40B4-BE49-F238E27FC236}">
+                <a16:creationId xmlns:a16="http://schemas.microsoft.com/office/drawing/2014/main" id="{5F600BCC-8E4A-274C-83C1-73FF981A0873}"/>
+              </a:ext>
+            </a:extLst>
+          </p:cNvPr>
+          <p:cNvPicPr>
+            <a:picLocks noChangeAspect="1" noChangeArrowheads="1"/>
+          </p:cNvPicPr>
+          <p:nvPr/>
+        </p:nvPicPr>
+        <p:blipFill>
+          <a:blip r:embed="rId6">
+            <a:extLst>
+              <a:ext uri="{28A0092B-C50C-407E-A947-70E740481C1C}">
+                <a14:useLocalDpi xmlns:a14="http://schemas.microsoft.com/office/drawing/2010/main" val="0"/>
+              </a:ext>
+            </a:extLst>
+          </a:blip>
+          <a:srcRect/>
+          <a:stretch>
+            <a:fillRect/>
+          </a:stretch>
+        </p:blipFill>
+        <p:spPr bwMode="auto">
+          <a:xfrm>
+            <a:off x="5559613" y="3124818"/>
+            <a:ext cx="1527847" cy="916708"/>
+          </a:xfrm>
+          <a:prstGeom prst="rect">
+            <a:avLst/>
+          </a:prstGeom>
+          <a:noFill/>
+          <a:extLst>
+            <a:ext uri="{909E8E84-426E-40DD-AFC4-6F175D3DCCD1}">
+              <a14:hiddenFill xmlns:a14="http://schemas.microsoft.com/office/drawing/2010/main">
+                <a:solidFill>
+                  <a:srgbClr val="FFFFFF"/>
+                </a:solidFill>
+              </a14:hiddenFill>
+            </a:ext>
+          </a:extLst>
+        </p:spPr>
+      </p:pic>
+      <p:sp>
+        <p:nvSpPr>
+          <p:cNvPr id="25" name="TextBox 24">
+            <a:extLst>
+              <a:ext uri="{FF2B5EF4-FFF2-40B4-BE49-F238E27FC236}">
+                <a16:creationId xmlns:a16="http://schemas.microsoft.com/office/drawing/2014/main" id="{211941DD-0E48-6440-98EE-70B8CD410602}"/>
+              </a:ext>
+            </a:extLst>
+          </p:cNvPr>
+          <p:cNvSpPr txBox="1"/>
+          <p:nvPr/>
+        </p:nvSpPr>
+        <p:spPr>
+          <a:xfrm>
+            <a:off x="5449586" y="2545069"/>
+            <a:ext cx="1747899" cy="481222"/>
+          </a:xfrm>
+          <a:prstGeom prst="rect">
+            <a:avLst/>
+          </a:prstGeom>
+          <a:noFill/>
+        </p:spPr>
+        <p:txBody>
+          <a:bodyPr wrap="square" rtlCol="0">
+            <a:spAutoFit/>
+          </a:bodyPr>
+          <a:lstStyle/>
+          <a:p>
+            <a:pPr algn="ctr"/>
+            <a:r>
+              <a:rPr lang="en-US" sz="1400" dirty="0"/>
+              <a:t>Basic Web Applications</a:t>
+            </a:r>
+          </a:p>
+        </p:txBody>
+      </p:sp>
+      <p:pic>
+        <p:nvPicPr>
+          <p:cNvPr id="1036" name="Picture 12" descr="Microservices graphs in three large cloud providers [18]-[20], and our Social Network service.">
+            <a:extLst>
+              <a:ext uri="{FF2B5EF4-FFF2-40B4-BE49-F238E27FC236}">
+                <a16:creationId xmlns:a16="http://schemas.microsoft.com/office/drawing/2014/main" id="{96E4893B-3707-A64F-A350-2EBBF65548A1}"/>
+              </a:ext>
+            </a:extLst>
+          </p:cNvPr>
+          <p:cNvPicPr>
+            <a:picLocks noChangeAspect="1" noChangeArrowheads="1"/>
+          </p:cNvPicPr>
+          <p:nvPr/>
+        </p:nvPicPr>
+        <p:blipFill>
+          <a:blip r:embed="rId7">
+            <a:extLst>
+              <a:ext uri="{28A0092B-C50C-407E-A947-70E740481C1C}">
+                <a14:useLocalDpi xmlns:a14="http://schemas.microsoft.com/office/drawing/2010/main" val="0"/>
+              </a:ext>
+            </a:extLst>
+          </a:blip>
+          <a:srcRect/>
+          <a:stretch>
+            <a:fillRect/>
+          </a:stretch>
+        </p:blipFill>
+        <p:spPr bwMode="auto">
+          <a:xfrm>
+            <a:off x="7087460" y="1161157"/>
+            <a:ext cx="1641671" cy="1955947"/>
+          </a:xfrm>
+          <a:prstGeom prst="rect">
+            <a:avLst/>
+          </a:prstGeom>
+          <a:noFill/>
+          <a:extLst>
+            <a:ext uri="{909E8E84-426E-40DD-AFC4-6F175D3DCCD1}">
+              <a14:hiddenFill xmlns:a14="http://schemas.microsoft.com/office/drawing/2010/main">
+                <a:solidFill>
+                  <a:srgbClr val="FFFFFF"/>
+                </a:solidFill>
+              </a14:hiddenFill>
+            </a:ext>
+          </a:extLst>
+        </p:spPr>
+      </p:pic>
+      <p:sp>
+        <p:nvSpPr>
+          <p:cNvPr id="27" name="TextBox 26">
+            <a:extLst>
+              <a:ext uri="{FF2B5EF4-FFF2-40B4-BE49-F238E27FC236}">
+                <a16:creationId xmlns:a16="http://schemas.microsoft.com/office/drawing/2014/main" id="{E7270ED0-7311-CA4D-A65E-0AC3FD30F607}"/>
+              </a:ext>
+            </a:extLst>
+          </p:cNvPr>
+          <p:cNvSpPr txBox="1"/>
+          <p:nvPr/>
+        </p:nvSpPr>
+        <p:spPr>
+          <a:xfrm>
+            <a:off x="7049163" y="543957"/>
+            <a:ext cx="1747899" cy="675121"/>
+          </a:xfrm>
+          <a:prstGeom prst="rect">
+            <a:avLst/>
+          </a:prstGeom>
+          <a:noFill/>
+        </p:spPr>
+        <p:txBody>
+          <a:bodyPr wrap="square" rtlCol="0">
+            <a:spAutoFit/>
+          </a:bodyPr>
+          <a:lstStyle/>
+          <a:p>
+            <a:pPr algn="ctr"/>
+            <a:r>
+              <a:rPr lang="en-US" sz="1400" dirty="0"/>
+              <a:t>Massively Scaled</a:t>
+            </a:r>
+            <a:br>
+              <a:rPr lang="en-US" sz="1400" dirty="0"/>
+            </a:br>
+            <a:r>
+              <a:rPr lang="en-US" sz="1400" dirty="0"/>
+              <a:t>Cloud Architectures</a:t>
             </a:r>
           </a:p>
         </p:txBody>
@@ -8499,146 +9525,2090 @@
           <a:chExt cx="0" cy="0"/>
         </a:xfrm>
       </p:grpSpPr>
-      <p:sp>
-        <p:nvSpPr>
-          <p:cNvPr id="2" name="Title 1"/>
-          <p:cNvSpPr>
-            <a:spLocks noGrp="1"/>
-          </p:cNvSpPr>
-          <p:nvPr>
-            <p:ph type="title"/>
-          </p:nvPr>
-        </p:nvSpPr>
+      <p:cxnSp>
+        <p:nvCxnSpPr>
+          <p:cNvPr id="7" name="Straight Connector 6">
+            <a:extLst>
+              <a:ext uri="{FF2B5EF4-FFF2-40B4-BE49-F238E27FC236}">
+                <a16:creationId xmlns:a16="http://schemas.microsoft.com/office/drawing/2014/main" id="{10B62F08-EBF1-1547-83FE-532047944EAE}"/>
+              </a:ext>
+            </a:extLst>
+          </p:cNvPr>
+          <p:cNvCxnSpPr/>
+          <p:nvPr/>
+        </p:nvCxnSpPr>
         <p:spPr>
-          <a:xfrm>
-            <a:off x="103670" y="244475"/>
-            <a:ext cx="8876726" cy="662716"/>
+          <a:xfrm flipV="1">
+            <a:off x="212651" y="4338084"/>
+            <a:ext cx="8548577" cy="95693"/>
           </a:xfrm>
+          <a:prstGeom prst="line">
+            <a:avLst/>
+          </a:prstGeom>
         </p:spPr>
-        <p:txBody>
-          <a:bodyPr/>
+        <p:style>
+          <a:lnRef idx="1">
+            <a:schemeClr val="accent1"/>
+          </a:lnRef>
+          <a:fillRef idx="0">
+            <a:schemeClr val="accent1"/>
+          </a:fillRef>
+          <a:effectRef idx="0">
+            <a:schemeClr val="accent1"/>
+          </a:effectRef>
+          <a:fontRef idx="minor">
+            <a:schemeClr val="tx1"/>
+          </a:fontRef>
+        </p:style>
+      </p:cxnSp>
+      <p:sp>
+        <p:nvSpPr>
+          <p:cNvPr id="8" name="TextBox 7">
+            <a:extLst>
+              <a:ext uri="{FF2B5EF4-FFF2-40B4-BE49-F238E27FC236}">
+                <a16:creationId xmlns:a16="http://schemas.microsoft.com/office/drawing/2014/main" id="{C2DF89D4-19B6-584C-B14F-562B7266B8B5}"/>
+              </a:ext>
+            </a:extLst>
+          </p:cNvPr>
+          <p:cNvSpPr txBox="1"/>
+          <p:nvPr/>
+        </p:nvSpPr>
+        <p:spPr>
+          <a:xfrm rot="16200000">
+            <a:off x="31827" y="4591862"/>
+            <a:ext cx="850604" cy="343043"/>
+          </a:xfrm>
+          <a:prstGeom prst="rect">
+            <a:avLst/>
+          </a:prstGeom>
+          <a:noFill/>
+        </p:spPr>
+        <p:txBody>
+          <a:bodyPr wrap="square" rtlCol="0">
+            <a:spAutoFit/>
+          </a:bodyPr>
           <a:lstStyle/>
           <a:p>
             <a:r>
-              <a:rPr lang="en-US" sz="3200" u="none" dirty="0">
-                <a:effectLst>
-                  <a:outerShdw blurRad="38100" dist="38100" dir="2700000" algn="tl">
-                    <a:srgbClr val="000000">
-                      <a:alpha val="43137"/>
-                    </a:srgbClr>
-                  </a:outerShdw>
-                </a:effectLst>
-              </a:rPr>
-              <a:t>General Search Engine Architecture </a:t>
-            </a:r>
-            <a:r>
-              <a:rPr lang="en-US" sz="2000" u="none" dirty="0">
-                <a:effectLst>
-                  <a:outerShdw blurRad="38100" dist="38100" dir="2700000" algn="tl">
-                    <a:srgbClr val="000000">
-                      <a:alpha val="43137"/>
-                    </a:srgbClr>
-                  </a:outerShdw>
-                </a:effectLst>
-              </a:rPr>
-              <a:t>(</a:t>
-            </a:r>
-            <a:r>
-              <a:rPr lang="en-US" sz="2000" u="none" dirty="0" err="1">
-                <a:effectLst>
-                  <a:outerShdw blurRad="38100" dist="38100" dir="2700000" algn="tl">
-                    <a:srgbClr val="000000">
-                      <a:alpha val="43137"/>
-                    </a:srgbClr>
-                  </a:outerShdw>
-                </a:effectLst>
-              </a:rPr>
-              <a:t>Arvind</a:t>
-            </a:r>
-            <a:r>
-              <a:rPr lang="en-US" sz="2000" u="none" dirty="0">
-                <a:effectLst>
-                  <a:outerShdw blurRad="38100" dist="38100" dir="2700000" algn="tl">
-                    <a:srgbClr val="000000">
-                      <a:alpha val="43137"/>
-                    </a:srgbClr>
-                  </a:outerShdw>
-                </a:effectLst>
-              </a:rPr>
-              <a:t>)</a:t>
-            </a:r>
-          </a:p>
-        </p:txBody>
-      </p:sp>
-      <p:sp>
-        <p:nvSpPr>
-          <p:cNvPr id="3" name="Slide Number Placeholder 2"/>
-          <p:cNvSpPr>
-            <a:spLocks noGrp="1"/>
-          </p:cNvSpPr>
-          <p:nvPr>
-            <p:ph type="sldNum" sz="quarter" idx="12"/>
-          </p:nvPr>
-        </p:nvSpPr>
-        <p:spPr/>
-        <p:txBody>
-          <a:bodyPr/>
+              <a:rPr lang="en-US" dirty="0"/>
+              <a:t>1940s</a:t>
+            </a:r>
+          </a:p>
+        </p:txBody>
+      </p:sp>
+      <p:sp>
+        <p:nvSpPr>
+          <p:cNvPr id="9" name="TextBox 8">
+            <a:extLst>
+              <a:ext uri="{FF2B5EF4-FFF2-40B4-BE49-F238E27FC236}">
+                <a16:creationId xmlns:a16="http://schemas.microsoft.com/office/drawing/2014/main" id="{ACDFBA9B-B45B-5F45-B778-090911046F68}"/>
+              </a:ext>
+            </a:extLst>
+          </p:cNvPr>
+          <p:cNvSpPr txBox="1"/>
+          <p:nvPr/>
+        </p:nvSpPr>
+        <p:spPr>
+          <a:xfrm rot="16200000">
+            <a:off x="1329761" y="4591862"/>
+            <a:ext cx="850604" cy="343043"/>
+          </a:xfrm>
+          <a:prstGeom prst="rect">
+            <a:avLst/>
+          </a:prstGeom>
+          <a:noFill/>
+        </p:spPr>
+        <p:txBody>
+          <a:bodyPr wrap="square" rtlCol="0">
+            <a:spAutoFit/>
+          </a:bodyPr>
           <a:lstStyle/>
           <a:p>
-            <a:pPr>
-              <a:defRPr/>
-            </a:pPr>
-            <a:fld id="{B9679035-FD90-43C6-9A04-3596202BD13C}" type="slidenum">
-              <a:rPr lang="en-US" altLang="en-US" smtClean="0">
-                <a:solidFill>
-                  <a:prstClr val="black">
-                    <a:tint val="75000"/>
-                  </a:prstClr>
-                </a:solidFill>
-              </a:rPr>
-              <a:pPr>
-                <a:defRPr/>
-              </a:pPr>
-              <a:t>8</a:t>
-            </a:fld>
-            <a:endParaRPr lang="en-US" altLang="en-US">
-              <a:solidFill>
-                <a:prstClr val="black">
-                  <a:tint val="75000"/>
-                </a:prstClr>
-              </a:solidFill>
-            </a:endParaRPr>
+            <a:r>
+              <a:rPr lang="en-US" dirty="0"/>
+              <a:t>1960s</a:t>
+            </a:r>
+          </a:p>
+        </p:txBody>
+      </p:sp>
+      <p:sp>
+        <p:nvSpPr>
+          <p:cNvPr id="11" name="TextBox 10">
+            <a:extLst>
+              <a:ext uri="{FF2B5EF4-FFF2-40B4-BE49-F238E27FC236}">
+                <a16:creationId xmlns:a16="http://schemas.microsoft.com/office/drawing/2014/main" id="{3DA2A415-217E-174C-AEC3-61C14DCAC392}"/>
+              </a:ext>
+            </a:extLst>
+          </p:cNvPr>
+          <p:cNvSpPr txBox="1"/>
+          <p:nvPr/>
+        </p:nvSpPr>
+        <p:spPr>
+          <a:xfrm rot="16200000">
+            <a:off x="2627695" y="4591862"/>
+            <a:ext cx="850604" cy="343043"/>
+          </a:xfrm>
+          <a:prstGeom prst="rect">
+            <a:avLst/>
+          </a:prstGeom>
+          <a:noFill/>
+        </p:spPr>
+        <p:txBody>
+          <a:bodyPr wrap="square" rtlCol="0">
+            <a:spAutoFit/>
+          </a:bodyPr>
+          <a:lstStyle/>
+          <a:p>
+            <a:r>
+              <a:rPr lang="en-US" dirty="0"/>
+              <a:t>1980s</a:t>
+            </a:r>
+          </a:p>
+        </p:txBody>
+      </p:sp>
+      <p:sp>
+        <p:nvSpPr>
+          <p:cNvPr id="12" name="TextBox 11">
+            <a:extLst>
+              <a:ext uri="{FF2B5EF4-FFF2-40B4-BE49-F238E27FC236}">
+                <a16:creationId xmlns:a16="http://schemas.microsoft.com/office/drawing/2014/main" id="{E4E21B92-8CFD-214C-B766-6894125D1283}"/>
+              </a:ext>
+            </a:extLst>
+          </p:cNvPr>
+          <p:cNvSpPr txBox="1"/>
+          <p:nvPr/>
+        </p:nvSpPr>
+        <p:spPr>
+          <a:xfrm rot="16200000">
+            <a:off x="3925629" y="4591862"/>
+            <a:ext cx="850604" cy="343043"/>
+          </a:xfrm>
+          <a:prstGeom prst="rect">
+            <a:avLst/>
+          </a:prstGeom>
+          <a:noFill/>
+        </p:spPr>
+        <p:txBody>
+          <a:bodyPr wrap="square" rtlCol="0">
+            <a:spAutoFit/>
+          </a:bodyPr>
+          <a:lstStyle/>
+          <a:p>
+            <a:r>
+              <a:rPr lang="en-US" dirty="0"/>
+              <a:t>1990s</a:t>
+            </a:r>
+          </a:p>
+        </p:txBody>
+      </p:sp>
+      <p:sp>
+        <p:nvSpPr>
+          <p:cNvPr id="13" name="TextBox 12">
+            <a:extLst>
+              <a:ext uri="{FF2B5EF4-FFF2-40B4-BE49-F238E27FC236}">
+                <a16:creationId xmlns:a16="http://schemas.microsoft.com/office/drawing/2014/main" id="{A7B786C9-AC0C-7D47-863C-3F0087496848}"/>
+              </a:ext>
+            </a:extLst>
+          </p:cNvPr>
+          <p:cNvSpPr txBox="1"/>
+          <p:nvPr/>
+        </p:nvSpPr>
+        <p:spPr>
+          <a:xfrm rot="16200000">
+            <a:off x="5223563" y="4591862"/>
+            <a:ext cx="850604" cy="343043"/>
+          </a:xfrm>
+          <a:prstGeom prst="rect">
+            <a:avLst/>
+          </a:prstGeom>
+          <a:noFill/>
+        </p:spPr>
+        <p:txBody>
+          <a:bodyPr wrap="square" rtlCol="0">
+            <a:spAutoFit/>
+          </a:bodyPr>
+          <a:lstStyle/>
+          <a:p>
+            <a:r>
+              <a:rPr lang="en-US" dirty="0"/>
+              <a:t>2000s</a:t>
+            </a:r>
+          </a:p>
+        </p:txBody>
+      </p:sp>
+      <p:sp>
+        <p:nvSpPr>
+          <p:cNvPr id="14" name="TextBox 13">
+            <a:extLst>
+              <a:ext uri="{FF2B5EF4-FFF2-40B4-BE49-F238E27FC236}">
+                <a16:creationId xmlns:a16="http://schemas.microsoft.com/office/drawing/2014/main" id="{D5693EBC-D414-2645-A6A5-86A3D527AC4C}"/>
+              </a:ext>
+            </a:extLst>
+          </p:cNvPr>
+          <p:cNvSpPr txBox="1"/>
+          <p:nvPr/>
+        </p:nvSpPr>
+        <p:spPr>
+          <a:xfrm rot="16200000">
+            <a:off x="6521497" y="4591862"/>
+            <a:ext cx="850604" cy="343043"/>
+          </a:xfrm>
+          <a:prstGeom prst="rect">
+            <a:avLst/>
+          </a:prstGeom>
+          <a:noFill/>
+        </p:spPr>
+        <p:txBody>
+          <a:bodyPr wrap="square" rtlCol="0">
+            <a:spAutoFit/>
+          </a:bodyPr>
+          <a:lstStyle/>
+          <a:p>
+            <a:r>
+              <a:rPr lang="en-US" dirty="0"/>
+              <a:t>2010s</a:t>
+            </a:r>
+          </a:p>
+        </p:txBody>
+      </p:sp>
+      <p:sp>
+        <p:nvSpPr>
+          <p:cNvPr id="15" name="TextBox 14">
+            <a:extLst>
+              <a:ext uri="{FF2B5EF4-FFF2-40B4-BE49-F238E27FC236}">
+                <a16:creationId xmlns:a16="http://schemas.microsoft.com/office/drawing/2014/main" id="{7AD59F62-5DFF-CC49-9EA9-C746106B96E5}"/>
+              </a:ext>
+            </a:extLst>
+          </p:cNvPr>
+          <p:cNvSpPr txBox="1"/>
+          <p:nvPr/>
+        </p:nvSpPr>
+        <p:spPr>
+          <a:xfrm rot="16200000">
+            <a:off x="7819434" y="4591862"/>
+            <a:ext cx="850604" cy="343043"/>
+          </a:xfrm>
+          <a:prstGeom prst="rect">
+            <a:avLst/>
+          </a:prstGeom>
+          <a:noFill/>
+        </p:spPr>
+        <p:txBody>
+          <a:bodyPr wrap="square" rtlCol="0">
+            <a:spAutoFit/>
+          </a:bodyPr>
+          <a:lstStyle/>
+          <a:p>
+            <a:r>
+              <a:rPr lang="en-US" dirty="0"/>
+              <a:t>2020s</a:t>
+            </a:r>
           </a:p>
         </p:txBody>
       </p:sp>
       <p:pic>
         <p:nvPicPr>
-          <p:cNvPr id="4" name="Picture 3"/>
+          <p:cNvPr id="26" name="Picture 25" descr="ENIAC - Wikipedia">
+            <a:extLst>
+              <a:ext uri="{FF2B5EF4-FFF2-40B4-BE49-F238E27FC236}">
+                <a16:creationId xmlns:a16="http://schemas.microsoft.com/office/drawing/2014/main" id="{88298AB6-F0CD-FC4C-B2B2-33A2E88B2207}"/>
+              </a:ext>
+            </a:extLst>
+          </p:cNvPr>
           <p:cNvPicPr>
-            <a:picLocks noChangeAspect="1"/>
+            <a:picLocks noChangeAspect="1" noChangeArrowheads="1"/>
           </p:cNvPicPr>
           <p:nvPr/>
         </p:nvPicPr>
         <p:blipFill>
-          <a:blip r:embed="rId2"/>
+          <a:blip r:embed="rId2">
+            <a:extLst>
+              <a:ext uri="{28A0092B-C50C-407E-A947-70E740481C1C}">
+                <a14:useLocalDpi xmlns:a14="http://schemas.microsoft.com/office/drawing/2010/main" val="0"/>
+              </a:ext>
+            </a:extLst>
+          </a:blip>
+          <a:srcRect/>
           <a:stretch>
             <a:fillRect/>
           </a:stretch>
         </p:blipFill>
-        <p:spPr>
+        <p:spPr bwMode="auto">
           <a:xfrm>
-            <a:off x="1127382" y="969904"/>
-            <a:ext cx="6264553" cy="4698415"/>
+            <a:off x="197146" y="2791319"/>
+            <a:ext cx="1443115" cy="1086515"/>
           </a:xfrm>
           <a:prstGeom prst="rect">
             <a:avLst/>
           </a:prstGeom>
+          <a:noFill/>
+          <a:extLst>
+            <a:ext uri="{909E8E84-426E-40DD-AFC4-6F175D3DCCD1}">
+              <a14:hiddenFill xmlns:a14="http://schemas.microsoft.com/office/drawing/2010/main">
+                <a:solidFill>
+                  <a:srgbClr val="FFFFFF"/>
+                </a:solidFill>
+              </a14:hiddenFill>
+            </a:ext>
+          </a:extLst>
         </p:spPr>
       </p:pic>
+      <p:sp>
+        <p:nvSpPr>
+          <p:cNvPr id="28" name="TextBox 16">
+            <a:extLst>
+              <a:ext uri="{FF2B5EF4-FFF2-40B4-BE49-F238E27FC236}">
+                <a16:creationId xmlns:a16="http://schemas.microsoft.com/office/drawing/2014/main" id="{AFA25D9F-AA29-994C-B65B-EF8511DB4911}"/>
+              </a:ext>
+            </a:extLst>
+          </p:cNvPr>
+          <p:cNvSpPr txBox="1"/>
+          <p:nvPr/>
+        </p:nvSpPr>
+        <p:spPr>
+          <a:xfrm>
+            <a:off x="53180" y="3900187"/>
+            <a:ext cx="1747899" cy="481222"/>
+          </a:xfrm>
+          <a:prstGeom prst="rect">
+            <a:avLst/>
+          </a:prstGeom>
+          <a:noFill/>
+        </p:spPr>
+        <p:txBody>
+          <a:bodyPr wrap="square" rtlCol="0">
+            <a:spAutoFit/>
+          </a:bodyPr>
+          <a:lstStyle>
+            <a:defPPr>
+              <a:defRPr lang="en-US"/>
+            </a:defPPr>
+            <a:lvl1pPr algn="l" rtl="0" eaLnBrk="0" fontAlgn="base" hangingPunct="0">
+              <a:lnSpc>
+                <a:spcPct val="90000"/>
+              </a:lnSpc>
+              <a:spcBef>
+                <a:spcPct val="0"/>
+              </a:spcBef>
+              <a:spcAft>
+                <a:spcPct val="0"/>
+              </a:spcAft>
+              <a:defRPr b="1" kern="1200">
+                <a:solidFill>
+                  <a:schemeClr val="tx1"/>
+                </a:solidFill>
+                <a:latin typeface="Helvetica" pitchFamily="34" charset="0"/>
+                <a:ea typeface="+mn-ea"/>
+                <a:cs typeface="+mn-cs"/>
+              </a:defRPr>
+            </a:lvl1pPr>
+            <a:lvl2pPr marL="457200" algn="l" rtl="0" eaLnBrk="0" fontAlgn="base" hangingPunct="0">
+              <a:lnSpc>
+                <a:spcPct val="90000"/>
+              </a:lnSpc>
+              <a:spcBef>
+                <a:spcPct val="0"/>
+              </a:spcBef>
+              <a:spcAft>
+                <a:spcPct val="0"/>
+              </a:spcAft>
+              <a:defRPr b="1" kern="1200">
+                <a:solidFill>
+                  <a:schemeClr val="tx1"/>
+                </a:solidFill>
+                <a:latin typeface="Helvetica" pitchFamily="34" charset="0"/>
+                <a:ea typeface="+mn-ea"/>
+                <a:cs typeface="+mn-cs"/>
+              </a:defRPr>
+            </a:lvl2pPr>
+            <a:lvl3pPr marL="914400" algn="l" rtl="0" eaLnBrk="0" fontAlgn="base" hangingPunct="0">
+              <a:lnSpc>
+                <a:spcPct val="90000"/>
+              </a:lnSpc>
+              <a:spcBef>
+                <a:spcPct val="0"/>
+              </a:spcBef>
+              <a:spcAft>
+                <a:spcPct val="0"/>
+              </a:spcAft>
+              <a:defRPr b="1" kern="1200">
+                <a:solidFill>
+                  <a:schemeClr val="tx1"/>
+                </a:solidFill>
+                <a:latin typeface="Helvetica" pitchFamily="34" charset="0"/>
+                <a:ea typeface="+mn-ea"/>
+                <a:cs typeface="+mn-cs"/>
+              </a:defRPr>
+            </a:lvl3pPr>
+            <a:lvl4pPr marL="1371600" algn="l" rtl="0" eaLnBrk="0" fontAlgn="base" hangingPunct="0">
+              <a:lnSpc>
+                <a:spcPct val="90000"/>
+              </a:lnSpc>
+              <a:spcBef>
+                <a:spcPct val="0"/>
+              </a:spcBef>
+              <a:spcAft>
+                <a:spcPct val="0"/>
+              </a:spcAft>
+              <a:defRPr b="1" kern="1200">
+                <a:solidFill>
+                  <a:schemeClr val="tx1"/>
+                </a:solidFill>
+                <a:latin typeface="Helvetica" pitchFamily="34" charset="0"/>
+                <a:ea typeface="+mn-ea"/>
+                <a:cs typeface="+mn-cs"/>
+              </a:defRPr>
+            </a:lvl4pPr>
+            <a:lvl5pPr marL="1828800" algn="l" rtl="0" eaLnBrk="0" fontAlgn="base" hangingPunct="0">
+              <a:lnSpc>
+                <a:spcPct val="90000"/>
+              </a:lnSpc>
+              <a:spcBef>
+                <a:spcPct val="0"/>
+              </a:spcBef>
+              <a:spcAft>
+                <a:spcPct val="0"/>
+              </a:spcAft>
+              <a:defRPr b="1" kern="1200">
+                <a:solidFill>
+                  <a:schemeClr val="tx1"/>
+                </a:solidFill>
+                <a:latin typeface="Helvetica" pitchFamily="34" charset="0"/>
+                <a:ea typeface="+mn-ea"/>
+                <a:cs typeface="+mn-cs"/>
+              </a:defRPr>
+            </a:lvl5pPr>
+            <a:lvl6pPr marL="2286000" algn="l" defTabSz="914400" rtl="0" eaLnBrk="1" latinLnBrk="0" hangingPunct="1">
+              <a:defRPr b="1" kern="1200">
+                <a:solidFill>
+                  <a:schemeClr val="tx1"/>
+                </a:solidFill>
+                <a:latin typeface="Helvetica" pitchFamily="34" charset="0"/>
+                <a:ea typeface="+mn-ea"/>
+                <a:cs typeface="+mn-cs"/>
+              </a:defRPr>
+            </a:lvl6pPr>
+            <a:lvl7pPr marL="2743200" algn="l" defTabSz="914400" rtl="0" eaLnBrk="1" latinLnBrk="0" hangingPunct="1">
+              <a:defRPr b="1" kern="1200">
+                <a:solidFill>
+                  <a:schemeClr val="tx1"/>
+                </a:solidFill>
+                <a:latin typeface="Helvetica" pitchFamily="34" charset="0"/>
+                <a:ea typeface="+mn-ea"/>
+                <a:cs typeface="+mn-cs"/>
+              </a:defRPr>
+            </a:lvl7pPr>
+            <a:lvl8pPr marL="3200400" algn="l" defTabSz="914400" rtl="0" eaLnBrk="1" latinLnBrk="0" hangingPunct="1">
+              <a:defRPr b="1" kern="1200">
+                <a:solidFill>
+                  <a:schemeClr val="tx1"/>
+                </a:solidFill>
+                <a:latin typeface="Helvetica" pitchFamily="34" charset="0"/>
+                <a:ea typeface="+mn-ea"/>
+                <a:cs typeface="+mn-cs"/>
+              </a:defRPr>
+            </a:lvl8pPr>
+            <a:lvl9pPr marL="3657600" algn="l" defTabSz="914400" rtl="0" eaLnBrk="1" latinLnBrk="0" hangingPunct="1">
+              <a:defRPr b="1" kern="1200">
+                <a:solidFill>
+                  <a:schemeClr val="tx1"/>
+                </a:solidFill>
+                <a:latin typeface="Helvetica" pitchFamily="34" charset="0"/>
+                <a:ea typeface="+mn-ea"/>
+                <a:cs typeface="+mn-cs"/>
+              </a:defRPr>
+            </a:lvl9pPr>
+          </a:lstStyle>
+          <a:p>
+            <a:pPr algn="ctr"/>
+            <a:r>
+              <a:rPr lang="en-US" sz="1400" dirty="0"/>
+              <a:t>Purpose Built Computers</a:t>
+            </a:r>
+          </a:p>
+        </p:txBody>
+      </p:sp>
+      <p:pic>
+        <p:nvPicPr>
+          <p:cNvPr id="29" name="Picture 28" descr="What Does It Take to Keep a Classic Mainframe Alive? - IEEE Spectrum">
+            <a:extLst>
+              <a:ext uri="{FF2B5EF4-FFF2-40B4-BE49-F238E27FC236}">
+                <a16:creationId xmlns:a16="http://schemas.microsoft.com/office/drawing/2014/main" id="{F682E19F-C8A3-A241-A1DE-AD26A6F06713}"/>
+              </a:ext>
+            </a:extLst>
+          </p:cNvPr>
+          <p:cNvPicPr>
+            <a:picLocks noChangeAspect="1" noChangeArrowheads="1"/>
+          </p:cNvPicPr>
+          <p:nvPr/>
+        </p:nvPicPr>
+        <p:blipFill>
+          <a:blip r:embed="rId3">
+            <a:extLst>
+              <a:ext uri="{28A0092B-C50C-407E-A947-70E740481C1C}">
+                <a14:useLocalDpi xmlns:a14="http://schemas.microsoft.com/office/drawing/2010/main" val="0"/>
+              </a:ext>
+            </a:extLst>
+          </a:blip>
+          <a:srcRect/>
+          <a:stretch>
+            <a:fillRect/>
+          </a:stretch>
+        </p:blipFill>
+        <p:spPr bwMode="auto">
+          <a:xfrm>
+            <a:off x="1656113" y="1757916"/>
+            <a:ext cx="1450555" cy="1086516"/>
+          </a:xfrm>
+          <a:prstGeom prst="rect">
+            <a:avLst/>
+          </a:prstGeom>
+          <a:noFill/>
+          <a:extLst>
+            <a:ext uri="{909E8E84-426E-40DD-AFC4-6F175D3DCCD1}">
+              <a14:hiddenFill xmlns:a14="http://schemas.microsoft.com/office/drawing/2010/main">
+                <a:solidFill>
+                  <a:srgbClr val="FFFFFF"/>
+                </a:solidFill>
+              </a14:hiddenFill>
+            </a:ext>
+          </a:extLst>
+        </p:spPr>
+      </p:pic>
+      <p:sp>
+        <p:nvSpPr>
+          <p:cNvPr id="30" name="TextBox 18">
+            <a:extLst>
+              <a:ext uri="{FF2B5EF4-FFF2-40B4-BE49-F238E27FC236}">
+                <a16:creationId xmlns:a16="http://schemas.microsoft.com/office/drawing/2014/main" id="{2A4D7C35-2154-7540-8D3D-35D03766FB1B}"/>
+              </a:ext>
+            </a:extLst>
+          </p:cNvPr>
+          <p:cNvSpPr txBox="1"/>
+          <p:nvPr/>
+        </p:nvSpPr>
+        <p:spPr>
+          <a:xfrm>
+            <a:off x="1495295" y="1148319"/>
+            <a:ext cx="1747899" cy="675121"/>
+          </a:xfrm>
+          <a:prstGeom prst="rect">
+            <a:avLst/>
+          </a:prstGeom>
+          <a:noFill/>
+        </p:spPr>
+        <p:txBody>
+          <a:bodyPr wrap="square" rtlCol="0">
+            <a:spAutoFit/>
+          </a:bodyPr>
+          <a:lstStyle>
+            <a:defPPr>
+              <a:defRPr lang="en-US"/>
+            </a:defPPr>
+            <a:lvl1pPr algn="l" rtl="0" eaLnBrk="0" fontAlgn="base" hangingPunct="0">
+              <a:lnSpc>
+                <a:spcPct val="90000"/>
+              </a:lnSpc>
+              <a:spcBef>
+                <a:spcPct val="0"/>
+              </a:spcBef>
+              <a:spcAft>
+                <a:spcPct val="0"/>
+              </a:spcAft>
+              <a:defRPr b="1" kern="1200">
+                <a:solidFill>
+                  <a:schemeClr val="tx1"/>
+                </a:solidFill>
+                <a:latin typeface="Helvetica" pitchFamily="34" charset="0"/>
+                <a:ea typeface="+mn-ea"/>
+                <a:cs typeface="+mn-cs"/>
+              </a:defRPr>
+            </a:lvl1pPr>
+            <a:lvl2pPr marL="457200" algn="l" rtl="0" eaLnBrk="0" fontAlgn="base" hangingPunct="0">
+              <a:lnSpc>
+                <a:spcPct val="90000"/>
+              </a:lnSpc>
+              <a:spcBef>
+                <a:spcPct val="0"/>
+              </a:spcBef>
+              <a:spcAft>
+                <a:spcPct val="0"/>
+              </a:spcAft>
+              <a:defRPr b="1" kern="1200">
+                <a:solidFill>
+                  <a:schemeClr val="tx1"/>
+                </a:solidFill>
+                <a:latin typeface="Helvetica" pitchFamily="34" charset="0"/>
+                <a:ea typeface="+mn-ea"/>
+                <a:cs typeface="+mn-cs"/>
+              </a:defRPr>
+            </a:lvl2pPr>
+            <a:lvl3pPr marL="914400" algn="l" rtl="0" eaLnBrk="0" fontAlgn="base" hangingPunct="0">
+              <a:lnSpc>
+                <a:spcPct val="90000"/>
+              </a:lnSpc>
+              <a:spcBef>
+                <a:spcPct val="0"/>
+              </a:spcBef>
+              <a:spcAft>
+                <a:spcPct val="0"/>
+              </a:spcAft>
+              <a:defRPr b="1" kern="1200">
+                <a:solidFill>
+                  <a:schemeClr val="tx1"/>
+                </a:solidFill>
+                <a:latin typeface="Helvetica" pitchFamily="34" charset="0"/>
+                <a:ea typeface="+mn-ea"/>
+                <a:cs typeface="+mn-cs"/>
+              </a:defRPr>
+            </a:lvl3pPr>
+            <a:lvl4pPr marL="1371600" algn="l" rtl="0" eaLnBrk="0" fontAlgn="base" hangingPunct="0">
+              <a:lnSpc>
+                <a:spcPct val="90000"/>
+              </a:lnSpc>
+              <a:spcBef>
+                <a:spcPct val="0"/>
+              </a:spcBef>
+              <a:spcAft>
+                <a:spcPct val="0"/>
+              </a:spcAft>
+              <a:defRPr b="1" kern="1200">
+                <a:solidFill>
+                  <a:schemeClr val="tx1"/>
+                </a:solidFill>
+                <a:latin typeface="Helvetica" pitchFamily="34" charset="0"/>
+                <a:ea typeface="+mn-ea"/>
+                <a:cs typeface="+mn-cs"/>
+              </a:defRPr>
+            </a:lvl4pPr>
+            <a:lvl5pPr marL="1828800" algn="l" rtl="0" eaLnBrk="0" fontAlgn="base" hangingPunct="0">
+              <a:lnSpc>
+                <a:spcPct val="90000"/>
+              </a:lnSpc>
+              <a:spcBef>
+                <a:spcPct val="0"/>
+              </a:spcBef>
+              <a:spcAft>
+                <a:spcPct val="0"/>
+              </a:spcAft>
+              <a:defRPr b="1" kern="1200">
+                <a:solidFill>
+                  <a:schemeClr val="tx1"/>
+                </a:solidFill>
+                <a:latin typeface="Helvetica" pitchFamily="34" charset="0"/>
+                <a:ea typeface="+mn-ea"/>
+                <a:cs typeface="+mn-cs"/>
+              </a:defRPr>
+            </a:lvl5pPr>
+            <a:lvl6pPr marL="2286000" algn="l" defTabSz="914400" rtl="0" eaLnBrk="1" latinLnBrk="0" hangingPunct="1">
+              <a:defRPr b="1" kern="1200">
+                <a:solidFill>
+                  <a:schemeClr val="tx1"/>
+                </a:solidFill>
+                <a:latin typeface="Helvetica" pitchFamily="34" charset="0"/>
+                <a:ea typeface="+mn-ea"/>
+                <a:cs typeface="+mn-cs"/>
+              </a:defRPr>
+            </a:lvl6pPr>
+            <a:lvl7pPr marL="2743200" algn="l" defTabSz="914400" rtl="0" eaLnBrk="1" latinLnBrk="0" hangingPunct="1">
+              <a:defRPr b="1" kern="1200">
+                <a:solidFill>
+                  <a:schemeClr val="tx1"/>
+                </a:solidFill>
+                <a:latin typeface="Helvetica" pitchFamily="34" charset="0"/>
+                <a:ea typeface="+mn-ea"/>
+                <a:cs typeface="+mn-cs"/>
+              </a:defRPr>
+            </a:lvl7pPr>
+            <a:lvl8pPr marL="3200400" algn="l" defTabSz="914400" rtl="0" eaLnBrk="1" latinLnBrk="0" hangingPunct="1">
+              <a:defRPr b="1" kern="1200">
+                <a:solidFill>
+                  <a:schemeClr val="tx1"/>
+                </a:solidFill>
+                <a:latin typeface="Helvetica" pitchFamily="34" charset="0"/>
+                <a:ea typeface="+mn-ea"/>
+                <a:cs typeface="+mn-cs"/>
+              </a:defRPr>
+            </a:lvl8pPr>
+            <a:lvl9pPr marL="3657600" algn="l" defTabSz="914400" rtl="0" eaLnBrk="1" latinLnBrk="0" hangingPunct="1">
+              <a:defRPr b="1" kern="1200">
+                <a:solidFill>
+                  <a:schemeClr val="tx1"/>
+                </a:solidFill>
+                <a:latin typeface="Helvetica" pitchFamily="34" charset="0"/>
+                <a:ea typeface="+mn-ea"/>
+                <a:cs typeface="+mn-cs"/>
+              </a:defRPr>
+            </a:lvl9pPr>
+          </a:lstStyle>
+          <a:p>
+            <a:pPr algn="ctr"/>
+            <a:r>
+              <a:rPr lang="en-US" sz="1400" dirty="0"/>
+              <a:t>Batch Business Processing on Mainframes</a:t>
+            </a:r>
+          </a:p>
+        </p:txBody>
+      </p:sp>
+      <p:pic>
+        <p:nvPicPr>
+          <p:cNvPr id="31" name="Picture 30" descr="30 years of PCs (slideshow) - ExtremeTech">
+            <a:extLst>
+              <a:ext uri="{FF2B5EF4-FFF2-40B4-BE49-F238E27FC236}">
+                <a16:creationId xmlns:a16="http://schemas.microsoft.com/office/drawing/2014/main" id="{01C410F0-2488-B349-954D-81BBFF37A0C0}"/>
+              </a:ext>
+            </a:extLst>
+          </p:cNvPr>
+          <p:cNvPicPr>
+            <a:picLocks noChangeAspect="1" noChangeArrowheads="1"/>
+          </p:cNvPicPr>
+          <p:nvPr/>
+        </p:nvPicPr>
+        <p:blipFill>
+          <a:blip r:embed="rId4">
+            <a:extLst>
+              <a:ext uri="{28A0092B-C50C-407E-A947-70E740481C1C}">
+                <a14:useLocalDpi xmlns:a14="http://schemas.microsoft.com/office/drawing/2010/main" val="0"/>
+              </a:ext>
+            </a:extLst>
+          </a:blip>
+          <a:srcRect/>
+          <a:stretch>
+            <a:fillRect/>
+          </a:stretch>
+        </p:blipFill>
+        <p:spPr bwMode="auto">
+          <a:xfrm>
+            <a:off x="3029463" y="3320326"/>
+            <a:ext cx="1278232" cy="850605"/>
+          </a:xfrm>
+          <a:prstGeom prst="rect">
+            <a:avLst/>
+          </a:prstGeom>
+          <a:noFill/>
+          <a:extLst>
+            <a:ext uri="{909E8E84-426E-40DD-AFC4-6F175D3DCCD1}">
+              <a14:hiddenFill xmlns:a14="http://schemas.microsoft.com/office/drawing/2010/main">
+                <a:solidFill>
+                  <a:srgbClr val="FFFFFF"/>
+                </a:solidFill>
+              </a14:hiddenFill>
+            </a:ext>
+          </a:extLst>
+        </p:spPr>
+      </p:pic>
+      <p:sp>
+        <p:nvSpPr>
+          <p:cNvPr id="32" name="TextBox 20">
+            <a:extLst>
+              <a:ext uri="{FF2B5EF4-FFF2-40B4-BE49-F238E27FC236}">
+                <a16:creationId xmlns:a16="http://schemas.microsoft.com/office/drawing/2014/main" id="{3A2354DF-A0E7-A346-958A-3F7166B388B9}"/>
+              </a:ext>
+            </a:extLst>
+          </p:cNvPr>
+          <p:cNvSpPr txBox="1"/>
+          <p:nvPr/>
+        </p:nvSpPr>
+        <p:spPr>
+          <a:xfrm>
+            <a:off x="2857941" y="2619823"/>
+            <a:ext cx="1747899" cy="675121"/>
+          </a:xfrm>
+          <a:prstGeom prst="rect">
+            <a:avLst/>
+          </a:prstGeom>
+          <a:noFill/>
+        </p:spPr>
+        <p:txBody>
+          <a:bodyPr wrap="square" rtlCol="0">
+            <a:spAutoFit/>
+          </a:bodyPr>
+          <a:lstStyle>
+            <a:defPPr>
+              <a:defRPr lang="en-US"/>
+            </a:defPPr>
+            <a:lvl1pPr algn="l" rtl="0" eaLnBrk="0" fontAlgn="base" hangingPunct="0">
+              <a:lnSpc>
+                <a:spcPct val="90000"/>
+              </a:lnSpc>
+              <a:spcBef>
+                <a:spcPct val="0"/>
+              </a:spcBef>
+              <a:spcAft>
+                <a:spcPct val="0"/>
+              </a:spcAft>
+              <a:defRPr b="1" kern="1200">
+                <a:solidFill>
+                  <a:schemeClr val="tx1"/>
+                </a:solidFill>
+                <a:latin typeface="Helvetica" pitchFamily="34" charset="0"/>
+                <a:ea typeface="+mn-ea"/>
+                <a:cs typeface="+mn-cs"/>
+              </a:defRPr>
+            </a:lvl1pPr>
+            <a:lvl2pPr marL="457200" algn="l" rtl="0" eaLnBrk="0" fontAlgn="base" hangingPunct="0">
+              <a:lnSpc>
+                <a:spcPct val="90000"/>
+              </a:lnSpc>
+              <a:spcBef>
+                <a:spcPct val="0"/>
+              </a:spcBef>
+              <a:spcAft>
+                <a:spcPct val="0"/>
+              </a:spcAft>
+              <a:defRPr b="1" kern="1200">
+                <a:solidFill>
+                  <a:schemeClr val="tx1"/>
+                </a:solidFill>
+                <a:latin typeface="Helvetica" pitchFamily="34" charset="0"/>
+                <a:ea typeface="+mn-ea"/>
+                <a:cs typeface="+mn-cs"/>
+              </a:defRPr>
+            </a:lvl2pPr>
+            <a:lvl3pPr marL="914400" algn="l" rtl="0" eaLnBrk="0" fontAlgn="base" hangingPunct="0">
+              <a:lnSpc>
+                <a:spcPct val="90000"/>
+              </a:lnSpc>
+              <a:spcBef>
+                <a:spcPct val="0"/>
+              </a:spcBef>
+              <a:spcAft>
+                <a:spcPct val="0"/>
+              </a:spcAft>
+              <a:defRPr b="1" kern="1200">
+                <a:solidFill>
+                  <a:schemeClr val="tx1"/>
+                </a:solidFill>
+                <a:latin typeface="Helvetica" pitchFamily="34" charset="0"/>
+                <a:ea typeface="+mn-ea"/>
+                <a:cs typeface="+mn-cs"/>
+              </a:defRPr>
+            </a:lvl3pPr>
+            <a:lvl4pPr marL="1371600" algn="l" rtl="0" eaLnBrk="0" fontAlgn="base" hangingPunct="0">
+              <a:lnSpc>
+                <a:spcPct val="90000"/>
+              </a:lnSpc>
+              <a:spcBef>
+                <a:spcPct val="0"/>
+              </a:spcBef>
+              <a:spcAft>
+                <a:spcPct val="0"/>
+              </a:spcAft>
+              <a:defRPr b="1" kern="1200">
+                <a:solidFill>
+                  <a:schemeClr val="tx1"/>
+                </a:solidFill>
+                <a:latin typeface="Helvetica" pitchFamily="34" charset="0"/>
+                <a:ea typeface="+mn-ea"/>
+                <a:cs typeface="+mn-cs"/>
+              </a:defRPr>
+            </a:lvl4pPr>
+            <a:lvl5pPr marL="1828800" algn="l" rtl="0" eaLnBrk="0" fontAlgn="base" hangingPunct="0">
+              <a:lnSpc>
+                <a:spcPct val="90000"/>
+              </a:lnSpc>
+              <a:spcBef>
+                <a:spcPct val="0"/>
+              </a:spcBef>
+              <a:spcAft>
+                <a:spcPct val="0"/>
+              </a:spcAft>
+              <a:defRPr b="1" kern="1200">
+                <a:solidFill>
+                  <a:schemeClr val="tx1"/>
+                </a:solidFill>
+                <a:latin typeface="Helvetica" pitchFamily="34" charset="0"/>
+                <a:ea typeface="+mn-ea"/>
+                <a:cs typeface="+mn-cs"/>
+              </a:defRPr>
+            </a:lvl5pPr>
+            <a:lvl6pPr marL="2286000" algn="l" defTabSz="914400" rtl="0" eaLnBrk="1" latinLnBrk="0" hangingPunct="1">
+              <a:defRPr b="1" kern="1200">
+                <a:solidFill>
+                  <a:schemeClr val="tx1"/>
+                </a:solidFill>
+                <a:latin typeface="Helvetica" pitchFamily="34" charset="0"/>
+                <a:ea typeface="+mn-ea"/>
+                <a:cs typeface="+mn-cs"/>
+              </a:defRPr>
+            </a:lvl6pPr>
+            <a:lvl7pPr marL="2743200" algn="l" defTabSz="914400" rtl="0" eaLnBrk="1" latinLnBrk="0" hangingPunct="1">
+              <a:defRPr b="1" kern="1200">
+                <a:solidFill>
+                  <a:schemeClr val="tx1"/>
+                </a:solidFill>
+                <a:latin typeface="Helvetica" pitchFamily="34" charset="0"/>
+                <a:ea typeface="+mn-ea"/>
+                <a:cs typeface="+mn-cs"/>
+              </a:defRPr>
+            </a:lvl7pPr>
+            <a:lvl8pPr marL="3200400" algn="l" defTabSz="914400" rtl="0" eaLnBrk="1" latinLnBrk="0" hangingPunct="1">
+              <a:defRPr b="1" kern="1200">
+                <a:solidFill>
+                  <a:schemeClr val="tx1"/>
+                </a:solidFill>
+                <a:latin typeface="Helvetica" pitchFamily="34" charset="0"/>
+                <a:ea typeface="+mn-ea"/>
+                <a:cs typeface="+mn-cs"/>
+              </a:defRPr>
+            </a:lvl8pPr>
+            <a:lvl9pPr marL="3657600" algn="l" defTabSz="914400" rtl="0" eaLnBrk="1" latinLnBrk="0" hangingPunct="1">
+              <a:defRPr b="1" kern="1200">
+                <a:solidFill>
+                  <a:schemeClr val="tx1"/>
+                </a:solidFill>
+                <a:latin typeface="Helvetica" pitchFamily="34" charset="0"/>
+                <a:ea typeface="+mn-ea"/>
+                <a:cs typeface="+mn-cs"/>
+              </a:defRPr>
+            </a:lvl9pPr>
+          </a:lstStyle>
+          <a:p>
+            <a:pPr algn="ctr"/>
+            <a:r>
+              <a:rPr lang="en-US" sz="1400" dirty="0"/>
+              <a:t>Monocytic applications on a desktop computer</a:t>
+            </a:r>
+          </a:p>
+        </p:txBody>
+      </p:sp>
+      <p:pic>
+        <p:nvPicPr>
+          <p:cNvPr id="33" name="Picture 32" descr="Client-server Application - OOSE">
+            <a:extLst>
+              <a:ext uri="{FF2B5EF4-FFF2-40B4-BE49-F238E27FC236}">
+                <a16:creationId xmlns:a16="http://schemas.microsoft.com/office/drawing/2014/main" id="{9B0A45CA-A17D-AD47-B649-07132A55FA4E}"/>
+              </a:ext>
+            </a:extLst>
+          </p:cNvPr>
+          <p:cNvPicPr>
+            <a:picLocks noChangeAspect="1" noChangeArrowheads="1"/>
+          </p:cNvPicPr>
+          <p:nvPr/>
+        </p:nvPicPr>
+        <p:blipFill>
+          <a:blip r:embed="rId5">
+            <a:extLst>
+              <a:ext uri="{28A0092B-C50C-407E-A947-70E740481C1C}">
+                <a14:useLocalDpi xmlns:a14="http://schemas.microsoft.com/office/drawing/2010/main" val="0"/>
+              </a:ext>
+            </a:extLst>
+          </a:blip>
+          <a:srcRect/>
+          <a:stretch>
+            <a:fillRect/>
+          </a:stretch>
+        </p:blipFill>
+        <p:spPr bwMode="auto">
+          <a:xfrm>
+            <a:off x="4155875" y="1671581"/>
+            <a:ext cx="1714336" cy="694476"/>
+          </a:xfrm>
+          <a:prstGeom prst="rect">
+            <a:avLst/>
+          </a:prstGeom>
+          <a:noFill/>
+          <a:extLst>
+            <a:ext uri="{909E8E84-426E-40DD-AFC4-6F175D3DCCD1}">
+              <a14:hiddenFill xmlns:a14="http://schemas.microsoft.com/office/drawing/2010/main">
+                <a:solidFill>
+                  <a:srgbClr val="FFFFFF"/>
+                </a:solidFill>
+              </a14:hiddenFill>
+            </a:ext>
+          </a:extLst>
+        </p:spPr>
+      </p:pic>
+      <p:sp>
+        <p:nvSpPr>
+          <p:cNvPr id="34" name="TextBox 22">
+            <a:extLst>
+              <a:ext uri="{FF2B5EF4-FFF2-40B4-BE49-F238E27FC236}">
+                <a16:creationId xmlns:a16="http://schemas.microsoft.com/office/drawing/2014/main" id="{23503071-C79C-5C4F-A081-7A5A028E50D5}"/>
+              </a:ext>
+            </a:extLst>
+          </p:cNvPr>
+          <p:cNvSpPr txBox="1"/>
+          <p:nvPr/>
+        </p:nvSpPr>
+        <p:spPr>
+          <a:xfrm>
+            <a:off x="4155875" y="1071509"/>
+            <a:ext cx="1747899" cy="481222"/>
+          </a:xfrm>
+          <a:prstGeom prst="rect">
+            <a:avLst/>
+          </a:prstGeom>
+          <a:noFill/>
+        </p:spPr>
+        <p:txBody>
+          <a:bodyPr wrap="square" rtlCol="0">
+            <a:spAutoFit/>
+          </a:bodyPr>
+          <a:lstStyle>
+            <a:defPPr>
+              <a:defRPr lang="en-US"/>
+            </a:defPPr>
+            <a:lvl1pPr algn="l" rtl="0" eaLnBrk="0" fontAlgn="base" hangingPunct="0">
+              <a:lnSpc>
+                <a:spcPct val="90000"/>
+              </a:lnSpc>
+              <a:spcBef>
+                <a:spcPct val="0"/>
+              </a:spcBef>
+              <a:spcAft>
+                <a:spcPct val="0"/>
+              </a:spcAft>
+              <a:defRPr b="1" kern="1200">
+                <a:solidFill>
+                  <a:schemeClr val="tx1"/>
+                </a:solidFill>
+                <a:latin typeface="Helvetica" pitchFamily="34" charset="0"/>
+                <a:ea typeface="+mn-ea"/>
+                <a:cs typeface="+mn-cs"/>
+              </a:defRPr>
+            </a:lvl1pPr>
+            <a:lvl2pPr marL="457200" algn="l" rtl="0" eaLnBrk="0" fontAlgn="base" hangingPunct="0">
+              <a:lnSpc>
+                <a:spcPct val="90000"/>
+              </a:lnSpc>
+              <a:spcBef>
+                <a:spcPct val="0"/>
+              </a:spcBef>
+              <a:spcAft>
+                <a:spcPct val="0"/>
+              </a:spcAft>
+              <a:defRPr b="1" kern="1200">
+                <a:solidFill>
+                  <a:schemeClr val="tx1"/>
+                </a:solidFill>
+                <a:latin typeface="Helvetica" pitchFamily="34" charset="0"/>
+                <a:ea typeface="+mn-ea"/>
+                <a:cs typeface="+mn-cs"/>
+              </a:defRPr>
+            </a:lvl2pPr>
+            <a:lvl3pPr marL="914400" algn="l" rtl="0" eaLnBrk="0" fontAlgn="base" hangingPunct="0">
+              <a:lnSpc>
+                <a:spcPct val="90000"/>
+              </a:lnSpc>
+              <a:spcBef>
+                <a:spcPct val="0"/>
+              </a:spcBef>
+              <a:spcAft>
+                <a:spcPct val="0"/>
+              </a:spcAft>
+              <a:defRPr b="1" kern="1200">
+                <a:solidFill>
+                  <a:schemeClr val="tx1"/>
+                </a:solidFill>
+                <a:latin typeface="Helvetica" pitchFamily="34" charset="0"/>
+                <a:ea typeface="+mn-ea"/>
+                <a:cs typeface="+mn-cs"/>
+              </a:defRPr>
+            </a:lvl3pPr>
+            <a:lvl4pPr marL="1371600" algn="l" rtl="0" eaLnBrk="0" fontAlgn="base" hangingPunct="0">
+              <a:lnSpc>
+                <a:spcPct val="90000"/>
+              </a:lnSpc>
+              <a:spcBef>
+                <a:spcPct val="0"/>
+              </a:spcBef>
+              <a:spcAft>
+                <a:spcPct val="0"/>
+              </a:spcAft>
+              <a:defRPr b="1" kern="1200">
+                <a:solidFill>
+                  <a:schemeClr val="tx1"/>
+                </a:solidFill>
+                <a:latin typeface="Helvetica" pitchFamily="34" charset="0"/>
+                <a:ea typeface="+mn-ea"/>
+                <a:cs typeface="+mn-cs"/>
+              </a:defRPr>
+            </a:lvl4pPr>
+            <a:lvl5pPr marL="1828800" algn="l" rtl="0" eaLnBrk="0" fontAlgn="base" hangingPunct="0">
+              <a:lnSpc>
+                <a:spcPct val="90000"/>
+              </a:lnSpc>
+              <a:spcBef>
+                <a:spcPct val="0"/>
+              </a:spcBef>
+              <a:spcAft>
+                <a:spcPct val="0"/>
+              </a:spcAft>
+              <a:defRPr b="1" kern="1200">
+                <a:solidFill>
+                  <a:schemeClr val="tx1"/>
+                </a:solidFill>
+                <a:latin typeface="Helvetica" pitchFamily="34" charset="0"/>
+                <a:ea typeface="+mn-ea"/>
+                <a:cs typeface="+mn-cs"/>
+              </a:defRPr>
+            </a:lvl5pPr>
+            <a:lvl6pPr marL="2286000" algn="l" defTabSz="914400" rtl="0" eaLnBrk="1" latinLnBrk="0" hangingPunct="1">
+              <a:defRPr b="1" kern="1200">
+                <a:solidFill>
+                  <a:schemeClr val="tx1"/>
+                </a:solidFill>
+                <a:latin typeface="Helvetica" pitchFamily="34" charset="0"/>
+                <a:ea typeface="+mn-ea"/>
+                <a:cs typeface="+mn-cs"/>
+              </a:defRPr>
+            </a:lvl6pPr>
+            <a:lvl7pPr marL="2743200" algn="l" defTabSz="914400" rtl="0" eaLnBrk="1" latinLnBrk="0" hangingPunct="1">
+              <a:defRPr b="1" kern="1200">
+                <a:solidFill>
+                  <a:schemeClr val="tx1"/>
+                </a:solidFill>
+                <a:latin typeface="Helvetica" pitchFamily="34" charset="0"/>
+                <a:ea typeface="+mn-ea"/>
+                <a:cs typeface="+mn-cs"/>
+              </a:defRPr>
+            </a:lvl7pPr>
+            <a:lvl8pPr marL="3200400" algn="l" defTabSz="914400" rtl="0" eaLnBrk="1" latinLnBrk="0" hangingPunct="1">
+              <a:defRPr b="1" kern="1200">
+                <a:solidFill>
+                  <a:schemeClr val="tx1"/>
+                </a:solidFill>
+                <a:latin typeface="Helvetica" pitchFamily="34" charset="0"/>
+                <a:ea typeface="+mn-ea"/>
+                <a:cs typeface="+mn-cs"/>
+              </a:defRPr>
+            </a:lvl8pPr>
+            <a:lvl9pPr marL="3657600" algn="l" defTabSz="914400" rtl="0" eaLnBrk="1" latinLnBrk="0" hangingPunct="1">
+              <a:defRPr b="1" kern="1200">
+                <a:solidFill>
+                  <a:schemeClr val="tx1"/>
+                </a:solidFill>
+                <a:latin typeface="Helvetica" pitchFamily="34" charset="0"/>
+                <a:ea typeface="+mn-ea"/>
+                <a:cs typeface="+mn-cs"/>
+              </a:defRPr>
+            </a:lvl9pPr>
+          </a:lstStyle>
+          <a:p>
+            <a:pPr algn="ctr"/>
+            <a:r>
+              <a:rPr lang="en-US" sz="1400" dirty="0"/>
+              <a:t>Basic Client/Server</a:t>
+            </a:r>
+          </a:p>
+        </p:txBody>
+      </p:sp>
+      <p:pic>
+        <p:nvPicPr>
+          <p:cNvPr id="35" name="Picture 34" descr="Client–server model - Wikipedia">
+            <a:extLst>
+              <a:ext uri="{FF2B5EF4-FFF2-40B4-BE49-F238E27FC236}">
+                <a16:creationId xmlns:a16="http://schemas.microsoft.com/office/drawing/2014/main" id="{5F600BCC-8E4A-274C-83C1-73FF981A0873}"/>
+              </a:ext>
+            </a:extLst>
+          </p:cNvPr>
+          <p:cNvPicPr>
+            <a:picLocks noChangeAspect="1" noChangeArrowheads="1"/>
+          </p:cNvPicPr>
+          <p:nvPr/>
+        </p:nvPicPr>
+        <p:blipFill>
+          <a:blip r:embed="rId6">
+            <a:extLst>
+              <a:ext uri="{28A0092B-C50C-407E-A947-70E740481C1C}">
+                <a14:useLocalDpi xmlns:a14="http://schemas.microsoft.com/office/drawing/2010/main" val="0"/>
+              </a:ext>
+            </a:extLst>
+          </a:blip>
+          <a:srcRect/>
+          <a:stretch>
+            <a:fillRect/>
+          </a:stretch>
+        </p:blipFill>
+        <p:spPr bwMode="auto">
+          <a:xfrm>
+            <a:off x="5536079" y="3183570"/>
+            <a:ext cx="1527847" cy="916708"/>
+          </a:xfrm>
+          <a:prstGeom prst="rect">
+            <a:avLst/>
+          </a:prstGeom>
+          <a:noFill/>
+          <a:extLst>
+            <a:ext uri="{909E8E84-426E-40DD-AFC4-6F175D3DCCD1}">
+              <a14:hiddenFill xmlns:a14="http://schemas.microsoft.com/office/drawing/2010/main">
+                <a:solidFill>
+                  <a:srgbClr val="FFFFFF"/>
+                </a:solidFill>
+              </a14:hiddenFill>
+            </a:ext>
+          </a:extLst>
+        </p:spPr>
+      </p:pic>
+      <p:sp>
+        <p:nvSpPr>
+          <p:cNvPr id="36" name="TextBox 24">
+            <a:extLst>
+              <a:ext uri="{FF2B5EF4-FFF2-40B4-BE49-F238E27FC236}">
+                <a16:creationId xmlns:a16="http://schemas.microsoft.com/office/drawing/2014/main" id="{211941DD-0E48-6440-98EE-70B8CD410602}"/>
+              </a:ext>
+            </a:extLst>
+          </p:cNvPr>
+          <p:cNvSpPr txBox="1"/>
+          <p:nvPr/>
+        </p:nvSpPr>
+        <p:spPr>
+          <a:xfrm>
+            <a:off x="5426052" y="2603821"/>
+            <a:ext cx="1747899" cy="481222"/>
+          </a:xfrm>
+          <a:prstGeom prst="rect">
+            <a:avLst/>
+          </a:prstGeom>
+          <a:noFill/>
+        </p:spPr>
+        <p:txBody>
+          <a:bodyPr wrap="square" rtlCol="0">
+            <a:spAutoFit/>
+          </a:bodyPr>
+          <a:lstStyle>
+            <a:defPPr>
+              <a:defRPr lang="en-US"/>
+            </a:defPPr>
+            <a:lvl1pPr algn="l" rtl="0" eaLnBrk="0" fontAlgn="base" hangingPunct="0">
+              <a:lnSpc>
+                <a:spcPct val="90000"/>
+              </a:lnSpc>
+              <a:spcBef>
+                <a:spcPct val="0"/>
+              </a:spcBef>
+              <a:spcAft>
+                <a:spcPct val="0"/>
+              </a:spcAft>
+              <a:defRPr b="1" kern="1200">
+                <a:solidFill>
+                  <a:schemeClr val="tx1"/>
+                </a:solidFill>
+                <a:latin typeface="Helvetica" pitchFamily="34" charset="0"/>
+                <a:ea typeface="+mn-ea"/>
+                <a:cs typeface="+mn-cs"/>
+              </a:defRPr>
+            </a:lvl1pPr>
+            <a:lvl2pPr marL="457200" algn="l" rtl="0" eaLnBrk="0" fontAlgn="base" hangingPunct="0">
+              <a:lnSpc>
+                <a:spcPct val="90000"/>
+              </a:lnSpc>
+              <a:spcBef>
+                <a:spcPct val="0"/>
+              </a:spcBef>
+              <a:spcAft>
+                <a:spcPct val="0"/>
+              </a:spcAft>
+              <a:defRPr b="1" kern="1200">
+                <a:solidFill>
+                  <a:schemeClr val="tx1"/>
+                </a:solidFill>
+                <a:latin typeface="Helvetica" pitchFamily="34" charset="0"/>
+                <a:ea typeface="+mn-ea"/>
+                <a:cs typeface="+mn-cs"/>
+              </a:defRPr>
+            </a:lvl2pPr>
+            <a:lvl3pPr marL="914400" algn="l" rtl="0" eaLnBrk="0" fontAlgn="base" hangingPunct="0">
+              <a:lnSpc>
+                <a:spcPct val="90000"/>
+              </a:lnSpc>
+              <a:spcBef>
+                <a:spcPct val="0"/>
+              </a:spcBef>
+              <a:spcAft>
+                <a:spcPct val="0"/>
+              </a:spcAft>
+              <a:defRPr b="1" kern="1200">
+                <a:solidFill>
+                  <a:schemeClr val="tx1"/>
+                </a:solidFill>
+                <a:latin typeface="Helvetica" pitchFamily="34" charset="0"/>
+                <a:ea typeface="+mn-ea"/>
+                <a:cs typeface="+mn-cs"/>
+              </a:defRPr>
+            </a:lvl3pPr>
+            <a:lvl4pPr marL="1371600" algn="l" rtl="0" eaLnBrk="0" fontAlgn="base" hangingPunct="0">
+              <a:lnSpc>
+                <a:spcPct val="90000"/>
+              </a:lnSpc>
+              <a:spcBef>
+                <a:spcPct val="0"/>
+              </a:spcBef>
+              <a:spcAft>
+                <a:spcPct val="0"/>
+              </a:spcAft>
+              <a:defRPr b="1" kern="1200">
+                <a:solidFill>
+                  <a:schemeClr val="tx1"/>
+                </a:solidFill>
+                <a:latin typeface="Helvetica" pitchFamily="34" charset="0"/>
+                <a:ea typeface="+mn-ea"/>
+                <a:cs typeface="+mn-cs"/>
+              </a:defRPr>
+            </a:lvl4pPr>
+            <a:lvl5pPr marL="1828800" algn="l" rtl="0" eaLnBrk="0" fontAlgn="base" hangingPunct="0">
+              <a:lnSpc>
+                <a:spcPct val="90000"/>
+              </a:lnSpc>
+              <a:spcBef>
+                <a:spcPct val="0"/>
+              </a:spcBef>
+              <a:spcAft>
+                <a:spcPct val="0"/>
+              </a:spcAft>
+              <a:defRPr b="1" kern="1200">
+                <a:solidFill>
+                  <a:schemeClr val="tx1"/>
+                </a:solidFill>
+                <a:latin typeface="Helvetica" pitchFamily="34" charset="0"/>
+                <a:ea typeface="+mn-ea"/>
+                <a:cs typeface="+mn-cs"/>
+              </a:defRPr>
+            </a:lvl5pPr>
+            <a:lvl6pPr marL="2286000" algn="l" defTabSz="914400" rtl="0" eaLnBrk="1" latinLnBrk="0" hangingPunct="1">
+              <a:defRPr b="1" kern="1200">
+                <a:solidFill>
+                  <a:schemeClr val="tx1"/>
+                </a:solidFill>
+                <a:latin typeface="Helvetica" pitchFamily="34" charset="0"/>
+                <a:ea typeface="+mn-ea"/>
+                <a:cs typeface="+mn-cs"/>
+              </a:defRPr>
+            </a:lvl6pPr>
+            <a:lvl7pPr marL="2743200" algn="l" defTabSz="914400" rtl="0" eaLnBrk="1" latinLnBrk="0" hangingPunct="1">
+              <a:defRPr b="1" kern="1200">
+                <a:solidFill>
+                  <a:schemeClr val="tx1"/>
+                </a:solidFill>
+                <a:latin typeface="Helvetica" pitchFamily="34" charset="0"/>
+                <a:ea typeface="+mn-ea"/>
+                <a:cs typeface="+mn-cs"/>
+              </a:defRPr>
+            </a:lvl7pPr>
+            <a:lvl8pPr marL="3200400" algn="l" defTabSz="914400" rtl="0" eaLnBrk="1" latinLnBrk="0" hangingPunct="1">
+              <a:defRPr b="1" kern="1200">
+                <a:solidFill>
+                  <a:schemeClr val="tx1"/>
+                </a:solidFill>
+                <a:latin typeface="Helvetica" pitchFamily="34" charset="0"/>
+                <a:ea typeface="+mn-ea"/>
+                <a:cs typeface="+mn-cs"/>
+              </a:defRPr>
+            </a:lvl8pPr>
+            <a:lvl9pPr marL="3657600" algn="l" defTabSz="914400" rtl="0" eaLnBrk="1" latinLnBrk="0" hangingPunct="1">
+              <a:defRPr b="1" kern="1200">
+                <a:solidFill>
+                  <a:schemeClr val="tx1"/>
+                </a:solidFill>
+                <a:latin typeface="Helvetica" pitchFamily="34" charset="0"/>
+                <a:ea typeface="+mn-ea"/>
+                <a:cs typeface="+mn-cs"/>
+              </a:defRPr>
+            </a:lvl9pPr>
+          </a:lstStyle>
+          <a:p>
+            <a:pPr algn="ctr"/>
+            <a:r>
+              <a:rPr lang="en-US" sz="1400" dirty="0"/>
+              <a:t>Basic Web Applications</a:t>
+            </a:r>
+          </a:p>
+        </p:txBody>
+      </p:sp>
+      <p:pic>
+        <p:nvPicPr>
+          <p:cNvPr id="37" name="Picture 36" descr="Microservices graphs in three large cloud providers [18]-[20], and our Social Network service.">
+            <a:extLst>
+              <a:ext uri="{FF2B5EF4-FFF2-40B4-BE49-F238E27FC236}">
+                <a16:creationId xmlns:a16="http://schemas.microsoft.com/office/drawing/2014/main" id="{96E4893B-3707-A64F-A350-2EBBF65548A1}"/>
+              </a:ext>
+            </a:extLst>
+          </p:cNvPr>
+          <p:cNvPicPr>
+            <a:picLocks noChangeAspect="1" noChangeArrowheads="1"/>
+          </p:cNvPicPr>
+          <p:nvPr/>
+        </p:nvPicPr>
+        <p:blipFill>
+          <a:blip r:embed="rId7">
+            <a:extLst>
+              <a:ext uri="{28A0092B-C50C-407E-A947-70E740481C1C}">
+                <a14:useLocalDpi xmlns:a14="http://schemas.microsoft.com/office/drawing/2010/main" val="0"/>
+              </a:ext>
+            </a:extLst>
+          </a:blip>
+          <a:srcRect/>
+          <a:stretch>
+            <a:fillRect/>
+          </a:stretch>
+        </p:blipFill>
+        <p:spPr bwMode="auto">
+          <a:xfrm>
+            <a:off x="7063926" y="1219909"/>
+            <a:ext cx="1641671" cy="1955947"/>
+          </a:xfrm>
+          <a:prstGeom prst="rect">
+            <a:avLst/>
+          </a:prstGeom>
+          <a:noFill/>
+          <a:extLst>
+            <a:ext uri="{909E8E84-426E-40DD-AFC4-6F175D3DCCD1}">
+              <a14:hiddenFill xmlns:a14="http://schemas.microsoft.com/office/drawing/2010/main">
+                <a:solidFill>
+                  <a:srgbClr val="FFFFFF"/>
+                </a:solidFill>
+              </a14:hiddenFill>
+            </a:ext>
+          </a:extLst>
+        </p:spPr>
+      </p:pic>
+      <p:sp>
+        <p:nvSpPr>
+          <p:cNvPr id="38" name="TextBox 26">
+            <a:extLst>
+              <a:ext uri="{FF2B5EF4-FFF2-40B4-BE49-F238E27FC236}">
+                <a16:creationId xmlns:a16="http://schemas.microsoft.com/office/drawing/2014/main" id="{E7270ED0-7311-CA4D-A65E-0AC3FD30F607}"/>
+              </a:ext>
+            </a:extLst>
+          </p:cNvPr>
+          <p:cNvSpPr txBox="1"/>
+          <p:nvPr/>
+        </p:nvSpPr>
+        <p:spPr>
+          <a:xfrm>
+            <a:off x="7025629" y="602709"/>
+            <a:ext cx="1747899" cy="675121"/>
+          </a:xfrm>
+          <a:prstGeom prst="rect">
+            <a:avLst/>
+          </a:prstGeom>
+          <a:noFill/>
+        </p:spPr>
+        <p:txBody>
+          <a:bodyPr wrap="square" rtlCol="0">
+            <a:spAutoFit/>
+          </a:bodyPr>
+          <a:lstStyle>
+            <a:defPPr>
+              <a:defRPr lang="en-US"/>
+            </a:defPPr>
+            <a:lvl1pPr algn="l" rtl="0" eaLnBrk="0" fontAlgn="base" hangingPunct="0">
+              <a:lnSpc>
+                <a:spcPct val="90000"/>
+              </a:lnSpc>
+              <a:spcBef>
+                <a:spcPct val="0"/>
+              </a:spcBef>
+              <a:spcAft>
+                <a:spcPct val="0"/>
+              </a:spcAft>
+              <a:defRPr b="1" kern="1200">
+                <a:solidFill>
+                  <a:schemeClr val="tx1"/>
+                </a:solidFill>
+                <a:latin typeface="Helvetica" pitchFamily="34" charset="0"/>
+                <a:ea typeface="+mn-ea"/>
+                <a:cs typeface="+mn-cs"/>
+              </a:defRPr>
+            </a:lvl1pPr>
+            <a:lvl2pPr marL="457200" algn="l" rtl="0" eaLnBrk="0" fontAlgn="base" hangingPunct="0">
+              <a:lnSpc>
+                <a:spcPct val="90000"/>
+              </a:lnSpc>
+              <a:spcBef>
+                <a:spcPct val="0"/>
+              </a:spcBef>
+              <a:spcAft>
+                <a:spcPct val="0"/>
+              </a:spcAft>
+              <a:defRPr b="1" kern="1200">
+                <a:solidFill>
+                  <a:schemeClr val="tx1"/>
+                </a:solidFill>
+                <a:latin typeface="Helvetica" pitchFamily="34" charset="0"/>
+                <a:ea typeface="+mn-ea"/>
+                <a:cs typeface="+mn-cs"/>
+              </a:defRPr>
+            </a:lvl2pPr>
+            <a:lvl3pPr marL="914400" algn="l" rtl="0" eaLnBrk="0" fontAlgn="base" hangingPunct="0">
+              <a:lnSpc>
+                <a:spcPct val="90000"/>
+              </a:lnSpc>
+              <a:spcBef>
+                <a:spcPct val="0"/>
+              </a:spcBef>
+              <a:spcAft>
+                <a:spcPct val="0"/>
+              </a:spcAft>
+              <a:defRPr b="1" kern="1200">
+                <a:solidFill>
+                  <a:schemeClr val="tx1"/>
+                </a:solidFill>
+                <a:latin typeface="Helvetica" pitchFamily="34" charset="0"/>
+                <a:ea typeface="+mn-ea"/>
+                <a:cs typeface="+mn-cs"/>
+              </a:defRPr>
+            </a:lvl3pPr>
+            <a:lvl4pPr marL="1371600" algn="l" rtl="0" eaLnBrk="0" fontAlgn="base" hangingPunct="0">
+              <a:lnSpc>
+                <a:spcPct val="90000"/>
+              </a:lnSpc>
+              <a:spcBef>
+                <a:spcPct val="0"/>
+              </a:spcBef>
+              <a:spcAft>
+                <a:spcPct val="0"/>
+              </a:spcAft>
+              <a:defRPr b="1" kern="1200">
+                <a:solidFill>
+                  <a:schemeClr val="tx1"/>
+                </a:solidFill>
+                <a:latin typeface="Helvetica" pitchFamily="34" charset="0"/>
+                <a:ea typeface="+mn-ea"/>
+                <a:cs typeface="+mn-cs"/>
+              </a:defRPr>
+            </a:lvl4pPr>
+            <a:lvl5pPr marL="1828800" algn="l" rtl="0" eaLnBrk="0" fontAlgn="base" hangingPunct="0">
+              <a:lnSpc>
+                <a:spcPct val="90000"/>
+              </a:lnSpc>
+              <a:spcBef>
+                <a:spcPct val="0"/>
+              </a:spcBef>
+              <a:spcAft>
+                <a:spcPct val="0"/>
+              </a:spcAft>
+              <a:defRPr b="1" kern="1200">
+                <a:solidFill>
+                  <a:schemeClr val="tx1"/>
+                </a:solidFill>
+                <a:latin typeface="Helvetica" pitchFamily="34" charset="0"/>
+                <a:ea typeface="+mn-ea"/>
+                <a:cs typeface="+mn-cs"/>
+              </a:defRPr>
+            </a:lvl5pPr>
+            <a:lvl6pPr marL="2286000" algn="l" defTabSz="914400" rtl="0" eaLnBrk="1" latinLnBrk="0" hangingPunct="1">
+              <a:defRPr b="1" kern="1200">
+                <a:solidFill>
+                  <a:schemeClr val="tx1"/>
+                </a:solidFill>
+                <a:latin typeface="Helvetica" pitchFamily="34" charset="0"/>
+                <a:ea typeface="+mn-ea"/>
+                <a:cs typeface="+mn-cs"/>
+              </a:defRPr>
+            </a:lvl6pPr>
+            <a:lvl7pPr marL="2743200" algn="l" defTabSz="914400" rtl="0" eaLnBrk="1" latinLnBrk="0" hangingPunct="1">
+              <a:defRPr b="1" kern="1200">
+                <a:solidFill>
+                  <a:schemeClr val="tx1"/>
+                </a:solidFill>
+                <a:latin typeface="Helvetica" pitchFamily="34" charset="0"/>
+                <a:ea typeface="+mn-ea"/>
+                <a:cs typeface="+mn-cs"/>
+              </a:defRPr>
+            </a:lvl7pPr>
+            <a:lvl8pPr marL="3200400" algn="l" defTabSz="914400" rtl="0" eaLnBrk="1" latinLnBrk="0" hangingPunct="1">
+              <a:defRPr b="1" kern="1200">
+                <a:solidFill>
+                  <a:schemeClr val="tx1"/>
+                </a:solidFill>
+                <a:latin typeface="Helvetica" pitchFamily="34" charset="0"/>
+                <a:ea typeface="+mn-ea"/>
+                <a:cs typeface="+mn-cs"/>
+              </a:defRPr>
+            </a:lvl8pPr>
+            <a:lvl9pPr marL="3657600" algn="l" defTabSz="914400" rtl="0" eaLnBrk="1" latinLnBrk="0" hangingPunct="1">
+              <a:defRPr b="1" kern="1200">
+                <a:solidFill>
+                  <a:schemeClr val="tx1"/>
+                </a:solidFill>
+                <a:latin typeface="Helvetica" pitchFamily="34" charset="0"/>
+                <a:ea typeface="+mn-ea"/>
+                <a:cs typeface="+mn-cs"/>
+              </a:defRPr>
+            </a:lvl9pPr>
+          </a:lstStyle>
+          <a:p>
+            <a:pPr algn="ctr"/>
+            <a:r>
+              <a:rPr lang="en-US" sz="1400" dirty="0"/>
+              <a:t>Massively Scaled</a:t>
+            </a:r>
+            <a:br>
+              <a:rPr lang="en-US" sz="1400" dirty="0"/>
+            </a:br>
+            <a:r>
+              <a:rPr lang="en-US" sz="1400" dirty="0"/>
+              <a:t>Cloud Architectures</a:t>
+            </a:r>
+          </a:p>
+        </p:txBody>
+      </p:sp>
+      <p:sp>
+        <p:nvSpPr>
+          <p:cNvPr id="10" name="Rectangle 9">
+            <a:extLst>
+              <a:ext uri="{FF2B5EF4-FFF2-40B4-BE49-F238E27FC236}">
+                <a16:creationId xmlns:a16="http://schemas.microsoft.com/office/drawing/2014/main" id="{07864F7C-091C-0F4C-933C-12E42BBC96ED}"/>
+              </a:ext>
+            </a:extLst>
+          </p:cNvPr>
+          <p:cNvSpPr/>
+          <p:nvPr/>
+        </p:nvSpPr>
+        <p:spPr>
+          <a:xfrm>
+            <a:off x="53180" y="513501"/>
+            <a:ext cx="8912400" cy="3778700"/>
+          </a:xfrm>
+          <a:prstGeom prst="rect">
+            <a:avLst/>
+          </a:prstGeom>
+          <a:solidFill>
+            <a:schemeClr val="bg1">
+              <a:alpha val="88106"/>
+            </a:schemeClr>
+          </a:solidFill>
+          <a:ln>
+            <a:noFill/>
+          </a:ln>
+        </p:spPr>
+        <p:style>
+          <a:lnRef idx="2">
+            <a:schemeClr val="accent1">
+              <a:shade val="50000"/>
+            </a:schemeClr>
+          </a:lnRef>
+          <a:fillRef idx="1">
+            <a:schemeClr val="accent1"/>
+          </a:fillRef>
+          <a:effectRef idx="0">
+            <a:schemeClr val="accent1"/>
+          </a:effectRef>
+          <a:fontRef idx="minor">
+            <a:schemeClr val="lt1"/>
+          </a:fontRef>
+        </p:style>
+        <p:txBody>
+          <a:bodyPr rtlCol="0" anchor="ctr"/>
+          <a:lstStyle/>
+          <a:p>
+            <a:pPr algn="ctr"/>
+            <a:endParaRPr lang="en-US"/>
+          </a:p>
+        </p:txBody>
+      </p:sp>
+      <p:sp>
+        <p:nvSpPr>
+          <p:cNvPr id="2" name="Title 1"/>
+          <p:cNvSpPr>
+            <a:spLocks noGrp="1"/>
+          </p:cNvSpPr>
+          <p:nvPr>
+            <p:ph type="title"/>
+          </p:nvPr>
+        </p:nvSpPr>
+        <p:spPr>
+          <a:xfrm>
+            <a:off x="212651" y="21489"/>
+            <a:ext cx="8207006" cy="994172"/>
+          </a:xfrm>
+        </p:spPr>
+        <p:txBody>
+          <a:bodyPr>
+            <a:normAutofit/>
+          </a:bodyPr>
+          <a:lstStyle/>
+          <a:p>
+            <a:r>
+              <a:rPr lang="en-US" sz="2800" b="1" dirty="0"/>
+              <a:t>But why do we need architecture?</a:t>
+            </a:r>
+          </a:p>
+        </p:txBody>
+      </p:sp>
+      <p:sp>
+        <p:nvSpPr>
+          <p:cNvPr id="16" name="Freeform 15">
+            <a:extLst>
+              <a:ext uri="{FF2B5EF4-FFF2-40B4-BE49-F238E27FC236}">
+                <a16:creationId xmlns:a16="http://schemas.microsoft.com/office/drawing/2014/main" id="{BEE8ECE7-F6E9-AF4E-828B-CDC9E5F3D200}"/>
+              </a:ext>
+            </a:extLst>
+          </p:cNvPr>
+          <p:cNvSpPr/>
+          <p:nvPr/>
+        </p:nvSpPr>
+        <p:spPr>
+          <a:xfrm>
+            <a:off x="345688" y="925551"/>
+            <a:ext cx="7805853" cy="3278459"/>
+          </a:xfrm>
+          <a:custGeom>
+            <a:avLst/>
+            <a:gdLst>
+              <a:gd name="connsiteX0" fmla="*/ 0 w 7805853"/>
+              <a:gd name="connsiteY0" fmla="*/ 3278459 h 3278459"/>
+              <a:gd name="connsiteX1" fmla="*/ 1326995 w 7805853"/>
+              <a:gd name="connsiteY1" fmla="*/ 3256156 h 3278459"/>
+              <a:gd name="connsiteX2" fmla="*/ 2642839 w 7805853"/>
+              <a:gd name="connsiteY2" fmla="*/ 3010829 h 3278459"/>
+              <a:gd name="connsiteX3" fmla="*/ 3969834 w 7805853"/>
+              <a:gd name="connsiteY3" fmla="*/ 2754351 h 3278459"/>
+              <a:gd name="connsiteX4" fmla="*/ 5140712 w 7805853"/>
+              <a:gd name="connsiteY4" fmla="*/ 2464420 h 3278459"/>
+              <a:gd name="connsiteX5" fmla="*/ 6634975 w 7805853"/>
+              <a:gd name="connsiteY5" fmla="*/ 1962615 h 3278459"/>
+              <a:gd name="connsiteX6" fmla="*/ 7805853 w 7805853"/>
+              <a:gd name="connsiteY6" fmla="*/ 0 h 3278459"/>
+            </a:gdLst>
+            <a:ahLst/>
+            <a:cxnLst>
+              <a:cxn ang="0">
+                <a:pos x="connsiteX0" y="connsiteY0"/>
+              </a:cxn>
+              <a:cxn ang="0">
+                <a:pos x="connsiteX1" y="connsiteY1"/>
+              </a:cxn>
+              <a:cxn ang="0">
+                <a:pos x="connsiteX2" y="connsiteY2"/>
+              </a:cxn>
+              <a:cxn ang="0">
+                <a:pos x="connsiteX3" y="connsiteY3"/>
+              </a:cxn>
+              <a:cxn ang="0">
+                <a:pos x="connsiteX4" y="connsiteY4"/>
+              </a:cxn>
+              <a:cxn ang="0">
+                <a:pos x="connsiteX5" y="connsiteY5"/>
+              </a:cxn>
+              <a:cxn ang="0">
+                <a:pos x="connsiteX6" y="connsiteY6"/>
+              </a:cxn>
+            </a:cxnLst>
+            <a:rect l="l" t="t" r="r" b="b"/>
+            <a:pathLst>
+              <a:path w="7805853" h="3278459">
+                <a:moveTo>
+                  <a:pt x="0" y="3278459"/>
+                </a:moveTo>
+                <a:lnTo>
+                  <a:pt x="1326995" y="3256156"/>
+                </a:lnTo>
+                <a:cubicBezTo>
+                  <a:pt x="1767468" y="3211551"/>
+                  <a:pt x="2642839" y="3010829"/>
+                  <a:pt x="2642839" y="3010829"/>
+                </a:cubicBezTo>
+                <a:cubicBezTo>
+                  <a:pt x="3083312" y="2927195"/>
+                  <a:pt x="3553522" y="2845419"/>
+                  <a:pt x="3969834" y="2754351"/>
+                </a:cubicBezTo>
+                <a:cubicBezTo>
+                  <a:pt x="4386146" y="2663283"/>
+                  <a:pt x="4696522" y="2596376"/>
+                  <a:pt x="5140712" y="2464420"/>
+                </a:cubicBezTo>
+                <a:cubicBezTo>
+                  <a:pt x="5584902" y="2332464"/>
+                  <a:pt x="6190785" y="2373352"/>
+                  <a:pt x="6634975" y="1962615"/>
+                </a:cubicBezTo>
+                <a:cubicBezTo>
+                  <a:pt x="7079165" y="1551878"/>
+                  <a:pt x="7442509" y="775939"/>
+                  <a:pt x="7805853" y="0"/>
+                </a:cubicBezTo>
+              </a:path>
+            </a:pathLst>
+          </a:custGeom>
+          <a:noFill/>
+          <a:ln w="63500"/>
+        </p:spPr>
+        <p:style>
+          <a:lnRef idx="2">
+            <a:schemeClr val="accent1">
+              <a:shade val="50000"/>
+            </a:schemeClr>
+          </a:lnRef>
+          <a:fillRef idx="1">
+            <a:schemeClr val="accent1"/>
+          </a:fillRef>
+          <a:effectRef idx="0">
+            <a:schemeClr val="accent1"/>
+          </a:effectRef>
+          <a:fontRef idx="minor">
+            <a:schemeClr val="lt1"/>
+          </a:fontRef>
+        </p:style>
+        <p:txBody>
+          <a:bodyPr rtlCol="0" anchor="ctr"/>
+          <a:lstStyle/>
+          <a:p>
+            <a:pPr algn="ctr"/>
+            <a:endParaRPr lang="en-US"/>
+          </a:p>
+        </p:txBody>
+      </p:sp>
+      <p:sp>
+        <p:nvSpPr>
+          <p:cNvPr id="41" name="TextBox 40">
+            <a:extLst>
+              <a:ext uri="{FF2B5EF4-FFF2-40B4-BE49-F238E27FC236}">
+                <a16:creationId xmlns:a16="http://schemas.microsoft.com/office/drawing/2014/main" id="{F79DA8AF-AE09-794E-B327-CBA6D722614C}"/>
+              </a:ext>
+            </a:extLst>
+          </p:cNvPr>
+          <p:cNvSpPr txBox="1"/>
+          <p:nvPr/>
+        </p:nvSpPr>
+        <p:spPr>
+          <a:xfrm>
+            <a:off x="2658939" y="5340050"/>
+            <a:ext cx="3893802" cy="592342"/>
+          </a:xfrm>
+          <a:prstGeom prst="rect">
+            <a:avLst/>
+          </a:prstGeom>
+          <a:noFill/>
+        </p:spPr>
+        <p:txBody>
+          <a:bodyPr wrap="square" rtlCol="0">
+            <a:spAutoFit/>
+          </a:bodyPr>
+          <a:lstStyle/>
+          <a:p>
+            <a:pPr algn="ctr"/>
+            <a:r>
+              <a:rPr lang="en-US" dirty="0"/>
+              <a:t>Growth of number of Components in System </a:t>
+            </a:r>
+          </a:p>
+        </p:txBody>
+      </p:sp>
+      <p:cxnSp>
+        <p:nvCxnSpPr>
+          <p:cNvPr id="20" name="Straight Connector 19">
+            <a:extLst>
+              <a:ext uri="{FF2B5EF4-FFF2-40B4-BE49-F238E27FC236}">
+                <a16:creationId xmlns:a16="http://schemas.microsoft.com/office/drawing/2014/main" id="{A681C009-1297-B645-AF8A-6CB34783844F}"/>
+              </a:ext>
+            </a:extLst>
+          </p:cNvPr>
+          <p:cNvCxnSpPr/>
+          <p:nvPr/>
+        </p:nvCxnSpPr>
+        <p:spPr>
+          <a:xfrm flipV="1">
+            <a:off x="4705815" y="880631"/>
+            <a:ext cx="0" cy="3500778"/>
+          </a:xfrm>
+          <a:prstGeom prst="line">
+            <a:avLst/>
+          </a:prstGeom>
+          <a:ln w="50800"/>
+        </p:spPr>
+        <p:style>
+          <a:lnRef idx="1">
+            <a:schemeClr val="accent1"/>
+          </a:lnRef>
+          <a:fillRef idx="0">
+            <a:schemeClr val="accent1"/>
+          </a:fillRef>
+          <a:effectRef idx="0">
+            <a:schemeClr val="accent1"/>
+          </a:effectRef>
+          <a:fontRef idx="minor">
+            <a:schemeClr val="tx1"/>
+          </a:fontRef>
+        </p:style>
+      </p:cxnSp>
+      <p:sp>
+        <p:nvSpPr>
+          <p:cNvPr id="44" name="TextBox 43">
+            <a:extLst>
+              <a:ext uri="{FF2B5EF4-FFF2-40B4-BE49-F238E27FC236}">
+                <a16:creationId xmlns:a16="http://schemas.microsoft.com/office/drawing/2014/main" id="{49CCF4A7-E8C3-1C4C-90AA-3EAE1FB713FB}"/>
+              </a:ext>
+            </a:extLst>
+          </p:cNvPr>
+          <p:cNvSpPr txBox="1"/>
+          <p:nvPr/>
+        </p:nvSpPr>
+        <p:spPr>
+          <a:xfrm>
+            <a:off x="4454568" y="1167025"/>
+            <a:ext cx="3893802" cy="1090940"/>
+          </a:xfrm>
+          <a:prstGeom prst="rect">
+            <a:avLst/>
+          </a:prstGeom>
+          <a:noFill/>
+        </p:spPr>
+        <p:txBody>
+          <a:bodyPr wrap="square" rtlCol="0">
+            <a:spAutoFit/>
+          </a:bodyPr>
+          <a:lstStyle/>
+          <a:p>
+            <a:pPr algn="ctr"/>
+            <a:r>
+              <a:rPr lang="en-US" dirty="0"/>
+              <a:t>Complex, Highly Integrated</a:t>
+            </a:r>
+            <a:br>
+              <a:rPr lang="en-US" dirty="0"/>
+            </a:br>
+            <a:r>
+              <a:rPr lang="en-US" dirty="0"/>
+              <a:t>and Distributed Systems</a:t>
+            </a:r>
+            <a:br>
+              <a:rPr lang="en-US" dirty="0"/>
+            </a:br>
+            <a:r>
+              <a:rPr lang="en-US" dirty="0"/>
+              <a:t>built by very large</a:t>
+            </a:r>
+            <a:br>
+              <a:rPr lang="en-US" dirty="0"/>
+            </a:br>
+            <a:r>
+              <a:rPr lang="en-US" dirty="0"/>
+              <a:t>teams</a:t>
+            </a:r>
+          </a:p>
+        </p:txBody>
+      </p:sp>
+      <p:sp>
+        <p:nvSpPr>
+          <p:cNvPr id="45" name="TextBox 44">
+            <a:extLst>
+              <a:ext uri="{FF2B5EF4-FFF2-40B4-BE49-F238E27FC236}">
+                <a16:creationId xmlns:a16="http://schemas.microsoft.com/office/drawing/2014/main" id="{BE03CE13-BDB8-E14D-80EB-4A3904C960BA}"/>
+              </a:ext>
+            </a:extLst>
+          </p:cNvPr>
+          <p:cNvSpPr txBox="1"/>
+          <p:nvPr/>
+        </p:nvSpPr>
+        <p:spPr>
+          <a:xfrm>
+            <a:off x="444739" y="2356938"/>
+            <a:ext cx="3893802" cy="592342"/>
+          </a:xfrm>
+          <a:prstGeom prst="rect">
+            <a:avLst/>
+          </a:prstGeom>
+          <a:noFill/>
+        </p:spPr>
+        <p:txBody>
+          <a:bodyPr wrap="square" rtlCol="0">
+            <a:spAutoFit/>
+          </a:bodyPr>
+          <a:lstStyle/>
+          <a:p>
+            <a:pPr algn="ctr"/>
+            <a:r>
+              <a:rPr lang="en-US" dirty="0"/>
+              <a:t>Able to build things with</a:t>
+            </a:r>
+            <a:br>
+              <a:rPr lang="en-US" dirty="0"/>
+            </a:br>
+            <a:r>
+              <a:rPr lang="en-US" dirty="0"/>
+              <a:t>relatively small isolated teams</a:t>
+            </a:r>
+          </a:p>
+        </p:txBody>
+      </p:sp>
+      <p:sp>
+        <p:nvSpPr>
+          <p:cNvPr id="46" name="TextBox 45">
+            <a:extLst>
+              <a:ext uri="{FF2B5EF4-FFF2-40B4-BE49-F238E27FC236}">
+                <a16:creationId xmlns:a16="http://schemas.microsoft.com/office/drawing/2014/main" id="{188198FF-4546-E045-9FB8-687D4F074430}"/>
+              </a:ext>
+            </a:extLst>
+          </p:cNvPr>
+          <p:cNvSpPr txBox="1"/>
+          <p:nvPr/>
+        </p:nvSpPr>
+        <p:spPr>
+          <a:xfrm>
+            <a:off x="317521" y="3145278"/>
+            <a:ext cx="3893802" cy="592342"/>
+          </a:xfrm>
+          <a:prstGeom prst="rect">
+            <a:avLst/>
+          </a:prstGeom>
+          <a:noFill/>
+        </p:spPr>
+        <p:txBody>
+          <a:bodyPr wrap="square" rtlCol="0">
+            <a:spAutoFit/>
+          </a:bodyPr>
+          <a:lstStyle/>
+          <a:p>
+            <a:pPr algn="ctr"/>
+            <a:r>
+              <a:rPr lang="en-US" dirty="0">
+                <a:solidFill>
+                  <a:srgbClr val="FF0000"/>
+                </a:solidFill>
+              </a:rPr>
+              <a:t>PRE-NEED FOR SOFTWARE ARCHITECTURE</a:t>
+            </a:r>
+          </a:p>
+        </p:txBody>
+      </p:sp>
+      <p:sp>
+        <p:nvSpPr>
+          <p:cNvPr id="47" name="TextBox 46">
+            <a:extLst>
+              <a:ext uri="{FF2B5EF4-FFF2-40B4-BE49-F238E27FC236}">
+                <a16:creationId xmlns:a16="http://schemas.microsoft.com/office/drawing/2014/main" id="{E37E1328-C494-094D-8CEE-FB174560C117}"/>
+              </a:ext>
+            </a:extLst>
+          </p:cNvPr>
+          <p:cNvSpPr txBox="1"/>
+          <p:nvPr/>
+        </p:nvSpPr>
+        <p:spPr>
+          <a:xfrm>
+            <a:off x="4891903" y="3521712"/>
+            <a:ext cx="3893802" cy="592342"/>
+          </a:xfrm>
+          <a:prstGeom prst="rect">
+            <a:avLst/>
+          </a:prstGeom>
+          <a:noFill/>
+        </p:spPr>
+        <p:txBody>
+          <a:bodyPr wrap="square" rtlCol="0">
+            <a:spAutoFit/>
+          </a:bodyPr>
+          <a:lstStyle/>
+          <a:p>
+            <a:pPr algn="ctr"/>
+            <a:r>
+              <a:rPr lang="en-US" dirty="0">
+                <a:solidFill>
+                  <a:srgbClr val="FF0000"/>
+                </a:solidFill>
+              </a:rPr>
+              <a:t>NEED FOR SOFTWARE ARCHITECTURE</a:t>
+            </a:r>
+          </a:p>
+        </p:txBody>
+      </p:sp>
     </p:spTree>
     <p:extLst>
       <p:ext uri="{BB962C8B-B14F-4D97-AF65-F5344CB8AC3E}">
-        <p14:creationId xmlns:p14="http://schemas.microsoft.com/office/powerpoint/2010/main" val="795490515"/>
+        <p14:creationId xmlns:p14="http://schemas.microsoft.com/office/powerpoint/2010/main" val="294723319"/>
       </p:ext>
     </p:extLst>
   </p:cSld>
@@ -8677,82 +11647,32 @@
         </p:nvSpPr>
         <p:spPr>
           <a:xfrm>
-            <a:off x="103670" y="244475"/>
-            <a:ext cx="8876726" cy="662716"/>
+            <a:off x="212651" y="21489"/>
+            <a:ext cx="8207006" cy="994172"/>
           </a:xfrm>
         </p:spPr>
         <p:txBody>
-          <a:bodyPr/>
+          <a:bodyPr>
+            <a:normAutofit/>
+          </a:bodyPr>
           <a:lstStyle/>
           <a:p>
             <a:r>
-              <a:rPr lang="en-US" sz="3200" u="none" dirty="0">
-                <a:effectLst>
-                  <a:outerShdw blurRad="38100" dist="38100" dir="2700000" algn="tl">
-                    <a:srgbClr val="000000">
-                      <a:alpha val="43137"/>
-                    </a:srgbClr>
-                  </a:outerShdw>
-                </a:effectLst>
-              </a:rPr>
-              <a:t>Multi-tier Architecture</a:t>
-            </a:r>
-            <a:endParaRPr lang="en-US" sz="2000" u="none" dirty="0">
-              <a:effectLst>
-                <a:outerShdw blurRad="38100" dist="38100" dir="2700000" algn="tl">
-                  <a:srgbClr val="000000">
-                    <a:alpha val="43137"/>
-                  </a:srgbClr>
-                </a:outerShdw>
-              </a:effectLst>
-            </a:endParaRPr>
-          </a:p>
-        </p:txBody>
-      </p:sp>
-      <p:sp>
-        <p:nvSpPr>
-          <p:cNvPr id="3" name="Slide Number Placeholder 2"/>
-          <p:cNvSpPr>
-            <a:spLocks noGrp="1"/>
-          </p:cNvSpPr>
-          <p:nvPr>
-            <p:ph type="sldNum" sz="quarter" idx="12"/>
-          </p:nvPr>
-        </p:nvSpPr>
-        <p:spPr/>
-        <p:txBody>
-          <a:bodyPr/>
-          <a:lstStyle/>
-          <a:p>
-            <a:pPr>
-              <a:defRPr/>
-            </a:pPr>
-            <a:fld id="{B9679035-FD90-43C6-9A04-3596202BD13C}" type="slidenum">
-              <a:rPr lang="en-US" altLang="en-US" smtClean="0">
-                <a:solidFill>
-                  <a:prstClr val="black">
-                    <a:tint val="75000"/>
-                  </a:prstClr>
-                </a:solidFill>
-              </a:rPr>
-              <a:pPr>
-                <a:defRPr/>
-              </a:pPr>
-              <a:t>9</a:t>
-            </a:fld>
-            <a:endParaRPr lang="en-US" altLang="en-US">
-              <a:solidFill>
-                <a:prstClr val="black">
-                  <a:tint val="75000"/>
-                </a:prstClr>
-              </a:solidFill>
-            </a:endParaRPr>
+              <a:rPr lang="en-US" sz="2800" b="1" dirty="0"/>
+              <a:t>But why do we need architecture?</a:t>
+            </a:r>
           </a:p>
         </p:txBody>
       </p:sp>
       <p:pic>
         <p:nvPicPr>
-          <p:cNvPr id="5" name="Content Placeholder 4"/>
+          <p:cNvPr id="3" name="Picture 2">
+            <a:extLst>
+              <a:ext uri="{FF2B5EF4-FFF2-40B4-BE49-F238E27FC236}">
+                <a16:creationId xmlns:a16="http://schemas.microsoft.com/office/drawing/2014/main" id="{7DAA2217-7495-3548-9F4A-60894126B8F0}"/>
+              </a:ext>
+            </a:extLst>
+          </p:cNvPr>
           <p:cNvPicPr>
             <a:picLocks noChangeAspect="1"/>
           </p:cNvPicPr>
@@ -8760,25 +11680,60 @@
         </p:nvPicPr>
         <p:blipFill>
           <a:blip r:embed="rId2"/>
-          <a:srcRect l="2146" r="2146"/>
           <a:stretch>
             <a:fillRect/>
           </a:stretch>
         </p:blipFill>
         <p:spPr>
           <a:xfrm>
-            <a:off x="272133" y="1361598"/>
-            <a:ext cx="8682346" cy="3919404"/>
+            <a:off x="1976349" y="892063"/>
+            <a:ext cx="5440273" cy="4311874"/>
           </a:xfrm>
           <a:prstGeom prst="rect">
             <a:avLst/>
           </a:prstGeom>
         </p:spPr>
       </p:pic>
+      <p:sp>
+        <p:nvSpPr>
+          <p:cNvPr id="39" name="TextBox 38">
+            <a:extLst>
+              <a:ext uri="{FF2B5EF4-FFF2-40B4-BE49-F238E27FC236}">
+                <a16:creationId xmlns:a16="http://schemas.microsoft.com/office/drawing/2014/main" id="{B1457CFE-7A15-2243-A078-8030555077AC}"/>
+              </a:ext>
+            </a:extLst>
+          </p:cNvPr>
+          <p:cNvSpPr txBox="1"/>
+          <p:nvPr/>
+        </p:nvSpPr>
+        <p:spPr>
+          <a:xfrm>
+            <a:off x="2658939" y="5340050"/>
+            <a:ext cx="3893802" cy="592342"/>
+          </a:xfrm>
+          <a:prstGeom prst="rect">
+            <a:avLst/>
+          </a:prstGeom>
+          <a:noFill/>
+        </p:spPr>
+        <p:txBody>
+          <a:bodyPr wrap="square" rtlCol="0">
+            <a:spAutoFit/>
+          </a:bodyPr>
+          <a:lstStyle/>
+          <a:p>
+            <a:pPr algn="ctr"/>
+            <a:r>
+              <a:rPr lang="en-US" dirty="0"/>
+              <a:t>The Seminal Paper Describing the Need for Software Architecture</a:t>
+            </a:r>
+          </a:p>
+        </p:txBody>
+      </p:sp>
     </p:spTree>
     <p:extLst>
       <p:ext uri="{BB962C8B-B14F-4D97-AF65-F5344CB8AC3E}">
-        <p14:creationId xmlns:p14="http://schemas.microsoft.com/office/powerpoint/2010/main" val="2159682483"/>
+        <p14:creationId xmlns:p14="http://schemas.microsoft.com/office/powerpoint/2010/main" val="1281410766"/>
       </p:ext>
     </p:extLst>
   </p:cSld>

--- a/lectures/_L1a Intro to SW Architecture.pptx
+++ b/lectures/_L1a Intro to SW Architecture.pptx
@@ -9233,8 +9233,12 @@
           <a:p>
             <a:pPr algn="ctr"/>
             <a:r>
+              <a:rPr lang="en-US" sz="1400" dirty="0" err="1"/>
+              <a:t>monolythic</a:t>
+            </a:r>
+            <a:r>
               <a:rPr lang="en-US" sz="1400" dirty="0"/>
-              <a:t>Monocytic applications on a desktop computer</a:t>
+              <a:t> applications on a desktop computer</a:t>
             </a:r>
           </a:p>
         </p:txBody>

--- a/lectures/_L1a Intro to SW Architecture.pptx
+++ b/lectures/_L1a Intro to SW Architecture.pptx
@@ -298,14 +298,14 @@
           <a:effectLst/>
           <a:extLst>
             <a:ext uri="{909E8E84-426E-40dd-AFC4-6F175D3DCCD1}">
-              <a14:hiddenFill xmlns:a14="http://schemas.microsoft.com/office/drawing/2010/main" xmlns="">
+              <a14:hiddenFill xmlns="" xmlns:a14="http://schemas.microsoft.com/office/drawing/2010/main">
                 <a:solidFill>
                   <a:srgbClr val="FFFFFF"/>
                 </a:solidFill>
               </a14:hiddenFill>
             </a:ext>
             <a:ext uri="{91240B29-F687-4f45-9708-019B960494DF}">
-              <a14:hiddenLine xmlns:a14="http://schemas.microsoft.com/office/drawing/2010/main" xmlns="" w="12700">
+              <a14:hiddenLine xmlns="" xmlns:a14="http://schemas.microsoft.com/office/drawing/2010/main" w="12700">
                 <a:solidFill>
                   <a:srgbClr val="000000"/>
                 </a:solidFill>
@@ -315,7 +315,7 @@
               </a14:hiddenLine>
             </a:ext>
             <a:ext uri="{AF507438-7753-43e0-B8FC-AC1667EBCBE1}">
-              <a14:hiddenEffects xmlns:a14="http://schemas.microsoft.com/office/drawing/2010/main" xmlns="">
+              <a14:hiddenEffects xmlns="" xmlns:a14="http://schemas.microsoft.com/office/drawing/2010/main">
                 <a:effectLst>
                   <a:outerShdw dist="35921" dir="2700000" algn="ctr" rotWithShape="0">
                     <a:srgbClr val="808080"/>
@@ -324,7 +324,7 @@
               </a14:hiddenEffects>
             </a:ext>
             <a:ext uri="{53640926-AAD7-44d8-BBD7-CCE9431645EC}">
-              <a14:shadowObscured xmlns:a14="http://schemas.microsoft.com/office/drawing/2010/main" xmlns="" val="1"/>
+              <a14:shadowObscured xmlns="" xmlns:a14="http://schemas.microsoft.com/office/drawing/2010/main" val="1"/>
             </a:ext>
           </a:extLst>
         </p:spPr>
@@ -687,7 +687,7 @@
               <a:pPr>
                 <a:defRPr/>
               </a:pPr>
-              <a:t>3/30/22</a:t>
+              <a:t>4/6/22</a:t>
             </a:fld>
             <a:endParaRPr lang="en-US">
               <a:solidFill>
@@ -912,7 +912,7 @@
               <a:pPr>
                 <a:defRPr/>
               </a:pPr>
-              <a:t>3/30/22</a:t>
+              <a:t>4/6/22</a:t>
             </a:fld>
             <a:endParaRPr lang="en-US">
               <a:solidFill>
@@ -1147,7 +1147,7 @@
               <a:pPr>
                 <a:defRPr/>
               </a:pPr>
-              <a:t>3/30/22</a:t>
+              <a:t>4/6/22</a:t>
             </a:fld>
             <a:endParaRPr lang="en-US">
               <a:solidFill>
@@ -1420,7 +1420,7 @@
               <a:pPr>
                 <a:defRPr/>
               </a:pPr>
-              <a:t>3/30/22</a:t>
+              <a:t>4/6/22</a:t>
             </a:fld>
             <a:endParaRPr lang="en-US" dirty="0">
               <a:solidFill>
@@ -1714,7 +1714,7 @@
               <a:pPr>
                 <a:defRPr/>
               </a:pPr>
-              <a:t>3/30/22</a:t>
+              <a:t>4/6/22</a:t>
             </a:fld>
             <a:endParaRPr lang="en-US">
               <a:solidFill>
@@ -2056,7 +2056,7 @@
               <a:pPr>
                 <a:defRPr/>
               </a:pPr>
-              <a:t>3/30/22</a:t>
+              <a:t>4/6/22</a:t>
             </a:fld>
             <a:endParaRPr lang="en-US">
               <a:solidFill>
@@ -2532,7 +2532,7 @@
               <a:pPr>
                 <a:defRPr/>
               </a:pPr>
-              <a:t>3/30/22</a:t>
+              <a:t>4/6/22</a:t>
             </a:fld>
             <a:endParaRPr lang="en-US">
               <a:solidFill>
@@ -2706,7 +2706,7 @@
               <a:pPr>
                 <a:defRPr/>
               </a:pPr>
-              <a:t>3/30/22</a:t>
+              <a:t>4/6/22</a:t>
             </a:fld>
             <a:endParaRPr lang="en-US">
               <a:solidFill>
@@ -2858,7 +2858,7 @@
               <a:pPr>
                 <a:defRPr/>
               </a:pPr>
-              <a:t>3/30/22</a:t>
+              <a:t>4/6/22</a:t>
             </a:fld>
             <a:endParaRPr lang="en-US">
               <a:solidFill>
@@ -3190,7 +3190,7 @@
               <a:pPr>
                 <a:defRPr/>
               </a:pPr>
-              <a:t>3/30/22</a:t>
+              <a:t>4/6/22</a:t>
             </a:fld>
             <a:endParaRPr lang="en-US">
               <a:solidFill>
@@ -3502,7 +3502,7 @@
               <a:pPr>
                 <a:defRPr/>
               </a:pPr>
-              <a:t>3/30/22</a:t>
+              <a:t>4/6/22</a:t>
             </a:fld>
             <a:endParaRPr lang="en-US">
               <a:solidFill>
@@ -3650,14 +3650,14 @@
           </a:ln>
           <a:extLst>
             <a:ext uri="{909E8E84-426E-40dd-AFC4-6F175D3DCCD1}">
-              <a14:hiddenFill xmlns:a14="http://schemas.microsoft.com/office/drawing/2010/main" xmlns="">
+              <a14:hiddenFill xmlns="" xmlns:a14="http://schemas.microsoft.com/office/drawing/2010/main">
                 <a:solidFill>
                   <a:srgbClr val="FFFFFF"/>
                 </a:solidFill>
               </a14:hiddenFill>
             </a:ext>
             <a:ext uri="{91240B29-F687-4f45-9708-019B960494DF}">
-              <a14:hiddenLine xmlns:a14="http://schemas.microsoft.com/office/drawing/2010/main" xmlns="" w="9525">
+              <a14:hiddenLine xmlns="" xmlns:a14="http://schemas.microsoft.com/office/drawing/2010/main" w="9525">
                 <a:solidFill>
                   <a:srgbClr val="000000"/>
                 </a:solidFill>
@@ -3708,14 +3708,14 @@
           </a:ln>
           <a:extLst>
             <a:ext uri="{909E8E84-426E-40dd-AFC4-6F175D3DCCD1}">
-              <a14:hiddenFill xmlns:a14="http://schemas.microsoft.com/office/drawing/2010/main" xmlns="">
+              <a14:hiddenFill xmlns="" xmlns:a14="http://schemas.microsoft.com/office/drawing/2010/main">
                 <a:solidFill>
                   <a:srgbClr val="FFFFFF"/>
                 </a:solidFill>
               </a14:hiddenFill>
             </a:ext>
             <a:ext uri="{91240B29-F687-4f45-9708-019B960494DF}">
-              <a14:hiddenLine xmlns:a14="http://schemas.microsoft.com/office/drawing/2010/main" xmlns="" w="9525">
+              <a14:hiddenLine xmlns="" xmlns:a14="http://schemas.microsoft.com/office/drawing/2010/main" w="9525">
                 <a:solidFill>
                   <a:srgbClr val="000000"/>
                 </a:solidFill>
@@ -3817,7 +3817,7 @@
               <a:pPr>
                 <a:defRPr/>
               </a:pPr>
-              <a:t>3/30/22</a:t>
+              <a:t>4/6/22</a:t>
             </a:fld>
             <a:endParaRPr lang="en-US">
               <a:solidFill>
@@ -4372,7 +4372,7 @@
           </a:xfrm>
           <a:extLst>
             <a:ext uri="{91240B29-F687-4f45-9708-019B960494DF}">
-              <a14:hiddenLine xmlns:a14="http://schemas.microsoft.com/office/drawing/2010/main" xmlns="" w="12700">
+              <a14:hiddenLine xmlns="" xmlns:a14="http://schemas.microsoft.com/office/drawing/2010/main" w="12700">
                 <a:solidFill>
                   <a:schemeClr val="tx1"/>
                 </a:solidFill>
@@ -5902,14 +5902,14 @@
           <a:effectLst/>
           <a:extLst>
             <a:ext uri="{909E8E84-426E-40dd-AFC4-6F175D3DCCD1}">
-              <a14:hiddenFill xmlns:a14="http://schemas.microsoft.com/office/drawing/2010/main" xmlns="">
+              <a14:hiddenFill xmlns="" xmlns:a14="http://schemas.microsoft.com/office/drawing/2010/main">
                 <a:solidFill>
                   <a:schemeClr val="accent1"/>
                 </a:solidFill>
               </a14:hiddenFill>
             </a:ext>
             <a:ext uri="{91240B29-F687-4f45-9708-019B960494DF}">
-              <a14:hiddenLine xmlns:a14="http://schemas.microsoft.com/office/drawing/2010/main" xmlns="" w="9525">
+              <a14:hiddenLine xmlns="" xmlns:a14="http://schemas.microsoft.com/office/drawing/2010/main" w="9525">
                 <a:solidFill>
                   <a:schemeClr val="tx1"/>
                 </a:solidFill>
@@ -5919,7 +5919,7 @@
               </a14:hiddenLine>
             </a:ext>
             <a:ext uri="{AF507438-7753-43e0-B8FC-AC1667EBCBE1}">
-              <a14:hiddenEffects xmlns:a14="http://schemas.microsoft.com/office/drawing/2010/main" xmlns="">
+              <a14:hiddenEffects xmlns="" xmlns:a14="http://schemas.microsoft.com/office/drawing/2010/main">
                 <a:effectLst>
                   <a:outerShdw blurRad="63500" dist="38099" dir="2700000" algn="ctr" rotWithShape="0">
                     <a:schemeClr val="bg2">
@@ -5975,14 +5975,14 @@
           <a:effectLst/>
           <a:extLst>
             <a:ext uri="{909E8E84-426E-40dd-AFC4-6F175D3DCCD1}">
-              <a14:hiddenFill xmlns:a14="http://schemas.microsoft.com/office/drawing/2010/main" xmlns="">
+              <a14:hiddenFill xmlns="" xmlns:a14="http://schemas.microsoft.com/office/drawing/2010/main">
                 <a:solidFill>
                   <a:schemeClr val="accent1"/>
                 </a:solidFill>
               </a14:hiddenFill>
             </a:ext>
             <a:ext uri="{91240B29-F687-4f45-9708-019B960494DF}">
-              <a14:hiddenLine xmlns:a14="http://schemas.microsoft.com/office/drawing/2010/main" xmlns="" w="9525">
+              <a14:hiddenLine xmlns="" xmlns:a14="http://schemas.microsoft.com/office/drawing/2010/main" w="9525">
                 <a:solidFill>
                   <a:schemeClr val="tx1"/>
                 </a:solidFill>
@@ -5992,7 +5992,7 @@
               </a14:hiddenLine>
             </a:ext>
             <a:ext uri="{AF507438-7753-43e0-B8FC-AC1667EBCBE1}">
-              <a14:hiddenEffects xmlns:a14="http://schemas.microsoft.com/office/drawing/2010/main" xmlns="">
+              <a14:hiddenEffects xmlns="" xmlns:a14="http://schemas.microsoft.com/office/drawing/2010/main">
                 <a:effectLst>
                   <a:outerShdw blurRad="63500" dist="38099" dir="2700000" algn="ctr" rotWithShape="0">
                     <a:schemeClr val="bg2">
@@ -6047,14 +6047,14 @@
           </a:ln>
           <a:extLst>
             <a:ext uri="{909E8E84-426E-40dd-AFC4-6F175D3DCCD1}">
-              <a14:hiddenFill xmlns:a14="http://schemas.microsoft.com/office/drawing/2010/main" xmlns="">
+              <a14:hiddenFill xmlns="" xmlns:a14="http://schemas.microsoft.com/office/drawing/2010/main">
                 <a:solidFill>
                   <a:srgbClr val="FFFFFF"/>
                 </a:solidFill>
               </a14:hiddenFill>
             </a:ext>
             <a:ext uri="{91240B29-F687-4f45-9708-019B960494DF}">
-              <a14:hiddenLine xmlns:a14="http://schemas.microsoft.com/office/drawing/2010/main" xmlns="" w="9525">
+              <a14:hiddenLine xmlns="" xmlns:a14="http://schemas.microsoft.com/office/drawing/2010/main" w="9525">
                 <a:solidFill>
                   <a:srgbClr val="000000"/>
                 </a:solidFill>
@@ -6456,14 +6456,14 @@
           <a:effectLst/>
           <a:extLst>
             <a:ext uri="{909E8E84-426E-40dd-AFC4-6F175D3DCCD1}">
-              <a14:hiddenFill xmlns:a14="http://schemas.microsoft.com/office/drawing/2010/main" xmlns="">
+              <a14:hiddenFill xmlns="" xmlns:a14="http://schemas.microsoft.com/office/drawing/2010/main">
                 <a:solidFill>
                   <a:schemeClr val="accent1"/>
                 </a:solidFill>
               </a14:hiddenFill>
             </a:ext>
             <a:ext uri="{91240B29-F687-4f45-9708-019B960494DF}">
-              <a14:hiddenLine xmlns:a14="http://schemas.microsoft.com/office/drawing/2010/main" xmlns="" w="9525">
+              <a14:hiddenLine xmlns="" xmlns:a14="http://schemas.microsoft.com/office/drawing/2010/main" w="9525">
                 <a:solidFill>
                   <a:schemeClr val="tx1"/>
                 </a:solidFill>
@@ -6473,7 +6473,7 @@
               </a14:hiddenLine>
             </a:ext>
             <a:ext uri="{AF507438-7753-43e0-B8FC-AC1667EBCBE1}">
-              <a14:hiddenEffects xmlns:a14="http://schemas.microsoft.com/office/drawing/2010/main" xmlns="">
+              <a14:hiddenEffects xmlns="" xmlns:a14="http://schemas.microsoft.com/office/drawing/2010/main">
                 <a:effectLst>
                   <a:outerShdw blurRad="63500" dist="38099" dir="2700000" algn="ctr" rotWithShape="0">
                     <a:schemeClr val="bg2">
@@ -6529,14 +6529,14 @@
           <a:effectLst/>
           <a:extLst>
             <a:ext uri="{909E8E84-426E-40dd-AFC4-6F175D3DCCD1}">
-              <a14:hiddenFill xmlns:a14="http://schemas.microsoft.com/office/drawing/2010/main" xmlns="">
+              <a14:hiddenFill xmlns="" xmlns:a14="http://schemas.microsoft.com/office/drawing/2010/main">
                 <a:solidFill>
                   <a:schemeClr val="accent1"/>
                 </a:solidFill>
               </a14:hiddenFill>
             </a:ext>
             <a:ext uri="{91240B29-F687-4f45-9708-019B960494DF}">
-              <a14:hiddenLine xmlns:a14="http://schemas.microsoft.com/office/drawing/2010/main" xmlns="" w="9525">
+              <a14:hiddenLine xmlns="" xmlns:a14="http://schemas.microsoft.com/office/drawing/2010/main" w="9525">
                 <a:solidFill>
                   <a:schemeClr val="tx1"/>
                 </a:solidFill>
@@ -6546,7 +6546,7 @@
               </a14:hiddenLine>
             </a:ext>
             <a:ext uri="{AF507438-7753-43e0-B8FC-AC1667EBCBE1}">
-              <a14:hiddenEffects xmlns:a14="http://schemas.microsoft.com/office/drawing/2010/main" xmlns="">
+              <a14:hiddenEffects xmlns="" xmlns:a14="http://schemas.microsoft.com/office/drawing/2010/main">
                 <a:effectLst>
                   <a:outerShdw blurRad="63500" dist="38099" dir="2700000" algn="ctr" rotWithShape="0">
                     <a:schemeClr val="bg2">
@@ -7356,7 +7356,7 @@
           <a:p>
             <a:r>
               <a:rPr lang="en-US" dirty="0"/>
-              <a:t>As a designer, you need to:</a:t>
+              <a:t>As a architect, you need to:</a:t>
             </a:r>
           </a:p>
           <a:p>
